--- a/graphics/WorkFlow.pptx
+++ b/graphics/WorkFlow.pptx
@@ -2985,6 +2985,48 @@
       </p:grpSpPr>
       <p:sp>
         <p:nvSpPr>
+          <p:cNvPr id="10" name="Rectangle 9">
+            <a:extLst>
+              <a:ext uri="{FF2B5EF4-FFF2-40B4-BE49-F238E27FC236}">
+                <a16:creationId xmlns:a16="http://schemas.microsoft.com/office/drawing/2014/main" id="{C136E9A5-5F62-4051-8C4E-C0B87ED8AA2E}"/>
+              </a:ext>
+            </a:extLst>
+          </p:cNvPr>
+          <p:cNvSpPr/>
+          <p:nvPr/>
+        </p:nvSpPr>
+        <p:spPr>
+          <a:xfrm>
+            <a:off x="383540" y="970090"/>
+            <a:ext cx="6062927" cy="338554"/>
+          </a:xfrm>
+          <a:prstGeom prst="rect">
+            <a:avLst/>
+          </a:prstGeom>
+        </p:spPr>
+        <p:txBody>
+          <a:bodyPr wrap="square">
+            <a:spAutoFit/>
+          </a:bodyPr>
+          <a:lstStyle/>
+          <a:p>
+            <a:r>
+              <a:rPr lang="en-US" sz="1600" b="1" dirty="0"/>
+              <a:t>Directory: C:\Users\Zack Oyafuso\Documents\GitHub\</a:t>
+            </a:r>
+            <a:r>
+              <a:rPr lang="en-US" sz="1600" b="1" dirty="0" err="1"/>
+              <a:t>MS_OM_GoA</a:t>
+            </a:r>
+            <a:r>
+              <a:rPr lang="en-US" sz="1600" b="1" dirty="0"/>
+              <a:t>\</a:t>
+            </a:r>
+          </a:p>
+        </p:txBody>
+      </p:sp>
+      <p:sp>
+        <p:nvSpPr>
           <p:cNvPr id="5" name="Rectangle 4">
             <a:extLst>
               <a:ext uri="{FF2B5EF4-FFF2-40B4-BE49-F238E27FC236}">
@@ -4522,48 +4564,6 @@
             <a:r>
               <a:rPr lang="en-US" sz="1400" i="1" dirty="0"/>
               <a:t>Synthesize CPUE data</a:t>
-            </a:r>
-          </a:p>
-        </p:txBody>
-      </p:sp>
-      <p:sp>
-        <p:nvSpPr>
-          <p:cNvPr id="10" name="Rectangle 9">
-            <a:extLst>
-              <a:ext uri="{FF2B5EF4-FFF2-40B4-BE49-F238E27FC236}">
-                <a16:creationId xmlns:a16="http://schemas.microsoft.com/office/drawing/2014/main" id="{C136E9A5-5F62-4051-8C4E-C0B87ED8AA2E}"/>
-              </a:ext>
-            </a:extLst>
-          </p:cNvPr>
-          <p:cNvSpPr/>
-          <p:nvPr/>
-        </p:nvSpPr>
-        <p:spPr>
-          <a:xfrm>
-            <a:off x="383540" y="970090"/>
-            <a:ext cx="6062927" cy="338554"/>
-          </a:xfrm>
-          <a:prstGeom prst="rect">
-            <a:avLst/>
-          </a:prstGeom>
-        </p:spPr>
-        <p:txBody>
-          <a:bodyPr wrap="square">
-            <a:spAutoFit/>
-          </a:bodyPr>
-          <a:lstStyle/>
-          <a:p>
-            <a:r>
-              <a:rPr lang="en-US" sz="1600" b="1" dirty="0"/>
-              <a:t>Directory: C:\Users\Zack Oyafuso\Documents\GitHub\</a:t>
-            </a:r>
-            <a:r>
-              <a:rPr lang="en-US" sz="1600" b="1" dirty="0" err="1"/>
-              <a:t>MS_OM_GoA</a:t>
-            </a:r>
-            <a:r>
-              <a:rPr lang="en-US" sz="1600" b="1" dirty="0"/>
-              <a:t>\</a:t>
             </a:r>
           </a:p>
         </p:txBody>

--- a/graphics/WorkFlow.pptx
+++ b/graphics/WorkFlow.pptx
@@ -4,8 +4,12 @@
   <p:sldMasterIdLst>
     <p:sldMasterId id="2147483672" r:id="rId1"/>
   </p:sldMasterIdLst>
+  <p:notesMasterIdLst>
+    <p:notesMasterId r:id="rId4"/>
+  </p:notesMasterIdLst>
   <p:sldIdLst>
     <p:sldId id="307" r:id="rId2"/>
+    <p:sldId id="308" r:id="rId3"/>
   </p:sldIdLst>
   <p:sldSz cx="6858000" cy="9144000" type="screen4x3"/>
   <p:notesSz cx="6858000" cy="9144000"/>
@@ -114,7 +118,7 @@
 
 <file path=ppt/commentAuthors.xml><?xml version="1.0" encoding="utf-8"?>
 <p:cmAuthorLst xmlns:a="http://schemas.openxmlformats.org/drawingml/2006/main" xmlns:r="http://schemas.openxmlformats.org/officeDocument/2006/relationships" xmlns:p="http://schemas.openxmlformats.org/presentationml/2006/main">
-  <p:cmAuthor id="1" name="Zack Oyafuso" initials="ZO" lastIdx="1" clrIdx="0">
+  <p:cmAuthor id="1" name="Zack Oyafuso" initials="ZO" lastIdx="2" clrIdx="0">
     <p:extLst>
       <p:ext uri="{19B8F6BF-5375-455C-9EA6-DF929625EA0E}">
         <p15:presenceInfo xmlns:p15="http://schemas.microsoft.com/office/powerpoint/2012/main" userId="8d9910d1bec9b3cc" providerId="Windows Live"/>
@@ -122,6 +126,442 @@
     </p:extLst>
   </p:cmAuthor>
 </p:cmAuthorLst>
+</file>
+
+<file path=ppt/notesMasters/notesMaster1.xml><?xml version="1.0" encoding="utf-8"?>
+<p:notesMaster xmlns:a="http://schemas.openxmlformats.org/drawingml/2006/main" xmlns:r="http://schemas.openxmlformats.org/officeDocument/2006/relationships" xmlns:p="http://schemas.openxmlformats.org/presentationml/2006/main">
+  <p:cSld>
+    <p:bg>
+      <p:bgRef idx="1001">
+        <a:schemeClr val="bg1"/>
+      </p:bgRef>
+    </p:bg>
+    <p:spTree>
+      <p:nvGrpSpPr>
+        <p:cNvPr id="1" name=""/>
+        <p:cNvGrpSpPr/>
+        <p:nvPr/>
+      </p:nvGrpSpPr>
+      <p:grpSpPr>
+        <a:xfrm>
+          <a:off x="0" y="0"/>
+          <a:ext cx="0" cy="0"/>
+          <a:chOff x="0" y="0"/>
+          <a:chExt cx="0" cy="0"/>
+        </a:xfrm>
+      </p:grpSpPr>
+      <p:sp>
+        <p:nvSpPr>
+          <p:cNvPr id="2" name="Header Placeholder 1"/>
+          <p:cNvSpPr>
+            <a:spLocks noGrp="1"/>
+          </p:cNvSpPr>
+          <p:nvPr>
+            <p:ph type="hdr" sz="quarter"/>
+          </p:nvPr>
+        </p:nvSpPr>
+        <p:spPr>
+          <a:xfrm>
+            <a:off x="0" y="0"/>
+            <a:ext cx="2971800" cy="458788"/>
+          </a:xfrm>
+          <a:prstGeom prst="rect">
+            <a:avLst/>
+          </a:prstGeom>
+        </p:spPr>
+        <p:txBody>
+          <a:bodyPr vert="horz" lIns="91440" tIns="45720" rIns="91440" bIns="45720" rtlCol="0"/>
+          <a:lstStyle>
+            <a:lvl1pPr algn="l">
+              <a:defRPr sz="1200"/>
+            </a:lvl1pPr>
+          </a:lstStyle>
+          <a:p>
+            <a:endParaRPr lang="en-US"/>
+          </a:p>
+        </p:txBody>
+      </p:sp>
+      <p:sp>
+        <p:nvSpPr>
+          <p:cNvPr id="3" name="Date Placeholder 2"/>
+          <p:cNvSpPr>
+            <a:spLocks noGrp="1"/>
+          </p:cNvSpPr>
+          <p:nvPr>
+            <p:ph type="dt" idx="1"/>
+          </p:nvPr>
+        </p:nvSpPr>
+        <p:spPr>
+          <a:xfrm>
+            <a:off x="3884613" y="0"/>
+            <a:ext cx="2971800" cy="458788"/>
+          </a:xfrm>
+          <a:prstGeom prst="rect">
+            <a:avLst/>
+          </a:prstGeom>
+        </p:spPr>
+        <p:txBody>
+          <a:bodyPr vert="horz" lIns="91440" tIns="45720" rIns="91440" bIns="45720" rtlCol="0"/>
+          <a:lstStyle>
+            <a:lvl1pPr algn="r">
+              <a:defRPr sz="1200"/>
+            </a:lvl1pPr>
+          </a:lstStyle>
+          <a:p>
+            <a:fld id="{A4DA4F57-A2BF-4C31-A47E-3BBB18610A5C}" type="datetimeFigureOut">
+              <a:rPr lang="en-US" smtClean="0"/>
+              <a:t>11/5/2020</a:t>
+            </a:fld>
+            <a:endParaRPr lang="en-US"/>
+          </a:p>
+        </p:txBody>
+      </p:sp>
+      <p:sp>
+        <p:nvSpPr>
+          <p:cNvPr id="4" name="Slide Image Placeholder 3"/>
+          <p:cNvSpPr>
+            <a:spLocks noGrp="1" noRot="1" noChangeAspect="1"/>
+          </p:cNvSpPr>
+          <p:nvPr>
+            <p:ph type="sldImg" idx="2"/>
+          </p:nvPr>
+        </p:nvSpPr>
+        <p:spPr>
+          <a:xfrm>
+            <a:off x="2271713" y="1143000"/>
+            <a:ext cx="2314575" cy="3086100"/>
+          </a:xfrm>
+          <a:prstGeom prst="rect">
+            <a:avLst/>
+          </a:prstGeom>
+          <a:noFill/>
+          <a:ln w="12700">
+            <a:solidFill>
+              <a:prstClr val="black"/>
+            </a:solidFill>
+          </a:ln>
+        </p:spPr>
+        <p:txBody>
+          <a:bodyPr vert="horz" lIns="91440" tIns="45720" rIns="91440" bIns="45720" rtlCol="0" anchor="ctr"/>
+          <a:lstStyle/>
+          <a:p>
+            <a:endParaRPr lang="en-US"/>
+          </a:p>
+        </p:txBody>
+      </p:sp>
+      <p:sp>
+        <p:nvSpPr>
+          <p:cNvPr id="5" name="Notes Placeholder 4"/>
+          <p:cNvSpPr>
+            <a:spLocks noGrp="1"/>
+          </p:cNvSpPr>
+          <p:nvPr>
+            <p:ph type="body" sz="quarter" idx="3"/>
+          </p:nvPr>
+        </p:nvSpPr>
+        <p:spPr>
+          <a:xfrm>
+            <a:off x="685800" y="4400550"/>
+            <a:ext cx="5486400" cy="3600450"/>
+          </a:xfrm>
+          <a:prstGeom prst="rect">
+            <a:avLst/>
+          </a:prstGeom>
+        </p:spPr>
+        <p:txBody>
+          <a:bodyPr vert="horz" lIns="91440" tIns="45720" rIns="91440" bIns="45720" rtlCol="0"/>
+          <a:lstStyle/>
+          <a:p>
+            <a:pPr lvl="0"/>
+            <a:r>
+              <a:rPr lang="en-US"/>
+              <a:t>Click to edit Master text styles</a:t>
+            </a:r>
+          </a:p>
+          <a:p>
+            <a:pPr lvl="1"/>
+            <a:r>
+              <a:rPr lang="en-US"/>
+              <a:t>Second level</a:t>
+            </a:r>
+          </a:p>
+          <a:p>
+            <a:pPr lvl="2"/>
+            <a:r>
+              <a:rPr lang="en-US"/>
+              <a:t>Third level</a:t>
+            </a:r>
+          </a:p>
+          <a:p>
+            <a:pPr lvl="3"/>
+            <a:r>
+              <a:rPr lang="en-US"/>
+              <a:t>Fourth level</a:t>
+            </a:r>
+          </a:p>
+          <a:p>
+            <a:pPr lvl="4"/>
+            <a:r>
+              <a:rPr lang="en-US"/>
+              <a:t>Fifth level</a:t>
+            </a:r>
+          </a:p>
+        </p:txBody>
+      </p:sp>
+      <p:sp>
+        <p:nvSpPr>
+          <p:cNvPr id="6" name="Footer Placeholder 5"/>
+          <p:cNvSpPr>
+            <a:spLocks noGrp="1"/>
+          </p:cNvSpPr>
+          <p:nvPr>
+            <p:ph type="ftr" sz="quarter" idx="4"/>
+          </p:nvPr>
+        </p:nvSpPr>
+        <p:spPr>
+          <a:xfrm>
+            <a:off x="0" y="8685213"/>
+            <a:ext cx="2971800" cy="458787"/>
+          </a:xfrm>
+          <a:prstGeom prst="rect">
+            <a:avLst/>
+          </a:prstGeom>
+        </p:spPr>
+        <p:txBody>
+          <a:bodyPr vert="horz" lIns="91440" tIns="45720" rIns="91440" bIns="45720" rtlCol="0" anchor="b"/>
+          <a:lstStyle>
+            <a:lvl1pPr algn="l">
+              <a:defRPr sz="1200"/>
+            </a:lvl1pPr>
+          </a:lstStyle>
+          <a:p>
+            <a:endParaRPr lang="en-US"/>
+          </a:p>
+        </p:txBody>
+      </p:sp>
+      <p:sp>
+        <p:nvSpPr>
+          <p:cNvPr id="7" name="Slide Number Placeholder 6"/>
+          <p:cNvSpPr>
+            <a:spLocks noGrp="1"/>
+          </p:cNvSpPr>
+          <p:nvPr>
+            <p:ph type="sldNum" sz="quarter" idx="5"/>
+          </p:nvPr>
+        </p:nvSpPr>
+        <p:spPr>
+          <a:xfrm>
+            <a:off x="3884613" y="8685213"/>
+            <a:ext cx="2971800" cy="458787"/>
+          </a:xfrm>
+          <a:prstGeom prst="rect">
+            <a:avLst/>
+          </a:prstGeom>
+        </p:spPr>
+        <p:txBody>
+          <a:bodyPr vert="horz" lIns="91440" tIns="45720" rIns="91440" bIns="45720" rtlCol="0" anchor="b"/>
+          <a:lstStyle>
+            <a:lvl1pPr algn="r">
+              <a:defRPr sz="1200"/>
+            </a:lvl1pPr>
+          </a:lstStyle>
+          <a:p>
+            <a:fld id="{A05BDBD2-6A0E-465C-BA36-5CADDEFDACF9}" type="slidenum">
+              <a:rPr lang="en-US" smtClean="0"/>
+              <a:t>‹#›</a:t>
+            </a:fld>
+            <a:endParaRPr lang="en-US"/>
+          </a:p>
+        </p:txBody>
+      </p:sp>
+    </p:spTree>
+    <p:extLst>
+      <p:ext uri="{BB962C8B-B14F-4D97-AF65-F5344CB8AC3E}">
+        <p14:creationId xmlns:p14="http://schemas.microsoft.com/office/powerpoint/2010/main" val="118047751"/>
+      </p:ext>
+    </p:extLst>
+  </p:cSld>
+  <p:clrMap bg1="lt1" tx1="dk1" bg2="lt2" tx2="dk2" accent1="accent1" accent2="accent2" accent3="accent3" accent4="accent4" accent5="accent5" accent6="accent6" hlink="hlink" folHlink="folHlink"/>
+  <p:notesStyle>
+    <a:lvl1pPr marL="0" algn="l" defTabSz="914400" rtl="0" eaLnBrk="1" latinLnBrk="0" hangingPunct="1">
+      <a:defRPr sz="1200" kern="1200">
+        <a:solidFill>
+          <a:schemeClr val="tx1"/>
+        </a:solidFill>
+        <a:latin typeface="+mn-lt"/>
+        <a:ea typeface="+mn-ea"/>
+        <a:cs typeface="+mn-cs"/>
+      </a:defRPr>
+    </a:lvl1pPr>
+    <a:lvl2pPr marL="457200" algn="l" defTabSz="914400" rtl="0" eaLnBrk="1" latinLnBrk="0" hangingPunct="1">
+      <a:defRPr sz="1200" kern="1200">
+        <a:solidFill>
+          <a:schemeClr val="tx1"/>
+        </a:solidFill>
+        <a:latin typeface="+mn-lt"/>
+        <a:ea typeface="+mn-ea"/>
+        <a:cs typeface="+mn-cs"/>
+      </a:defRPr>
+    </a:lvl2pPr>
+    <a:lvl3pPr marL="914400" algn="l" defTabSz="914400" rtl="0" eaLnBrk="1" latinLnBrk="0" hangingPunct="1">
+      <a:defRPr sz="1200" kern="1200">
+        <a:solidFill>
+          <a:schemeClr val="tx1"/>
+        </a:solidFill>
+        <a:latin typeface="+mn-lt"/>
+        <a:ea typeface="+mn-ea"/>
+        <a:cs typeface="+mn-cs"/>
+      </a:defRPr>
+    </a:lvl3pPr>
+    <a:lvl4pPr marL="1371600" algn="l" defTabSz="914400" rtl="0" eaLnBrk="1" latinLnBrk="0" hangingPunct="1">
+      <a:defRPr sz="1200" kern="1200">
+        <a:solidFill>
+          <a:schemeClr val="tx1"/>
+        </a:solidFill>
+        <a:latin typeface="+mn-lt"/>
+        <a:ea typeface="+mn-ea"/>
+        <a:cs typeface="+mn-cs"/>
+      </a:defRPr>
+    </a:lvl4pPr>
+    <a:lvl5pPr marL="1828800" algn="l" defTabSz="914400" rtl="0" eaLnBrk="1" latinLnBrk="0" hangingPunct="1">
+      <a:defRPr sz="1200" kern="1200">
+        <a:solidFill>
+          <a:schemeClr val="tx1"/>
+        </a:solidFill>
+        <a:latin typeface="+mn-lt"/>
+        <a:ea typeface="+mn-ea"/>
+        <a:cs typeface="+mn-cs"/>
+      </a:defRPr>
+    </a:lvl5pPr>
+    <a:lvl6pPr marL="2286000" algn="l" defTabSz="914400" rtl="0" eaLnBrk="1" latinLnBrk="0" hangingPunct="1">
+      <a:defRPr sz="1200" kern="1200">
+        <a:solidFill>
+          <a:schemeClr val="tx1"/>
+        </a:solidFill>
+        <a:latin typeface="+mn-lt"/>
+        <a:ea typeface="+mn-ea"/>
+        <a:cs typeface="+mn-cs"/>
+      </a:defRPr>
+    </a:lvl6pPr>
+    <a:lvl7pPr marL="2743200" algn="l" defTabSz="914400" rtl="0" eaLnBrk="1" latinLnBrk="0" hangingPunct="1">
+      <a:defRPr sz="1200" kern="1200">
+        <a:solidFill>
+          <a:schemeClr val="tx1"/>
+        </a:solidFill>
+        <a:latin typeface="+mn-lt"/>
+        <a:ea typeface="+mn-ea"/>
+        <a:cs typeface="+mn-cs"/>
+      </a:defRPr>
+    </a:lvl7pPr>
+    <a:lvl8pPr marL="3200400" algn="l" defTabSz="914400" rtl="0" eaLnBrk="1" latinLnBrk="0" hangingPunct="1">
+      <a:defRPr sz="1200" kern="1200">
+        <a:solidFill>
+          <a:schemeClr val="tx1"/>
+        </a:solidFill>
+        <a:latin typeface="+mn-lt"/>
+        <a:ea typeface="+mn-ea"/>
+        <a:cs typeface="+mn-cs"/>
+      </a:defRPr>
+    </a:lvl8pPr>
+    <a:lvl9pPr marL="3657600" algn="l" defTabSz="914400" rtl="0" eaLnBrk="1" latinLnBrk="0" hangingPunct="1">
+      <a:defRPr sz="1200" kern="1200">
+        <a:solidFill>
+          <a:schemeClr val="tx1"/>
+        </a:solidFill>
+        <a:latin typeface="+mn-lt"/>
+        <a:ea typeface="+mn-ea"/>
+        <a:cs typeface="+mn-cs"/>
+      </a:defRPr>
+    </a:lvl9pPr>
+  </p:notesStyle>
+</p:notesMaster>
+</file>
+
+<file path=ppt/notesSlides/notesSlide1.xml><?xml version="1.0" encoding="utf-8"?>
+<p:notes xmlns:a="http://schemas.openxmlformats.org/drawingml/2006/main" xmlns:r="http://schemas.openxmlformats.org/officeDocument/2006/relationships" xmlns:p="http://schemas.openxmlformats.org/presentationml/2006/main">
+  <p:cSld>
+    <p:spTree>
+      <p:nvGrpSpPr>
+        <p:cNvPr id="1" name=""/>
+        <p:cNvGrpSpPr/>
+        <p:nvPr/>
+      </p:nvGrpSpPr>
+      <p:grpSpPr>
+        <a:xfrm>
+          <a:off x="0" y="0"/>
+          <a:ext cx="0" cy="0"/>
+          <a:chOff x="0" y="0"/>
+          <a:chExt cx="0" cy="0"/>
+        </a:xfrm>
+      </p:grpSpPr>
+      <p:sp>
+        <p:nvSpPr>
+          <p:cNvPr id="2" name="Slide Image Placeholder 1"/>
+          <p:cNvSpPr>
+            <a:spLocks noGrp="1" noRot="1" noChangeAspect="1"/>
+          </p:cNvSpPr>
+          <p:nvPr>
+            <p:ph type="sldImg"/>
+          </p:nvPr>
+        </p:nvSpPr>
+        <p:spPr/>
+      </p:sp>
+      <p:sp>
+        <p:nvSpPr>
+          <p:cNvPr id="3" name="Notes Placeholder 2"/>
+          <p:cNvSpPr>
+            <a:spLocks noGrp="1"/>
+          </p:cNvSpPr>
+          <p:nvPr>
+            <p:ph type="body" idx="1"/>
+          </p:nvPr>
+        </p:nvSpPr>
+        <p:spPr/>
+        <p:txBody>
+          <a:bodyPr/>
+          <a:lstStyle/>
+          <a:p>
+            <a:r>
+              <a:rPr lang="en-US" dirty="0"/>
+              <a:t>workflow1.png</a:t>
+            </a:r>
+          </a:p>
+        </p:txBody>
+      </p:sp>
+      <p:sp>
+        <p:nvSpPr>
+          <p:cNvPr id="4" name="Slide Number Placeholder 3"/>
+          <p:cNvSpPr>
+            <a:spLocks noGrp="1"/>
+          </p:cNvSpPr>
+          <p:nvPr>
+            <p:ph type="sldNum" sz="quarter" idx="5"/>
+          </p:nvPr>
+        </p:nvSpPr>
+        <p:spPr/>
+        <p:txBody>
+          <a:bodyPr/>
+          <a:lstStyle/>
+          <a:p>
+            <a:fld id="{A05BDBD2-6A0E-465C-BA36-5CADDEFDACF9}" type="slidenum">
+              <a:rPr lang="en-US" smtClean="0"/>
+              <a:t>2</a:t>
+            </a:fld>
+            <a:endParaRPr lang="en-US"/>
+          </a:p>
+        </p:txBody>
+      </p:sp>
+    </p:spTree>
+    <p:extLst>
+      <p:ext uri="{BB962C8B-B14F-4D97-AF65-F5344CB8AC3E}">
+        <p14:creationId xmlns:p14="http://schemas.microsoft.com/office/powerpoint/2010/main" val="1426596375"/>
+      </p:ext>
+    </p:extLst>
+  </p:cSld>
+  <p:clrMapOvr>
+    <a:masterClrMapping/>
+  </p:clrMapOvr>
+</p:notes>
 </file>
 
 <file path=ppt/slideLayouts/slideLayout1.xml><?xml version="1.0" encoding="utf-8"?>
@@ -255,7 +695,7 @@
           <a:p>
             <a:fld id="{940DD78A-3543-B642-AD3F-EDE834A6561E}" type="datetimeFigureOut">
               <a:rPr lang="en-US" smtClean="0"/>
-              <a:t>9/14/2020</a:t>
+              <a:t>11/5/2020</a:t>
             </a:fld>
             <a:endParaRPr lang="en-US"/>
           </a:p>
@@ -425,7 +865,7 @@
           <a:p>
             <a:fld id="{940DD78A-3543-B642-AD3F-EDE834A6561E}" type="datetimeFigureOut">
               <a:rPr lang="en-US" smtClean="0"/>
-              <a:t>9/14/2020</a:t>
+              <a:t>11/5/2020</a:t>
             </a:fld>
             <a:endParaRPr lang="en-US"/>
           </a:p>
@@ -605,7 +1045,7 @@
           <a:p>
             <a:fld id="{940DD78A-3543-B642-AD3F-EDE834A6561E}" type="datetimeFigureOut">
               <a:rPr lang="en-US" smtClean="0"/>
-              <a:t>9/14/2020</a:t>
+              <a:t>11/5/2020</a:t>
             </a:fld>
             <a:endParaRPr lang="en-US"/>
           </a:p>
@@ -775,7 +1215,7 @@
           <a:p>
             <a:fld id="{940DD78A-3543-B642-AD3F-EDE834A6561E}" type="datetimeFigureOut">
               <a:rPr lang="en-US" smtClean="0"/>
-              <a:t>9/14/2020</a:t>
+              <a:t>11/5/2020</a:t>
             </a:fld>
             <a:endParaRPr lang="en-US"/>
           </a:p>
@@ -1019,7 +1459,7 @@
           <a:p>
             <a:fld id="{940DD78A-3543-B642-AD3F-EDE834A6561E}" type="datetimeFigureOut">
               <a:rPr lang="en-US" smtClean="0"/>
-              <a:t>9/14/2020</a:t>
+              <a:t>11/5/2020</a:t>
             </a:fld>
             <a:endParaRPr lang="en-US"/>
           </a:p>
@@ -1251,7 +1691,7 @@
           <a:p>
             <a:fld id="{940DD78A-3543-B642-AD3F-EDE834A6561E}" type="datetimeFigureOut">
               <a:rPr lang="en-US" smtClean="0"/>
-              <a:t>9/14/2020</a:t>
+              <a:t>11/5/2020</a:t>
             </a:fld>
             <a:endParaRPr lang="en-US"/>
           </a:p>
@@ -1618,7 +2058,7 @@
           <a:p>
             <a:fld id="{940DD78A-3543-B642-AD3F-EDE834A6561E}" type="datetimeFigureOut">
               <a:rPr lang="en-US" smtClean="0"/>
-              <a:t>9/14/2020</a:t>
+              <a:t>11/5/2020</a:t>
             </a:fld>
             <a:endParaRPr lang="en-US"/>
           </a:p>
@@ -1736,7 +2176,7 @@
           <a:p>
             <a:fld id="{940DD78A-3543-B642-AD3F-EDE834A6561E}" type="datetimeFigureOut">
               <a:rPr lang="en-US" smtClean="0"/>
-              <a:t>9/14/2020</a:t>
+              <a:t>11/5/2020</a:t>
             </a:fld>
             <a:endParaRPr lang="en-US"/>
           </a:p>
@@ -1831,7 +2271,7 @@
           <a:p>
             <a:fld id="{940DD78A-3543-B642-AD3F-EDE834A6561E}" type="datetimeFigureOut">
               <a:rPr lang="en-US" smtClean="0"/>
-              <a:t>9/14/2020</a:t>
+              <a:t>11/5/2020</a:t>
             </a:fld>
             <a:endParaRPr lang="en-US"/>
           </a:p>
@@ -2108,7 +2548,7 @@
           <a:p>
             <a:fld id="{940DD78A-3543-B642-AD3F-EDE834A6561E}" type="datetimeFigureOut">
               <a:rPr lang="en-US" smtClean="0"/>
-              <a:t>9/14/2020</a:t>
+              <a:t>11/5/2020</a:t>
             </a:fld>
             <a:endParaRPr lang="en-US"/>
           </a:p>
@@ -2365,7 +2805,7 @@
           <a:p>
             <a:fld id="{940DD78A-3543-B642-AD3F-EDE834A6561E}" type="datetimeFigureOut">
               <a:rPr lang="en-US" smtClean="0"/>
-              <a:t>9/14/2020</a:t>
+              <a:t>11/5/2020</a:t>
             </a:fld>
             <a:endParaRPr lang="en-US"/>
           </a:p>
@@ -2578,7 +3018,7 @@
           <a:p>
             <a:fld id="{940DD78A-3543-B642-AD3F-EDE834A6561E}" type="datetimeFigureOut">
               <a:rPr lang="en-US" smtClean="0"/>
-              <a:t>9/14/2020</a:t>
+              <a:t>11/5/2020</a:t>
             </a:fld>
             <a:endParaRPr lang="en-US"/>
           </a:p>
@@ -4936,6 +5376,763 @@
 </p:sld>
 </file>
 
+<file path=ppt/slides/slide2.xml><?xml version="1.0" encoding="utf-8"?>
+<p:sld xmlns:a="http://schemas.openxmlformats.org/drawingml/2006/main" xmlns:r="http://schemas.openxmlformats.org/officeDocument/2006/relationships" xmlns:p="http://schemas.openxmlformats.org/presentationml/2006/main">
+  <p:cSld>
+    <p:spTree>
+      <p:nvGrpSpPr>
+        <p:cNvPr id="1" name=""/>
+        <p:cNvGrpSpPr/>
+        <p:nvPr/>
+      </p:nvGrpSpPr>
+      <p:grpSpPr>
+        <a:xfrm>
+          <a:off x="0" y="0"/>
+          <a:ext cx="0" cy="0"/>
+          <a:chOff x="0" y="0"/>
+          <a:chExt cx="0" cy="0"/>
+        </a:xfrm>
+      </p:grpSpPr>
+      <p:grpSp>
+        <p:nvGrpSpPr>
+          <p:cNvPr id="32" name="Group 31">
+            <a:extLst>
+              <a:ext uri="{FF2B5EF4-FFF2-40B4-BE49-F238E27FC236}">
+                <a16:creationId xmlns:a16="http://schemas.microsoft.com/office/drawing/2014/main" id="{8F0C6441-620A-403E-8157-E63B1A074C93}"/>
+              </a:ext>
+            </a:extLst>
+          </p:cNvPr>
+          <p:cNvGrpSpPr/>
+          <p:nvPr/>
+        </p:nvGrpSpPr>
+        <p:grpSpPr>
+          <a:xfrm>
+            <a:off x="209453" y="3666678"/>
+            <a:ext cx="6434110" cy="2610554"/>
+            <a:chOff x="209453" y="3666678"/>
+            <a:chExt cx="6434110" cy="2610554"/>
+          </a:xfrm>
+        </p:grpSpPr>
+        <p:sp>
+          <p:nvSpPr>
+            <p:cNvPr id="33" name="Rectangle 32">
+              <a:extLst>
+                <a:ext uri="{FF2B5EF4-FFF2-40B4-BE49-F238E27FC236}">
+                  <a16:creationId xmlns:a16="http://schemas.microsoft.com/office/drawing/2014/main" id="{198088A9-C32B-4911-86E0-AF2F589BAC86}"/>
+                </a:ext>
+              </a:extLst>
+            </p:cNvPr>
+            <p:cNvSpPr/>
+            <p:nvPr/>
+          </p:nvSpPr>
+          <p:spPr>
+            <a:xfrm>
+              <a:off x="209453" y="3666678"/>
+              <a:ext cx="6434109" cy="2610554"/>
+            </a:xfrm>
+            <a:prstGeom prst="rect">
+              <a:avLst/>
+            </a:prstGeom>
+            <a:solidFill>
+              <a:srgbClr val="00B0F0"/>
+            </a:solidFill>
+          </p:spPr>
+          <p:style>
+            <a:lnRef idx="2">
+              <a:schemeClr val="accent1">
+                <a:shade val="50000"/>
+              </a:schemeClr>
+            </a:lnRef>
+            <a:fillRef idx="1">
+              <a:schemeClr val="accent1"/>
+            </a:fillRef>
+            <a:effectRef idx="0">
+              <a:schemeClr val="accent1"/>
+            </a:effectRef>
+            <a:fontRef idx="minor">
+              <a:schemeClr val="lt1"/>
+            </a:fontRef>
+          </p:style>
+          <p:txBody>
+            <a:bodyPr rtlCol="0" anchor="ctr"/>
+            <a:lstStyle/>
+            <a:p>
+              <a:pPr algn="ctr"/>
+              <a:endParaRPr lang="en-US" sz="1400" i="1" dirty="0"/>
+            </a:p>
+          </p:txBody>
+        </p:sp>
+        <p:sp>
+          <p:nvSpPr>
+            <p:cNvPr id="21" name="Rectangle 20">
+              <a:extLst>
+                <a:ext uri="{FF2B5EF4-FFF2-40B4-BE49-F238E27FC236}">
+                  <a16:creationId xmlns:a16="http://schemas.microsoft.com/office/drawing/2014/main" id="{8F8CE24F-FBDE-4AD2-94EA-8895ACBBAAEC}"/>
+                </a:ext>
+              </a:extLst>
+            </p:cNvPr>
+            <p:cNvSpPr/>
+            <p:nvPr/>
+          </p:nvSpPr>
+          <p:spPr>
+            <a:xfrm>
+              <a:off x="3641345" y="4454494"/>
+              <a:ext cx="2769920" cy="1331089"/>
+            </a:xfrm>
+            <a:prstGeom prst="rect">
+              <a:avLst/>
+            </a:prstGeom>
+            <a:solidFill>
+              <a:schemeClr val="accent2"/>
+            </a:solidFill>
+            <a:ln>
+              <a:solidFill>
+                <a:schemeClr val="tx1"/>
+              </a:solidFill>
+            </a:ln>
+          </p:spPr>
+          <p:style>
+            <a:lnRef idx="2">
+              <a:schemeClr val="accent1">
+                <a:shade val="50000"/>
+              </a:schemeClr>
+            </a:lnRef>
+            <a:fillRef idx="1">
+              <a:schemeClr val="accent1"/>
+            </a:fillRef>
+            <a:effectRef idx="0">
+              <a:schemeClr val="accent1"/>
+            </a:effectRef>
+            <a:fontRef idx="minor">
+              <a:schemeClr val="lt1"/>
+            </a:fontRef>
+          </p:style>
+          <p:txBody>
+            <a:bodyPr rtlCol="0" anchor="ctr"/>
+            <a:lstStyle/>
+            <a:p>
+              <a:pPr algn="ctr"/>
+              <a:endParaRPr lang="en-US"/>
+            </a:p>
+          </p:txBody>
+        </p:sp>
+        <p:sp>
+          <p:nvSpPr>
+            <p:cNvPr id="5" name="Rectangle 4">
+              <a:extLst>
+                <a:ext uri="{FF2B5EF4-FFF2-40B4-BE49-F238E27FC236}">
+                  <a16:creationId xmlns:a16="http://schemas.microsoft.com/office/drawing/2014/main" id="{CE8E31BA-D43E-734C-8887-19317F20352A}"/>
+                </a:ext>
+              </a:extLst>
+            </p:cNvPr>
+            <p:cNvSpPr/>
+            <p:nvPr/>
+          </p:nvSpPr>
+          <p:spPr>
+            <a:xfrm>
+              <a:off x="4037763" y="4926295"/>
+              <a:ext cx="1828800" cy="177262"/>
+            </a:xfrm>
+            <a:prstGeom prst="rect">
+              <a:avLst/>
+            </a:prstGeom>
+            <a:solidFill>
+              <a:schemeClr val="accent4"/>
+            </a:solidFill>
+          </p:spPr>
+          <p:style>
+            <a:lnRef idx="2">
+              <a:schemeClr val="accent1">
+                <a:shade val="50000"/>
+              </a:schemeClr>
+            </a:lnRef>
+            <a:fillRef idx="1">
+              <a:schemeClr val="accent1"/>
+            </a:fillRef>
+            <a:effectRef idx="0">
+              <a:schemeClr val="accent1"/>
+            </a:effectRef>
+            <a:fontRef idx="minor">
+              <a:schemeClr val="lt1"/>
+            </a:fontRef>
+          </p:style>
+          <p:txBody>
+            <a:bodyPr rtlCol="0" anchor="ctr"/>
+            <a:lstStyle/>
+            <a:p>
+              <a:pPr algn="ctr"/>
+              <a:r>
+                <a:rPr lang="en-US" sz="1100" i="1" dirty="0" err="1">
+                  <a:solidFill>
+                    <a:schemeClr val="tx1"/>
+                  </a:solidFill>
+                </a:rPr>
+                <a:t>data_survey.R</a:t>
+              </a:r>
+              <a:endParaRPr lang="en-US" sz="1100" i="1" dirty="0">
+                <a:solidFill>
+                  <a:schemeClr val="tx1"/>
+                </a:solidFill>
+              </a:endParaRPr>
+            </a:p>
+          </p:txBody>
+        </p:sp>
+        <p:sp>
+          <p:nvSpPr>
+            <p:cNvPr id="9" name="Rectangle 8">
+              <a:extLst>
+                <a:ext uri="{FF2B5EF4-FFF2-40B4-BE49-F238E27FC236}">
+                  <a16:creationId xmlns:a16="http://schemas.microsoft.com/office/drawing/2014/main" id="{1B2A98F1-9358-4448-960D-30EF85C129BB}"/>
+                </a:ext>
+              </a:extLst>
+            </p:cNvPr>
+            <p:cNvSpPr/>
+            <p:nvPr/>
+          </p:nvSpPr>
+          <p:spPr>
+            <a:xfrm>
+              <a:off x="4031619" y="5492633"/>
+              <a:ext cx="1828800" cy="177262"/>
+            </a:xfrm>
+            <a:prstGeom prst="rect">
+              <a:avLst/>
+            </a:prstGeom>
+            <a:solidFill>
+              <a:schemeClr val="accent6"/>
+            </a:solidFill>
+          </p:spPr>
+          <p:style>
+            <a:lnRef idx="2">
+              <a:schemeClr val="accent1">
+                <a:shade val="50000"/>
+              </a:schemeClr>
+            </a:lnRef>
+            <a:fillRef idx="1">
+              <a:schemeClr val="accent1"/>
+            </a:fillRef>
+            <a:effectRef idx="0">
+              <a:schemeClr val="accent1"/>
+            </a:effectRef>
+            <a:fontRef idx="minor">
+              <a:schemeClr val="lt1"/>
+            </a:fontRef>
+          </p:style>
+          <p:txBody>
+            <a:bodyPr rtlCol="0" anchor="ctr"/>
+            <a:lstStyle/>
+            <a:p>
+              <a:pPr algn="ctr"/>
+              <a:r>
+                <a:rPr lang="en-US" sz="1100" i="1" dirty="0" err="1">
+                  <a:solidFill>
+                    <a:schemeClr val="tx1"/>
+                  </a:solidFill>
+                </a:rPr>
+                <a:t>GOA_multspp.csv</a:t>
+              </a:r>
+              <a:endParaRPr lang="en-US" sz="1100" i="1" dirty="0">
+                <a:solidFill>
+                  <a:schemeClr val="tx1"/>
+                </a:solidFill>
+              </a:endParaRPr>
+            </a:p>
+          </p:txBody>
+        </p:sp>
+        <p:cxnSp>
+          <p:nvCxnSpPr>
+            <p:cNvPr id="64" name="Straight Arrow Connector 63">
+              <a:extLst>
+                <a:ext uri="{FF2B5EF4-FFF2-40B4-BE49-F238E27FC236}">
+                  <a16:creationId xmlns:a16="http://schemas.microsoft.com/office/drawing/2014/main" id="{4FAD419A-5042-DC49-80AC-80BD2B9AD31C}"/>
+                </a:ext>
+              </a:extLst>
+            </p:cNvPr>
+            <p:cNvCxnSpPr>
+              <a:cxnSpLocks/>
+              <a:stCxn id="5" idx="2"/>
+              <a:endCxn id="9" idx="0"/>
+            </p:cNvCxnSpPr>
+            <p:nvPr/>
+          </p:nvCxnSpPr>
+          <p:spPr>
+            <a:xfrm flipH="1">
+              <a:off x="4946019" y="5103557"/>
+              <a:ext cx="6144" cy="389076"/>
+            </a:xfrm>
+            <a:prstGeom prst="straightConnector1">
+              <a:avLst/>
+            </a:prstGeom>
+            <a:ln w="38100">
+              <a:solidFill>
+                <a:schemeClr val="tx1"/>
+              </a:solidFill>
+              <a:tailEnd type="triangle"/>
+            </a:ln>
+          </p:spPr>
+          <p:style>
+            <a:lnRef idx="1">
+              <a:schemeClr val="accent1"/>
+            </a:lnRef>
+            <a:fillRef idx="0">
+              <a:schemeClr val="accent1"/>
+            </a:fillRef>
+            <a:effectRef idx="0">
+              <a:schemeClr val="accent1"/>
+            </a:effectRef>
+            <a:fontRef idx="minor">
+              <a:schemeClr val="tx1"/>
+            </a:fontRef>
+          </p:style>
+        </p:cxnSp>
+        <p:sp>
+          <p:nvSpPr>
+            <p:cNvPr id="2" name="Rectangle 1">
+              <a:extLst>
+                <a:ext uri="{FF2B5EF4-FFF2-40B4-BE49-F238E27FC236}">
+                  <a16:creationId xmlns:a16="http://schemas.microsoft.com/office/drawing/2014/main" id="{7C42FA3F-F7E8-426D-A9C8-EEF6099B99A6}"/>
+                </a:ext>
+              </a:extLst>
+            </p:cNvPr>
+            <p:cNvSpPr/>
+            <p:nvPr/>
+          </p:nvSpPr>
+          <p:spPr>
+            <a:xfrm>
+              <a:off x="540439" y="4139515"/>
+              <a:ext cx="2769920" cy="1647828"/>
+            </a:xfrm>
+            <a:prstGeom prst="rect">
+              <a:avLst/>
+            </a:prstGeom>
+            <a:solidFill>
+              <a:schemeClr val="accent2"/>
+            </a:solidFill>
+            <a:ln>
+              <a:solidFill>
+                <a:schemeClr val="tx1"/>
+              </a:solidFill>
+            </a:ln>
+          </p:spPr>
+          <p:style>
+            <a:lnRef idx="2">
+              <a:schemeClr val="accent1">
+                <a:shade val="50000"/>
+              </a:schemeClr>
+            </a:lnRef>
+            <a:fillRef idx="1">
+              <a:schemeClr val="accent1"/>
+            </a:fillRef>
+            <a:effectRef idx="0">
+              <a:schemeClr val="accent1"/>
+            </a:effectRef>
+            <a:fontRef idx="minor">
+              <a:schemeClr val="lt1"/>
+            </a:fontRef>
+          </p:style>
+          <p:txBody>
+            <a:bodyPr rtlCol="0" anchor="ctr"/>
+            <a:lstStyle/>
+            <a:p>
+              <a:pPr algn="ctr"/>
+              <a:endParaRPr lang="en-US"/>
+            </a:p>
+          </p:txBody>
+        </p:sp>
+        <p:sp>
+          <p:nvSpPr>
+            <p:cNvPr id="41" name="TextBox 40">
+              <a:extLst>
+                <a:ext uri="{FF2B5EF4-FFF2-40B4-BE49-F238E27FC236}">
+                  <a16:creationId xmlns:a16="http://schemas.microsoft.com/office/drawing/2014/main" id="{4CEAED42-86E6-4C03-A941-6B8E72AE9D5C}"/>
+                </a:ext>
+              </a:extLst>
+            </p:cNvPr>
+            <p:cNvSpPr txBox="1"/>
+            <p:nvPr/>
+          </p:nvSpPr>
+          <p:spPr>
+            <a:xfrm>
+              <a:off x="209453" y="4258715"/>
+              <a:ext cx="3431892" cy="369332"/>
+            </a:xfrm>
+            <a:prstGeom prst="rect">
+              <a:avLst/>
+            </a:prstGeom>
+            <a:noFill/>
+          </p:spPr>
+          <p:txBody>
+            <a:bodyPr wrap="square">
+              <a:spAutoFit/>
+            </a:bodyPr>
+            <a:lstStyle/>
+            <a:p>
+              <a:pPr algn="ctr"/>
+              <a:r>
+                <a:rPr lang="en-US" sz="1800" i="1" dirty="0">
+                  <a:solidFill>
+                    <a:schemeClr val="tx1"/>
+                  </a:solidFill>
+                </a:rPr>
+                <a:t>G:/Oyafuso/data/</a:t>
+              </a:r>
+            </a:p>
+          </p:txBody>
+        </p:sp>
+        <p:grpSp>
+          <p:nvGrpSpPr>
+            <p:cNvPr id="4" name="Group 3">
+              <a:extLst>
+                <a:ext uri="{FF2B5EF4-FFF2-40B4-BE49-F238E27FC236}">
+                  <a16:creationId xmlns:a16="http://schemas.microsoft.com/office/drawing/2014/main" id="{54EF757D-81FC-164D-A875-E88FD72A1DB7}"/>
+                </a:ext>
+              </a:extLst>
+            </p:cNvPr>
+            <p:cNvGrpSpPr/>
+            <p:nvPr/>
+          </p:nvGrpSpPr>
+          <p:grpSpPr>
+            <a:xfrm>
+              <a:off x="1014537" y="4741370"/>
+              <a:ext cx="1829489" cy="541199"/>
+              <a:chOff x="863600" y="596403"/>
+              <a:chExt cx="1829489" cy="541199"/>
+            </a:xfrm>
+          </p:grpSpPr>
+          <p:sp>
+            <p:nvSpPr>
+              <p:cNvPr id="6" name="Rectangle 5">
+                <a:extLst>
+                  <a:ext uri="{FF2B5EF4-FFF2-40B4-BE49-F238E27FC236}">
+                    <a16:creationId xmlns:a16="http://schemas.microsoft.com/office/drawing/2014/main" id="{2AF76E29-9551-2241-854F-BA9AAF22EEA8}"/>
+                  </a:ext>
+                </a:extLst>
+              </p:cNvPr>
+              <p:cNvSpPr/>
+              <p:nvPr/>
+            </p:nvSpPr>
+            <p:spPr>
+              <a:xfrm>
+                <a:off x="863600" y="596403"/>
+                <a:ext cx="1828800" cy="177262"/>
+              </a:xfrm>
+              <a:prstGeom prst="rect">
+                <a:avLst/>
+              </a:prstGeom>
+              <a:solidFill>
+                <a:schemeClr val="accent6"/>
+              </a:solidFill>
+              <a:ln>
+                <a:solidFill>
+                  <a:schemeClr val="tx1"/>
+                </a:solidFill>
+              </a:ln>
+            </p:spPr>
+            <p:style>
+              <a:lnRef idx="2">
+                <a:schemeClr val="accent1">
+                  <a:shade val="50000"/>
+                </a:schemeClr>
+              </a:lnRef>
+              <a:fillRef idx="1">
+                <a:schemeClr val="accent1"/>
+              </a:fillRef>
+              <a:effectRef idx="0">
+                <a:schemeClr val="accent1"/>
+              </a:effectRef>
+              <a:fontRef idx="minor">
+                <a:schemeClr val="lt1"/>
+              </a:fontRef>
+            </p:style>
+            <p:txBody>
+              <a:bodyPr rtlCol="0" anchor="ctr"/>
+              <a:lstStyle/>
+              <a:p>
+                <a:pPr algn="ctr"/>
+                <a:r>
+                  <a:rPr lang="en-US" sz="1100" i="1" dirty="0" err="1">
+                    <a:solidFill>
+                      <a:schemeClr val="tx1"/>
+                    </a:solidFill>
+                  </a:rPr>
+                  <a:t>cpue_GOA_selected_spp.csv</a:t>
+                </a:r>
+                <a:endParaRPr lang="en-US" sz="1100" i="1" dirty="0">
+                  <a:solidFill>
+                    <a:schemeClr val="tx1"/>
+                  </a:solidFill>
+                </a:endParaRPr>
+              </a:p>
+            </p:txBody>
+          </p:sp>
+          <p:sp>
+            <p:nvSpPr>
+              <p:cNvPr id="7" name="Rectangle 6">
+                <a:extLst>
+                  <a:ext uri="{FF2B5EF4-FFF2-40B4-BE49-F238E27FC236}">
+                    <a16:creationId xmlns:a16="http://schemas.microsoft.com/office/drawing/2014/main" id="{344161B4-62FB-F04C-8B1E-68CC4D6B0FAF}"/>
+                  </a:ext>
+                </a:extLst>
+              </p:cNvPr>
+              <p:cNvSpPr/>
+              <p:nvPr/>
+            </p:nvSpPr>
+            <p:spPr>
+              <a:xfrm>
+                <a:off x="863600" y="781487"/>
+                <a:ext cx="1828800" cy="177262"/>
+              </a:xfrm>
+              <a:prstGeom prst="rect">
+                <a:avLst/>
+              </a:prstGeom>
+              <a:solidFill>
+                <a:schemeClr val="accent6"/>
+              </a:solidFill>
+              <a:ln>
+                <a:solidFill>
+                  <a:schemeClr val="tx1"/>
+                </a:solidFill>
+              </a:ln>
+            </p:spPr>
+            <p:style>
+              <a:lnRef idx="2">
+                <a:schemeClr val="accent1">
+                  <a:shade val="50000"/>
+                </a:schemeClr>
+              </a:lnRef>
+              <a:fillRef idx="1">
+                <a:schemeClr val="accent1"/>
+              </a:fillRef>
+              <a:effectRef idx="0">
+                <a:schemeClr val="accent1"/>
+              </a:effectRef>
+              <a:fontRef idx="minor">
+                <a:schemeClr val="lt1"/>
+              </a:fontRef>
+            </p:style>
+            <p:txBody>
+              <a:bodyPr rtlCol="0" anchor="ctr"/>
+              <a:lstStyle/>
+              <a:p>
+                <a:pPr algn="ctr"/>
+                <a:r>
+                  <a:rPr lang="en-US" sz="1100" i="1" dirty="0" err="1">
+                    <a:solidFill>
+                      <a:schemeClr val="tx1"/>
+                    </a:solidFill>
+                  </a:rPr>
+                  <a:t>haul.csv</a:t>
+                </a:r>
+                <a:endParaRPr lang="en-US" sz="1100" i="1" dirty="0">
+                  <a:solidFill>
+                    <a:schemeClr val="tx1"/>
+                  </a:solidFill>
+                </a:endParaRPr>
+              </a:p>
+            </p:txBody>
+          </p:sp>
+          <p:sp>
+            <p:nvSpPr>
+              <p:cNvPr id="8" name="Rectangle 7">
+                <a:extLst>
+                  <a:ext uri="{FF2B5EF4-FFF2-40B4-BE49-F238E27FC236}">
+                    <a16:creationId xmlns:a16="http://schemas.microsoft.com/office/drawing/2014/main" id="{90373074-47C2-1B41-B14C-4D6C770ED2F5}"/>
+                  </a:ext>
+                </a:extLst>
+              </p:cNvPr>
+              <p:cNvSpPr/>
+              <p:nvPr/>
+            </p:nvSpPr>
+            <p:spPr>
+              <a:xfrm>
+                <a:off x="864289" y="960340"/>
+                <a:ext cx="1828800" cy="177262"/>
+              </a:xfrm>
+              <a:prstGeom prst="rect">
+                <a:avLst/>
+              </a:prstGeom>
+              <a:solidFill>
+                <a:schemeClr val="accent6"/>
+              </a:solidFill>
+              <a:ln>
+                <a:solidFill>
+                  <a:schemeClr val="tx1"/>
+                </a:solidFill>
+              </a:ln>
+            </p:spPr>
+            <p:style>
+              <a:lnRef idx="2">
+                <a:schemeClr val="accent1">
+                  <a:shade val="50000"/>
+                </a:schemeClr>
+              </a:lnRef>
+              <a:fillRef idx="1">
+                <a:schemeClr val="accent1"/>
+              </a:fillRef>
+              <a:effectRef idx="0">
+                <a:schemeClr val="accent1"/>
+              </a:effectRef>
+              <a:fontRef idx="minor">
+                <a:schemeClr val="lt1"/>
+              </a:fontRef>
+            </p:style>
+            <p:txBody>
+              <a:bodyPr rtlCol="0" anchor="ctr"/>
+              <a:lstStyle/>
+              <a:p>
+                <a:pPr algn="ctr"/>
+                <a:r>
+                  <a:rPr lang="en-US" sz="1100" i="1" dirty="0" err="1">
+                    <a:solidFill>
+                      <a:schemeClr val="tx1"/>
+                    </a:solidFill>
+                  </a:rPr>
+                  <a:t>species.csv</a:t>
+                </a:r>
+                <a:endParaRPr lang="en-US" sz="1100" i="1" dirty="0">
+                  <a:solidFill>
+                    <a:schemeClr val="tx1"/>
+                  </a:solidFill>
+                </a:endParaRPr>
+              </a:p>
+            </p:txBody>
+          </p:sp>
+        </p:grpSp>
+        <p:sp>
+          <p:nvSpPr>
+            <p:cNvPr id="48" name="TextBox 47">
+              <a:extLst>
+                <a:ext uri="{FF2B5EF4-FFF2-40B4-BE49-F238E27FC236}">
+                  <a16:creationId xmlns:a16="http://schemas.microsoft.com/office/drawing/2014/main" id="{26F179CE-6CEA-4866-950F-FD4520512A26}"/>
+                </a:ext>
+              </a:extLst>
+            </p:cNvPr>
+            <p:cNvSpPr txBox="1"/>
+            <p:nvPr/>
+          </p:nvSpPr>
+          <p:spPr>
+            <a:xfrm>
+              <a:off x="3214563" y="4474598"/>
+              <a:ext cx="3429000" cy="369332"/>
+            </a:xfrm>
+            <a:prstGeom prst="rect">
+              <a:avLst/>
+            </a:prstGeom>
+            <a:noFill/>
+          </p:spPr>
+          <p:txBody>
+            <a:bodyPr wrap="square">
+              <a:spAutoFit/>
+            </a:bodyPr>
+            <a:lstStyle/>
+            <a:p>
+              <a:pPr algn="ctr"/>
+              <a:r>
+                <a:rPr lang="en-US" sz="1800" i="1" dirty="0">
+                  <a:solidFill>
+                    <a:schemeClr val="tx1"/>
+                  </a:solidFill>
+                </a:rPr>
+                <a:t>~/data/</a:t>
+              </a:r>
+            </a:p>
+          </p:txBody>
+        </p:sp>
+        <p:cxnSp>
+          <p:nvCxnSpPr>
+            <p:cNvPr id="51" name="Straight Arrow Connector 50">
+              <a:extLst>
+                <a:ext uri="{FF2B5EF4-FFF2-40B4-BE49-F238E27FC236}">
+                  <a16:creationId xmlns:a16="http://schemas.microsoft.com/office/drawing/2014/main" id="{00C0FB77-DA73-4099-857E-FCF30E171F6D}"/>
+                </a:ext>
+              </a:extLst>
+            </p:cNvPr>
+            <p:cNvCxnSpPr>
+              <a:cxnSpLocks/>
+              <a:stCxn id="7" idx="3"/>
+              <a:endCxn id="5" idx="1"/>
+            </p:cNvCxnSpPr>
+            <p:nvPr/>
+          </p:nvCxnSpPr>
+          <p:spPr>
+            <a:xfrm flipV="1">
+              <a:off x="2843337" y="5014926"/>
+              <a:ext cx="1194426" cy="159"/>
+            </a:xfrm>
+            <a:prstGeom prst="straightConnector1">
+              <a:avLst/>
+            </a:prstGeom>
+            <a:ln w="38100">
+              <a:solidFill>
+                <a:schemeClr val="tx1"/>
+              </a:solidFill>
+              <a:tailEnd type="triangle"/>
+            </a:ln>
+          </p:spPr>
+          <p:style>
+            <a:lnRef idx="1">
+              <a:schemeClr val="accent1"/>
+            </a:lnRef>
+            <a:fillRef idx="0">
+              <a:schemeClr val="accent1"/>
+            </a:fillRef>
+            <a:effectRef idx="0">
+              <a:schemeClr val="accent1"/>
+            </a:effectRef>
+            <a:fontRef idx="minor">
+              <a:schemeClr val="tx1"/>
+            </a:fontRef>
+          </p:style>
+        </p:cxnSp>
+        <p:sp>
+          <p:nvSpPr>
+            <p:cNvPr id="56" name="TextBox 55">
+              <a:extLst>
+                <a:ext uri="{FF2B5EF4-FFF2-40B4-BE49-F238E27FC236}">
+                  <a16:creationId xmlns:a16="http://schemas.microsoft.com/office/drawing/2014/main" id="{FFB0236C-4656-4E63-B8E6-DBF1AE6E188A}"/>
+                </a:ext>
+              </a:extLst>
+            </p:cNvPr>
+            <p:cNvSpPr txBox="1"/>
+            <p:nvPr/>
+          </p:nvSpPr>
+          <p:spPr>
+            <a:xfrm>
+              <a:off x="1595859" y="3683586"/>
+              <a:ext cx="3429000" cy="369332"/>
+            </a:xfrm>
+            <a:prstGeom prst="rect">
+              <a:avLst/>
+            </a:prstGeom>
+            <a:noFill/>
+          </p:spPr>
+          <p:txBody>
+            <a:bodyPr wrap="square">
+              <a:spAutoFit/>
+            </a:bodyPr>
+            <a:lstStyle/>
+            <a:p>
+              <a:pPr algn="ctr"/>
+              <a:r>
+                <a:rPr lang="en-US" sz="1800" i="1" dirty="0"/>
+                <a:t>Synthesize CPUE data</a:t>
+              </a:r>
+            </a:p>
+          </p:txBody>
+        </p:sp>
+      </p:grpSp>
+    </p:spTree>
+    <p:extLst>
+      <p:ext uri="{BB962C8B-B14F-4D97-AF65-F5344CB8AC3E}">
+        <p14:creationId xmlns:p14="http://schemas.microsoft.com/office/powerpoint/2010/main" val="3816463192"/>
+      </p:ext>
+    </p:extLst>
+  </p:cSld>
+  <p:clrMapOvr>
+    <a:masterClrMapping/>
+  </p:clrMapOvr>
+</p:sld>
+</file>
+
 <file path=ppt/theme/theme1.xml><?xml version="1.0" encoding="utf-8"?>
 <a:theme xmlns:a="http://schemas.openxmlformats.org/drawingml/2006/main" name="Office Theme">
   <a:themeElements>
@@ -5195,4 +6392,299 @@
     </a:ext>
   </a:extLst>
 </a:theme>
+</file>
+
+<file path=ppt/theme/theme2.xml><?xml version="1.0" encoding="utf-8"?>
+<a:theme xmlns:a="http://schemas.openxmlformats.org/drawingml/2006/main" name="Office Theme">
+  <a:themeElements>
+    <a:clrScheme name="Office">
+      <a:dk1>
+        <a:sysClr val="windowText" lastClr="000000"/>
+      </a:dk1>
+      <a:lt1>
+        <a:sysClr val="window" lastClr="FFFFFF"/>
+      </a:lt1>
+      <a:dk2>
+        <a:srgbClr val="44546A"/>
+      </a:dk2>
+      <a:lt2>
+        <a:srgbClr val="E7E6E6"/>
+      </a:lt2>
+      <a:accent1>
+        <a:srgbClr val="4472C4"/>
+      </a:accent1>
+      <a:accent2>
+        <a:srgbClr val="ED7D31"/>
+      </a:accent2>
+      <a:accent3>
+        <a:srgbClr val="A5A5A5"/>
+      </a:accent3>
+      <a:accent4>
+        <a:srgbClr val="FFC000"/>
+      </a:accent4>
+      <a:accent5>
+        <a:srgbClr val="5B9BD5"/>
+      </a:accent5>
+      <a:accent6>
+        <a:srgbClr val="70AD47"/>
+      </a:accent6>
+      <a:hlink>
+        <a:srgbClr val="0563C1"/>
+      </a:hlink>
+      <a:folHlink>
+        <a:srgbClr val="954F72"/>
+      </a:folHlink>
+    </a:clrScheme>
+    <a:fontScheme name="Office">
+      <a:majorFont>
+        <a:latin typeface="Calibri Light" panose="020F0302020204030204"/>
+        <a:ea typeface=""/>
+        <a:cs typeface=""/>
+        <a:font script="Jpan" typeface="游ゴシック Light"/>
+        <a:font script="Hang" typeface="맑은 고딕"/>
+        <a:font script="Hans" typeface="等线 Light"/>
+        <a:font script="Hant" typeface="新細明體"/>
+        <a:font script="Arab" typeface="Times New Roman"/>
+        <a:font script="Hebr" typeface="Times New Roman"/>
+        <a:font script="Thai" typeface="Angsana New"/>
+        <a:font script="Ethi" typeface="Nyala"/>
+        <a:font script="Beng" typeface="Vrinda"/>
+        <a:font script="Gujr" typeface="Shruti"/>
+        <a:font script="Khmr" typeface="MoolBoran"/>
+        <a:font script="Knda" typeface="Tunga"/>
+        <a:font script="Guru" typeface="Raavi"/>
+        <a:font script="Cans" typeface="Euphemia"/>
+        <a:font script="Cher" typeface="Plantagenet Cherokee"/>
+        <a:font script="Yiii" typeface="Microsoft Yi Baiti"/>
+        <a:font script="Tibt" typeface="Microsoft Himalaya"/>
+        <a:font script="Thaa" typeface="MV Boli"/>
+        <a:font script="Deva" typeface="Mangal"/>
+        <a:font script="Telu" typeface="Gautami"/>
+        <a:font script="Taml" typeface="Latha"/>
+        <a:font script="Syrc" typeface="Estrangelo Edessa"/>
+        <a:font script="Orya" typeface="Kalinga"/>
+        <a:font script="Mlym" typeface="Kartika"/>
+        <a:font script="Laoo" typeface="DokChampa"/>
+        <a:font script="Sinh" typeface="Iskoola Pota"/>
+        <a:font script="Mong" typeface="Mongolian Baiti"/>
+        <a:font script="Viet" typeface="Times New Roman"/>
+        <a:font script="Uigh" typeface="Microsoft Uighur"/>
+        <a:font script="Geor" typeface="Sylfaen"/>
+        <a:font script="Armn" typeface="Arial"/>
+        <a:font script="Bugi" typeface="Leelawadee UI"/>
+        <a:font script="Bopo" typeface="Microsoft JhengHei"/>
+        <a:font script="Java" typeface="Javanese Text"/>
+        <a:font script="Lisu" typeface="Segoe UI"/>
+        <a:font script="Mymr" typeface="Myanmar Text"/>
+        <a:font script="Nkoo" typeface="Ebrima"/>
+        <a:font script="Olck" typeface="Nirmala UI"/>
+        <a:font script="Osma" typeface="Ebrima"/>
+        <a:font script="Phag" typeface="Phagspa"/>
+        <a:font script="Syrn" typeface="Estrangelo Edessa"/>
+        <a:font script="Syrj" typeface="Estrangelo Edessa"/>
+        <a:font script="Syre" typeface="Estrangelo Edessa"/>
+        <a:font script="Sora" typeface="Nirmala UI"/>
+        <a:font script="Tale" typeface="Microsoft Tai Le"/>
+        <a:font script="Talu" typeface="Microsoft New Tai Lue"/>
+        <a:font script="Tfng" typeface="Ebrima"/>
+      </a:majorFont>
+      <a:minorFont>
+        <a:latin typeface="Calibri" panose="020F0502020204030204"/>
+        <a:ea typeface=""/>
+        <a:cs typeface=""/>
+        <a:font script="Jpan" typeface="游ゴシック"/>
+        <a:font script="Hang" typeface="맑은 고딕"/>
+        <a:font script="Hans" typeface="等线"/>
+        <a:font script="Hant" typeface="新細明體"/>
+        <a:font script="Arab" typeface="Arial"/>
+        <a:font script="Hebr" typeface="Arial"/>
+        <a:font script="Thai" typeface="Cordia New"/>
+        <a:font script="Ethi" typeface="Nyala"/>
+        <a:font script="Beng" typeface="Vrinda"/>
+        <a:font script="Gujr" typeface="Shruti"/>
+        <a:font script="Khmr" typeface="DaunPenh"/>
+        <a:font script="Knda" typeface="Tunga"/>
+        <a:font script="Guru" typeface="Raavi"/>
+        <a:font script="Cans" typeface="Euphemia"/>
+        <a:font script="Cher" typeface="Plantagenet Cherokee"/>
+        <a:font script="Yiii" typeface="Microsoft Yi Baiti"/>
+        <a:font script="Tibt" typeface="Microsoft Himalaya"/>
+        <a:font script="Thaa" typeface="MV Boli"/>
+        <a:font script="Deva" typeface="Mangal"/>
+        <a:font script="Telu" typeface="Gautami"/>
+        <a:font script="Taml" typeface="Latha"/>
+        <a:font script="Syrc" typeface="Estrangelo Edessa"/>
+        <a:font script="Orya" typeface="Kalinga"/>
+        <a:font script="Mlym" typeface="Kartika"/>
+        <a:font script="Laoo" typeface="DokChampa"/>
+        <a:font script="Sinh" typeface="Iskoola Pota"/>
+        <a:font script="Mong" typeface="Mongolian Baiti"/>
+        <a:font script="Viet" typeface="Arial"/>
+        <a:font script="Uigh" typeface="Microsoft Uighur"/>
+        <a:font script="Geor" typeface="Sylfaen"/>
+        <a:font script="Armn" typeface="Arial"/>
+        <a:font script="Bugi" typeface="Leelawadee UI"/>
+        <a:font script="Bopo" typeface="Microsoft JhengHei"/>
+        <a:font script="Java" typeface="Javanese Text"/>
+        <a:font script="Lisu" typeface="Segoe UI"/>
+        <a:font script="Mymr" typeface="Myanmar Text"/>
+        <a:font script="Nkoo" typeface="Ebrima"/>
+        <a:font script="Olck" typeface="Nirmala UI"/>
+        <a:font script="Osma" typeface="Ebrima"/>
+        <a:font script="Phag" typeface="Phagspa"/>
+        <a:font script="Syrn" typeface="Estrangelo Edessa"/>
+        <a:font script="Syrj" typeface="Estrangelo Edessa"/>
+        <a:font script="Syre" typeface="Estrangelo Edessa"/>
+        <a:font script="Sora" typeface="Nirmala UI"/>
+        <a:font script="Tale" typeface="Microsoft Tai Le"/>
+        <a:font script="Talu" typeface="Microsoft New Tai Lue"/>
+        <a:font script="Tfng" typeface="Ebrima"/>
+      </a:minorFont>
+    </a:fontScheme>
+    <a:fmtScheme name="Office">
+      <a:fillStyleLst>
+        <a:solidFill>
+          <a:schemeClr val="phClr"/>
+        </a:solidFill>
+        <a:gradFill rotWithShape="1">
+          <a:gsLst>
+            <a:gs pos="0">
+              <a:schemeClr val="phClr">
+                <a:lumMod val="110000"/>
+                <a:satMod val="105000"/>
+                <a:tint val="67000"/>
+              </a:schemeClr>
+            </a:gs>
+            <a:gs pos="50000">
+              <a:schemeClr val="phClr">
+                <a:lumMod val="105000"/>
+                <a:satMod val="103000"/>
+                <a:tint val="73000"/>
+              </a:schemeClr>
+            </a:gs>
+            <a:gs pos="100000">
+              <a:schemeClr val="phClr">
+                <a:lumMod val="105000"/>
+                <a:satMod val="109000"/>
+                <a:tint val="81000"/>
+              </a:schemeClr>
+            </a:gs>
+          </a:gsLst>
+          <a:lin ang="5400000" scaled="0"/>
+        </a:gradFill>
+        <a:gradFill rotWithShape="1">
+          <a:gsLst>
+            <a:gs pos="0">
+              <a:schemeClr val="phClr">
+                <a:satMod val="103000"/>
+                <a:lumMod val="102000"/>
+                <a:tint val="94000"/>
+              </a:schemeClr>
+            </a:gs>
+            <a:gs pos="50000">
+              <a:schemeClr val="phClr">
+                <a:satMod val="110000"/>
+                <a:lumMod val="100000"/>
+                <a:shade val="100000"/>
+              </a:schemeClr>
+            </a:gs>
+            <a:gs pos="100000">
+              <a:schemeClr val="phClr">
+                <a:lumMod val="99000"/>
+                <a:satMod val="120000"/>
+                <a:shade val="78000"/>
+              </a:schemeClr>
+            </a:gs>
+          </a:gsLst>
+          <a:lin ang="5400000" scaled="0"/>
+        </a:gradFill>
+      </a:fillStyleLst>
+      <a:lnStyleLst>
+        <a:ln w="6350" cap="flat" cmpd="sng" algn="ctr">
+          <a:solidFill>
+            <a:schemeClr val="phClr"/>
+          </a:solidFill>
+          <a:prstDash val="solid"/>
+          <a:miter lim="800000"/>
+        </a:ln>
+        <a:ln w="12700" cap="flat" cmpd="sng" algn="ctr">
+          <a:solidFill>
+            <a:schemeClr val="phClr"/>
+          </a:solidFill>
+          <a:prstDash val="solid"/>
+          <a:miter lim="800000"/>
+        </a:ln>
+        <a:ln w="19050" cap="flat" cmpd="sng" algn="ctr">
+          <a:solidFill>
+            <a:schemeClr val="phClr"/>
+          </a:solidFill>
+          <a:prstDash val="solid"/>
+          <a:miter lim="800000"/>
+        </a:ln>
+      </a:lnStyleLst>
+      <a:effectStyleLst>
+        <a:effectStyle>
+          <a:effectLst/>
+        </a:effectStyle>
+        <a:effectStyle>
+          <a:effectLst/>
+        </a:effectStyle>
+        <a:effectStyle>
+          <a:effectLst>
+            <a:outerShdw blurRad="57150" dist="19050" dir="5400000" algn="ctr" rotWithShape="0">
+              <a:srgbClr val="000000">
+                <a:alpha val="63000"/>
+              </a:srgbClr>
+            </a:outerShdw>
+          </a:effectLst>
+        </a:effectStyle>
+      </a:effectStyleLst>
+      <a:bgFillStyleLst>
+        <a:solidFill>
+          <a:schemeClr val="phClr"/>
+        </a:solidFill>
+        <a:solidFill>
+          <a:schemeClr val="phClr">
+            <a:tint val="95000"/>
+            <a:satMod val="170000"/>
+          </a:schemeClr>
+        </a:solidFill>
+        <a:gradFill rotWithShape="1">
+          <a:gsLst>
+            <a:gs pos="0">
+              <a:schemeClr val="phClr">
+                <a:tint val="93000"/>
+                <a:satMod val="150000"/>
+                <a:shade val="98000"/>
+                <a:lumMod val="102000"/>
+              </a:schemeClr>
+            </a:gs>
+            <a:gs pos="50000">
+              <a:schemeClr val="phClr">
+                <a:tint val="98000"/>
+                <a:satMod val="130000"/>
+                <a:shade val="90000"/>
+                <a:lumMod val="103000"/>
+              </a:schemeClr>
+            </a:gs>
+            <a:gs pos="100000">
+              <a:schemeClr val="phClr">
+                <a:shade val="63000"/>
+                <a:satMod val="120000"/>
+              </a:schemeClr>
+            </a:gs>
+          </a:gsLst>
+          <a:lin ang="5400000" scaled="0"/>
+        </a:gradFill>
+      </a:bgFillStyleLst>
+    </a:fmtScheme>
+  </a:themeElements>
+  <a:objectDefaults/>
+  <a:extraClrSchemeLst/>
+  <a:extLst>
+    <a:ext uri="{05A4C25C-085E-4340-85A3-A5531E510DB2}">
+      <thm15:themeFamily xmlns:thm15="http://schemas.microsoft.com/office/thememl/2012/main" name="Office Theme" id="{62F939B6-93AF-4DB8-9C6B-D6C7DFDC589F}" vid="{4A3C46E8-61CC-4603-A589-7422A47A8E4A}"/>
+    </a:ext>
+  </a:extLst>
+</a:theme>
 </file>
--- a/graphics/WorkFlow.pptx
+++ b/graphics/WorkFlow.pptx
@@ -5,11 +5,12 @@
     <p:sldMasterId id="2147483672" r:id="rId1"/>
   </p:sldMasterIdLst>
   <p:notesMasterIdLst>
-    <p:notesMasterId r:id="rId4"/>
+    <p:notesMasterId r:id="rId5"/>
   </p:notesMasterIdLst>
   <p:sldIdLst>
     <p:sldId id="307" r:id="rId2"/>
     <p:sldId id="308" r:id="rId3"/>
+    <p:sldId id="309" r:id="rId4"/>
   </p:sldIdLst>
   <p:sldSz cx="6858000" cy="9144000" type="screen4x3"/>
   <p:notesSz cx="6858000" cy="9144000"/>
@@ -555,6 +556,93 @@
     <p:extLst>
       <p:ext uri="{BB962C8B-B14F-4D97-AF65-F5344CB8AC3E}">
         <p14:creationId xmlns:p14="http://schemas.microsoft.com/office/powerpoint/2010/main" val="1426596375"/>
+      </p:ext>
+    </p:extLst>
+  </p:cSld>
+  <p:clrMapOvr>
+    <a:masterClrMapping/>
+  </p:clrMapOvr>
+</p:notes>
+</file>
+
+<file path=ppt/notesSlides/notesSlide2.xml><?xml version="1.0" encoding="utf-8"?>
+<p:notes xmlns:a="http://schemas.openxmlformats.org/drawingml/2006/main" xmlns:r="http://schemas.openxmlformats.org/officeDocument/2006/relationships" xmlns:p="http://schemas.openxmlformats.org/presentationml/2006/main">
+  <p:cSld>
+    <p:spTree>
+      <p:nvGrpSpPr>
+        <p:cNvPr id="1" name=""/>
+        <p:cNvGrpSpPr/>
+        <p:nvPr/>
+      </p:nvGrpSpPr>
+      <p:grpSpPr>
+        <a:xfrm>
+          <a:off x="0" y="0"/>
+          <a:ext cx="0" cy="0"/>
+          <a:chOff x="0" y="0"/>
+          <a:chExt cx="0" cy="0"/>
+        </a:xfrm>
+      </p:grpSpPr>
+      <p:sp>
+        <p:nvSpPr>
+          <p:cNvPr id="2" name="Slide Image Placeholder 1"/>
+          <p:cNvSpPr>
+            <a:spLocks noGrp="1" noRot="1" noChangeAspect="1"/>
+          </p:cNvSpPr>
+          <p:nvPr>
+            <p:ph type="sldImg"/>
+          </p:nvPr>
+        </p:nvSpPr>
+        <p:spPr/>
+      </p:sp>
+      <p:sp>
+        <p:nvSpPr>
+          <p:cNvPr id="3" name="Notes Placeholder 2"/>
+          <p:cNvSpPr>
+            <a:spLocks noGrp="1"/>
+          </p:cNvSpPr>
+          <p:nvPr>
+            <p:ph type="body" idx="1"/>
+          </p:nvPr>
+        </p:nvSpPr>
+        <p:spPr/>
+        <p:txBody>
+          <a:bodyPr/>
+          <a:lstStyle/>
+          <a:p>
+            <a:r>
+              <a:rPr lang="en-US" dirty="0"/>
+              <a:t>workflow1.png</a:t>
+            </a:r>
+          </a:p>
+        </p:txBody>
+      </p:sp>
+      <p:sp>
+        <p:nvSpPr>
+          <p:cNvPr id="4" name="Slide Number Placeholder 3"/>
+          <p:cNvSpPr>
+            <a:spLocks noGrp="1"/>
+          </p:cNvSpPr>
+          <p:nvPr>
+            <p:ph type="sldNum" sz="quarter" idx="5"/>
+          </p:nvPr>
+        </p:nvSpPr>
+        <p:spPr/>
+        <p:txBody>
+          <a:bodyPr/>
+          <a:lstStyle/>
+          <a:p>
+            <a:fld id="{A05BDBD2-6A0E-465C-BA36-5CADDEFDACF9}" type="slidenum">
+              <a:rPr lang="en-US" smtClean="0"/>
+              <a:t>3</a:t>
+            </a:fld>
+            <a:endParaRPr lang="en-US"/>
+          </a:p>
+        </p:txBody>
+      </p:sp>
+    </p:spTree>
+    <p:extLst>
+      <p:ext uri="{BB962C8B-B14F-4D97-AF65-F5344CB8AC3E}">
+        <p14:creationId xmlns:p14="http://schemas.microsoft.com/office/powerpoint/2010/main" val="112170566"/>
       </p:ext>
     </p:extLst>
   </p:cSld>
@@ -5395,10 +5483,10 @@
       </p:grpSpPr>
       <p:grpSp>
         <p:nvGrpSpPr>
-          <p:cNvPr id="32" name="Group 31">
+          <p:cNvPr id="14" name="Group 13">
             <a:extLst>
               <a:ext uri="{FF2B5EF4-FFF2-40B4-BE49-F238E27FC236}">
-                <a16:creationId xmlns:a16="http://schemas.microsoft.com/office/drawing/2014/main" id="{8F0C6441-620A-403E-8157-E63B1A074C93}"/>
+                <a16:creationId xmlns:a16="http://schemas.microsoft.com/office/drawing/2014/main" id="{DACC95E3-BF75-486B-9576-B0C41F2F5108}"/>
               </a:ext>
             </a:extLst>
           </p:cNvPr>
@@ -5407,10 +5495,10 @@
         </p:nvGrpSpPr>
         <p:grpSpPr>
           <a:xfrm>
-            <a:off x="209453" y="3666678"/>
-            <a:ext cx="6434110" cy="2610554"/>
-            <a:chOff x="209453" y="3666678"/>
-            <a:chExt cx="6434110" cy="2610554"/>
+            <a:off x="133253" y="3666678"/>
+            <a:ext cx="6510310" cy="3130362"/>
+            <a:chOff x="133253" y="3666678"/>
+            <a:chExt cx="6510310" cy="3130362"/>
           </a:xfrm>
         </p:grpSpPr>
         <p:sp>
@@ -5427,8 +5515,8 @@
           </p:nvSpPr>
           <p:spPr>
             <a:xfrm>
-              <a:off x="209453" y="3666678"/>
-              <a:ext cx="6434109" cy="2610554"/>
+              <a:off x="185395" y="3666678"/>
+              <a:ext cx="6434109" cy="3130362"/>
             </a:xfrm>
             <a:prstGeom prst="rect">
               <a:avLst/>
@@ -5436,6 +5524,11 @@
             <a:solidFill>
               <a:srgbClr val="00B0F0"/>
             </a:solidFill>
+            <a:ln>
+              <a:solidFill>
+                <a:schemeClr val="tx1"/>
+              </a:solidFill>
+            </a:ln>
           </p:spPr>
           <p:style>
             <a:lnRef idx="2">
@@ -5476,8 +5569,8 @@
           </p:nvSpPr>
           <p:spPr>
             <a:xfrm>
-              <a:off x="3641345" y="4454494"/>
-              <a:ext cx="2769920" cy="1331089"/>
+              <a:off x="1595859" y="4103974"/>
+              <a:ext cx="4815406" cy="2487326"/>
             </a:xfrm>
             <a:prstGeom prst="rect">
               <a:avLst/>
@@ -5530,7 +5623,7 @@
           </p:nvSpPr>
           <p:spPr>
             <a:xfrm>
-              <a:off x="4037763" y="4926295"/>
+              <a:off x="4037763" y="5650195"/>
               <a:ext cx="1828800" cy="177262"/>
             </a:xfrm>
             <a:prstGeom prst="rect">
@@ -5539,6 +5632,11 @@
             <a:solidFill>
               <a:schemeClr val="accent4"/>
             </a:solidFill>
+            <a:ln>
+              <a:solidFill>
+                <a:schemeClr val="tx1"/>
+              </a:solidFill>
+            </a:ln>
           </p:spPr>
           <p:style>
             <a:lnRef idx="2">
@@ -5591,7 +5689,7 @@
           </p:nvSpPr>
           <p:spPr>
             <a:xfrm>
-              <a:off x="4031619" y="5492633"/>
+              <a:off x="4039239" y="6216533"/>
               <a:ext cx="1828800" cy="177262"/>
             </a:xfrm>
             <a:prstGeom prst="rect">
@@ -5600,6 +5698,11 @@
             <a:solidFill>
               <a:schemeClr val="accent6"/>
             </a:solidFill>
+            <a:ln>
+              <a:solidFill>
+                <a:schemeClr val="tx1"/>
+              </a:solidFill>
+            </a:ln>
           </p:spPr>
           <p:style>
             <a:lnRef idx="2">
@@ -5655,9 +5758,9 @@
             <p:nvPr/>
           </p:nvCxnSpPr>
           <p:spPr>
-            <a:xfrm flipH="1">
-              <a:off x="4946019" y="5103557"/>
-              <a:ext cx="6144" cy="389076"/>
+            <a:xfrm>
+              <a:off x="4952163" y="5827457"/>
+              <a:ext cx="1476" cy="389076"/>
             </a:xfrm>
             <a:prstGeom prst="straightConnector1">
               <a:avLst/>
@@ -5698,8 +5801,8 @@
           </p:nvSpPr>
           <p:spPr>
             <a:xfrm>
-              <a:off x="540439" y="4139515"/>
-              <a:ext cx="2769920" cy="1647828"/>
+              <a:off x="464239" y="4863415"/>
+              <a:ext cx="2769920" cy="1255445"/>
             </a:xfrm>
             <a:prstGeom prst="rect">
               <a:avLst/>
@@ -5752,7 +5855,7 @@
           </p:nvSpPr>
           <p:spPr>
             <a:xfrm>
-              <a:off x="209453" y="4258715"/>
+              <a:off x="133253" y="4982615"/>
               <a:ext cx="3431892" cy="369332"/>
             </a:xfrm>
             <a:prstGeom prst="rect">
@@ -5773,7 +5876,7 @@
                     <a:schemeClr val="tx1"/>
                   </a:solidFill>
                 </a:rPr>
-                <a:t>G:/Oyafuso/data/</a:t>
+                <a:t>G:/Oyafuso/data/data-raw/</a:t>
               </a:r>
             </a:p>
           </p:txBody>
@@ -5792,10 +5895,10 @@
           </p:nvGrpSpPr>
           <p:grpSpPr>
             <a:xfrm>
-              <a:off x="1014537" y="4741370"/>
-              <a:ext cx="1829489" cy="541199"/>
-              <a:chOff x="863600" y="596403"/>
-              <a:chExt cx="1829489" cy="541199"/>
+              <a:off x="936486" y="5465270"/>
+              <a:ext cx="1830651" cy="543739"/>
+              <a:chOff x="861749" y="596403"/>
+              <a:chExt cx="1830651" cy="543739"/>
             </a:xfrm>
           </p:grpSpPr>
           <p:sp>
@@ -5944,7 +6047,7 @@
             </p:nvSpPr>
             <p:spPr>
               <a:xfrm>
-                <a:off x="864289" y="960340"/>
+                <a:off x="861749" y="962880"/>
                 <a:ext cx="1828800" cy="177262"/>
               </a:xfrm>
               <a:prstGeom prst="rect">
@@ -6011,7 +6114,7 @@
           </p:nvSpPr>
           <p:spPr>
             <a:xfrm>
-              <a:off x="3214563" y="4474598"/>
+              <a:off x="3214563" y="4124078"/>
               <a:ext cx="3429000" cy="369332"/>
             </a:xfrm>
             <a:prstGeom prst="rect">
@@ -6055,8 +6158,8 @@
           </p:nvCxnSpPr>
           <p:spPr>
             <a:xfrm flipV="1">
-              <a:off x="2843337" y="5014926"/>
-              <a:ext cx="1194426" cy="159"/>
+              <a:off x="2767137" y="5738826"/>
+              <a:ext cx="1270626" cy="159"/>
             </a:xfrm>
             <a:prstGeom prst="straightConnector1">
               <a:avLst/>
@@ -6119,11 +6222,1142 @@
             </a:p>
           </p:txBody>
         </p:sp>
+        <p:sp>
+          <p:nvSpPr>
+            <p:cNvPr id="10" name="Rectangle 9">
+              <a:extLst>
+                <a:ext uri="{FF2B5EF4-FFF2-40B4-BE49-F238E27FC236}">
+                  <a16:creationId xmlns:a16="http://schemas.microsoft.com/office/drawing/2014/main" id="{E43C8FF1-BE45-4DB2-AC68-549180EB8277}"/>
+                </a:ext>
+              </a:extLst>
+            </p:cNvPr>
+            <p:cNvSpPr/>
+            <p:nvPr/>
+          </p:nvSpPr>
+          <p:spPr>
+            <a:xfrm>
+              <a:off x="4034042" y="4889155"/>
+              <a:ext cx="1828800" cy="501615"/>
+            </a:xfrm>
+            <a:prstGeom prst="rect">
+              <a:avLst/>
+            </a:prstGeom>
+            <a:solidFill>
+              <a:schemeClr val="accent6"/>
+            </a:solidFill>
+            <a:ln>
+              <a:solidFill>
+                <a:schemeClr val="tx1"/>
+              </a:solidFill>
+            </a:ln>
+          </p:spPr>
+          <p:style>
+            <a:lnRef idx="2">
+              <a:schemeClr val="accent1">
+                <a:shade val="50000"/>
+              </a:schemeClr>
+            </a:lnRef>
+            <a:fillRef idx="1">
+              <a:schemeClr val="accent1"/>
+            </a:fillRef>
+            <a:effectRef idx="0">
+              <a:schemeClr val="accent1"/>
+            </a:effectRef>
+            <a:fontRef idx="minor">
+              <a:schemeClr val="lt1"/>
+            </a:fontRef>
+          </p:style>
+          <p:txBody>
+            <a:bodyPr rtlCol="0" anchor="ctr"/>
+            <a:lstStyle/>
+            <a:p>
+              <a:pPr algn="ctr"/>
+              <a:r>
+                <a:rPr lang="en-US" sz="1100" i="1" dirty="0">
+                  <a:solidFill>
+                    <a:schemeClr val="tx1"/>
+                  </a:solidFill>
+                </a:rPr>
+                <a:t>/</a:t>
+              </a:r>
+              <a:r>
+                <a:rPr lang="en-US" sz="1100" i="1" dirty="0" err="1">
+                  <a:solidFill>
+                    <a:schemeClr val="tx1"/>
+                  </a:solidFill>
+                </a:rPr>
+                <a:t>EFH_bathymetry</a:t>
+              </a:r>
+              <a:r>
+                <a:rPr lang="en-US" sz="1100" i="1" dirty="0">
+                  <a:solidFill>
+                    <a:schemeClr val="tx1"/>
+                  </a:solidFill>
+                </a:rPr>
+                <a:t>/aigoa_bathp1c/</a:t>
+              </a:r>
+              <a:r>
+                <a:rPr lang="en-US" sz="1100" i="1" dirty="0" err="1">
+                  <a:solidFill>
+                    <a:schemeClr val="tx1"/>
+                  </a:solidFill>
+                </a:rPr>
+                <a:t>dblbnd.adf</a:t>
+              </a:r>
+              <a:endParaRPr lang="en-US" sz="1100" i="1" dirty="0">
+                <a:solidFill>
+                  <a:schemeClr val="tx1"/>
+                </a:solidFill>
+              </a:endParaRPr>
+            </a:p>
+          </p:txBody>
+        </p:sp>
+        <p:cxnSp>
+          <p:nvCxnSpPr>
+            <p:cNvPr id="20" name="Straight Arrow Connector 19">
+              <a:extLst>
+                <a:ext uri="{FF2B5EF4-FFF2-40B4-BE49-F238E27FC236}">
+                  <a16:creationId xmlns:a16="http://schemas.microsoft.com/office/drawing/2014/main" id="{F859C033-D8E4-436B-BE5E-80580A3E4B2A}"/>
+                </a:ext>
+              </a:extLst>
+            </p:cNvPr>
+            <p:cNvCxnSpPr>
+              <a:cxnSpLocks/>
+              <a:stCxn id="10" idx="2"/>
+              <a:endCxn id="5" idx="0"/>
+            </p:cNvCxnSpPr>
+            <p:nvPr/>
+          </p:nvCxnSpPr>
+          <p:spPr>
+            <a:xfrm>
+              <a:off x="4948442" y="5390770"/>
+              <a:ext cx="3721" cy="259425"/>
+            </a:xfrm>
+            <a:prstGeom prst="straightConnector1">
+              <a:avLst/>
+            </a:prstGeom>
+            <a:ln w="38100">
+              <a:solidFill>
+                <a:schemeClr val="tx1"/>
+              </a:solidFill>
+              <a:tailEnd type="triangle"/>
+            </a:ln>
+          </p:spPr>
+          <p:style>
+            <a:lnRef idx="1">
+              <a:schemeClr val="accent1"/>
+            </a:lnRef>
+            <a:fillRef idx="0">
+              <a:schemeClr val="accent1"/>
+            </a:fillRef>
+            <a:effectRef idx="0">
+              <a:schemeClr val="accent1"/>
+            </a:effectRef>
+            <a:fontRef idx="minor">
+              <a:schemeClr val="tx1"/>
+            </a:fontRef>
+          </p:style>
+        </p:cxnSp>
       </p:grpSp>
     </p:spTree>
     <p:extLst>
       <p:ext uri="{BB962C8B-B14F-4D97-AF65-F5344CB8AC3E}">
         <p14:creationId xmlns:p14="http://schemas.microsoft.com/office/powerpoint/2010/main" val="3816463192"/>
+      </p:ext>
+    </p:extLst>
+  </p:cSld>
+  <p:clrMapOvr>
+    <a:masterClrMapping/>
+  </p:clrMapOvr>
+</p:sld>
+</file>
+
+<file path=ppt/slides/slide3.xml><?xml version="1.0" encoding="utf-8"?>
+<p:sld xmlns:a="http://schemas.openxmlformats.org/drawingml/2006/main" xmlns:r="http://schemas.openxmlformats.org/officeDocument/2006/relationships" xmlns:p="http://schemas.openxmlformats.org/presentationml/2006/main">
+  <p:cSld>
+    <p:spTree>
+      <p:nvGrpSpPr>
+        <p:cNvPr id="1" name=""/>
+        <p:cNvGrpSpPr/>
+        <p:nvPr/>
+      </p:nvGrpSpPr>
+      <p:grpSpPr>
+        <a:xfrm>
+          <a:off x="0" y="0"/>
+          <a:ext cx="0" cy="0"/>
+          <a:chOff x="0" y="0"/>
+          <a:chExt cx="0" cy="0"/>
+        </a:xfrm>
+      </p:grpSpPr>
+      <p:grpSp>
+        <p:nvGrpSpPr>
+          <p:cNvPr id="31" name="Group 30">
+            <a:extLst>
+              <a:ext uri="{FF2B5EF4-FFF2-40B4-BE49-F238E27FC236}">
+                <a16:creationId xmlns:a16="http://schemas.microsoft.com/office/drawing/2014/main" id="{288D37E9-EBC7-4540-90AA-31101E423A05}"/>
+              </a:ext>
+            </a:extLst>
+          </p:cNvPr>
+          <p:cNvGrpSpPr/>
+          <p:nvPr/>
+        </p:nvGrpSpPr>
+        <p:grpSpPr>
+          <a:xfrm>
+            <a:off x="1407160" y="2454022"/>
+            <a:ext cx="3947424" cy="4343018"/>
+            <a:chOff x="1407160" y="2454022"/>
+            <a:chExt cx="3947424" cy="4343018"/>
+          </a:xfrm>
+        </p:grpSpPr>
+        <p:sp>
+          <p:nvSpPr>
+            <p:cNvPr id="33" name="Rectangle 32">
+              <a:extLst>
+                <a:ext uri="{FF2B5EF4-FFF2-40B4-BE49-F238E27FC236}">
+                  <a16:creationId xmlns:a16="http://schemas.microsoft.com/office/drawing/2014/main" id="{198088A9-C32B-4911-86E0-AF2F589BAC86}"/>
+                </a:ext>
+              </a:extLst>
+            </p:cNvPr>
+            <p:cNvSpPr/>
+            <p:nvPr/>
+          </p:nvSpPr>
+          <p:spPr>
+            <a:xfrm>
+              <a:off x="1407160" y="2462784"/>
+              <a:ext cx="3947424" cy="4334256"/>
+            </a:xfrm>
+            <a:prstGeom prst="rect">
+              <a:avLst/>
+            </a:prstGeom>
+            <a:solidFill>
+              <a:srgbClr val="00B0F0"/>
+            </a:solidFill>
+            <a:ln>
+              <a:solidFill>
+                <a:schemeClr val="tx1"/>
+              </a:solidFill>
+            </a:ln>
+          </p:spPr>
+          <p:style>
+            <a:lnRef idx="2">
+              <a:schemeClr val="accent1">
+                <a:shade val="50000"/>
+              </a:schemeClr>
+            </a:lnRef>
+            <a:fillRef idx="1">
+              <a:schemeClr val="accent1"/>
+            </a:fillRef>
+            <a:effectRef idx="0">
+              <a:schemeClr val="accent1"/>
+            </a:effectRef>
+            <a:fontRef idx="minor">
+              <a:schemeClr val="lt1"/>
+            </a:fontRef>
+          </p:style>
+          <p:txBody>
+            <a:bodyPr rtlCol="0" anchor="ctr"/>
+            <a:lstStyle/>
+            <a:p>
+              <a:pPr algn="ctr"/>
+              <a:endParaRPr lang="en-US" sz="1400" i="1" dirty="0"/>
+            </a:p>
+          </p:txBody>
+        </p:sp>
+        <p:sp>
+          <p:nvSpPr>
+            <p:cNvPr id="21" name="Rectangle 20">
+              <a:extLst>
+                <a:ext uri="{FF2B5EF4-FFF2-40B4-BE49-F238E27FC236}">
+                  <a16:creationId xmlns:a16="http://schemas.microsoft.com/office/drawing/2014/main" id="{8F8CE24F-FBDE-4AD2-94EA-8895ACBBAAEC}"/>
+                </a:ext>
+              </a:extLst>
+            </p:cNvPr>
+            <p:cNvSpPr/>
+            <p:nvPr/>
+          </p:nvSpPr>
+          <p:spPr>
+            <a:xfrm>
+              <a:off x="2045439" y="2846832"/>
+              <a:ext cx="3100906" cy="3797808"/>
+            </a:xfrm>
+            <a:prstGeom prst="rect">
+              <a:avLst/>
+            </a:prstGeom>
+            <a:solidFill>
+              <a:schemeClr val="accent2"/>
+            </a:solidFill>
+            <a:ln>
+              <a:solidFill>
+                <a:schemeClr val="tx1"/>
+              </a:solidFill>
+            </a:ln>
+          </p:spPr>
+          <p:style>
+            <a:lnRef idx="2">
+              <a:schemeClr val="accent1">
+                <a:shade val="50000"/>
+              </a:schemeClr>
+            </a:lnRef>
+            <a:fillRef idx="1">
+              <a:schemeClr val="accent1"/>
+            </a:fillRef>
+            <a:effectRef idx="0">
+              <a:schemeClr val="accent1"/>
+            </a:effectRef>
+            <a:fontRef idx="minor">
+              <a:schemeClr val="lt1"/>
+            </a:fontRef>
+          </p:style>
+          <p:txBody>
+            <a:bodyPr rtlCol="0" anchor="ctr"/>
+            <a:lstStyle/>
+            <a:p>
+              <a:pPr algn="ctr"/>
+              <a:endParaRPr lang="en-US" dirty="0"/>
+            </a:p>
+          </p:txBody>
+        </p:sp>
+        <p:sp>
+          <p:nvSpPr>
+            <p:cNvPr id="5" name="Rectangle 4">
+              <a:extLst>
+                <a:ext uri="{FF2B5EF4-FFF2-40B4-BE49-F238E27FC236}">
+                  <a16:creationId xmlns:a16="http://schemas.microsoft.com/office/drawing/2014/main" id="{CE8E31BA-D43E-734C-8887-19317F20352A}"/>
+                </a:ext>
+              </a:extLst>
+            </p:cNvPr>
+            <p:cNvSpPr/>
+            <p:nvPr/>
+          </p:nvSpPr>
+          <p:spPr>
+            <a:xfrm>
+              <a:off x="2772843" y="5044256"/>
+              <a:ext cx="1828800" cy="177262"/>
+            </a:xfrm>
+            <a:prstGeom prst="rect">
+              <a:avLst/>
+            </a:prstGeom>
+            <a:solidFill>
+              <a:schemeClr val="accent4"/>
+            </a:solidFill>
+            <a:ln>
+              <a:solidFill>
+                <a:schemeClr val="tx1"/>
+              </a:solidFill>
+            </a:ln>
+          </p:spPr>
+          <p:style>
+            <a:lnRef idx="2">
+              <a:schemeClr val="accent1">
+                <a:shade val="50000"/>
+              </a:schemeClr>
+            </a:lnRef>
+            <a:fillRef idx="1">
+              <a:schemeClr val="accent1"/>
+            </a:fillRef>
+            <a:effectRef idx="0">
+              <a:schemeClr val="accent1"/>
+            </a:effectRef>
+            <a:fontRef idx="minor">
+              <a:schemeClr val="lt1"/>
+            </a:fontRef>
+          </p:style>
+          <p:txBody>
+            <a:bodyPr rtlCol="0" anchor="ctr"/>
+            <a:lstStyle/>
+            <a:p>
+              <a:pPr algn="ctr"/>
+              <a:r>
+                <a:rPr lang="en-US" sz="1100" i="1" dirty="0" err="1">
+                  <a:solidFill>
+                    <a:schemeClr val="tx1"/>
+                  </a:solidFill>
+                </a:rPr>
+                <a:t>data_survey.R</a:t>
+              </a:r>
+              <a:endParaRPr lang="en-US" sz="1100" i="1" dirty="0">
+                <a:solidFill>
+                  <a:schemeClr val="tx1"/>
+                </a:solidFill>
+              </a:endParaRPr>
+            </a:p>
+          </p:txBody>
+        </p:sp>
+        <p:cxnSp>
+          <p:nvCxnSpPr>
+            <p:cNvPr id="64" name="Straight Arrow Connector 63">
+              <a:extLst>
+                <a:ext uri="{FF2B5EF4-FFF2-40B4-BE49-F238E27FC236}">
+                  <a16:creationId xmlns:a16="http://schemas.microsoft.com/office/drawing/2014/main" id="{4FAD419A-5042-DC49-80AC-80BD2B9AD31C}"/>
+                </a:ext>
+              </a:extLst>
+            </p:cNvPr>
+            <p:cNvCxnSpPr>
+              <a:cxnSpLocks/>
+              <a:stCxn id="5" idx="2"/>
+              <a:endCxn id="9" idx="0"/>
+            </p:cNvCxnSpPr>
+            <p:nvPr/>
+          </p:nvCxnSpPr>
+          <p:spPr>
+            <a:xfrm>
+              <a:off x="3687243" y="5221518"/>
+              <a:ext cx="837" cy="496234"/>
+            </a:xfrm>
+            <a:prstGeom prst="straightConnector1">
+              <a:avLst/>
+            </a:prstGeom>
+            <a:ln w="38100">
+              <a:solidFill>
+                <a:schemeClr val="tx1"/>
+              </a:solidFill>
+              <a:tailEnd type="triangle"/>
+            </a:ln>
+          </p:spPr>
+          <p:style>
+            <a:lnRef idx="1">
+              <a:schemeClr val="accent1"/>
+            </a:lnRef>
+            <a:fillRef idx="0">
+              <a:schemeClr val="accent1"/>
+            </a:fillRef>
+            <a:effectRef idx="0">
+              <a:schemeClr val="accent1"/>
+            </a:effectRef>
+            <a:fontRef idx="minor">
+              <a:schemeClr val="tx1"/>
+            </a:fontRef>
+          </p:style>
+        </p:cxnSp>
+        <p:grpSp>
+          <p:nvGrpSpPr>
+            <p:cNvPr id="4" name="Group 3">
+              <a:extLst>
+                <a:ext uri="{FF2B5EF4-FFF2-40B4-BE49-F238E27FC236}">
+                  <a16:creationId xmlns:a16="http://schemas.microsoft.com/office/drawing/2014/main" id="{54EF757D-81FC-164D-A875-E88FD72A1DB7}"/>
+                </a:ext>
+              </a:extLst>
+            </p:cNvPr>
+            <p:cNvGrpSpPr/>
+            <p:nvPr/>
+          </p:nvGrpSpPr>
+          <p:grpSpPr>
+            <a:xfrm>
+              <a:off x="2552899" y="3337007"/>
+              <a:ext cx="2277981" cy="684070"/>
+              <a:chOff x="861749" y="596403"/>
+              <a:chExt cx="1830651" cy="543739"/>
+            </a:xfrm>
+          </p:grpSpPr>
+          <p:sp>
+            <p:nvSpPr>
+              <p:cNvPr id="6" name="Rectangle 5">
+                <a:extLst>
+                  <a:ext uri="{FF2B5EF4-FFF2-40B4-BE49-F238E27FC236}">
+                    <a16:creationId xmlns:a16="http://schemas.microsoft.com/office/drawing/2014/main" id="{2AF76E29-9551-2241-854F-BA9AAF22EEA8}"/>
+                  </a:ext>
+                </a:extLst>
+              </p:cNvPr>
+              <p:cNvSpPr/>
+              <p:nvPr/>
+            </p:nvSpPr>
+            <p:spPr>
+              <a:xfrm>
+                <a:off x="863600" y="596403"/>
+                <a:ext cx="1828800" cy="177262"/>
+              </a:xfrm>
+              <a:prstGeom prst="rect">
+                <a:avLst/>
+              </a:prstGeom>
+              <a:solidFill>
+                <a:schemeClr val="accent6"/>
+              </a:solidFill>
+              <a:ln>
+                <a:solidFill>
+                  <a:schemeClr val="tx1"/>
+                </a:solidFill>
+              </a:ln>
+            </p:spPr>
+            <p:style>
+              <a:lnRef idx="2">
+                <a:schemeClr val="accent1">
+                  <a:shade val="50000"/>
+                </a:schemeClr>
+              </a:lnRef>
+              <a:fillRef idx="1">
+                <a:schemeClr val="accent1"/>
+              </a:fillRef>
+              <a:effectRef idx="0">
+                <a:schemeClr val="accent1"/>
+              </a:effectRef>
+              <a:fontRef idx="minor">
+                <a:schemeClr val="lt1"/>
+              </a:fontRef>
+            </p:style>
+            <p:txBody>
+              <a:bodyPr rtlCol="0" anchor="ctr"/>
+              <a:lstStyle/>
+              <a:p>
+                <a:pPr algn="ctr"/>
+                <a:r>
+                  <a:rPr lang="en-US" sz="1100" i="1" dirty="0">
+                    <a:solidFill>
+                      <a:schemeClr val="tx1"/>
+                    </a:solidFill>
+                  </a:rPr>
+                  <a:t>/shapefiles/</a:t>
+                </a:r>
+                <a:r>
+                  <a:rPr lang="en-US" sz="1100" i="1" dirty="0" err="1">
+                    <a:solidFill>
+                      <a:schemeClr val="tx1"/>
+                    </a:solidFill>
+                  </a:rPr>
+                  <a:t>goa_strata.shp</a:t>
+                </a:r>
+                <a:endParaRPr lang="en-US" sz="1100" i="1" dirty="0">
+                  <a:solidFill>
+                    <a:schemeClr val="tx1"/>
+                  </a:solidFill>
+                </a:endParaRPr>
+              </a:p>
+            </p:txBody>
+          </p:sp>
+          <p:sp>
+            <p:nvSpPr>
+              <p:cNvPr id="7" name="Rectangle 6">
+                <a:extLst>
+                  <a:ext uri="{FF2B5EF4-FFF2-40B4-BE49-F238E27FC236}">
+                    <a16:creationId xmlns:a16="http://schemas.microsoft.com/office/drawing/2014/main" id="{344161B4-62FB-F04C-8B1E-68CC4D6B0FAF}"/>
+                  </a:ext>
+                </a:extLst>
+              </p:cNvPr>
+              <p:cNvSpPr/>
+              <p:nvPr/>
+            </p:nvSpPr>
+            <p:spPr>
+              <a:xfrm>
+                <a:off x="863600" y="781487"/>
+                <a:ext cx="1828800" cy="177262"/>
+              </a:xfrm>
+              <a:prstGeom prst="rect">
+                <a:avLst/>
+              </a:prstGeom>
+              <a:solidFill>
+                <a:schemeClr val="accent6"/>
+              </a:solidFill>
+              <a:ln>
+                <a:solidFill>
+                  <a:schemeClr val="tx1"/>
+                </a:solidFill>
+              </a:ln>
+            </p:spPr>
+            <p:style>
+              <a:lnRef idx="2">
+                <a:schemeClr val="accent1">
+                  <a:shade val="50000"/>
+                </a:schemeClr>
+              </a:lnRef>
+              <a:fillRef idx="1">
+                <a:schemeClr val="accent1"/>
+              </a:fillRef>
+              <a:effectRef idx="0">
+                <a:schemeClr val="accent1"/>
+              </a:effectRef>
+              <a:fontRef idx="minor">
+                <a:schemeClr val="lt1"/>
+              </a:fontRef>
+            </p:style>
+            <p:txBody>
+              <a:bodyPr rtlCol="0" anchor="ctr"/>
+              <a:lstStyle/>
+              <a:p>
+                <a:pPr algn="ctr"/>
+                <a:r>
+                  <a:rPr lang="en-US" sz="1100" i="1" dirty="0">
+                    <a:solidFill>
+                      <a:schemeClr val="tx1"/>
+                    </a:solidFill>
+                  </a:rPr>
+                  <a:t>/shapefiles/</a:t>
+                </a:r>
+                <a:r>
+                  <a:rPr lang="en-US" sz="1100" i="1" dirty="0" err="1">
+                    <a:solidFill>
+                      <a:schemeClr val="tx1"/>
+                    </a:solidFill>
+                  </a:rPr>
+                  <a:t>goagrid_polygons.shp</a:t>
+                </a:r>
+                <a:endParaRPr lang="en-US" sz="1100" i="1" dirty="0">
+                  <a:solidFill>
+                    <a:schemeClr val="tx1"/>
+                  </a:solidFill>
+                </a:endParaRPr>
+              </a:p>
+            </p:txBody>
+          </p:sp>
+          <p:sp>
+            <p:nvSpPr>
+              <p:cNvPr id="8" name="Rectangle 7">
+                <a:extLst>
+                  <a:ext uri="{FF2B5EF4-FFF2-40B4-BE49-F238E27FC236}">
+                    <a16:creationId xmlns:a16="http://schemas.microsoft.com/office/drawing/2014/main" id="{90373074-47C2-1B41-B14C-4D6C770ED2F5}"/>
+                  </a:ext>
+                </a:extLst>
+              </p:cNvPr>
+              <p:cNvSpPr/>
+              <p:nvPr/>
+            </p:nvSpPr>
+            <p:spPr>
+              <a:xfrm>
+                <a:off x="861749" y="962880"/>
+                <a:ext cx="1828800" cy="177262"/>
+              </a:xfrm>
+              <a:prstGeom prst="rect">
+                <a:avLst/>
+              </a:prstGeom>
+              <a:solidFill>
+                <a:schemeClr val="accent6"/>
+              </a:solidFill>
+              <a:ln>
+                <a:solidFill>
+                  <a:schemeClr val="tx1"/>
+                </a:solidFill>
+              </a:ln>
+            </p:spPr>
+            <p:style>
+              <a:lnRef idx="2">
+                <a:schemeClr val="accent1">
+                  <a:shade val="50000"/>
+                </a:schemeClr>
+              </a:lnRef>
+              <a:fillRef idx="1">
+                <a:schemeClr val="accent1"/>
+              </a:fillRef>
+              <a:effectRef idx="0">
+                <a:schemeClr val="accent1"/>
+              </a:effectRef>
+              <a:fontRef idx="minor">
+                <a:schemeClr val="lt1"/>
+              </a:fontRef>
+            </p:style>
+            <p:txBody>
+              <a:bodyPr rtlCol="0" anchor="ctr"/>
+              <a:lstStyle/>
+              <a:p>
+                <a:pPr algn="ctr"/>
+                <a:r>
+                  <a:rPr lang="en-US" sz="1100" i="1" dirty="0">
+                    <a:solidFill>
+                      <a:schemeClr val="tx1"/>
+                    </a:solidFill>
+                  </a:rPr>
+                  <a:t>/shapefiles/</a:t>
+                </a:r>
+                <a:r>
+                  <a:rPr lang="en-US" sz="1100" i="1" dirty="0" err="1">
+                    <a:solidFill>
+                      <a:schemeClr val="tx1"/>
+                    </a:solidFill>
+                  </a:rPr>
+                  <a:t>GOA_ALL_nountrawl</a:t>
+                </a:r>
+                <a:endParaRPr lang="en-US" sz="1100" i="1" dirty="0">
+                  <a:solidFill>
+                    <a:schemeClr val="tx1"/>
+                  </a:solidFill>
+                </a:endParaRPr>
+              </a:p>
+            </p:txBody>
+          </p:sp>
+        </p:grpSp>
+        <p:sp>
+          <p:nvSpPr>
+            <p:cNvPr id="48" name="TextBox 47">
+              <a:extLst>
+                <a:ext uri="{FF2B5EF4-FFF2-40B4-BE49-F238E27FC236}">
+                  <a16:creationId xmlns:a16="http://schemas.microsoft.com/office/drawing/2014/main" id="{26F179CE-6CEA-4866-950F-FD4520512A26}"/>
+                </a:ext>
+              </a:extLst>
+            </p:cNvPr>
+            <p:cNvSpPr txBox="1"/>
+            <p:nvPr/>
+          </p:nvSpPr>
+          <p:spPr>
+            <a:xfrm>
+              <a:off x="1881392" y="2920718"/>
+              <a:ext cx="3429000" cy="369332"/>
+            </a:xfrm>
+            <a:prstGeom prst="rect">
+              <a:avLst/>
+            </a:prstGeom>
+            <a:noFill/>
+          </p:spPr>
+          <p:txBody>
+            <a:bodyPr wrap="square">
+              <a:spAutoFit/>
+            </a:bodyPr>
+            <a:lstStyle/>
+            <a:p>
+              <a:pPr algn="ctr"/>
+              <a:r>
+                <a:rPr lang="en-US" sz="1800" i="1" dirty="0">
+                  <a:solidFill>
+                    <a:schemeClr val="tx1"/>
+                  </a:solidFill>
+                </a:rPr>
+                <a:t>~/data/</a:t>
+              </a:r>
+            </a:p>
+          </p:txBody>
+        </p:sp>
+        <p:sp>
+          <p:nvSpPr>
+            <p:cNvPr id="56" name="TextBox 55">
+              <a:extLst>
+                <a:ext uri="{FF2B5EF4-FFF2-40B4-BE49-F238E27FC236}">
+                  <a16:creationId xmlns:a16="http://schemas.microsoft.com/office/drawing/2014/main" id="{FFB0236C-4656-4E63-B8E6-DBF1AE6E188A}"/>
+                </a:ext>
+              </a:extLst>
+            </p:cNvPr>
+            <p:cNvSpPr txBox="1"/>
+            <p:nvPr/>
+          </p:nvSpPr>
+          <p:spPr>
+            <a:xfrm>
+              <a:off x="1735305" y="2454022"/>
+              <a:ext cx="3429000" cy="369332"/>
+            </a:xfrm>
+            <a:prstGeom prst="rect">
+              <a:avLst/>
+            </a:prstGeom>
+            <a:noFill/>
+          </p:spPr>
+          <p:txBody>
+            <a:bodyPr wrap="square">
+              <a:spAutoFit/>
+            </a:bodyPr>
+            <a:lstStyle/>
+            <a:p>
+              <a:pPr algn="ctr"/>
+              <a:r>
+                <a:rPr lang="en-US" sz="1800" i="1" dirty="0"/>
+                <a:t>Create Extrapolation Grid</a:t>
+              </a:r>
+            </a:p>
+          </p:txBody>
+        </p:sp>
+        <p:sp>
+          <p:nvSpPr>
+            <p:cNvPr id="10" name="Rectangle 9">
+              <a:extLst>
+                <a:ext uri="{FF2B5EF4-FFF2-40B4-BE49-F238E27FC236}">
+                  <a16:creationId xmlns:a16="http://schemas.microsoft.com/office/drawing/2014/main" id="{E43C8FF1-BE45-4DB2-AC68-549180EB8277}"/>
+                </a:ext>
+              </a:extLst>
+            </p:cNvPr>
+            <p:cNvSpPr/>
+            <p:nvPr/>
+          </p:nvSpPr>
+          <p:spPr>
+            <a:xfrm>
+              <a:off x="2392680" y="4277958"/>
+              <a:ext cx="2598420" cy="260426"/>
+            </a:xfrm>
+            <a:prstGeom prst="rect">
+              <a:avLst/>
+            </a:prstGeom>
+            <a:solidFill>
+              <a:schemeClr val="accent6"/>
+            </a:solidFill>
+            <a:ln>
+              <a:solidFill>
+                <a:schemeClr val="tx1"/>
+              </a:solidFill>
+            </a:ln>
+          </p:spPr>
+          <p:style>
+            <a:lnRef idx="2">
+              <a:schemeClr val="accent1">
+                <a:shade val="50000"/>
+              </a:schemeClr>
+            </a:lnRef>
+            <a:fillRef idx="1">
+              <a:schemeClr val="accent1"/>
+            </a:fillRef>
+            <a:effectRef idx="0">
+              <a:schemeClr val="accent1"/>
+            </a:effectRef>
+            <a:fontRef idx="minor">
+              <a:schemeClr val="lt1"/>
+            </a:fontRef>
+          </p:style>
+          <p:txBody>
+            <a:bodyPr rtlCol="0" anchor="ctr"/>
+            <a:lstStyle/>
+            <a:p>
+              <a:pPr algn="ctr"/>
+              <a:r>
+                <a:rPr lang="en-US" sz="1100" i="1" dirty="0">
+                  <a:solidFill>
+                    <a:schemeClr val="tx1"/>
+                  </a:solidFill>
+                </a:rPr>
+                <a:t>/</a:t>
+              </a:r>
+              <a:r>
+                <a:rPr lang="en-US" sz="1100" i="1" dirty="0" err="1">
+                  <a:solidFill>
+                    <a:schemeClr val="tx1"/>
+                  </a:solidFill>
+                </a:rPr>
+                <a:t>extrapolation_grid</a:t>
+              </a:r>
+              <a:r>
+                <a:rPr lang="en-US" sz="1100" i="1" dirty="0">
+                  <a:solidFill>
+                    <a:schemeClr val="tx1"/>
+                  </a:solidFill>
+                </a:rPr>
+                <a:t>/GOAThorsonGrid.csv</a:t>
+              </a:r>
+            </a:p>
+          </p:txBody>
+        </p:sp>
+        <p:cxnSp>
+          <p:nvCxnSpPr>
+            <p:cNvPr id="35" name="Straight Arrow Connector 34">
+              <a:extLst>
+                <a:ext uri="{FF2B5EF4-FFF2-40B4-BE49-F238E27FC236}">
+                  <a16:creationId xmlns:a16="http://schemas.microsoft.com/office/drawing/2014/main" id="{050F0D0E-81A5-43A5-A70D-9DC4B57E418B}"/>
+                </a:ext>
+              </a:extLst>
+            </p:cNvPr>
+            <p:cNvCxnSpPr>
+              <a:cxnSpLocks/>
+            </p:cNvCxnSpPr>
+            <p:nvPr/>
+          </p:nvCxnSpPr>
+          <p:spPr>
+            <a:xfrm>
+              <a:off x="3686406" y="5221518"/>
+              <a:ext cx="1674" cy="935641"/>
+            </a:xfrm>
+            <a:prstGeom prst="straightConnector1">
+              <a:avLst/>
+            </a:prstGeom>
+            <a:ln w="38100">
+              <a:solidFill>
+                <a:schemeClr val="tx1"/>
+              </a:solidFill>
+              <a:tailEnd type="triangle"/>
+            </a:ln>
+          </p:spPr>
+          <p:style>
+            <a:lnRef idx="1">
+              <a:schemeClr val="accent1"/>
+            </a:lnRef>
+            <a:fillRef idx="0">
+              <a:schemeClr val="accent1"/>
+            </a:fillRef>
+            <a:effectRef idx="0">
+              <a:schemeClr val="accent1"/>
+            </a:effectRef>
+            <a:fontRef idx="minor">
+              <a:schemeClr val="tx1"/>
+            </a:fontRef>
+          </p:style>
+        </p:cxnSp>
+        <p:cxnSp>
+          <p:nvCxnSpPr>
+            <p:cNvPr id="20" name="Straight Arrow Connector 19">
+              <a:extLst>
+                <a:ext uri="{FF2B5EF4-FFF2-40B4-BE49-F238E27FC236}">
+                  <a16:creationId xmlns:a16="http://schemas.microsoft.com/office/drawing/2014/main" id="{F859C033-D8E4-436B-BE5E-80580A3E4B2A}"/>
+                </a:ext>
+              </a:extLst>
+            </p:cNvPr>
+            <p:cNvCxnSpPr>
+              <a:cxnSpLocks/>
+              <a:stCxn id="10" idx="2"/>
+              <a:endCxn id="5" idx="0"/>
+            </p:cNvCxnSpPr>
+            <p:nvPr/>
+          </p:nvCxnSpPr>
+          <p:spPr>
+            <a:xfrm flipH="1">
+              <a:off x="3687243" y="4538384"/>
+              <a:ext cx="4647" cy="505872"/>
+            </a:xfrm>
+            <a:prstGeom prst="straightConnector1">
+              <a:avLst/>
+            </a:prstGeom>
+            <a:ln w="38100">
+              <a:solidFill>
+                <a:schemeClr val="tx1"/>
+              </a:solidFill>
+              <a:tailEnd type="triangle"/>
+            </a:ln>
+          </p:spPr>
+          <p:style>
+            <a:lnRef idx="1">
+              <a:schemeClr val="accent1"/>
+            </a:lnRef>
+            <a:fillRef idx="0">
+              <a:schemeClr val="accent1"/>
+            </a:fillRef>
+            <a:effectRef idx="0">
+              <a:schemeClr val="accent1"/>
+            </a:effectRef>
+            <a:fontRef idx="minor">
+              <a:schemeClr val="tx1"/>
+            </a:fontRef>
+          </p:style>
+        </p:cxnSp>
+        <p:sp>
+          <p:nvSpPr>
+            <p:cNvPr id="17" name="Rectangle 16">
+              <a:extLst>
+                <a:ext uri="{FF2B5EF4-FFF2-40B4-BE49-F238E27FC236}">
+                  <a16:creationId xmlns:a16="http://schemas.microsoft.com/office/drawing/2014/main" id="{0AE7A7F2-A491-4A39-802D-26C38345B935}"/>
+                </a:ext>
+              </a:extLst>
+            </p:cNvPr>
+            <p:cNvSpPr/>
+            <p:nvPr/>
+          </p:nvSpPr>
+          <p:spPr>
+            <a:xfrm>
+              <a:off x="2392680" y="4023265"/>
+              <a:ext cx="2598420" cy="260426"/>
+            </a:xfrm>
+            <a:prstGeom prst="rect">
+              <a:avLst/>
+            </a:prstGeom>
+            <a:solidFill>
+              <a:schemeClr val="accent6"/>
+            </a:solidFill>
+            <a:ln>
+              <a:solidFill>
+                <a:schemeClr val="tx1"/>
+              </a:solidFill>
+            </a:ln>
+          </p:spPr>
+          <p:style>
+            <a:lnRef idx="2">
+              <a:schemeClr val="accent1">
+                <a:shade val="50000"/>
+              </a:schemeClr>
+            </a:lnRef>
+            <a:fillRef idx="1">
+              <a:schemeClr val="accent1"/>
+            </a:fillRef>
+            <a:effectRef idx="0">
+              <a:schemeClr val="accent1"/>
+            </a:effectRef>
+            <a:fontRef idx="minor">
+              <a:schemeClr val="lt1"/>
+            </a:fontRef>
+          </p:style>
+          <p:txBody>
+            <a:bodyPr rtlCol="0" anchor="ctr"/>
+            <a:lstStyle/>
+            <a:p>
+              <a:pPr algn="ctr"/>
+              <a:r>
+                <a:rPr lang="en-US" sz="1100" i="1" dirty="0">
+                  <a:solidFill>
+                    <a:schemeClr val="tx1"/>
+                  </a:solidFill>
+                </a:rPr>
+                <a:t>/aigoa_bathyp1c/</a:t>
+              </a:r>
+              <a:r>
+                <a:rPr lang="en-US" sz="1100" i="1" dirty="0" err="1">
+                  <a:solidFill>
+                    <a:schemeClr val="tx1"/>
+                  </a:solidFill>
+                </a:rPr>
+                <a:t>dblbnd.adf</a:t>
+              </a:r>
+              <a:endParaRPr lang="en-US" sz="1100" i="1" dirty="0">
+                <a:solidFill>
+                  <a:schemeClr val="tx1"/>
+                </a:solidFill>
+              </a:endParaRPr>
+            </a:p>
+          </p:txBody>
+        </p:sp>
+        <p:sp>
+          <p:nvSpPr>
+            <p:cNvPr id="9" name="Rectangle 8">
+              <a:extLst>
+                <a:ext uri="{FF2B5EF4-FFF2-40B4-BE49-F238E27FC236}">
+                  <a16:creationId xmlns:a16="http://schemas.microsoft.com/office/drawing/2014/main" id="{1B2A98F1-9358-4448-960D-30EF85C129BB}"/>
+                </a:ext>
+              </a:extLst>
+            </p:cNvPr>
+            <p:cNvSpPr/>
+            <p:nvPr/>
+          </p:nvSpPr>
+          <p:spPr>
+            <a:xfrm>
+              <a:off x="2594610" y="5717752"/>
+              <a:ext cx="2186940" cy="177262"/>
+            </a:xfrm>
+            <a:prstGeom prst="rect">
+              <a:avLst/>
+            </a:prstGeom>
+            <a:solidFill>
+              <a:schemeClr val="accent6"/>
+            </a:solidFill>
+            <a:ln>
+              <a:solidFill>
+                <a:schemeClr val="tx1"/>
+              </a:solidFill>
+            </a:ln>
+          </p:spPr>
+          <p:style>
+            <a:lnRef idx="2">
+              <a:schemeClr val="accent1">
+                <a:shade val="50000"/>
+              </a:schemeClr>
+            </a:lnRef>
+            <a:fillRef idx="1">
+              <a:schemeClr val="accent1"/>
+            </a:fillRef>
+            <a:effectRef idx="0">
+              <a:schemeClr val="accent1"/>
+            </a:effectRef>
+            <a:fontRef idx="minor">
+              <a:schemeClr val="lt1"/>
+            </a:fontRef>
+          </p:style>
+          <p:txBody>
+            <a:bodyPr rtlCol="0" anchor="ctr"/>
+            <a:lstStyle/>
+            <a:p>
+              <a:pPr algn="ctr"/>
+              <a:r>
+                <a:rPr lang="en-US" sz="1100" i="1" dirty="0">
+                  <a:solidFill>
+                    <a:schemeClr val="tx1"/>
+                  </a:solidFill>
+                </a:rPr>
+                <a:t>/data/</a:t>
+              </a:r>
+              <a:r>
+                <a:rPr lang="en-US" sz="1100" i="1" dirty="0" err="1">
+                  <a:solidFill>
+                    <a:schemeClr val="tx1"/>
+                  </a:solidFill>
+                </a:rPr>
+                <a:t>Extrapolation_depths.RData</a:t>
+              </a:r>
+              <a:endParaRPr lang="en-US" sz="1100" i="1" dirty="0">
+                <a:solidFill>
+                  <a:schemeClr val="tx1"/>
+                </a:solidFill>
+              </a:endParaRPr>
+            </a:p>
+          </p:txBody>
+        </p:sp>
+        <p:sp>
+          <p:nvSpPr>
+            <p:cNvPr id="30" name="Rectangle 29">
+              <a:extLst>
+                <a:ext uri="{FF2B5EF4-FFF2-40B4-BE49-F238E27FC236}">
+                  <a16:creationId xmlns:a16="http://schemas.microsoft.com/office/drawing/2014/main" id="{FCD8F9C3-63F4-44A8-9B6F-C1CE64252090}"/>
+                </a:ext>
+              </a:extLst>
+            </p:cNvPr>
+            <p:cNvSpPr/>
+            <p:nvPr/>
+          </p:nvSpPr>
+          <p:spPr>
+            <a:xfrm>
+              <a:off x="2351982" y="6163666"/>
+              <a:ext cx="2588376" cy="401725"/>
+            </a:xfrm>
+            <a:prstGeom prst="rect">
+              <a:avLst/>
+            </a:prstGeom>
+            <a:solidFill>
+              <a:schemeClr val="accent6"/>
+            </a:solidFill>
+            <a:ln>
+              <a:solidFill>
+                <a:schemeClr val="tx1"/>
+              </a:solidFill>
+            </a:ln>
+          </p:spPr>
+          <p:style>
+            <a:lnRef idx="2">
+              <a:schemeClr val="accent1">
+                <a:shade val="50000"/>
+              </a:schemeClr>
+            </a:lnRef>
+            <a:fillRef idx="1">
+              <a:schemeClr val="accent1"/>
+            </a:fillRef>
+            <a:effectRef idx="0">
+              <a:schemeClr val="accent1"/>
+            </a:effectRef>
+            <a:fontRef idx="minor">
+              <a:schemeClr val="lt1"/>
+            </a:fontRef>
+          </p:style>
+          <p:txBody>
+            <a:bodyPr rtlCol="0" anchor="ctr"/>
+            <a:lstStyle/>
+            <a:p>
+              <a:pPr algn="ctr"/>
+              <a:r>
+                <a:rPr lang="en-US" sz="1100" i="1" dirty="0">
+                  <a:solidFill>
+                    <a:schemeClr val="tx1"/>
+                  </a:solidFill>
+                </a:rPr>
+                <a:t>GitHub/</a:t>
+              </a:r>
+              <a:r>
+                <a:rPr lang="en-US" sz="1100" i="1" dirty="0" err="1">
+                  <a:solidFill>
+                    <a:schemeClr val="tx1"/>
+                  </a:solidFill>
+                </a:rPr>
+                <a:t>Optimal_Allocation_GoA</a:t>
+              </a:r>
+              <a:r>
+                <a:rPr lang="en-US" sz="1100" i="1" dirty="0">
+                  <a:solidFill>
+                    <a:schemeClr val="tx1"/>
+                  </a:solidFill>
+                </a:rPr>
+                <a:t>/data/ </a:t>
+              </a:r>
+              <a:r>
+                <a:rPr lang="en-US" sz="1100" i="1" dirty="0" err="1">
+                  <a:solidFill>
+                    <a:schemeClr val="tx1"/>
+                  </a:solidFill>
+                </a:rPr>
+                <a:t>Extrapolation_depths.RData</a:t>
+              </a:r>
+              <a:endParaRPr lang="en-US" sz="1100" i="1" dirty="0">
+                <a:solidFill>
+                  <a:schemeClr val="tx1"/>
+                </a:solidFill>
+              </a:endParaRPr>
+            </a:p>
+          </p:txBody>
+        </p:sp>
+      </p:grpSp>
+    </p:spTree>
+    <p:extLst>
+      <p:ext uri="{BB962C8B-B14F-4D97-AF65-F5344CB8AC3E}">
+        <p14:creationId xmlns:p14="http://schemas.microsoft.com/office/powerpoint/2010/main" val="1091258940"/>
       </p:ext>
     </p:extLst>
   </p:cSld>

--- a/graphics/WorkFlow.pptx
+++ b/graphics/WorkFlow.pptx
@@ -5,12 +5,13 @@
     <p:sldMasterId id="2147483672" r:id="rId1"/>
   </p:sldMasterIdLst>
   <p:notesMasterIdLst>
-    <p:notesMasterId r:id="rId5"/>
+    <p:notesMasterId r:id="rId6"/>
   </p:notesMasterIdLst>
   <p:sldIdLst>
     <p:sldId id="307" r:id="rId2"/>
     <p:sldId id="308" r:id="rId3"/>
     <p:sldId id="309" r:id="rId4"/>
+    <p:sldId id="310" r:id="rId5"/>
   </p:sldIdLst>
   <p:sldSz cx="6858000" cy="9144000" type="screen4x3"/>
   <p:notesSz cx="6858000" cy="9144000"/>
@@ -611,7 +612,7 @@
           <a:p>
             <a:r>
               <a:rPr lang="en-US" dirty="0"/>
-              <a:t>workflow1.png</a:t>
+              <a:t>workflow2.png</a:t>
             </a:r>
           </a:p>
         </p:txBody>
@@ -643,6 +644,93 @@
     <p:extLst>
       <p:ext uri="{BB962C8B-B14F-4D97-AF65-F5344CB8AC3E}">
         <p14:creationId xmlns:p14="http://schemas.microsoft.com/office/powerpoint/2010/main" val="112170566"/>
+      </p:ext>
+    </p:extLst>
+  </p:cSld>
+  <p:clrMapOvr>
+    <a:masterClrMapping/>
+  </p:clrMapOvr>
+</p:notes>
+</file>
+
+<file path=ppt/notesSlides/notesSlide3.xml><?xml version="1.0" encoding="utf-8"?>
+<p:notes xmlns:a="http://schemas.openxmlformats.org/drawingml/2006/main" xmlns:r="http://schemas.openxmlformats.org/officeDocument/2006/relationships" xmlns:p="http://schemas.openxmlformats.org/presentationml/2006/main">
+  <p:cSld>
+    <p:spTree>
+      <p:nvGrpSpPr>
+        <p:cNvPr id="1" name=""/>
+        <p:cNvGrpSpPr/>
+        <p:nvPr/>
+      </p:nvGrpSpPr>
+      <p:grpSpPr>
+        <a:xfrm>
+          <a:off x="0" y="0"/>
+          <a:ext cx="0" cy="0"/>
+          <a:chOff x="0" y="0"/>
+          <a:chExt cx="0" cy="0"/>
+        </a:xfrm>
+      </p:grpSpPr>
+      <p:sp>
+        <p:nvSpPr>
+          <p:cNvPr id="2" name="Slide Image Placeholder 1"/>
+          <p:cNvSpPr>
+            <a:spLocks noGrp="1" noRot="1" noChangeAspect="1"/>
+          </p:cNvSpPr>
+          <p:nvPr>
+            <p:ph type="sldImg"/>
+          </p:nvPr>
+        </p:nvSpPr>
+        <p:spPr/>
+      </p:sp>
+      <p:sp>
+        <p:nvSpPr>
+          <p:cNvPr id="3" name="Notes Placeholder 2"/>
+          <p:cNvSpPr>
+            <a:spLocks noGrp="1"/>
+          </p:cNvSpPr>
+          <p:nvPr>
+            <p:ph type="body" idx="1"/>
+          </p:nvPr>
+        </p:nvSpPr>
+        <p:spPr/>
+        <p:txBody>
+          <a:bodyPr/>
+          <a:lstStyle/>
+          <a:p>
+            <a:r>
+              <a:rPr lang="en-US" dirty="0"/>
+              <a:t>workflow3.png</a:t>
+            </a:r>
+          </a:p>
+        </p:txBody>
+      </p:sp>
+      <p:sp>
+        <p:nvSpPr>
+          <p:cNvPr id="4" name="Slide Number Placeholder 3"/>
+          <p:cNvSpPr>
+            <a:spLocks noGrp="1"/>
+          </p:cNvSpPr>
+          <p:nvPr>
+            <p:ph type="sldNum" sz="quarter" idx="5"/>
+          </p:nvPr>
+        </p:nvSpPr>
+        <p:spPr/>
+        <p:txBody>
+          <a:bodyPr/>
+          <a:lstStyle/>
+          <a:p>
+            <a:fld id="{A05BDBD2-6A0E-465C-BA36-5CADDEFDACF9}" type="slidenum">
+              <a:rPr lang="en-US" smtClean="0"/>
+              <a:t>4</a:t>
+            </a:fld>
+            <a:endParaRPr lang="en-US"/>
+          </a:p>
+        </p:txBody>
+      </p:sp>
+    </p:spTree>
+    <p:extLst>
+      <p:ext uri="{BB962C8B-B14F-4D97-AF65-F5344CB8AC3E}">
+        <p14:creationId xmlns:p14="http://schemas.microsoft.com/office/powerpoint/2010/main" val="2752291320"/>
       </p:ext>
     </p:extLst>
   </p:cSld>
@@ -6273,14 +6361,6 @@
             <a:p>
               <a:pPr algn="ctr"/>
               <a:r>
-                <a:rPr lang="en-US" sz="1100" i="1" dirty="0">
-                  <a:solidFill>
-                    <a:schemeClr val="tx1"/>
-                  </a:solidFill>
-                </a:rPr>
-                <a:t>/</a:t>
-              </a:r>
-              <a:r>
                 <a:rPr lang="en-US" sz="1100" i="1" dirty="0" err="1">
                   <a:solidFill>
                     <a:schemeClr val="tx1"/>
@@ -6705,7 +6785,7 @@
                       <a:schemeClr val="tx1"/>
                     </a:solidFill>
                   </a:rPr>
-                  <a:t>/shapefiles/</a:t>
+                  <a:t>shapefiles/</a:t>
                 </a:r>
                 <a:r>
                   <a:rPr lang="en-US" sz="1100" i="1" dirty="0" err="1">
@@ -6779,7 +6859,7 @@
                       <a:schemeClr val="tx1"/>
                     </a:solidFill>
                   </a:rPr>
-                  <a:t>/shapefiles/</a:t>
+                  <a:t>shapefiles/</a:t>
                 </a:r>
                 <a:r>
                   <a:rPr lang="en-US" sz="1100" i="1" dirty="0" err="1">
@@ -6853,7 +6933,7 @@
                       <a:schemeClr val="tx1"/>
                     </a:solidFill>
                   </a:rPr>
-                  <a:t>/shapefiles/</a:t>
+                  <a:t>shapefiles/</a:t>
                 </a:r>
                 <a:r>
                   <a:rPr lang="en-US" sz="1100" i="1" dirty="0" err="1">
@@ -6998,14 +7078,6 @@
             <a:lstStyle/>
             <a:p>
               <a:pPr algn="ctr"/>
-              <a:r>
-                <a:rPr lang="en-US" sz="1100" i="1" dirty="0">
-                  <a:solidFill>
-                    <a:schemeClr val="tx1"/>
-                  </a:solidFill>
-                </a:rPr>
-                <a:t>/</a:t>
-              </a:r>
               <a:r>
                 <a:rPr lang="en-US" sz="1100" i="1" dirty="0" err="1">
                   <a:solidFill>
@@ -7171,7 +7243,7 @@
                     <a:schemeClr val="tx1"/>
                   </a:solidFill>
                 </a:rPr>
-                <a:t>/aigoa_bathyp1c/</a:t>
+                <a:t>aigoa_bathyp1c/</a:t>
               </a:r>
               <a:r>
                 <a:rPr lang="en-US" sz="1100" i="1" dirty="0" err="1">
@@ -7239,14 +7311,6 @@
             <a:lstStyle/>
             <a:p>
               <a:pPr algn="ctr"/>
-              <a:r>
-                <a:rPr lang="en-US" sz="1100" i="1" dirty="0">
-                  <a:solidFill>
-                    <a:schemeClr val="tx1"/>
-                  </a:solidFill>
-                </a:rPr>
-                <a:t>/data/</a:t>
-              </a:r>
               <a:r>
                 <a:rPr lang="en-US" sz="1100" i="1" dirty="0" err="1">
                   <a:solidFill>
@@ -7358,6 +7422,1015 @@
     <p:extLst>
       <p:ext uri="{BB962C8B-B14F-4D97-AF65-F5344CB8AC3E}">
         <p14:creationId xmlns:p14="http://schemas.microsoft.com/office/powerpoint/2010/main" val="1091258940"/>
+      </p:ext>
+    </p:extLst>
+  </p:cSld>
+  <p:clrMapOvr>
+    <a:masterClrMapping/>
+  </p:clrMapOvr>
+</p:sld>
+</file>
+
+<file path=ppt/slides/slide4.xml><?xml version="1.0" encoding="utf-8"?>
+<p:sld xmlns:a="http://schemas.openxmlformats.org/drawingml/2006/main" xmlns:r="http://schemas.openxmlformats.org/officeDocument/2006/relationships" xmlns:p="http://schemas.openxmlformats.org/presentationml/2006/main">
+  <p:cSld>
+    <p:spTree>
+      <p:nvGrpSpPr>
+        <p:cNvPr id="1" name=""/>
+        <p:cNvGrpSpPr/>
+        <p:nvPr/>
+      </p:nvGrpSpPr>
+      <p:grpSpPr>
+        <a:xfrm>
+          <a:off x="0" y="0"/>
+          <a:ext cx="0" cy="0"/>
+          <a:chOff x="0" y="0"/>
+          <a:chExt cx="0" cy="0"/>
+        </a:xfrm>
+      </p:grpSpPr>
+      <p:grpSp>
+        <p:nvGrpSpPr>
+          <p:cNvPr id="55" name="Group 54">
+            <a:extLst>
+              <a:ext uri="{FF2B5EF4-FFF2-40B4-BE49-F238E27FC236}">
+                <a16:creationId xmlns:a16="http://schemas.microsoft.com/office/drawing/2014/main" id="{458B3D2D-877E-4224-9993-36C821EED15F}"/>
+              </a:ext>
+            </a:extLst>
+          </p:cNvPr>
+          <p:cNvGrpSpPr/>
+          <p:nvPr/>
+        </p:nvGrpSpPr>
+        <p:grpSpPr>
+          <a:xfrm>
+            <a:off x="543560" y="1706856"/>
+            <a:ext cx="5770880" cy="4334256"/>
+            <a:chOff x="543560" y="1706856"/>
+            <a:chExt cx="5770880" cy="4334256"/>
+          </a:xfrm>
+        </p:grpSpPr>
+        <p:sp>
+          <p:nvSpPr>
+            <p:cNvPr id="33" name="Rectangle 32">
+              <a:extLst>
+                <a:ext uri="{FF2B5EF4-FFF2-40B4-BE49-F238E27FC236}">
+                  <a16:creationId xmlns:a16="http://schemas.microsoft.com/office/drawing/2014/main" id="{198088A9-C32B-4911-86E0-AF2F589BAC86}"/>
+                </a:ext>
+              </a:extLst>
+            </p:cNvPr>
+            <p:cNvSpPr/>
+            <p:nvPr/>
+          </p:nvSpPr>
+          <p:spPr>
+            <a:xfrm>
+              <a:off x="543560" y="1706856"/>
+              <a:ext cx="5770880" cy="4334256"/>
+            </a:xfrm>
+            <a:prstGeom prst="rect">
+              <a:avLst/>
+            </a:prstGeom>
+            <a:solidFill>
+              <a:srgbClr val="00B0F0"/>
+            </a:solidFill>
+            <a:ln>
+              <a:solidFill>
+                <a:schemeClr val="tx1"/>
+              </a:solidFill>
+            </a:ln>
+          </p:spPr>
+          <p:style>
+            <a:lnRef idx="2">
+              <a:schemeClr val="accent1">
+                <a:shade val="50000"/>
+              </a:schemeClr>
+            </a:lnRef>
+            <a:fillRef idx="1">
+              <a:schemeClr val="accent1"/>
+            </a:fillRef>
+            <a:effectRef idx="0">
+              <a:schemeClr val="accent1"/>
+            </a:effectRef>
+            <a:fontRef idx="minor">
+              <a:schemeClr val="lt1"/>
+            </a:fontRef>
+          </p:style>
+          <p:txBody>
+            <a:bodyPr rtlCol="0" anchor="ctr"/>
+            <a:lstStyle/>
+            <a:p>
+              <a:pPr algn="ctr"/>
+              <a:endParaRPr lang="en-US" sz="1400" i="1" dirty="0"/>
+            </a:p>
+          </p:txBody>
+        </p:sp>
+        <p:sp>
+          <p:nvSpPr>
+            <p:cNvPr id="56" name="TextBox 55">
+              <a:extLst>
+                <a:ext uri="{FF2B5EF4-FFF2-40B4-BE49-F238E27FC236}">
+                  <a16:creationId xmlns:a16="http://schemas.microsoft.com/office/drawing/2014/main" id="{FFB0236C-4656-4E63-B8E6-DBF1AE6E188A}"/>
+                </a:ext>
+              </a:extLst>
+            </p:cNvPr>
+            <p:cNvSpPr txBox="1"/>
+            <p:nvPr/>
+          </p:nvSpPr>
+          <p:spPr>
+            <a:xfrm>
+              <a:off x="922511" y="1760581"/>
+              <a:ext cx="5012977" cy="646331"/>
+            </a:xfrm>
+            <a:prstGeom prst="rect">
+              <a:avLst/>
+            </a:prstGeom>
+            <a:noFill/>
+          </p:spPr>
+          <p:txBody>
+            <a:bodyPr wrap="square">
+              <a:spAutoFit/>
+            </a:bodyPr>
+            <a:lstStyle/>
+            <a:p>
+              <a:pPr algn="ctr"/>
+              <a:r>
+                <a:rPr lang="en-US" sz="1800" i="1" dirty="0"/>
+                <a:t>Fit Model and conduct 10-fold cross-validation</a:t>
+              </a:r>
+            </a:p>
+          </p:txBody>
+        </p:sp>
+        <p:sp>
+          <p:nvSpPr>
+            <p:cNvPr id="2" name="Rectangle 1">
+              <a:extLst>
+                <a:ext uri="{FF2B5EF4-FFF2-40B4-BE49-F238E27FC236}">
+                  <a16:creationId xmlns:a16="http://schemas.microsoft.com/office/drawing/2014/main" id="{0EEB33DE-3E8F-4AC4-AED7-AD4BCBF03E35}"/>
+                </a:ext>
+              </a:extLst>
+            </p:cNvPr>
+            <p:cNvSpPr/>
+            <p:nvPr/>
+          </p:nvSpPr>
+          <p:spPr>
+            <a:xfrm>
+              <a:off x="1117583" y="4590809"/>
+              <a:ext cx="5088145" cy="1255445"/>
+            </a:xfrm>
+            <a:prstGeom prst="rect">
+              <a:avLst/>
+            </a:prstGeom>
+            <a:solidFill>
+              <a:schemeClr val="accent2"/>
+            </a:solidFill>
+            <a:ln>
+              <a:solidFill>
+                <a:schemeClr val="tx1"/>
+              </a:solidFill>
+            </a:ln>
+          </p:spPr>
+          <p:style>
+            <a:lnRef idx="2">
+              <a:schemeClr val="accent1">
+                <a:shade val="50000"/>
+              </a:schemeClr>
+            </a:lnRef>
+            <a:fillRef idx="1">
+              <a:schemeClr val="accent1"/>
+            </a:fillRef>
+            <a:effectRef idx="0">
+              <a:schemeClr val="accent1"/>
+            </a:effectRef>
+            <a:fontRef idx="minor">
+              <a:schemeClr val="lt1"/>
+            </a:fontRef>
+          </p:style>
+          <p:txBody>
+            <a:bodyPr rtlCol="0" anchor="ctr"/>
+            <a:lstStyle/>
+            <a:p>
+              <a:pPr algn="ctr"/>
+              <a:endParaRPr lang="en-US"/>
+            </a:p>
+          </p:txBody>
+        </p:sp>
+        <p:sp>
+          <p:nvSpPr>
+            <p:cNvPr id="3" name="TextBox 2">
+              <a:extLst>
+                <a:ext uri="{FF2B5EF4-FFF2-40B4-BE49-F238E27FC236}">
+                  <a16:creationId xmlns:a16="http://schemas.microsoft.com/office/drawing/2014/main" id="{2047FDDB-D9FF-4A31-8DCC-DF26E80395AF}"/>
+                </a:ext>
+              </a:extLst>
+            </p:cNvPr>
+            <p:cNvSpPr txBox="1"/>
+            <p:nvPr/>
+          </p:nvSpPr>
+          <p:spPr>
+            <a:xfrm>
+              <a:off x="2301239" y="5476922"/>
+              <a:ext cx="3922777" cy="369332"/>
+            </a:xfrm>
+            <a:prstGeom prst="rect">
+              <a:avLst/>
+            </a:prstGeom>
+            <a:noFill/>
+          </p:spPr>
+          <p:txBody>
+            <a:bodyPr wrap="square">
+              <a:spAutoFit/>
+            </a:bodyPr>
+            <a:lstStyle/>
+            <a:p>
+              <a:pPr algn="ctr"/>
+              <a:r>
+                <a:rPr lang="en-US" sz="1800" i="1" dirty="0">
+                  <a:solidFill>
+                    <a:schemeClr val="tx1"/>
+                  </a:solidFill>
+                </a:rPr>
+                <a:t>G:/Oyafuso/VAST_EFH/Single_Species/</a:t>
+              </a:r>
+            </a:p>
+          </p:txBody>
+        </p:sp>
+        <p:sp>
+          <p:nvSpPr>
+            <p:cNvPr id="11" name="Rectangle 10">
+              <a:extLst>
+                <a:ext uri="{FF2B5EF4-FFF2-40B4-BE49-F238E27FC236}">
+                  <a16:creationId xmlns:a16="http://schemas.microsoft.com/office/drawing/2014/main" id="{5073C85F-53E9-4287-AD0C-38BAB3EF9E5B}"/>
+                </a:ext>
+              </a:extLst>
+            </p:cNvPr>
+            <p:cNvSpPr/>
+            <p:nvPr/>
+          </p:nvSpPr>
+          <p:spPr>
+            <a:xfrm>
+              <a:off x="2025570" y="2350665"/>
+              <a:ext cx="3194612" cy="1989999"/>
+            </a:xfrm>
+            <a:prstGeom prst="rect">
+              <a:avLst/>
+            </a:prstGeom>
+            <a:solidFill>
+              <a:schemeClr val="accent2"/>
+            </a:solidFill>
+            <a:ln>
+              <a:solidFill>
+                <a:schemeClr val="tx1"/>
+              </a:solidFill>
+            </a:ln>
+          </p:spPr>
+          <p:style>
+            <a:lnRef idx="2">
+              <a:schemeClr val="accent1">
+                <a:shade val="50000"/>
+              </a:schemeClr>
+            </a:lnRef>
+            <a:fillRef idx="1">
+              <a:schemeClr val="accent1"/>
+            </a:fillRef>
+            <a:effectRef idx="0">
+              <a:schemeClr val="accent1"/>
+            </a:effectRef>
+            <a:fontRef idx="minor">
+              <a:schemeClr val="lt1"/>
+            </a:fontRef>
+          </p:style>
+          <p:txBody>
+            <a:bodyPr rtlCol="0" anchor="ctr"/>
+            <a:lstStyle/>
+            <a:p>
+              <a:pPr algn="ctr"/>
+              <a:endParaRPr lang="en-US"/>
+            </a:p>
+          </p:txBody>
+        </p:sp>
+        <p:sp>
+          <p:nvSpPr>
+            <p:cNvPr id="15" name="Rectangle 14">
+              <a:extLst>
+                <a:ext uri="{FF2B5EF4-FFF2-40B4-BE49-F238E27FC236}">
+                  <a16:creationId xmlns:a16="http://schemas.microsoft.com/office/drawing/2014/main" id="{6A6CDF41-97D7-4B1A-9577-DD943478E0F9}"/>
+                </a:ext>
+              </a:extLst>
+            </p:cNvPr>
+            <p:cNvSpPr/>
+            <p:nvPr/>
+          </p:nvSpPr>
+          <p:spPr>
+            <a:xfrm>
+              <a:off x="2738376" y="3457574"/>
+              <a:ext cx="1828800" cy="177262"/>
+            </a:xfrm>
+            <a:prstGeom prst="rect">
+              <a:avLst/>
+            </a:prstGeom>
+            <a:solidFill>
+              <a:schemeClr val="accent4"/>
+            </a:solidFill>
+            <a:ln>
+              <a:solidFill>
+                <a:schemeClr val="tx1"/>
+              </a:solidFill>
+            </a:ln>
+          </p:spPr>
+          <p:style>
+            <a:lnRef idx="2">
+              <a:schemeClr val="accent1">
+                <a:shade val="50000"/>
+              </a:schemeClr>
+            </a:lnRef>
+            <a:fillRef idx="1">
+              <a:schemeClr val="accent1"/>
+            </a:fillRef>
+            <a:effectRef idx="0">
+              <a:schemeClr val="accent1"/>
+            </a:effectRef>
+            <a:fontRef idx="minor">
+              <a:schemeClr val="lt1"/>
+            </a:fontRef>
+          </p:style>
+          <p:txBody>
+            <a:bodyPr rtlCol="0" anchor="ctr"/>
+            <a:lstStyle/>
+            <a:p>
+              <a:pPr algn="ctr"/>
+              <a:r>
+                <a:rPr lang="en-US" sz="1100" i="1" dirty="0" err="1">
+                  <a:solidFill>
+                    <a:schemeClr val="tx1"/>
+                  </a:solidFill>
+                </a:rPr>
+                <a:t>fit_models.R</a:t>
+              </a:r>
+              <a:endParaRPr lang="en-US" sz="1100" i="1" dirty="0">
+                <a:solidFill>
+                  <a:schemeClr val="tx1"/>
+                </a:solidFill>
+              </a:endParaRPr>
+            </a:p>
+          </p:txBody>
+        </p:sp>
+        <p:cxnSp>
+          <p:nvCxnSpPr>
+            <p:cNvPr id="34" name="Straight Arrow Connector 33">
+              <a:extLst>
+                <a:ext uri="{FF2B5EF4-FFF2-40B4-BE49-F238E27FC236}">
+                  <a16:creationId xmlns:a16="http://schemas.microsoft.com/office/drawing/2014/main" id="{CFEB5359-94FE-4F1B-881D-8F47200E3B50}"/>
+                </a:ext>
+              </a:extLst>
+            </p:cNvPr>
+            <p:cNvCxnSpPr>
+              <a:cxnSpLocks/>
+              <a:endCxn id="15" idx="0"/>
+            </p:cNvCxnSpPr>
+            <p:nvPr/>
+          </p:nvCxnSpPr>
+          <p:spPr>
+            <a:xfrm flipH="1">
+              <a:off x="3652776" y="3019612"/>
+              <a:ext cx="1" cy="437962"/>
+            </a:xfrm>
+            <a:prstGeom prst="straightConnector1">
+              <a:avLst/>
+            </a:prstGeom>
+            <a:ln w="38100">
+              <a:solidFill>
+                <a:schemeClr val="tx1"/>
+              </a:solidFill>
+              <a:tailEnd type="triangle"/>
+            </a:ln>
+          </p:spPr>
+          <p:style>
+            <a:lnRef idx="1">
+              <a:schemeClr val="accent1"/>
+            </a:lnRef>
+            <a:fillRef idx="0">
+              <a:schemeClr val="accent1"/>
+            </a:fillRef>
+            <a:effectRef idx="0">
+              <a:schemeClr val="accent1"/>
+            </a:effectRef>
+            <a:fontRef idx="minor">
+              <a:schemeClr val="tx1"/>
+            </a:fontRef>
+          </p:style>
+        </p:cxnSp>
+        <p:sp>
+          <p:nvSpPr>
+            <p:cNvPr id="24" name="Rectangle 23">
+              <a:extLst>
+                <a:ext uri="{FF2B5EF4-FFF2-40B4-BE49-F238E27FC236}">
+                  <a16:creationId xmlns:a16="http://schemas.microsoft.com/office/drawing/2014/main" id="{1A0B9B70-DF76-438A-9CEB-1A073E39F65C}"/>
+                </a:ext>
+              </a:extLst>
+            </p:cNvPr>
+            <p:cNvSpPr/>
+            <p:nvPr/>
+          </p:nvSpPr>
+          <p:spPr>
+            <a:xfrm>
+              <a:off x="1229622" y="4805282"/>
+              <a:ext cx="1800092" cy="228583"/>
+            </a:xfrm>
+            <a:prstGeom prst="rect">
+              <a:avLst/>
+            </a:prstGeom>
+            <a:solidFill>
+              <a:schemeClr val="accent6"/>
+            </a:solidFill>
+            <a:ln>
+              <a:solidFill>
+                <a:schemeClr val="tx1"/>
+              </a:solidFill>
+            </a:ln>
+          </p:spPr>
+          <p:style>
+            <a:lnRef idx="2">
+              <a:schemeClr val="accent1">
+                <a:shade val="50000"/>
+              </a:schemeClr>
+            </a:lnRef>
+            <a:fillRef idx="1">
+              <a:schemeClr val="accent1"/>
+            </a:fillRef>
+            <a:effectRef idx="0">
+              <a:schemeClr val="accent1"/>
+            </a:effectRef>
+            <a:fontRef idx="minor">
+              <a:schemeClr val="lt1"/>
+            </a:fontRef>
+          </p:style>
+          <p:txBody>
+            <a:bodyPr rtlCol="0" anchor="ctr"/>
+            <a:lstStyle/>
+            <a:p>
+              <a:pPr algn="ctr"/>
+              <a:r>
+                <a:rPr lang="en-US" sz="1100" i="1" dirty="0" err="1">
+                  <a:solidFill>
+                    <a:schemeClr val="tx1"/>
+                  </a:solidFill>
+                </a:rPr>
+                <a:t>Atheresthes</a:t>
+              </a:r>
+              <a:r>
+                <a:rPr lang="en-US" sz="1100" i="1" dirty="0">
+                  <a:solidFill>
+                    <a:schemeClr val="tx1"/>
+                  </a:solidFill>
+                </a:rPr>
+                <a:t> </a:t>
+              </a:r>
+              <a:r>
+                <a:rPr lang="en-US" sz="1100" i="1" dirty="0" err="1">
+                  <a:solidFill>
+                    <a:schemeClr val="tx1"/>
+                  </a:solidFill>
+                </a:rPr>
+                <a:t>stomias</a:t>
+              </a:r>
+              <a:r>
+                <a:rPr lang="en-US" sz="1100" i="1" dirty="0">
+                  <a:solidFill>
+                    <a:schemeClr val="tx1"/>
+                  </a:solidFill>
+                </a:rPr>
+                <a:t>/</a:t>
+              </a:r>
+            </a:p>
+          </p:txBody>
+        </p:sp>
+        <p:sp>
+          <p:nvSpPr>
+            <p:cNvPr id="26" name="Rectangle 25">
+              <a:extLst>
+                <a:ext uri="{FF2B5EF4-FFF2-40B4-BE49-F238E27FC236}">
+                  <a16:creationId xmlns:a16="http://schemas.microsoft.com/office/drawing/2014/main" id="{FAA32086-4119-4E51-842D-B130EEDC5A7A}"/>
+                </a:ext>
+              </a:extLst>
+            </p:cNvPr>
+            <p:cNvSpPr/>
+            <p:nvPr/>
+          </p:nvSpPr>
+          <p:spPr>
+            <a:xfrm>
+              <a:off x="1229621" y="5026810"/>
+              <a:ext cx="1800092" cy="228583"/>
+            </a:xfrm>
+            <a:prstGeom prst="rect">
+              <a:avLst/>
+            </a:prstGeom>
+            <a:solidFill>
+              <a:schemeClr val="accent6"/>
+            </a:solidFill>
+            <a:ln>
+              <a:solidFill>
+                <a:schemeClr val="tx1"/>
+              </a:solidFill>
+            </a:ln>
+          </p:spPr>
+          <p:style>
+            <a:lnRef idx="2">
+              <a:schemeClr val="accent1">
+                <a:shade val="50000"/>
+              </a:schemeClr>
+            </a:lnRef>
+            <a:fillRef idx="1">
+              <a:schemeClr val="accent1"/>
+            </a:fillRef>
+            <a:effectRef idx="0">
+              <a:schemeClr val="accent1"/>
+            </a:effectRef>
+            <a:fontRef idx="minor">
+              <a:schemeClr val="lt1"/>
+            </a:fontRef>
+          </p:style>
+          <p:txBody>
+            <a:bodyPr rtlCol="0" anchor="ctr"/>
+            <a:lstStyle/>
+            <a:p>
+              <a:pPr algn="ctr"/>
+              <a:r>
+                <a:rPr lang="en-US" sz="1100" i="1" dirty="0" err="1">
+                  <a:solidFill>
+                    <a:schemeClr val="tx1"/>
+                  </a:solidFill>
+                </a:rPr>
+                <a:t>Atheresthes</a:t>
+              </a:r>
+              <a:r>
+                <a:rPr lang="en-US" sz="1100" i="1" dirty="0">
+                  <a:solidFill>
+                    <a:schemeClr val="tx1"/>
+                  </a:solidFill>
+                </a:rPr>
+                <a:t> </a:t>
+              </a:r>
+              <a:r>
+                <a:rPr lang="en-US" sz="1100" i="1" dirty="0" err="1">
+                  <a:solidFill>
+                    <a:schemeClr val="tx1"/>
+                  </a:solidFill>
+                </a:rPr>
+                <a:t>stomias_depth</a:t>
+              </a:r>
+              <a:r>
+                <a:rPr lang="en-US" sz="1100" i="1" dirty="0">
+                  <a:solidFill>
+                    <a:schemeClr val="tx1"/>
+                  </a:solidFill>
+                </a:rPr>
+                <a:t>/</a:t>
+              </a:r>
+            </a:p>
+          </p:txBody>
+        </p:sp>
+        <p:sp>
+          <p:nvSpPr>
+            <p:cNvPr id="28" name="Rectangle 27">
+              <a:extLst>
+                <a:ext uri="{FF2B5EF4-FFF2-40B4-BE49-F238E27FC236}">
+                  <a16:creationId xmlns:a16="http://schemas.microsoft.com/office/drawing/2014/main" id="{65618794-361B-4D38-87A2-E55111136987}"/>
+                </a:ext>
+              </a:extLst>
+            </p:cNvPr>
+            <p:cNvSpPr/>
+            <p:nvPr/>
+          </p:nvSpPr>
+          <p:spPr>
+            <a:xfrm>
+              <a:off x="4017264" y="4805282"/>
+              <a:ext cx="2072642" cy="228583"/>
+            </a:xfrm>
+            <a:prstGeom prst="rect">
+              <a:avLst/>
+            </a:prstGeom>
+            <a:solidFill>
+              <a:schemeClr val="accent6"/>
+            </a:solidFill>
+            <a:ln>
+              <a:solidFill>
+                <a:schemeClr val="tx1"/>
+              </a:solidFill>
+            </a:ln>
+          </p:spPr>
+          <p:style>
+            <a:lnRef idx="2">
+              <a:schemeClr val="accent1">
+                <a:shade val="50000"/>
+              </a:schemeClr>
+            </a:lnRef>
+            <a:fillRef idx="1">
+              <a:schemeClr val="accent1"/>
+            </a:fillRef>
+            <a:effectRef idx="0">
+              <a:schemeClr val="accent1"/>
+            </a:effectRef>
+            <a:fontRef idx="minor">
+              <a:schemeClr val="lt1"/>
+            </a:fontRef>
+          </p:style>
+          <p:txBody>
+            <a:bodyPr rtlCol="0" anchor="ctr"/>
+            <a:lstStyle/>
+            <a:p>
+              <a:pPr algn="ctr"/>
+              <a:r>
+                <a:rPr lang="en-US" sz="1100" i="1" dirty="0" err="1">
+                  <a:solidFill>
+                    <a:schemeClr val="tx1"/>
+                  </a:solidFill>
+                </a:rPr>
+                <a:t>Sebastolobus</a:t>
+              </a:r>
+              <a:r>
+                <a:rPr lang="en-US" sz="1100" i="1" dirty="0">
+                  <a:solidFill>
+                    <a:schemeClr val="tx1"/>
+                  </a:solidFill>
+                </a:rPr>
+                <a:t> </a:t>
+              </a:r>
+              <a:r>
+                <a:rPr lang="en-US" sz="1100" i="1" dirty="0" err="1">
+                  <a:solidFill>
+                    <a:schemeClr val="tx1"/>
+                  </a:solidFill>
+                </a:rPr>
+                <a:t>aluscanus</a:t>
+              </a:r>
+              <a:r>
+                <a:rPr lang="en-US" sz="1100" i="1" dirty="0">
+                  <a:solidFill>
+                    <a:schemeClr val="tx1"/>
+                  </a:solidFill>
+                </a:rPr>
+                <a:t>/</a:t>
+              </a:r>
+            </a:p>
+          </p:txBody>
+        </p:sp>
+        <p:sp>
+          <p:nvSpPr>
+            <p:cNvPr id="37" name="Rectangle 36">
+              <a:extLst>
+                <a:ext uri="{FF2B5EF4-FFF2-40B4-BE49-F238E27FC236}">
+                  <a16:creationId xmlns:a16="http://schemas.microsoft.com/office/drawing/2014/main" id="{E34E2075-2C44-4BBE-8ED8-3876C9605685}"/>
+                </a:ext>
+              </a:extLst>
+            </p:cNvPr>
+            <p:cNvSpPr/>
+            <p:nvPr/>
+          </p:nvSpPr>
+          <p:spPr>
+            <a:xfrm>
+              <a:off x="4017263" y="5026810"/>
+              <a:ext cx="2072642" cy="228583"/>
+            </a:xfrm>
+            <a:prstGeom prst="rect">
+              <a:avLst/>
+            </a:prstGeom>
+            <a:solidFill>
+              <a:schemeClr val="accent6"/>
+            </a:solidFill>
+            <a:ln>
+              <a:solidFill>
+                <a:schemeClr val="tx1"/>
+              </a:solidFill>
+            </a:ln>
+          </p:spPr>
+          <p:style>
+            <a:lnRef idx="2">
+              <a:schemeClr val="accent1">
+                <a:shade val="50000"/>
+              </a:schemeClr>
+            </a:lnRef>
+            <a:fillRef idx="1">
+              <a:schemeClr val="accent1"/>
+            </a:fillRef>
+            <a:effectRef idx="0">
+              <a:schemeClr val="accent1"/>
+            </a:effectRef>
+            <a:fontRef idx="minor">
+              <a:schemeClr val="lt1"/>
+            </a:fontRef>
+          </p:style>
+          <p:txBody>
+            <a:bodyPr rtlCol="0" anchor="ctr"/>
+            <a:lstStyle/>
+            <a:p>
+              <a:pPr algn="ctr"/>
+              <a:r>
+                <a:rPr lang="en-US" sz="1100" i="1" dirty="0" err="1">
+                  <a:solidFill>
+                    <a:schemeClr val="tx1"/>
+                  </a:solidFill>
+                </a:rPr>
+                <a:t>Sebastolobus</a:t>
+              </a:r>
+              <a:r>
+                <a:rPr lang="en-US" sz="1100" i="1" dirty="0">
+                  <a:solidFill>
+                    <a:schemeClr val="tx1"/>
+                  </a:solidFill>
+                </a:rPr>
+                <a:t> </a:t>
+              </a:r>
+              <a:r>
+                <a:rPr lang="en-US" sz="1100" i="1" dirty="0" err="1">
+                  <a:solidFill>
+                    <a:schemeClr val="tx1"/>
+                  </a:solidFill>
+                </a:rPr>
+                <a:t>aluscanus</a:t>
+              </a:r>
+              <a:r>
+                <a:rPr lang="en-US" sz="1100" i="1" dirty="0">
+                  <a:solidFill>
+                    <a:schemeClr val="tx1"/>
+                  </a:solidFill>
+                </a:rPr>
+                <a:t> _depth/</a:t>
+              </a:r>
+            </a:p>
+          </p:txBody>
+        </p:sp>
+        <p:sp>
+          <p:nvSpPr>
+            <p:cNvPr id="45" name="TextBox 44">
+              <a:extLst>
+                <a:ext uri="{FF2B5EF4-FFF2-40B4-BE49-F238E27FC236}">
+                  <a16:creationId xmlns:a16="http://schemas.microsoft.com/office/drawing/2014/main" id="{ECD3A2EE-12AA-4AC2-9FDD-341B274E85F2}"/>
+                </a:ext>
+              </a:extLst>
+            </p:cNvPr>
+            <p:cNvSpPr txBox="1"/>
+            <p:nvPr/>
+          </p:nvSpPr>
+          <p:spPr>
+            <a:xfrm>
+              <a:off x="3141751" y="4703558"/>
+              <a:ext cx="729996" cy="523220"/>
+            </a:xfrm>
+            <a:prstGeom prst="rect">
+              <a:avLst/>
+            </a:prstGeom>
+            <a:noFill/>
+          </p:spPr>
+          <p:txBody>
+            <a:bodyPr wrap="square">
+              <a:spAutoFit/>
+            </a:bodyPr>
+            <a:lstStyle/>
+            <a:p>
+              <a:pPr algn="ctr"/>
+              <a:r>
+                <a:rPr lang="en-US" sz="2800" b="1" i="1" dirty="0">
+                  <a:solidFill>
+                    <a:schemeClr val="tx1"/>
+                  </a:solidFill>
+                </a:rPr>
+                <a:t>. . .</a:t>
+              </a:r>
+            </a:p>
+          </p:txBody>
+        </p:sp>
+        <p:cxnSp>
+          <p:nvCxnSpPr>
+            <p:cNvPr id="46" name="Straight Arrow Connector 45">
+              <a:extLst>
+                <a:ext uri="{FF2B5EF4-FFF2-40B4-BE49-F238E27FC236}">
+                  <a16:creationId xmlns:a16="http://schemas.microsoft.com/office/drawing/2014/main" id="{4DD05D9A-3DF0-4A5B-B7AF-501F3CE6723A}"/>
+                </a:ext>
+              </a:extLst>
+            </p:cNvPr>
+            <p:cNvCxnSpPr>
+              <a:cxnSpLocks/>
+              <a:stCxn id="15" idx="2"/>
+              <a:endCxn id="2" idx="0"/>
+            </p:cNvCxnSpPr>
+            <p:nvPr/>
+          </p:nvCxnSpPr>
+          <p:spPr>
+            <a:xfrm>
+              <a:off x="3652776" y="3634836"/>
+              <a:ext cx="8880" cy="955973"/>
+            </a:xfrm>
+            <a:prstGeom prst="straightConnector1">
+              <a:avLst/>
+            </a:prstGeom>
+            <a:ln w="38100">
+              <a:solidFill>
+                <a:schemeClr val="tx1"/>
+              </a:solidFill>
+              <a:tailEnd type="triangle"/>
+            </a:ln>
+          </p:spPr>
+          <p:style>
+            <a:lnRef idx="1">
+              <a:schemeClr val="accent1"/>
+            </a:lnRef>
+            <a:fillRef idx="0">
+              <a:schemeClr val="accent1"/>
+            </a:fillRef>
+            <a:effectRef idx="0">
+              <a:schemeClr val="accent1"/>
+            </a:effectRef>
+            <a:fontRef idx="minor">
+              <a:schemeClr val="tx1"/>
+            </a:fontRef>
+          </p:style>
+        </p:cxnSp>
+        <p:sp>
+          <p:nvSpPr>
+            <p:cNvPr id="50" name="TextBox 49">
+              <a:extLst>
+                <a:ext uri="{FF2B5EF4-FFF2-40B4-BE49-F238E27FC236}">
+                  <a16:creationId xmlns:a16="http://schemas.microsoft.com/office/drawing/2014/main" id="{34749183-3199-4DCD-B353-70EA1AE117DD}"/>
+                </a:ext>
+              </a:extLst>
+            </p:cNvPr>
+            <p:cNvSpPr txBox="1"/>
+            <p:nvPr/>
+          </p:nvSpPr>
+          <p:spPr>
+            <a:xfrm>
+              <a:off x="1117583" y="3992893"/>
+              <a:ext cx="3429000" cy="369332"/>
+            </a:xfrm>
+            <a:prstGeom prst="rect">
+              <a:avLst/>
+            </a:prstGeom>
+            <a:noFill/>
+          </p:spPr>
+          <p:txBody>
+            <a:bodyPr wrap="square">
+              <a:spAutoFit/>
+            </a:bodyPr>
+            <a:lstStyle/>
+            <a:p>
+              <a:pPr algn="ctr"/>
+              <a:r>
+                <a:rPr lang="en-US" sz="1800" i="1" dirty="0">
+                  <a:solidFill>
+                    <a:schemeClr val="tx1"/>
+                  </a:solidFill>
+                </a:rPr>
+                <a:t>~/</a:t>
+              </a:r>
+              <a:r>
+                <a:rPr lang="en-US" sz="1800" i="1" dirty="0" err="1">
+                  <a:solidFill>
+                    <a:schemeClr val="tx1"/>
+                  </a:solidFill>
+                </a:rPr>
+                <a:t>ForMadison</a:t>
+              </a:r>
+              <a:r>
+                <a:rPr lang="en-US" sz="1800" i="1" dirty="0">
+                  <a:solidFill>
+                    <a:schemeClr val="tx1"/>
+                  </a:solidFill>
+                </a:rPr>
+                <a:t>/</a:t>
+              </a:r>
+            </a:p>
+          </p:txBody>
+        </p:sp>
+        <p:sp>
+          <p:nvSpPr>
+            <p:cNvPr id="52" name="Rectangle 51">
+              <a:extLst>
+                <a:ext uri="{FF2B5EF4-FFF2-40B4-BE49-F238E27FC236}">
+                  <a16:creationId xmlns:a16="http://schemas.microsoft.com/office/drawing/2014/main" id="{1E5358A4-C2AE-4A0F-9D9B-B32A9A241C89}"/>
+                </a:ext>
+              </a:extLst>
+            </p:cNvPr>
+            <p:cNvSpPr/>
+            <p:nvPr/>
+          </p:nvSpPr>
+          <p:spPr>
+            <a:xfrm>
+              <a:off x="2552840" y="2562446"/>
+              <a:ext cx="2199873" cy="228583"/>
+            </a:xfrm>
+            <a:prstGeom prst="rect">
+              <a:avLst/>
+            </a:prstGeom>
+            <a:solidFill>
+              <a:schemeClr val="accent6"/>
+            </a:solidFill>
+            <a:ln>
+              <a:solidFill>
+                <a:schemeClr val="tx1"/>
+              </a:solidFill>
+            </a:ln>
+          </p:spPr>
+          <p:style>
+            <a:lnRef idx="2">
+              <a:schemeClr val="accent1">
+                <a:shade val="50000"/>
+              </a:schemeClr>
+            </a:lnRef>
+            <a:fillRef idx="1">
+              <a:schemeClr val="accent1"/>
+            </a:fillRef>
+            <a:effectRef idx="0">
+              <a:schemeClr val="accent1"/>
+            </a:effectRef>
+            <a:fontRef idx="minor">
+              <a:schemeClr val="lt1"/>
+            </a:fontRef>
+          </p:style>
+          <p:txBody>
+            <a:bodyPr rtlCol="0" anchor="ctr"/>
+            <a:lstStyle/>
+            <a:p>
+              <a:pPr algn="ctr"/>
+              <a:r>
+                <a:rPr lang="en-US" sz="1100" i="1" dirty="0">
+                  <a:solidFill>
+                    <a:schemeClr val="tx1"/>
+                  </a:solidFill>
+                </a:rPr>
+                <a:t>data/GOA_multspp.csv</a:t>
+              </a:r>
+            </a:p>
+          </p:txBody>
+        </p:sp>
+        <p:sp>
+          <p:nvSpPr>
+            <p:cNvPr id="53" name="Rectangle 52">
+              <a:extLst>
+                <a:ext uri="{FF2B5EF4-FFF2-40B4-BE49-F238E27FC236}">
+                  <a16:creationId xmlns:a16="http://schemas.microsoft.com/office/drawing/2014/main" id="{6EF6BC6A-0613-43A9-94DC-E6ECF4429D30}"/>
+                </a:ext>
+              </a:extLst>
+            </p:cNvPr>
+            <p:cNvSpPr/>
+            <p:nvPr/>
+          </p:nvSpPr>
+          <p:spPr>
+            <a:xfrm>
+              <a:off x="2552840" y="2763269"/>
+              <a:ext cx="2199873" cy="228583"/>
+            </a:xfrm>
+            <a:prstGeom prst="rect">
+              <a:avLst/>
+            </a:prstGeom>
+            <a:solidFill>
+              <a:schemeClr val="accent6"/>
+            </a:solidFill>
+            <a:ln>
+              <a:solidFill>
+                <a:schemeClr val="tx1"/>
+              </a:solidFill>
+            </a:ln>
+          </p:spPr>
+          <p:style>
+            <a:lnRef idx="2">
+              <a:schemeClr val="accent1">
+                <a:shade val="50000"/>
+              </a:schemeClr>
+            </a:lnRef>
+            <a:fillRef idx="1">
+              <a:schemeClr val="accent1"/>
+            </a:fillRef>
+            <a:effectRef idx="0">
+              <a:schemeClr val="accent1"/>
+            </a:effectRef>
+            <a:fontRef idx="minor">
+              <a:schemeClr val="lt1"/>
+            </a:fontRef>
+          </p:style>
+          <p:txBody>
+            <a:bodyPr rtlCol="0" anchor="ctr"/>
+            <a:lstStyle/>
+            <a:p>
+              <a:pPr algn="ctr"/>
+              <a:r>
+                <a:rPr lang="en-US" sz="1100" i="1" dirty="0" err="1">
+                  <a:solidFill>
+                    <a:schemeClr val="tx1"/>
+                  </a:solidFill>
+                </a:rPr>
+                <a:t>dataExtrapolation_depths.RData</a:t>
+              </a:r>
+              <a:endParaRPr lang="en-US" sz="1100" i="1" dirty="0">
+                <a:solidFill>
+                  <a:schemeClr val="tx1"/>
+                </a:solidFill>
+              </a:endParaRPr>
+            </a:p>
+          </p:txBody>
+        </p:sp>
+      </p:grpSp>
+    </p:spTree>
+    <p:extLst>
+      <p:ext uri="{BB962C8B-B14F-4D97-AF65-F5344CB8AC3E}">
+        <p14:creationId xmlns:p14="http://schemas.microsoft.com/office/powerpoint/2010/main" val="3359792883"/>
       </p:ext>
     </p:extLst>
   </p:cSld>

--- a/graphics/WorkFlow.pptx
+++ b/graphics/WorkFlow.pptx
@@ -5,13 +5,14 @@
     <p:sldMasterId id="2147483672" r:id="rId1"/>
   </p:sldMasterIdLst>
   <p:notesMasterIdLst>
-    <p:notesMasterId r:id="rId6"/>
+    <p:notesMasterId r:id="rId7"/>
   </p:notesMasterIdLst>
   <p:sldIdLst>
     <p:sldId id="307" r:id="rId2"/>
     <p:sldId id="308" r:id="rId3"/>
     <p:sldId id="309" r:id="rId4"/>
     <p:sldId id="310" r:id="rId5"/>
+    <p:sldId id="311" r:id="rId6"/>
   </p:sldIdLst>
   <p:sldSz cx="6858000" cy="9144000" type="screen4x3"/>
   <p:notesSz cx="6858000" cy="9144000"/>
@@ -7450,10 +7451,10 @@
       </p:grpSpPr>
       <p:grpSp>
         <p:nvGrpSpPr>
-          <p:cNvPr id="55" name="Group 54">
+          <p:cNvPr id="4" name="Group 3">
             <a:extLst>
               <a:ext uri="{FF2B5EF4-FFF2-40B4-BE49-F238E27FC236}">
-                <a16:creationId xmlns:a16="http://schemas.microsoft.com/office/drawing/2014/main" id="{458B3D2D-877E-4224-9993-36C821EED15F}"/>
+                <a16:creationId xmlns:a16="http://schemas.microsoft.com/office/drawing/2014/main" id="{5053CC17-C3C2-4111-B69B-3E88155FD529}"/>
               </a:ext>
             </a:extLst>
           </p:cNvPr>
@@ -7462,10 +7463,10 @@
         </p:nvGrpSpPr>
         <p:grpSpPr>
           <a:xfrm>
-            <a:off x="543560" y="1706856"/>
-            <a:ext cx="5770880" cy="4334256"/>
-            <a:chOff x="543560" y="1706856"/>
-            <a:chExt cx="5770880" cy="4334256"/>
+            <a:off x="312420" y="341045"/>
+            <a:ext cx="6002020" cy="8408185"/>
+            <a:chOff x="312420" y="341045"/>
+            <a:chExt cx="6002020" cy="8408185"/>
           </a:xfrm>
         </p:grpSpPr>
         <p:sp>
@@ -7482,7 +7483,7 @@
           </p:nvSpPr>
           <p:spPr>
             <a:xfrm>
-              <a:off x="543560" y="1706856"/>
+              <a:off x="543560" y="341045"/>
               <a:ext cx="5770880" cy="4334256"/>
             </a:xfrm>
             <a:prstGeom prst="rect">
@@ -7536,7 +7537,7 @@
           </p:nvSpPr>
           <p:spPr>
             <a:xfrm>
-              <a:off x="922511" y="1760581"/>
+              <a:off x="922511" y="394770"/>
               <a:ext cx="5012977" cy="646331"/>
             </a:xfrm>
             <a:prstGeom prst="rect">
@@ -7572,7 +7573,7 @@
           </p:nvSpPr>
           <p:spPr>
             <a:xfrm>
-              <a:off x="1117583" y="4590809"/>
+              <a:off x="1117583" y="3224998"/>
               <a:ext cx="5088145" cy="1255445"/>
             </a:xfrm>
             <a:prstGeom prst="rect">
@@ -7626,7 +7627,7 @@
           </p:nvSpPr>
           <p:spPr>
             <a:xfrm>
-              <a:off x="2301239" y="5476922"/>
+              <a:off x="2301239" y="4111111"/>
               <a:ext cx="3922777" cy="369332"/>
             </a:xfrm>
             <a:prstGeom prst="rect">
@@ -7666,7 +7667,7 @@
           </p:nvSpPr>
           <p:spPr>
             <a:xfrm>
-              <a:off x="2025570" y="2350665"/>
+              <a:off x="722550" y="984854"/>
               <a:ext cx="3194612" cy="1989999"/>
             </a:xfrm>
             <a:prstGeom prst="rect">
@@ -7720,7 +7721,7 @@
           </p:nvSpPr>
           <p:spPr>
             <a:xfrm>
-              <a:off x="2738376" y="3457574"/>
+              <a:off x="1435356" y="2091763"/>
               <a:ext cx="1828800" cy="177262"/>
             </a:xfrm>
             <a:prstGeom prst="rect">
@@ -7789,7 +7790,7 @@
           </p:nvCxnSpPr>
           <p:spPr>
             <a:xfrm flipH="1">
-              <a:off x="3652776" y="3019612"/>
+              <a:off x="2349756" y="1653801"/>
               <a:ext cx="1" cy="437962"/>
             </a:xfrm>
             <a:prstGeom prst="straightConnector1">
@@ -7831,7 +7832,7 @@
           </p:nvSpPr>
           <p:spPr>
             <a:xfrm>
-              <a:off x="1229622" y="4805282"/>
+              <a:off x="1229622" y="3439471"/>
               <a:ext cx="1800092" cy="228583"/>
             </a:xfrm>
             <a:prstGeom prst="rect">
@@ -7916,7 +7917,7 @@
           </p:nvSpPr>
           <p:spPr>
             <a:xfrm>
-              <a:off x="1229621" y="5026810"/>
+              <a:off x="1229621" y="3660999"/>
               <a:ext cx="1800092" cy="228583"/>
             </a:xfrm>
             <a:prstGeom prst="rect">
@@ -8001,7 +8002,7 @@
           </p:nvSpPr>
           <p:spPr>
             <a:xfrm>
-              <a:off x="4017264" y="4805282"/>
+              <a:off x="4017264" y="3439471"/>
               <a:ext cx="2072642" cy="228583"/>
             </a:xfrm>
             <a:prstGeom prst="rect">
@@ -8086,7 +8087,7 @@
           </p:nvSpPr>
           <p:spPr>
             <a:xfrm>
-              <a:off x="4017263" y="5026810"/>
+              <a:off x="4017263" y="3660999"/>
               <a:ext cx="2072642" cy="228583"/>
             </a:xfrm>
             <a:prstGeom prst="rect">
@@ -8171,7 +8172,7 @@
           </p:nvSpPr>
           <p:spPr>
             <a:xfrm>
-              <a:off x="3141751" y="4703558"/>
+              <a:off x="3141751" y="3337747"/>
               <a:ext cx="729996" cy="523220"/>
             </a:xfrm>
             <a:prstGeom prst="rect">
@@ -8215,8 +8216,8 @@
           </p:nvCxnSpPr>
           <p:spPr>
             <a:xfrm>
-              <a:off x="3652776" y="3634836"/>
-              <a:ext cx="8880" cy="955973"/>
+              <a:off x="2349756" y="2269025"/>
+              <a:ext cx="1311900" cy="955973"/>
             </a:xfrm>
             <a:prstGeom prst="straightConnector1">
               <a:avLst/>
@@ -8257,8 +8258,8 @@
           </p:nvSpPr>
           <p:spPr>
             <a:xfrm>
-              <a:off x="1117583" y="3992893"/>
-              <a:ext cx="3429000" cy="369332"/>
+              <a:off x="722549" y="2627082"/>
+              <a:ext cx="2058751" cy="369332"/>
             </a:xfrm>
             <a:prstGeom prst="rect">
               <a:avLst/>
@@ -8313,7 +8314,7 @@
           </p:nvSpPr>
           <p:spPr>
             <a:xfrm>
-              <a:off x="2552840" y="2562446"/>
+              <a:off x="1249820" y="1196635"/>
               <a:ext cx="2199873" cy="228583"/>
             </a:xfrm>
             <a:prstGeom prst="rect">
@@ -8374,7 +8375,7 @@
           </p:nvSpPr>
           <p:spPr>
             <a:xfrm>
-              <a:off x="2552840" y="2763269"/>
+              <a:off x="1249820" y="1397458"/>
               <a:ext cx="2199873" cy="228583"/>
             </a:xfrm>
             <a:prstGeom prst="rect">
@@ -8411,12 +8412,20 @@
             <a:p>
               <a:pPr algn="ctr"/>
               <a:r>
+                <a:rPr lang="en-US" sz="1100" i="1" dirty="0">
+                  <a:solidFill>
+                    <a:schemeClr val="tx1"/>
+                  </a:solidFill>
+                </a:rPr>
+                <a:t>data/</a:t>
+              </a:r>
+              <a:r>
                 <a:rPr lang="en-US" sz="1100" i="1" dirty="0" err="1">
                   <a:solidFill>
                     <a:schemeClr val="tx1"/>
                   </a:solidFill>
                 </a:rPr>
-                <a:t>dataExtrapolation_depths.RData</a:t>
+                <a:t>Extrapolation_depths.RData</a:t>
               </a:r>
               <a:endParaRPr lang="en-US" sz="1100" i="1" dirty="0">
                 <a:solidFill>
@@ -8426,11 +8435,1613 @@
             </a:p>
           </p:txBody>
         </p:sp>
+        <p:sp>
+          <p:nvSpPr>
+            <p:cNvPr id="21" name="TextBox 20">
+              <a:extLst>
+                <a:ext uri="{FF2B5EF4-FFF2-40B4-BE49-F238E27FC236}">
+                  <a16:creationId xmlns:a16="http://schemas.microsoft.com/office/drawing/2014/main" id="{E1701A2B-81E6-4C3A-A6DE-A1989B393065}"/>
+                </a:ext>
+              </a:extLst>
+            </p:cNvPr>
+            <p:cNvSpPr txBox="1"/>
+            <p:nvPr/>
+          </p:nvSpPr>
+          <p:spPr>
+            <a:xfrm>
+              <a:off x="4148154" y="2011117"/>
+              <a:ext cx="1575204" cy="276999"/>
+            </a:xfrm>
+            <a:prstGeom prst="rect">
+              <a:avLst/>
+            </a:prstGeom>
+            <a:solidFill>
+              <a:schemeClr val="accent4"/>
+            </a:solidFill>
+            <a:ln>
+              <a:solidFill>
+                <a:schemeClr val="tx1"/>
+              </a:solidFill>
+            </a:ln>
+          </p:spPr>
+          <p:txBody>
+            <a:bodyPr wrap="square">
+              <a:spAutoFit/>
+            </a:bodyPr>
+            <a:lstStyle/>
+            <a:p>
+              <a:r>
+                <a:rPr lang="en-US" sz="1200" dirty="0"/>
+                <a:t>~/</a:t>
+              </a:r>
+              <a:r>
+                <a:rPr lang="en-US" sz="1200" dirty="0" err="1"/>
+                <a:t>fit_model_X_GTP.R</a:t>
+              </a:r>
+              <a:endParaRPr lang="en-US" sz="1200" dirty="0"/>
+            </a:p>
+          </p:txBody>
+        </p:sp>
+        <p:cxnSp>
+          <p:nvCxnSpPr>
+            <p:cNvPr id="22" name="Straight Arrow Connector 21">
+              <a:extLst>
+                <a:ext uri="{FF2B5EF4-FFF2-40B4-BE49-F238E27FC236}">
+                  <a16:creationId xmlns:a16="http://schemas.microsoft.com/office/drawing/2014/main" id="{227F247E-504C-482B-BC85-0EDDD7F57F98}"/>
+                </a:ext>
+              </a:extLst>
+            </p:cNvPr>
+            <p:cNvCxnSpPr>
+              <a:cxnSpLocks/>
+              <a:stCxn id="21" idx="1"/>
+              <a:endCxn id="15" idx="3"/>
+            </p:cNvCxnSpPr>
+            <p:nvPr/>
+          </p:nvCxnSpPr>
+          <p:spPr>
+            <a:xfrm flipH="1">
+              <a:off x="3264156" y="2149617"/>
+              <a:ext cx="883998" cy="30777"/>
+            </a:xfrm>
+            <a:prstGeom prst="straightConnector1">
+              <a:avLst/>
+            </a:prstGeom>
+            <a:ln w="38100">
+              <a:solidFill>
+                <a:schemeClr val="tx1"/>
+              </a:solidFill>
+              <a:tailEnd type="triangle"/>
+            </a:ln>
+          </p:spPr>
+          <p:style>
+            <a:lnRef idx="1">
+              <a:schemeClr val="accent1"/>
+            </a:lnRef>
+            <a:fillRef idx="0">
+              <a:schemeClr val="accent1"/>
+            </a:fillRef>
+            <a:effectRef idx="0">
+              <a:schemeClr val="accent1"/>
+            </a:effectRef>
+            <a:fontRef idx="minor">
+              <a:schemeClr val="tx1"/>
+            </a:fontRef>
+          </p:style>
+        </p:cxnSp>
+        <p:sp>
+          <p:nvSpPr>
+            <p:cNvPr id="20" name="Rectangle 19">
+              <a:extLst>
+                <a:ext uri="{FF2B5EF4-FFF2-40B4-BE49-F238E27FC236}">
+                  <a16:creationId xmlns:a16="http://schemas.microsoft.com/office/drawing/2014/main" id="{9CA753AB-ACB7-4168-8454-23FE73446575}"/>
+                </a:ext>
+              </a:extLst>
+            </p:cNvPr>
+            <p:cNvSpPr/>
+            <p:nvPr/>
+          </p:nvSpPr>
+          <p:spPr>
+            <a:xfrm>
+              <a:off x="543560" y="5346694"/>
+              <a:ext cx="5770880" cy="3402536"/>
+            </a:xfrm>
+            <a:prstGeom prst="rect">
+              <a:avLst/>
+            </a:prstGeom>
+            <a:solidFill>
+              <a:srgbClr val="00B0F0"/>
+            </a:solidFill>
+            <a:ln>
+              <a:solidFill>
+                <a:schemeClr val="tx1"/>
+              </a:solidFill>
+            </a:ln>
+          </p:spPr>
+          <p:style>
+            <a:lnRef idx="2">
+              <a:schemeClr val="accent1">
+                <a:shade val="50000"/>
+              </a:schemeClr>
+            </a:lnRef>
+            <a:fillRef idx="1">
+              <a:schemeClr val="accent1"/>
+            </a:fillRef>
+            <a:effectRef idx="0">
+              <a:schemeClr val="accent1"/>
+            </a:effectRef>
+            <a:fontRef idx="minor">
+              <a:schemeClr val="lt1"/>
+            </a:fontRef>
+          </p:style>
+          <p:txBody>
+            <a:bodyPr rtlCol="0" anchor="ctr"/>
+            <a:lstStyle/>
+            <a:p>
+              <a:pPr algn="ctr"/>
+              <a:endParaRPr lang="en-US" sz="1400" i="1" dirty="0"/>
+            </a:p>
+          </p:txBody>
+        </p:sp>
+        <p:sp>
+          <p:nvSpPr>
+            <p:cNvPr id="64" name="TextBox 63">
+              <a:extLst>
+                <a:ext uri="{FF2B5EF4-FFF2-40B4-BE49-F238E27FC236}">
+                  <a16:creationId xmlns:a16="http://schemas.microsoft.com/office/drawing/2014/main" id="{2945C78F-AC58-4F4E-B93A-9731FEDF40F2}"/>
+                </a:ext>
+              </a:extLst>
+            </p:cNvPr>
+            <p:cNvSpPr txBox="1"/>
+            <p:nvPr/>
+          </p:nvSpPr>
+          <p:spPr>
+            <a:xfrm>
+              <a:off x="312420" y="5361348"/>
+              <a:ext cx="3429000" cy="369332"/>
+            </a:xfrm>
+            <a:prstGeom prst="rect">
+              <a:avLst/>
+            </a:prstGeom>
+            <a:noFill/>
+          </p:spPr>
+          <p:txBody>
+            <a:bodyPr wrap="square">
+              <a:spAutoFit/>
+            </a:bodyPr>
+            <a:lstStyle/>
+            <a:p>
+              <a:pPr algn="ctr"/>
+              <a:r>
+                <a:rPr lang="en-US" sz="1800" i="1" dirty="0"/>
+                <a:t>Diagnostics and Output Plots</a:t>
+              </a:r>
+            </a:p>
+          </p:txBody>
+        </p:sp>
+        <p:sp>
+          <p:nvSpPr>
+            <p:cNvPr id="77" name="Rectangle 76">
+              <a:extLst>
+                <a:ext uri="{FF2B5EF4-FFF2-40B4-BE49-F238E27FC236}">
+                  <a16:creationId xmlns:a16="http://schemas.microsoft.com/office/drawing/2014/main" id="{EB915041-CA4C-40B8-8018-F818F980208A}"/>
+                </a:ext>
+              </a:extLst>
+            </p:cNvPr>
+            <p:cNvSpPr/>
+            <p:nvPr/>
+          </p:nvSpPr>
+          <p:spPr>
+            <a:xfrm>
+              <a:off x="576984" y="5729530"/>
+              <a:ext cx="3084672" cy="2865830"/>
+            </a:xfrm>
+            <a:prstGeom prst="rect">
+              <a:avLst/>
+            </a:prstGeom>
+            <a:solidFill>
+              <a:schemeClr val="accent2"/>
+            </a:solidFill>
+            <a:ln>
+              <a:solidFill>
+                <a:schemeClr val="tx1"/>
+              </a:solidFill>
+            </a:ln>
+          </p:spPr>
+          <p:style>
+            <a:lnRef idx="2">
+              <a:schemeClr val="accent1">
+                <a:shade val="50000"/>
+              </a:schemeClr>
+            </a:lnRef>
+            <a:fillRef idx="1">
+              <a:schemeClr val="accent1"/>
+            </a:fillRef>
+            <a:effectRef idx="0">
+              <a:schemeClr val="accent1"/>
+            </a:effectRef>
+            <a:fontRef idx="minor">
+              <a:schemeClr val="lt1"/>
+            </a:fontRef>
+          </p:style>
+          <p:txBody>
+            <a:bodyPr rtlCol="0" anchor="ctr"/>
+            <a:lstStyle/>
+            <a:p>
+              <a:pPr algn="ctr"/>
+              <a:endParaRPr lang="en-US"/>
+            </a:p>
+          </p:txBody>
+        </p:sp>
+        <p:sp>
+          <p:nvSpPr>
+            <p:cNvPr id="29" name="Rectangle 28">
+              <a:extLst>
+                <a:ext uri="{FF2B5EF4-FFF2-40B4-BE49-F238E27FC236}">
+                  <a16:creationId xmlns:a16="http://schemas.microsoft.com/office/drawing/2014/main" id="{19843376-3EF3-4740-8380-F520BDE46CE5}"/>
+                </a:ext>
+              </a:extLst>
+            </p:cNvPr>
+            <p:cNvSpPr/>
+            <p:nvPr/>
+          </p:nvSpPr>
+          <p:spPr>
+            <a:xfrm>
+              <a:off x="665741" y="5807585"/>
+              <a:ext cx="843020" cy="215384"/>
+            </a:xfrm>
+            <a:prstGeom prst="rect">
+              <a:avLst/>
+            </a:prstGeom>
+            <a:solidFill>
+              <a:schemeClr val="accent6"/>
+            </a:solidFill>
+            <a:ln>
+              <a:solidFill>
+                <a:schemeClr val="tx1"/>
+              </a:solidFill>
+            </a:ln>
+          </p:spPr>
+          <p:style>
+            <a:lnRef idx="2">
+              <a:schemeClr val="accent1">
+                <a:shade val="50000"/>
+              </a:schemeClr>
+            </a:lnRef>
+            <a:fillRef idx="1">
+              <a:schemeClr val="accent1"/>
+            </a:fillRef>
+            <a:effectRef idx="0">
+              <a:schemeClr val="accent1"/>
+            </a:effectRef>
+            <a:fontRef idx="minor">
+              <a:schemeClr val="lt1"/>
+            </a:fontRef>
+          </p:style>
+          <p:txBody>
+            <a:bodyPr rtlCol="0" anchor="ctr"/>
+            <a:lstStyle/>
+            <a:p>
+              <a:pPr algn="ctr"/>
+              <a:r>
+                <a:rPr lang="en-US" sz="1100" i="1" dirty="0">
+                  <a:solidFill>
+                    <a:schemeClr val="tx1"/>
+                  </a:solidFill>
+                </a:rPr>
+                <a:t>CV_1/</a:t>
+              </a:r>
+              <a:r>
+                <a:rPr lang="en-US" sz="1100" i="1" dirty="0" err="1">
+                  <a:solidFill>
+                    <a:schemeClr val="tx1"/>
+                  </a:solidFill>
+                </a:rPr>
+                <a:t>fit.R</a:t>
+              </a:r>
+              <a:endParaRPr lang="en-US" sz="1100" i="1" dirty="0">
+                <a:solidFill>
+                  <a:schemeClr val="tx1"/>
+                </a:solidFill>
+              </a:endParaRPr>
+            </a:p>
+          </p:txBody>
+        </p:sp>
+        <p:sp>
+          <p:nvSpPr>
+            <p:cNvPr id="30" name="Rectangle 29">
+              <a:extLst>
+                <a:ext uri="{FF2B5EF4-FFF2-40B4-BE49-F238E27FC236}">
+                  <a16:creationId xmlns:a16="http://schemas.microsoft.com/office/drawing/2014/main" id="{78AF263E-B202-4A50-A325-BD83C84D1E75}"/>
+                </a:ext>
+              </a:extLst>
+            </p:cNvPr>
+            <p:cNvSpPr/>
+            <p:nvPr/>
+          </p:nvSpPr>
+          <p:spPr>
+            <a:xfrm>
+              <a:off x="665740" y="6022968"/>
+              <a:ext cx="843020" cy="215384"/>
+            </a:xfrm>
+            <a:prstGeom prst="rect">
+              <a:avLst/>
+            </a:prstGeom>
+            <a:solidFill>
+              <a:schemeClr val="accent6"/>
+            </a:solidFill>
+            <a:ln>
+              <a:solidFill>
+                <a:schemeClr val="tx1"/>
+              </a:solidFill>
+            </a:ln>
+          </p:spPr>
+          <p:style>
+            <a:lnRef idx="2">
+              <a:schemeClr val="accent1">
+                <a:shade val="50000"/>
+              </a:schemeClr>
+            </a:lnRef>
+            <a:fillRef idx="1">
+              <a:schemeClr val="accent1"/>
+            </a:fillRef>
+            <a:effectRef idx="0">
+              <a:schemeClr val="accent1"/>
+            </a:effectRef>
+            <a:fontRef idx="minor">
+              <a:schemeClr val="lt1"/>
+            </a:fontRef>
+          </p:style>
+          <p:txBody>
+            <a:bodyPr rtlCol="0" anchor="ctr"/>
+            <a:lstStyle/>
+            <a:p>
+              <a:pPr algn="ctr"/>
+              <a:r>
+                <a:rPr lang="en-US" sz="1100" i="1" dirty="0">
+                  <a:solidFill>
+                    <a:schemeClr val="tx1"/>
+                  </a:solidFill>
+                </a:rPr>
+                <a:t>CV_2/</a:t>
+              </a:r>
+              <a:r>
+                <a:rPr lang="en-US" sz="1100" i="1" dirty="0" err="1">
+                  <a:solidFill>
+                    <a:schemeClr val="tx1"/>
+                  </a:solidFill>
+                </a:rPr>
+                <a:t>fit.R</a:t>
+              </a:r>
+              <a:endParaRPr lang="en-US" sz="1100" i="1" dirty="0">
+                <a:solidFill>
+                  <a:schemeClr val="tx1"/>
+                </a:solidFill>
+              </a:endParaRPr>
+            </a:p>
+          </p:txBody>
+        </p:sp>
+        <p:sp>
+          <p:nvSpPr>
+            <p:cNvPr id="31" name="Rectangle 30">
+              <a:extLst>
+                <a:ext uri="{FF2B5EF4-FFF2-40B4-BE49-F238E27FC236}">
+                  <a16:creationId xmlns:a16="http://schemas.microsoft.com/office/drawing/2014/main" id="{7FE19B3B-7D21-4483-86D5-1B225824BC7E}"/>
+                </a:ext>
+              </a:extLst>
+            </p:cNvPr>
+            <p:cNvSpPr/>
+            <p:nvPr/>
+          </p:nvSpPr>
+          <p:spPr>
+            <a:xfrm>
+              <a:off x="665739" y="6417228"/>
+              <a:ext cx="843020" cy="215384"/>
+            </a:xfrm>
+            <a:prstGeom prst="rect">
+              <a:avLst/>
+            </a:prstGeom>
+            <a:solidFill>
+              <a:schemeClr val="accent6"/>
+            </a:solidFill>
+            <a:ln>
+              <a:solidFill>
+                <a:schemeClr val="tx1"/>
+              </a:solidFill>
+            </a:ln>
+          </p:spPr>
+          <p:style>
+            <a:lnRef idx="2">
+              <a:schemeClr val="accent1">
+                <a:shade val="50000"/>
+              </a:schemeClr>
+            </a:lnRef>
+            <a:fillRef idx="1">
+              <a:schemeClr val="accent1"/>
+            </a:fillRef>
+            <a:effectRef idx="0">
+              <a:schemeClr val="accent1"/>
+            </a:effectRef>
+            <a:fontRef idx="minor">
+              <a:schemeClr val="lt1"/>
+            </a:fontRef>
+          </p:style>
+          <p:txBody>
+            <a:bodyPr rtlCol="0" anchor="ctr"/>
+            <a:lstStyle/>
+            <a:p>
+              <a:pPr algn="ctr"/>
+              <a:r>
+                <a:rPr lang="en-US" sz="1100" i="1" dirty="0">
+                  <a:solidFill>
+                    <a:schemeClr val="tx1"/>
+                  </a:solidFill>
+                </a:rPr>
+                <a:t>CV_10/</a:t>
+              </a:r>
+              <a:r>
+                <a:rPr lang="en-US" sz="1100" i="1" dirty="0" err="1">
+                  <a:solidFill>
+                    <a:schemeClr val="tx1"/>
+                  </a:solidFill>
+                </a:rPr>
+                <a:t>fit.R</a:t>
+              </a:r>
+              <a:endParaRPr lang="en-US" sz="1100" i="1" dirty="0">
+                <a:solidFill>
+                  <a:schemeClr val="tx1"/>
+                </a:solidFill>
+              </a:endParaRPr>
+            </a:p>
+          </p:txBody>
+        </p:sp>
+        <p:sp>
+          <p:nvSpPr>
+            <p:cNvPr id="35" name="TextBox 34">
+              <a:extLst>
+                <a:ext uri="{FF2B5EF4-FFF2-40B4-BE49-F238E27FC236}">
+                  <a16:creationId xmlns:a16="http://schemas.microsoft.com/office/drawing/2014/main" id="{D8D7A93F-6D7B-4802-B9CA-0710FB3CFCD3}"/>
+                </a:ext>
+              </a:extLst>
+            </p:cNvPr>
+            <p:cNvSpPr txBox="1"/>
+            <p:nvPr/>
+          </p:nvSpPr>
+          <p:spPr>
+            <a:xfrm>
+              <a:off x="720600" y="5982495"/>
+              <a:ext cx="729996" cy="523220"/>
+            </a:xfrm>
+            <a:prstGeom prst="rect">
+              <a:avLst/>
+            </a:prstGeom>
+            <a:noFill/>
+          </p:spPr>
+          <p:txBody>
+            <a:bodyPr wrap="square">
+              <a:spAutoFit/>
+            </a:bodyPr>
+            <a:lstStyle/>
+            <a:p>
+              <a:pPr algn="ctr"/>
+              <a:r>
+                <a:rPr lang="en-US" sz="2800" b="1" i="1" dirty="0">
+                  <a:solidFill>
+                    <a:schemeClr val="tx1"/>
+                  </a:solidFill>
+                </a:rPr>
+                <a:t>. . .</a:t>
+              </a:r>
+            </a:p>
+          </p:txBody>
+        </p:sp>
+        <p:sp>
+          <p:nvSpPr>
+            <p:cNvPr id="70" name="Rectangle 69">
+              <a:extLst>
+                <a:ext uri="{FF2B5EF4-FFF2-40B4-BE49-F238E27FC236}">
+                  <a16:creationId xmlns:a16="http://schemas.microsoft.com/office/drawing/2014/main" id="{B0891604-5249-40A0-B9E8-D0775228A371}"/>
+                </a:ext>
+              </a:extLst>
+            </p:cNvPr>
+            <p:cNvSpPr/>
+            <p:nvPr/>
+          </p:nvSpPr>
+          <p:spPr>
+            <a:xfrm>
+              <a:off x="2029875" y="6019595"/>
+              <a:ext cx="1321056" cy="441579"/>
+            </a:xfrm>
+            <a:prstGeom prst="rect">
+              <a:avLst/>
+            </a:prstGeom>
+            <a:solidFill>
+              <a:schemeClr val="accent4"/>
+            </a:solidFill>
+            <a:ln>
+              <a:solidFill>
+                <a:schemeClr val="tx1"/>
+              </a:solidFill>
+            </a:ln>
+          </p:spPr>
+          <p:style>
+            <a:lnRef idx="2">
+              <a:schemeClr val="accent1">
+                <a:shade val="50000"/>
+              </a:schemeClr>
+            </a:lnRef>
+            <a:fillRef idx="1">
+              <a:schemeClr val="accent1"/>
+            </a:fillRef>
+            <a:effectRef idx="0">
+              <a:schemeClr val="accent1"/>
+            </a:effectRef>
+            <a:fontRef idx="minor">
+              <a:schemeClr val="lt1"/>
+            </a:fontRef>
+          </p:style>
+          <p:txBody>
+            <a:bodyPr rtlCol="0" anchor="ctr"/>
+            <a:lstStyle/>
+            <a:p>
+              <a:pPr algn="ctr"/>
+              <a:r>
+                <a:rPr lang="en-US" sz="1100" i="1" dirty="0">
+                  <a:solidFill>
+                    <a:schemeClr val="tx1"/>
+                  </a:solidFill>
+                </a:rPr>
+                <a:t>/</a:t>
+              </a:r>
+              <a:r>
+                <a:rPr lang="en-US" sz="1100" i="1" dirty="0" err="1">
+                  <a:solidFill>
+                    <a:schemeClr val="tx1"/>
+                  </a:solidFill>
+                </a:rPr>
+                <a:t>ForMadison</a:t>
+              </a:r>
+              <a:r>
+                <a:rPr lang="en-US" sz="1100" i="1" dirty="0">
+                  <a:solidFill>
+                    <a:schemeClr val="tx1"/>
+                  </a:solidFill>
+                </a:rPr>
+                <a:t>/</a:t>
+              </a:r>
+              <a:r>
+                <a:rPr lang="en-US" sz="1100" i="1" dirty="0" err="1">
+                  <a:solidFill>
+                    <a:schemeClr val="tx1"/>
+                  </a:solidFill>
+                </a:rPr>
+                <a:t>cross_validation_results</a:t>
+              </a:r>
+              <a:endParaRPr lang="en-US" sz="1100" i="1" dirty="0">
+                <a:solidFill>
+                  <a:schemeClr val="tx1"/>
+                </a:solidFill>
+              </a:endParaRPr>
+            </a:p>
+          </p:txBody>
+        </p:sp>
+        <p:cxnSp>
+          <p:nvCxnSpPr>
+            <p:cNvPr id="13" name="Straight Connector 12">
+              <a:extLst>
+                <a:ext uri="{FF2B5EF4-FFF2-40B4-BE49-F238E27FC236}">
+                  <a16:creationId xmlns:a16="http://schemas.microsoft.com/office/drawing/2014/main" id="{1D26B2C9-A902-414B-B18C-BE09BD964AE0}"/>
+                </a:ext>
+              </a:extLst>
+            </p:cNvPr>
+            <p:cNvCxnSpPr>
+              <a:cxnSpLocks/>
+            </p:cNvCxnSpPr>
+            <p:nvPr/>
+          </p:nvCxnSpPr>
+          <p:spPr>
+            <a:xfrm flipH="1">
+              <a:off x="597678" y="3929157"/>
+              <a:ext cx="667865" cy="1800374"/>
+            </a:xfrm>
+            <a:prstGeom prst="line">
+              <a:avLst/>
+            </a:prstGeom>
+            <a:ln w="19050">
+              <a:prstDash val="dash"/>
+            </a:ln>
+          </p:spPr>
+          <p:style>
+            <a:lnRef idx="1">
+              <a:schemeClr val="dk1"/>
+            </a:lnRef>
+            <a:fillRef idx="0">
+              <a:schemeClr val="dk1"/>
+            </a:fillRef>
+            <a:effectRef idx="0">
+              <a:schemeClr val="dk1"/>
+            </a:effectRef>
+            <a:fontRef idx="minor">
+              <a:schemeClr val="tx1"/>
+            </a:fontRef>
+          </p:style>
+        </p:cxnSp>
+        <p:cxnSp>
+          <p:nvCxnSpPr>
+            <p:cNvPr id="32" name="Straight Connector 31">
+              <a:extLst>
+                <a:ext uri="{FF2B5EF4-FFF2-40B4-BE49-F238E27FC236}">
+                  <a16:creationId xmlns:a16="http://schemas.microsoft.com/office/drawing/2014/main" id="{1BB1301E-A4F6-426A-B6EF-140D41825691}"/>
+                </a:ext>
+              </a:extLst>
+            </p:cNvPr>
+            <p:cNvCxnSpPr>
+              <a:cxnSpLocks/>
+            </p:cNvCxnSpPr>
+            <p:nvPr/>
+          </p:nvCxnSpPr>
+          <p:spPr>
+            <a:xfrm>
+              <a:off x="3029714" y="3889582"/>
+              <a:ext cx="399286" cy="1839949"/>
+            </a:xfrm>
+            <a:prstGeom prst="line">
+              <a:avLst/>
+            </a:prstGeom>
+            <a:ln w="19050">
+              <a:prstDash val="dash"/>
+            </a:ln>
+          </p:spPr>
+          <p:style>
+            <a:lnRef idx="1">
+              <a:schemeClr val="dk1"/>
+            </a:lnRef>
+            <a:fillRef idx="0">
+              <a:schemeClr val="dk1"/>
+            </a:fillRef>
+            <a:effectRef idx="0">
+              <a:schemeClr val="dk1"/>
+            </a:effectRef>
+            <a:fontRef idx="minor">
+              <a:schemeClr val="tx1"/>
+            </a:fontRef>
+          </p:style>
+        </p:cxnSp>
+        <p:sp>
+          <p:nvSpPr>
+            <p:cNvPr id="81" name="Rectangle 80">
+              <a:extLst>
+                <a:ext uri="{FF2B5EF4-FFF2-40B4-BE49-F238E27FC236}">
+                  <a16:creationId xmlns:a16="http://schemas.microsoft.com/office/drawing/2014/main" id="{DC00D54A-8851-4447-AEA1-200F4BA5F5B5}"/>
+                </a:ext>
+              </a:extLst>
+            </p:cNvPr>
+            <p:cNvSpPr/>
+            <p:nvPr/>
+          </p:nvSpPr>
+          <p:spPr>
+            <a:xfrm>
+              <a:off x="4007239" y="5753486"/>
+              <a:ext cx="2198490" cy="1264852"/>
+            </a:xfrm>
+            <a:prstGeom prst="rect">
+              <a:avLst/>
+            </a:prstGeom>
+            <a:solidFill>
+              <a:schemeClr val="accent2"/>
+            </a:solidFill>
+            <a:ln>
+              <a:solidFill>
+                <a:schemeClr val="tx1"/>
+              </a:solidFill>
+            </a:ln>
+          </p:spPr>
+          <p:style>
+            <a:lnRef idx="2">
+              <a:schemeClr val="accent1">
+                <a:shade val="50000"/>
+              </a:schemeClr>
+            </a:lnRef>
+            <a:fillRef idx="1">
+              <a:schemeClr val="accent1"/>
+            </a:fillRef>
+            <a:effectRef idx="0">
+              <a:schemeClr val="accent1"/>
+            </a:effectRef>
+            <a:fontRef idx="minor">
+              <a:schemeClr val="lt1"/>
+            </a:fontRef>
+          </p:style>
+          <p:txBody>
+            <a:bodyPr rtlCol="0" anchor="ctr"/>
+            <a:lstStyle/>
+            <a:p>
+              <a:pPr algn="ctr"/>
+              <a:endParaRPr lang="en-US"/>
+            </a:p>
+          </p:txBody>
+        </p:sp>
+        <p:sp>
+          <p:nvSpPr>
+            <p:cNvPr id="73" name="Rectangle 72">
+              <a:extLst>
+                <a:ext uri="{FF2B5EF4-FFF2-40B4-BE49-F238E27FC236}">
+                  <a16:creationId xmlns:a16="http://schemas.microsoft.com/office/drawing/2014/main" id="{7B92FD25-4A30-4616-89F1-7CB414BF0299}"/>
+                </a:ext>
+              </a:extLst>
+            </p:cNvPr>
+            <p:cNvSpPr/>
+            <p:nvPr/>
+          </p:nvSpPr>
+          <p:spPr>
+            <a:xfrm>
+              <a:off x="4140779" y="5924355"/>
+              <a:ext cx="1949126" cy="204756"/>
+            </a:xfrm>
+            <a:prstGeom prst="rect">
+              <a:avLst/>
+            </a:prstGeom>
+            <a:solidFill>
+              <a:schemeClr val="accent6"/>
+            </a:solidFill>
+            <a:ln>
+              <a:solidFill>
+                <a:schemeClr val="tx1"/>
+              </a:solidFill>
+            </a:ln>
+          </p:spPr>
+          <p:style>
+            <a:lnRef idx="2">
+              <a:schemeClr val="accent1">
+                <a:shade val="50000"/>
+              </a:schemeClr>
+            </a:lnRef>
+            <a:fillRef idx="1">
+              <a:schemeClr val="accent1"/>
+            </a:fillRef>
+            <a:effectRef idx="0">
+              <a:schemeClr val="accent1"/>
+            </a:effectRef>
+            <a:fontRef idx="minor">
+              <a:schemeClr val="lt1"/>
+            </a:fontRef>
+          </p:style>
+          <p:txBody>
+            <a:bodyPr rtlCol="0" anchor="ctr"/>
+            <a:lstStyle/>
+            <a:p>
+              <a:pPr algn="ctr"/>
+              <a:r>
+                <a:rPr lang="en-US" sz="1100" i="1" dirty="0">
+                  <a:solidFill>
+                    <a:schemeClr val="tx1"/>
+                  </a:solidFill>
+                </a:rPr>
+                <a:t>/</a:t>
+              </a:r>
+              <a:r>
+                <a:rPr lang="en-US" sz="1100" i="1" dirty="0" err="1">
+                  <a:solidFill>
+                    <a:schemeClr val="tx1"/>
+                  </a:solidFill>
+                </a:rPr>
+                <a:t>fit_density.RData</a:t>
+              </a:r>
+              <a:endParaRPr lang="en-US" sz="1100" i="1" dirty="0">
+                <a:solidFill>
+                  <a:schemeClr val="tx1"/>
+                </a:solidFill>
+              </a:endParaRPr>
+            </a:p>
+          </p:txBody>
+        </p:sp>
+        <p:sp>
+          <p:nvSpPr>
+            <p:cNvPr id="75" name="Rectangle 74">
+              <a:extLst>
+                <a:ext uri="{FF2B5EF4-FFF2-40B4-BE49-F238E27FC236}">
+                  <a16:creationId xmlns:a16="http://schemas.microsoft.com/office/drawing/2014/main" id="{3A21E09A-69EB-46DE-A60C-7EAA53D86D15}"/>
+                </a:ext>
+              </a:extLst>
+            </p:cNvPr>
+            <p:cNvSpPr/>
+            <p:nvPr/>
+          </p:nvSpPr>
+          <p:spPr>
+            <a:xfrm>
+              <a:off x="4140778" y="6129111"/>
+              <a:ext cx="1949126" cy="204756"/>
+            </a:xfrm>
+            <a:prstGeom prst="rect">
+              <a:avLst/>
+            </a:prstGeom>
+            <a:solidFill>
+              <a:schemeClr val="accent6"/>
+            </a:solidFill>
+            <a:ln>
+              <a:solidFill>
+                <a:schemeClr val="tx1"/>
+              </a:solidFill>
+            </a:ln>
+          </p:spPr>
+          <p:style>
+            <a:lnRef idx="2">
+              <a:schemeClr val="accent1">
+                <a:shade val="50000"/>
+              </a:schemeClr>
+            </a:lnRef>
+            <a:fillRef idx="1">
+              <a:schemeClr val="accent1"/>
+            </a:fillRef>
+            <a:effectRef idx="0">
+              <a:schemeClr val="accent1"/>
+            </a:effectRef>
+            <a:fontRef idx="minor">
+              <a:schemeClr val="lt1"/>
+            </a:fontRef>
+          </p:style>
+          <p:txBody>
+            <a:bodyPr rtlCol="0" anchor="ctr"/>
+            <a:lstStyle/>
+            <a:p>
+              <a:pPr algn="ctr"/>
+              <a:r>
+                <a:rPr lang="en-US" sz="1100" i="1" dirty="0">
+                  <a:solidFill>
+                    <a:schemeClr val="tx1"/>
+                  </a:solidFill>
+                </a:rPr>
+                <a:t>/</a:t>
+              </a:r>
+              <a:r>
+                <a:rPr lang="en-US" sz="1100" i="1" dirty="0" err="1">
+                  <a:solidFill>
+                    <a:schemeClr val="tx1"/>
+                  </a:solidFill>
+                </a:rPr>
+                <a:t>fit_index.RData</a:t>
+              </a:r>
+              <a:endParaRPr lang="en-US" sz="1100" i="1" dirty="0">
+                <a:solidFill>
+                  <a:schemeClr val="tx1"/>
+                </a:solidFill>
+              </a:endParaRPr>
+            </a:p>
+          </p:txBody>
+        </p:sp>
+        <p:sp>
+          <p:nvSpPr>
+            <p:cNvPr id="83" name="TextBox 82">
+              <a:extLst>
+                <a:ext uri="{FF2B5EF4-FFF2-40B4-BE49-F238E27FC236}">
+                  <a16:creationId xmlns:a16="http://schemas.microsoft.com/office/drawing/2014/main" id="{E97DADE7-36D9-4FE0-BA3C-6D052600A66E}"/>
+                </a:ext>
+              </a:extLst>
+            </p:cNvPr>
+            <p:cNvSpPr txBox="1"/>
+            <p:nvPr/>
+          </p:nvSpPr>
+          <p:spPr>
+            <a:xfrm>
+              <a:off x="3973099" y="6585880"/>
+              <a:ext cx="2273777" cy="461665"/>
+            </a:xfrm>
+            <a:prstGeom prst="rect">
+              <a:avLst/>
+            </a:prstGeom>
+            <a:noFill/>
+          </p:spPr>
+          <p:txBody>
+            <a:bodyPr wrap="square">
+              <a:spAutoFit/>
+            </a:bodyPr>
+            <a:lstStyle/>
+            <a:p>
+              <a:pPr algn="ctr"/>
+              <a:r>
+                <a:rPr lang="en-US" sz="1200" i="1" dirty="0">
+                  <a:solidFill>
+                    <a:schemeClr val="tx1"/>
+                  </a:solidFill>
+                </a:rPr>
+                <a:t>GitHub/</a:t>
+              </a:r>
+              <a:r>
+                <a:rPr lang="en-US" sz="1200" i="1" dirty="0" err="1">
+                  <a:solidFill>
+                    <a:schemeClr val="tx1"/>
+                  </a:solidFill>
+                </a:rPr>
+                <a:t>Optimal_Allocation_GoA</a:t>
+              </a:r>
+              <a:r>
+                <a:rPr lang="en-US" sz="1200" i="1" dirty="0">
+                  <a:solidFill>
+                    <a:schemeClr val="tx1"/>
+                  </a:solidFill>
+                </a:rPr>
+                <a:t>/model_11</a:t>
+              </a:r>
+            </a:p>
+          </p:txBody>
+        </p:sp>
+        <p:sp>
+          <p:nvSpPr>
+            <p:cNvPr id="87" name="Rectangle 86">
+              <a:extLst>
+                <a:ext uri="{FF2B5EF4-FFF2-40B4-BE49-F238E27FC236}">
+                  <a16:creationId xmlns:a16="http://schemas.microsoft.com/office/drawing/2014/main" id="{6E4997C1-85D5-47F8-AE43-C5E6CE116723}"/>
+                </a:ext>
+              </a:extLst>
+            </p:cNvPr>
+            <p:cNvSpPr/>
+            <p:nvPr/>
+          </p:nvSpPr>
+          <p:spPr>
+            <a:xfrm>
+              <a:off x="4140779" y="6338037"/>
+              <a:ext cx="1949126" cy="204756"/>
+            </a:xfrm>
+            <a:prstGeom prst="rect">
+              <a:avLst/>
+            </a:prstGeom>
+            <a:solidFill>
+              <a:schemeClr val="accent6"/>
+            </a:solidFill>
+            <a:ln>
+              <a:solidFill>
+                <a:schemeClr val="tx1"/>
+              </a:solidFill>
+            </a:ln>
+          </p:spPr>
+          <p:style>
+            <a:lnRef idx="2">
+              <a:schemeClr val="accent1">
+                <a:shade val="50000"/>
+              </a:schemeClr>
+            </a:lnRef>
+            <a:fillRef idx="1">
+              <a:schemeClr val="accent1"/>
+            </a:fillRef>
+            <a:effectRef idx="0">
+              <a:schemeClr val="accent1"/>
+            </a:effectRef>
+            <a:fontRef idx="minor">
+              <a:schemeClr val="lt1"/>
+            </a:fontRef>
+          </p:style>
+          <p:txBody>
+            <a:bodyPr rtlCol="0" anchor="ctr"/>
+            <a:lstStyle/>
+            <a:p>
+              <a:pPr algn="ctr"/>
+              <a:r>
+                <a:rPr lang="en-US" sz="1100" i="1" dirty="0">
+                  <a:solidFill>
+                    <a:schemeClr val="tx1"/>
+                  </a:solidFill>
+                </a:rPr>
+                <a:t>/</a:t>
+              </a:r>
+              <a:r>
+                <a:rPr lang="en-US" sz="1100" i="1" dirty="0" err="1">
+                  <a:solidFill>
+                    <a:schemeClr val="tx1"/>
+                  </a:solidFill>
+                </a:rPr>
+                <a:t>RMSE_VAST_models.RData</a:t>
+              </a:r>
+              <a:endParaRPr lang="en-US" sz="1100" i="1" dirty="0">
+                <a:solidFill>
+                  <a:schemeClr val="tx1"/>
+                </a:solidFill>
+              </a:endParaRPr>
+            </a:p>
+          </p:txBody>
+        </p:sp>
+        <p:sp>
+          <p:nvSpPr>
+            <p:cNvPr id="89" name="TextBox 88">
+              <a:extLst>
+                <a:ext uri="{FF2B5EF4-FFF2-40B4-BE49-F238E27FC236}">
+                  <a16:creationId xmlns:a16="http://schemas.microsoft.com/office/drawing/2014/main" id="{E8CCEBB4-0A68-4802-B18A-91FCE4E5DFB1}"/>
+                </a:ext>
+              </a:extLst>
+            </p:cNvPr>
+            <p:cNvSpPr txBox="1"/>
+            <p:nvPr/>
+          </p:nvSpPr>
+          <p:spPr>
+            <a:xfrm>
+              <a:off x="768095" y="5732194"/>
+              <a:ext cx="3429000" cy="276999"/>
+            </a:xfrm>
+            <a:prstGeom prst="rect">
+              <a:avLst/>
+            </a:prstGeom>
+            <a:noFill/>
+          </p:spPr>
+          <p:txBody>
+            <a:bodyPr wrap="square">
+              <a:spAutoFit/>
+            </a:bodyPr>
+            <a:lstStyle/>
+            <a:p>
+              <a:pPr algn="ctr"/>
+              <a:r>
+                <a:rPr lang="en-US" sz="1200" i="1" dirty="0" err="1">
+                  <a:solidFill>
+                    <a:schemeClr val="tx1"/>
+                  </a:solidFill>
+                </a:rPr>
+                <a:t>Atheresthes</a:t>
+              </a:r>
+              <a:r>
+                <a:rPr lang="en-US" sz="1200" i="1" dirty="0">
+                  <a:solidFill>
+                    <a:schemeClr val="tx1"/>
+                  </a:solidFill>
+                </a:rPr>
+                <a:t> </a:t>
+              </a:r>
+              <a:r>
+                <a:rPr lang="en-US" sz="1200" i="1" dirty="0" err="1">
+                  <a:solidFill>
+                    <a:schemeClr val="tx1"/>
+                  </a:solidFill>
+                </a:rPr>
+                <a:t>stomias_depth</a:t>
+              </a:r>
+              <a:r>
+                <a:rPr lang="en-US" sz="1200" i="1" dirty="0">
+                  <a:solidFill>
+                    <a:schemeClr val="tx1"/>
+                  </a:solidFill>
+                </a:rPr>
+                <a:t>/</a:t>
+              </a:r>
+            </a:p>
+          </p:txBody>
+        </p:sp>
+        <p:cxnSp>
+          <p:nvCxnSpPr>
+            <p:cNvPr id="90" name="Straight Arrow Connector 89">
+              <a:extLst>
+                <a:ext uri="{FF2B5EF4-FFF2-40B4-BE49-F238E27FC236}">
+                  <a16:creationId xmlns:a16="http://schemas.microsoft.com/office/drawing/2014/main" id="{F8E9A625-9A0F-4BD1-8335-A16EB8E53142}"/>
+                </a:ext>
+              </a:extLst>
+            </p:cNvPr>
+            <p:cNvCxnSpPr>
+              <a:cxnSpLocks/>
+              <a:endCxn id="70" idx="1"/>
+            </p:cNvCxnSpPr>
+            <p:nvPr/>
+          </p:nvCxnSpPr>
+          <p:spPr>
+            <a:xfrm>
+              <a:off x="1508761" y="6240385"/>
+              <a:ext cx="521114" cy="0"/>
+            </a:xfrm>
+            <a:prstGeom prst="straightConnector1">
+              <a:avLst/>
+            </a:prstGeom>
+            <a:ln w="38100">
+              <a:solidFill>
+                <a:schemeClr val="tx1"/>
+              </a:solidFill>
+              <a:tailEnd type="triangle"/>
+            </a:ln>
+          </p:spPr>
+          <p:style>
+            <a:lnRef idx="1">
+              <a:schemeClr val="accent1"/>
+            </a:lnRef>
+            <a:fillRef idx="0">
+              <a:schemeClr val="accent1"/>
+            </a:fillRef>
+            <a:effectRef idx="0">
+              <a:schemeClr val="accent1"/>
+            </a:effectRef>
+            <a:fontRef idx="minor">
+              <a:schemeClr val="tx1"/>
+            </a:fontRef>
+          </p:style>
+        </p:cxnSp>
+        <p:cxnSp>
+          <p:nvCxnSpPr>
+            <p:cNvPr id="95" name="Straight Arrow Connector 94">
+              <a:extLst>
+                <a:ext uri="{FF2B5EF4-FFF2-40B4-BE49-F238E27FC236}">
+                  <a16:creationId xmlns:a16="http://schemas.microsoft.com/office/drawing/2014/main" id="{68AA6C91-E8BC-40F4-8866-E92B70B45477}"/>
+                </a:ext>
+              </a:extLst>
+            </p:cNvPr>
+            <p:cNvCxnSpPr>
+              <a:cxnSpLocks/>
+              <a:stCxn id="70" idx="3"/>
+              <a:endCxn id="75" idx="1"/>
+            </p:cNvCxnSpPr>
+            <p:nvPr/>
+          </p:nvCxnSpPr>
+          <p:spPr>
+            <a:xfrm flipV="1">
+              <a:off x="3350931" y="6231489"/>
+              <a:ext cx="789847" cy="8896"/>
+            </a:xfrm>
+            <a:prstGeom prst="straightConnector1">
+              <a:avLst/>
+            </a:prstGeom>
+            <a:ln w="38100">
+              <a:solidFill>
+                <a:schemeClr val="tx1"/>
+              </a:solidFill>
+              <a:tailEnd type="triangle"/>
+            </a:ln>
+          </p:spPr>
+          <p:style>
+            <a:lnRef idx="1">
+              <a:schemeClr val="accent1"/>
+            </a:lnRef>
+            <a:fillRef idx="0">
+              <a:schemeClr val="accent1"/>
+            </a:fillRef>
+            <a:effectRef idx="0">
+              <a:schemeClr val="accent1"/>
+            </a:effectRef>
+            <a:fontRef idx="minor">
+              <a:schemeClr val="tx1"/>
+            </a:fontRef>
+          </p:style>
+        </p:cxnSp>
+        <p:sp>
+          <p:nvSpPr>
+            <p:cNvPr id="99" name="Rectangle 98">
+              <a:extLst>
+                <a:ext uri="{FF2B5EF4-FFF2-40B4-BE49-F238E27FC236}">
+                  <a16:creationId xmlns:a16="http://schemas.microsoft.com/office/drawing/2014/main" id="{15699E5C-B4CC-45A1-B256-ED9B840C235B}"/>
+                </a:ext>
+              </a:extLst>
+            </p:cNvPr>
+            <p:cNvSpPr/>
+            <p:nvPr/>
+          </p:nvSpPr>
+          <p:spPr>
+            <a:xfrm>
+              <a:off x="665739" y="6853645"/>
+              <a:ext cx="843020" cy="215384"/>
+            </a:xfrm>
+            <a:prstGeom prst="rect">
+              <a:avLst/>
+            </a:prstGeom>
+            <a:solidFill>
+              <a:schemeClr val="accent6"/>
+            </a:solidFill>
+            <a:ln>
+              <a:solidFill>
+                <a:schemeClr val="tx1"/>
+              </a:solidFill>
+            </a:ln>
+          </p:spPr>
+          <p:style>
+            <a:lnRef idx="2">
+              <a:schemeClr val="accent1">
+                <a:shade val="50000"/>
+              </a:schemeClr>
+            </a:lnRef>
+            <a:fillRef idx="1">
+              <a:schemeClr val="accent1"/>
+            </a:fillRef>
+            <a:effectRef idx="0">
+              <a:schemeClr val="accent1"/>
+            </a:effectRef>
+            <a:fontRef idx="minor">
+              <a:schemeClr val="lt1"/>
+            </a:fontRef>
+          </p:style>
+          <p:txBody>
+            <a:bodyPr rtlCol="0" anchor="ctr"/>
+            <a:lstStyle/>
+            <a:p>
+              <a:pPr algn="ctr"/>
+              <a:r>
+                <a:rPr lang="en-US" sz="1100" i="1" dirty="0">
+                  <a:solidFill>
+                    <a:schemeClr val="tx1"/>
+                  </a:solidFill>
+                </a:rPr>
+                <a:t>/</a:t>
+              </a:r>
+              <a:r>
+                <a:rPr lang="en-US" sz="1100" i="1" dirty="0" err="1">
+                  <a:solidFill>
+                    <a:schemeClr val="tx1"/>
+                  </a:solidFill>
+                </a:rPr>
+                <a:t>fit.R</a:t>
+              </a:r>
+              <a:endParaRPr lang="en-US" sz="1100" i="1" dirty="0">
+                <a:solidFill>
+                  <a:schemeClr val="tx1"/>
+                </a:solidFill>
+              </a:endParaRPr>
+            </a:p>
+          </p:txBody>
+        </p:sp>
+        <p:sp>
+          <p:nvSpPr>
+            <p:cNvPr id="101" name="Rectangle 100">
+              <a:extLst>
+                <a:ext uri="{FF2B5EF4-FFF2-40B4-BE49-F238E27FC236}">
+                  <a16:creationId xmlns:a16="http://schemas.microsoft.com/office/drawing/2014/main" id="{5D8F17D8-67FF-40B5-9DD0-69056C3404F8}"/>
+                </a:ext>
+              </a:extLst>
+            </p:cNvPr>
+            <p:cNvSpPr/>
+            <p:nvPr/>
+          </p:nvSpPr>
+          <p:spPr>
+            <a:xfrm>
+              <a:off x="2034445" y="6825717"/>
+              <a:ext cx="1321056" cy="261130"/>
+            </a:xfrm>
+            <a:prstGeom prst="rect">
+              <a:avLst/>
+            </a:prstGeom>
+            <a:solidFill>
+              <a:schemeClr val="accent4"/>
+            </a:solidFill>
+            <a:ln>
+              <a:solidFill>
+                <a:schemeClr val="tx1"/>
+              </a:solidFill>
+            </a:ln>
+          </p:spPr>
+          <p:style>
+            <a:lnRef idx="2">
+              <a:schemeClr val="accent1">
+                <a:shade val="50000"/>
+              </a:schemeClr>
+            </a:lnRef>
+            <a:fillRef idx="1">
+              <a:schemeClr val="accent1"/>
+            </a:fillRef>
+            <a:effectRef idx="0">
+              <a:schemeClr val="accent1"/>
+            </a:effectRef>
+            <a:fontRef idx="minor">
+              <a:schemeClr val="lt1"/>
+            </a:fontRef>
+          </p:style>
+          <p:txBody>
+            <a:bodyPr rtlCol="0" anchor="ctr"/>
+            <a:lstStyle/>
+            <a:p>
+              <a:pPr algn="ctr"/>
+              <a:r>
+                <a:rPr lang="en-US" sz="1100" i="1" dirty="0" err="1">
+                  <a:solidFill>
+                    <a:schemeClr val="tx1"/>
+                  </a:solidFill>
+                </a:rPr>
+                <a:t>Diagnostics.R</a:t>
+              </a:r>
+              <a:endParaRPr lang="en-US" sz="1100" i="1" dirty="0">
+                <a:solidFill>
+                  <a:schemeClr val="tx1"/>
+                </a:solidFill>
+              </a:endParaRPr>
+            </a:p>
+          </p:txBody>
+        </p:sp>
+        <p:cxnSp>
+          <p:nvCxnSpPr>
+            <p:cNvPr id="102" name="Straight Arrow Connector 101">
+              <a:extLst>
+                <a:ext uri="{FF2B5EF4-FFF2-40B4-BE49-F238E27FC236}">
+                  <a16:creationId xmlns:a16="http://schemas.microsoft.com/office/drawing/2014/main" id="{01F19062-A4A9-4A9F-BD13-B185A186D80D}"/>
+                </a:ext>
+              </a:extLst>
+            </p:cNvPr>
+            <p:cNvCxnSpPr>
+              <a:cxnSpLocks/>
+              <a:stCxn id="99" idx="3"/>
+              <a:endCxn id="101" idx="1"/>
+            </p:cNvCxnSpPr>
+            <p:nvPr/>
+          </p:nvCxnSpPr>
+          <p:spPr>
+            <a:xfrm flipV="1">
+              <a:off x="1508759" y="6956282"/>
+              <a:ext cx="525686" cy="5055"/>
+            </a:xfrm>
+            <a:prstGeom prst="straightConnector1">
+              <a:avLst/>
+            </a:prstGeom>
+            <a:ln w="38100">
+              <a:solidFill>
+                <a:schemeClr val="tx1"/>
+              </a:solidFill>
+              <a:tailEnd type="triangle"/>
+            </a:ln>
+          </p:spPr>
+          <p:style>
+            <a:lnRef idx="1">
+              <a:schemeClr val="accent1"/>
+            </a:lnRef>
+            <a:fillRef idx="0">
+              <a:schemeClr val="accent1"/>
+            </a:fillRef>
+            <a:effectRef idx="0">
+              <a:schemeClr val="accent1"/>
+            </a:effectRef>
+            <a:fontRef idx="minor">
+              <a:schemeClr val="tx1"/>
+            </a:fontRef>
+          </p:style>
+        </p:cxnSp>
+        <p:cxnSp>
+          <p:nvCxnSpPr>
+            <p:cNvPr id="109" name="Straight Arrow Connector 108">
+              <a:extLst>
+                <a:ext uri="{FF2B5EF4-FFF2-40B4-BE49-F238E27FC236}">
+                  <a16:creationId xmlns:a16="http://schemas.microsoft.com/office/drawing/2014/main" id="{160D85BD-367F-47DA-977E-619AF783C91E}"/>
+                </a:ext>
+              </a:extLst>
+            </p:cNvPr>
+            <p:cNvCxnSpPr>
+              <a:cxnSpLocks/>
+              <a:stCxn id="101" idx="2"/>
+            </p:cNvCxnSpPr>
+            <p:nvPr/>
+          </p:nvCxnSpPr>
+          <p:spPr>
+            <a:xfrm>
+              <a:off x="2694973" y="7086847"/>
+              <a:ext cx="0" cy="585332"/>
+            </a:xfrm>
+            <a:prstGeom prst="straightConnector1">
+              <a:avLst/>
+            </a:prstGeom>
+            <a:ln w="38100">
+              <a:solidFill>
+                <a:schemeClr val="tx1"/>
+              </a:solidFill>
+              <a:tailEnd type="triangle"/>
+            </a:ln>
+          </p:spPr>
+          <p:style>
+            <a:lnRef idx="1">
+              <a:schemeClr val="accent1"/>
+            </a:lnRef>
+            <a:fillRef idx="0">
+              <a:schemeClr val="accent1"/>
+            </a:fillRef>
+            <a:effectRef idx="0">
+              <a:schemeClr val="accent1"/>
+            </a:effectRef>
+            <a:fontRef idx="minor">
+              <a:schemeClr val="tx1"/>
+            </a:fontRef>
+          </p:style>
+        </p:cxnSp>
+        <p:sp>
+          <p:nvSpPr>
+            <p:cNvPr id="117" name="Rectangle 116">
+              <a:extLst>
+                <a:ext uri="{FF2B5EF4-FFF2-40B4-BE49-F238E27FC236}">
+                  <a16:creationId xmlns:a16="http://schemas.microsoft.com/office/drawing/2014/main" id="{2BF51F68-7329-43D4-A473-2C1C7953E1C1}"/>
+                </a:ext>
+              </a:extLst>
+            </p:cNvPr>
+            <p:cNvSpPr/>
+            <p:nvPr/>
+          </p:nvSpPr>
+          <p:spPr>
+            <a:xfrm>
+              <a:off x="1488848" y="7682223"/>
+              <a:ext cx="1960845" cy="227030"/>
+            </a:xfrm>
+            <a:prstGeom prst="rect">
+              <a:avLst/>
+            </a:prstGeom>
+            <a:solidFill>
+              <a:schemeClr val="accent6"/>
+            </a:solidFill>
+            <a:ln>
+              <a:solidFill>
+                <a:schemeClr val="tx1"/>
+              </a:solidFill>
+            </a:ln>
+          </p:spPr>
+          <p:style>
+            <a:lnRef idx="2">
+              <a:schemeClr val="accent1">
+                <a:shade val="50000"/>
+              </a:schemeClr>
+            </a:lnRef>
+            <a:fillRef idx="1">
+              <a:schemeClr val="accent1"/>
+            </a:fillRef>
+            <a:effectRef idx="0">
+              <a:schemeClr val="accent1"/>
+            </a:effectRef>
+            <a:fontRef idx="minor">
+              <a:schemeClr val="lt1"/>
+            </a:fontRef>
+          </p:style>
+          <p:txBody>
+            <a:bodyPr rtlCol="0" anchor="ctr"/>
+            <a:lstStyle/>
+            <a:p>
+              <a:pPr algn="ctr"/>
+              <a:r>
+                <a:rPr lang="en-US" sz="1100" i="1" dirty="0">
+                  <a:solidFill>
+                    <a:schemeClr val="tx1"/>
+                  </a:solidFill>
+                </a:rPr>
+                <a:t>/diagnostics/density.pdf</a:t>
+              </a:r>
+            </a:p>
+          </p:txBody>
+        </p:sp>
+        <p:sp>
+          <p:nvSpPr>
+            <p:cNvPr id="119" name="Rectangle 118">
+              <a:extLst>
+                <a:ext uri="{FF2B5EF4-FFF2-40B4-BE49-F238E27FC236}">
+                  <a16:creationId xmlns:a16="http://schemas.microsoft.com/office/drawing/2014/main" id="{2E5D0044-35E2-43BC-8A9F-BAC44CE2A9F6}"/>
+                </a:ext>
+              </a:extLst>
+            </p:cNvPr>
+            <p:cNvSpPr/>
+            <p:nvPr/>
+          </p:nvSpPr>
+          <p:spPr>
+            <a:xfrm>
+              <a:off x="1488848" y="7915741"/>
+              <a:ext cx="1960845" cy="227030"/>
+            </a:xfrm>
+            <a:prstGeom prst="rect">
+              <a:avLst/>
+            </a:prstGeom>
+            <a:solidFill>
+              <a:schemeClr val="accent6"/>
+            </a:solidFill>
+            <a:ln>
+              <a:solidFill>
+                <a:schemeClr val="tx1"/>
+              </a:solidFill>
+            </a:ln>
+          </p:spPr>
+          <p:style>
+            <a:lnRef idx="2">
+              <a:schemeClr val="accent1">
+                <a:shade val="50000"/>
+              </a:schemeClr>
+            </a:lnRef>
+            <a:fillRef idx="1">
+              <a:schemeClr val="accent1"/>
+            </a:fillRef>
+            <a:effectRef idx="0">
+              <a:schemeClr val="accent1"/>
+            </a:effectRef>
+            <a:fontRef idx="minor">
+              <a:schemeClr val="lt1"/>
+            </a:fontRef>
+          </p:style>
+          <p:txBody>
+            <a:bodyPr rtlCol="0" anchor="ctr"/>
+            <a:lstStyle/>
+            <a:p>
+              <a:pPr algn="ctr"/>
+              <a:r>
+                <a:rPr lang="en-US" sz="1100" i="1" dirty="0">
+                  <a:solidFill>
+                    <a:schemeClr val="tx1"/>
+                  </a:solidFill>
+                </a:rPr>
+                <a:t>/diagnostics/omega.png</a:t>
+              </a:r>
+            </a:p>
+          </p:txBody>
+        </p:sp>
+        <p:sp>
+          <p:nvSpPr>
+            <p:cNvPr id="121" name="Rectangle 120">
+              <a:extLst>
+                <a:ext uri="{FF2B5EF4-FFF2-40B4-BE49-F238E27FC236}">
+                  <a16:creationId xmlns:a16="http://schemas.microsoft.com/office/drawing/2014/main" id="{CF707CB5-EC6B-494A-9072-9DCD3B1EC099}"/>
+                </a:ext>
+              </a:extLst>
+            </p:cNvPr>
+            <p:cNvSpPr/>
+            <p:nvPr/>
+          </p:nvSpPr>
+          <p:spPr>
+            <a:xfrm>
+              <a:off x="1488847" y="8156393"/>
+              <a:ext cx="1960845" cy="227030"/>
+            </a:xfrm>
+            <a:prstGeom prst="rect">
+              <a:avLst/>
+            </a:prstGeom>
+            <a:solidFill>
+              <a:schemeClr val="accent6"/>
+            </a:solidFill>
+            <a:ln>
+              <a:solidFill>
+                <a:schemeClr val="tx1"/>
+              </a:solidFill>
+            </a:ln>
+          </p:spPr>
+          <p:style>
+            <a:lnRef idx="2">
+              <a:schemeClr val="accent1">
+                <a:shade val="50000"/>
+              </a:schemeClr>
+            </a:lnRef>
+            <a:fillRef idx="1">
+              <a:schemeClr val="accent1"/>
+            </a:fillRef>
+            <a:effectRef idx="0">
+              <a:schemeClr val="accent1"/>
+            </a:effectRef>
+            <a:fontRef idx="minor">
+              <a:schemeClr val="lt1"/>
+            </a:fontRef>
+          </p:style>
+          <p:txBody>
+            <a:bodyPr rtlCol="0" anchor="ctr"/>
+            <a:lstStyle/>
+            <a:p>
+              <a:pPr algn="ctr"/>
+              <a:r>
+                <a:rPr lang="en-US" sz="1100" i="1" dirty="0">
+                  <a:solidFill>
+                    <a:schemeClr val="tx1"/>
+                  </a:solidFill>
+                </a:rPr>
+                <a:t>/diagnostics/Epsilon.png</a:t>
+              </a:r>
+            </a:p>
+          </p:txBody>
+        </p:sp>
       </p:grpSp>
     </p:spTree>
     <p:extLst>
       <p:ext uri="{BB962C8B-B14F-4D97-AF65-F5344CB8AC3E}">
         <p14:creationId xmlns:p14="http://schemas.microsoft.com/office/powerpoint/2010/main" val="3359792883"/>
+      </p:ext>
+    </p:extLst>
+  </p:cSld>
+  <p:clrMapOvr>
+    <a:masterClrMapping/>
+  </p:clrMapOvr>
+</p:sld>
+</file>
+
+<file path=ppt/slides/slide5.xml><?xml version="1.0" encoding="utf-8"?>
+<p:sld xmlns:a="http://schemas.openxmlformats.org/drawingml/2006/main" xmlns:r="http://schemas.openxmlformats.org/officeDocument/2006/relationships" xmlns:p="http://schemas.openxmlformats.org/presentationml/2006/main">
+  <p:cSld>
+    <p:spTree>
+      <p:nvGrpSpPr>
+        <p:cNvPr id="1" name=""/>
+        <p:cNvGrpSpPr/>
+        <p:nvPr/>
+      </p:nvGrpSpPr>
+      <p:grpSpPr>
+        <a:xfrm>
+          <a:off x="0" y="0"/>
+          <a:ext cx="0" cy="0"/>
+          <a:chOff x="0" y="0"/>
+          <a:chExt cx="0" cy="0"/>
+        </a:xfrm>
+      </p:grpSpPr>
+    </p:spTree>
+    <p:extLst>
+      <p:ext uri="{BB962C8B-B14F-4D97-AF65-F5344CB8AC3E}">
+        <p14:creationId xmlns:p14="http://schemas.microsoft.com/office/powerpoint/2010/main" val="3286139443"/>
       </p:ext>
     </p:extLst>
   </p:cSld>

--- a/graphics/WorkFlow.pptx
+++ b/graphics/WorkFlow.pptx
@@ -213,7 +213,7 @@
           <a:p>
             <a:fld id="{A4DA4F57-A2BF-4C31-A47E-3BBB18610A5C}" type="datetimeFigureOut">
               <a:rPr lang="en-US" smtClean="0"/>
-              <a:t>11/5/2020</a:t>
+              <a:t>11/6/2020</a:t>
             </a:fld>
             <a:endParaRPr lang="en-US"/>
           </a:p>
@@ -872,7 +872,7 @@
           <a:p>
             <a:fld id="{940DD78A-3543-B642-AD3F-EDE834A6561E}" type="datetimeFigureOut">
               <a:rPr lang="en-US" smtClean="0"/>
-              <a:t>11/5/2020</a:t>
+              <a:t>11/6/2020</a:t>
             </a:fld>
             <a:endParaRPr lang="en-US"/>
           </a:p>
@@ -1042,7 +1042,7 @@
           <a:p>
             <a:fld id="{940DD78A-3543-B642-AD3F-EDE834A6561E}" type="datetimeFigureOut">
               <a:rPr lang="en-US" smtClean="0"/>
-              <a:t>11/5/2020</a:t>
+              <a:t>11/6/2020</a:t>
             </a:fld>
             <a:endParaRPr lang="en-US"/>
           </a:p>
@@ -1222,7 +1222,7 @@
           <a:p>
             <a:fld id="{940DD78A-3543-B642-AD3F-EDE834A6561E}" type="datetimeFigureOut">
               <a:rPr lang="en-US" smtClean="0"/>
-              <a:t>11/5/2020</a:t>
+              <a:t>11/6/2020</a:t>
             </a:fld>
             <a:endParaRPr lang="en-US"/>
           </a:p>
@@ -1392,7 +1392,7 @@
           <a:p>
             <a:fld id="{940DD78A-3543-B642-AD3F-EDE834A6561E}" type="datetimeFigureOut">
               <a:rPr lang="en-US" smtClean="0"/>
-              <a:t>11/5/2020</a:t>
+              <a:t>11/6/2020</a:t>
             </a:fld>
             <a:endParaRPr lang="en-US"/>
           </a:p>
@@ -1636,7 +1636,7 @@
           <a:p>
             <a:fld id="{940DD78A-3543-B642-AD3F-EDE834A6561E}" type="datetimeFigureOut">
               <a:rPr lang="en-US" smtClean="0"/>
-              <a:t>11/5/2020</a:t>
+              <a:t>11/6/2020</a:t>
             </a:fld>
             <a:endParaRPr lang="en-US"/>
           </a:p>
@@ -1868,7 +1868,7 @@
           <a:p>
             <a:fld id="{940DD78A-3543-B642-AD3F-EDE834A6561E}" type="datetimeFigureOut">
               <a:rPr lang="en-US" smtClean="0"/>
-              <a:t>11/5/2020</a:t>
+              <a:t>11/6/2020</a:t>
             </a:fld>
             <a:endParaRPr lang="en-US"/>
           </a:p>
@@ -2235,7 +2235,7 @@
           <a:p>
             <a:fld id="{940DD78A-3543-B642-AD3F-EDE834A6561E}" type="datetimeFigureOut">
               <a:rPr lang="en-US" smtClean="0"/>
-              <a:t>11/5/2020</a:t>
+              <a:t>11/6/2020</a:t>
             </a:fld>
             <a:endParaRPr lang="en-US"/>
           </a:p>
@@ -2353,7 +2353,7 @@
           <a:p>
             <a:fld id="{940DD78A-3543-B642-AD3F-EDE834A6561E}" type="datetimeFigureOut">
               <a:rPr lang="en-US" smtClean="0"/>
-              <a:t>11/5/2020</a:t>
+              <a:t>11/6/2020</a:t>
             </a:fld>
             <a:endParaRPr lang="en-US"/>
           </a:p>
@@ -2448,7 +2448,7 @@
           <a:p>
             <a:fld id="{940DD78A-3543-B642-AD3F-EDE834A6561E}" type="datetimeFigureOut">
               <a:rPr lang="en-US" smtClean="0"/>
-              <a:t>11/5/2020</a:t>
+              <a:t>11/6/2020</a:t>
             </a:fld>
             <a:endParaRPr lang="en-US"/>
           </a:p>
@@ -2725,7 +2725,7 @@
           <a:p>
             <a:fld id="{940DD78A-3543-B642-AD3F-EDE834A6561E}" type="datetimeFigureOut">
               <a:rPr lang="en-US" smtClean="0"/>
-              <a:t>11/5/2020</a:t>
+              <a:t>11/6/2020</a:t>
             </a:fld>
             <a:endParaRPr lang="en-US"/>
           </a:p>
@@ -2982,7 +2982,7 @@
           <a:p>
             <a:fld id="{940DD78A-3543-B642-AD3F-EDE834A6561E}" type="datetimeFigureOut">
               <a:rPr lang="en-US" smtClean="0"/>
-              <a:t>11/5/2020</a:t>
+              <a:t>11/6/2020</a:t>
             </a:fld>
             <a:endParaRPr lang="en-US"/>
           </a:p>
@@ -3195,7 +3195,7 @@
           <a:p>
             <a:fld id="{940DD78A-3543-B642-AD3F-EDE834A6561E}" type="datetimeFigureOut">
               <a:rPr lang="en-US" smtClean="0"/>
-              <a:t>11/5/2020</a:t>
+              <a:t>11/6/2020</a:t>
             </a:fld>
             <a:endParaRPr lang="en-US"/>
           </a:p>
@@ -5572,10 +5572,10 @@
       </p:grpSpPr>
       <p:grpSp>
         <p:nvGrpSpPr>
-          <p:cNvPr id="14" name="Group 13">
+          <p:cNvPr id="17" name="Group 16">
             <a:extLst>
               <a:ext uri="{FF2B5EF4-FFF2-40B4-BE49-F238E27FC236}">
-                <a16:creationId xmlns:a16="http://schemas.microsoft.com/office/drawing/2014/main" id="{DACC95E3-BF75-486B-9576-B0C41F2F5108}"/>
+                <a16:creationId xmlns:a16="http://schemas.microsoft.com/office/drawing/2014/main" id="{2CD667BC-5745-4F9E-9B49-F802E2E71B79}"/>
               </a:ext>
             </a:extLst>
           </p:cNvPr>
@@ -5584,10 +5584,10 @@
         </p:nvGrpSpPr>
         <p:grpSpPr>
           <a:xfrm>
-            <a:off x="133253" y="3666678"/>
-            <a:ext cx="6510310" cy="3130362"/>
-            <a:chOff x="133253" y="3666678"/>
-            <a:chExt cx="6510310" cy="3130362"/>
+            <a:off x="232313" y="3666678"/>
+            <a:ext cx="6411250" cy="2436942"/>
+            <a:chOff x="232313" y="3666678"/>
+            <a:chExt cx="6411250" cy="2436942"/>
           </a:xfrm>
         </p:grpSpPr>
         <p:sp>
@@ -5604,8 +5604,8 @@
           </p:nvSpPr>
           <p:spPr>
             <a:xfrm>
-              <a:off x="185395" y="3666678"/>
-              <a:ext cx="6434109" cy="3130362"/>
+              <a:off x="388620" y="3666678"/>
+              <a:ext cx="6042660" cy="2436942"/>
             </a:xfrm>
             <a:prstGeom prst="rect">
               <a:avLst/>
@@ -5658,8 +5658,8 @@
           </p:nvSpPr>
           <p:spPr>
             <a:xfrm>
-              <a:off x="1595859" y="4103974"/>
-              <a:ext cx="4815406" cy="2487326"/>
+              <a:off x="1405762" y="4103974"/>
+              <a:ext cx="4815406" cy="1877726"/>
             </a:xfrm>
             <a:prstGeom prst="rect">
               <a:avLst/>
@@ -5712,7 +5712,7 @@
           </p:nvSpPr>
           <p:spPr>
             <a:xfrm>
-              <a:off x="4037763" y="5650195"/>
+              <a:off x="4037763" y="4751035"/>
               <a:ext cx="1828800" cy="177262"/>
             </a:xfrm>
             <a:prstGeom prst="rect">
@@ -5778,7 +5778,7 @@
           </p:nvSpPr>
           <p:spPr>
             <a:xfrm>
-              <a:off x="4039239" y="6216533"/>
+              <a:off x="4039239" y="5317373"/>
               <a:ext cx="1828800" cy="177262"/>
             </a:xfrm>
             <a:prstGeom prst="rect">
@@ -5848,7 +5848,7 @@
           </p:nvCxnSpPr>
           <p:spPr>
             <a:xfrm>
-              <a:off x="4952163" y="5827457"/>
+              <a:off x="4952163" y="4928297"/>
               <a:ext cx="1476" cy="389076"/>
             </a:xfrm>
             <a:prstGeom prst="straightConnector1">
@@ -5890,8 +5890,8 @@
           </p:nvSpPr>
           <p:spPr>
             <a:xfrm>
-              <a:off x="464239" y="4863415"/>
-              <a:ext cx="2769920" cy="1255445"/>
+              <a:off x="563299" y="4337635"/>
+              <a:ext cx="2769920" cy="1530380"/>
             </a:xfrm>
             <a:prstGeom prst="rect">
               <a:avLst/>
@@ -5944,7 +5944,7 @@
           </p:nvSpPr>
           <p:spPr>
             <a:xfrm>
-              <a:off x="133253" y="4982615"/>
+              <a:off x="232313" y="4456835"/>
               <a:ext cx="3431892" cy="369332"/>
             </a:xfrm>
             <a:prstGeom prst="rect">
@@ -5984,7 +5984,7 @@
           </p:nvGrpSpPr>
           <p:grpSpPr>
             <a:xfrm>
-              <a:off x="936486" y="5465270"/>
+              <a:off x="1035546" y="4939490"/>
               <a:ext cx="1830651" cy="543739"/>
               <a:chOff x="861749" y="596403"/>
               <a:chExt cx="1830651" cy="543739"/>
@@ -6240,15 +6240,14 @@
             </p:cNvPr>
             <p:cNvCxnSpPr>
               <a:cxnSpLocks/>
-              <a:stCxn id="7" idx="3"/>
               <a:endCxn id="5" idx="1"/>
             </p:cNvCxnSpPr>
             <p:nvPr/>
           </p:nvCxnSpPr>
           <p:spPr>
             <a:xfrm flipV="1">
-              <a:off x="2767137" y="5738826"/>
-              <a:ext cx="1270626" cy="159"/>
+              <a:off x="2889212" y="4839666"/>
+              <a:ext cx="1148551" cy="408109"/>
             </a:xfrm>
             <a:prstGeom prst="straightConnector1">
               <a:avLst/>
@@ -6313,10 +6312,10 @@
         </p:sp>
         <p:sp>
           <p:nvSpPr>
-            <p:cNvPr id="10" name="Rectangle 9">
+            <p:cNvPr id="11" name="Rectangle 10">
               <a:extLst>
                 <a:ext uri="{FF2B5EF4-FFF2-40B4-BE49-F238E27FC236}">
-                  <a16:creationId xmlns:a16="http://schemas.microsoft.com/office/drawing/2014/main" id="{E43C8FF1-BE45-4DB2-AC68-549180EB8277}"/>
+                  <a16:creationId xmlns:a16="http://schemas.microsoft.com/office/drawing/2014/main" id="{9DD24E4C-A9A2-43F0-B3F6-81C8D3E07986}"/>
                 </a:ext>
               </a:extLst>
             </p:cNvPr>
@@ -6325,8 +6324,8 @@
           </p:nvSpPr>
           <p:spPr>
             <a:xfrm>
-              <a:off x="4034042" y="4889155"/>
-              <a:ext cx="1828800" cy="501615"/>
+              <a:off x="1033859" y="5491821"/>
+              <a:ext cx="1828800" cy="218123"/>
             </a:xfrm>
             <a:prstGeom prst="rect">
               <a:avLst/>
@@ -6362,20 +6361,12 @@
             <a:p>
               <a:pPr algn="ctr"/>
               <a:r>
-                <a:rPr lang="en-US" sz="1100" i="1" dirty="0" err="1">
-                  <a:solidFill>
-                    <a:schemeClr val="tx1"/>
-                  </a:solidFill>
-                </a:rPr>
-                <a:t>EFH_bathymetry</a:t>
-              </a:r>
-              <a:r>
                 <a:rPr lang="en-US" sz="1100" i="1" dirty="0">
                   <a:solidFill>
                     <a:schemeClr val="tx1"/>
                   </a:solidFill>
                 </a:rPr>
-                <a:t>/aigoa_bathp1c/</a:t>
+                <a:t>aigoa_bathp1c/</a:t>
               </a:r>
               <a:r>
                 <a:rPr lang="en-US" sz="1100" i="1" dirty="0" err="1">
@@ -6393,52 +6384,6 @@
             </a:p>
           </p:txBody>
         </p:sp>
-        <p:cxnSp>
-          <p:nvCxnSpPr>
-            <p:cNvPr id="20" name="Straight Arrow Connector 19">
-              <a:extLst>
-                <a:ext uri="{FF2B5EF4-FFF2-40B4-BE49-F238E27FC236}">
-                  <a16:creationId xmlns:a16="http://schemas.microsoft.com/office/drawing/2014/main" id="{F859C033-D8E4-436B-BE5E-80580A3E4B2A}"/>
-                </a:ext>
-              </a:extLst>
-            </p:cNvPr>
-            <p:cNvCxnSpPr>
-              <a:cxnSpLocks/>
-              <a:stCxn id="10" idx="2"/>
-              <a:endCxn id="5" idx="0"/>
-            </p:cNvCxnSpPr>
-            <p:nvPr/>
-          </p:nvCxnSpPr>
-          <p:spPr>
-            <a:xfrm>
-              <a:off x="4948442" y="5390770"/>
-              <a:ext cx="3721" cy="259425"/>
-            </a:xfrm>
-            <a:prstGeom prst="straightConnector1">
-              <a:avLst/>
-            </a:prstGeom>
-            <a:ln w="38100">
-              <a:solidFill>
-                <a:schemeClr val="tx1"/>
-              </a:solidFill>
-              <a:tailEnd type="triangle"/>
-            </a:ln>
-          </p:spPr>
-          <p:style>
-            <a:lnRef idx="1">
-              <a:schemeClr val="accent1"/>
-            </a:lnRef>
-            <a:fillRef idx="0">
-              <a:schemeClr val="accent1"/>
-            </a:fillRef>
-            <a:effectRef idx="0">
-              <a:schemeClr val="accent1"/>
-            </a:effectRef>
-            <a:fontRef idx="minor">
-              <a:schemeClr val="tx1"/>
-            </a:fontRef>
-          </p:style>
-        </p:cxnSp>
       </p:grpSp>
     </p:spTree>
     <p:extLst>

--- a/graphics/WorkFlow.pptx
+++ b/graphics/WorkFlow.pptx
@@ -5584,7 +5584,7 @@
         </p:nvGrpSpPr>
         <p:grpSpPr>
           <a:xfrm>
-            <a:off x="232313" y="3666678"/>
+            <a:off x="232313" y="4885149"/>
             <a:ext cx="6411250" cy="2436942"/>
             <a:chOff x="232313" y="3666678"/>
             <a:chExt cx="6411250" cy="2436942"/>

--- a/graphics/WorkFlow.pptx
+++ b/graphics/WorkFlow.pptx
@@ -2,7 +2,7 @@
 <file path=ppt/presentation.xml><?xml version="1.0" encoding="utf-8"?>
 <p:presentation xmlns:a="http://schemas.openxmlformats.org/drawingml/2006/main" xmlns:r="http://schemas.openxmlformats.org/officeDocument/2006/relationships" xmlns:p="http://schemas.openxmlformats.org/presentationml/2006/main" saveSubsetFonts="1" autoCompressPictures="0">
   <p:sldMasterIdLst>
-    <p:sldMasterId id="2147483672" r:id="rId1"/>
+    <p:sldMasterId id="2147483684" r:id="rId1"/>
   </p:sldMasterIdLst>
   <p:notesMasterIdLst>
     <p:notesMasterId r:id="rId7"/>
@@ -14,7 +14,7 @@
     <p:sldId id="310" r:id="rId5"/>
     <p:sldId id="311" r:id="rId6"/>
   </p:sldIdLst>
-  <p:sldSz cx="6858000" cy="9144000" type="screen4x3"/>
+  <p:sldSz cx="6858000" cy="27432000"/>
   <p:notesSz cx="6858000" cy="9144000"/>
   <p:defaultTextStyle>
     <a:defPPr>
@@ -231,8 +231,8 @@
         </p:nvSpPr>
         <p:spPr>
           <a:xfrm>
-            <a:off x="2271713" y="1143000"/>
-            <a:ext cx="2314575" cy="3086100"/>
+            <a:off x="3043238" y="1143000"/>
+            <a:ext cx="771525" cy="3086100"/>
           </a:xfrm>
           <a:prstGeom prst="rect">
             <a:avLst/>
@@ -507,7 +507,12 @@
             <p:ph type="sldImg"/>
           </p:nvPr>
         </p:nvSpPr>
-        <p:spPr/>
+        <p:spPr>
+          <a:xfrm>
+            <a:off x="3043238" y="1143000"/>
+            <a:ext cx="771525" cy="3086100"/>
+          </a:xfrm>
+        </p:spPr>
       </p:sp>
       <p:sp>
         <p:nvSpPr>
@@ -594,7 +599,12 @@
             <p:ph type="sldImg"/>
           </p:nvPr>
         </p:nvSpPr>
-        <p:spPr/>
+        <p:spPr>
+          <a:xfrm>
+            <a:off x="3043238" y="1143000"/>
+            <a:ext cx="771525" cy="3086100"/>
+          </a:xfrm>
+        </p:spPr>
       </p:sp>
       <p:sp>
         <p:nvSpPr>
@@ -681,7 +691,12 @@
             <p:ph type="sldImg"/>
           </p:nvPr>
         </p:nvSpPr>
-        <p:spPr/>
+        <p:spPr>
+          <a:xfrm>
+            <a:off x="3043238" y="1143000"/>
+            <a:ext cx="771525" cy="3086100"/>
+          </a:xfrm>
+        </p:spPr>
       </p:sp>
       <p:sp>
         <p:nvSpPr>
@@ -770,8 +785,8 @@
         </p:nvSpPr>
         <p:spPr>
           <a:xfrm>
-            <a:off x="514350" y="1496484"/>
-            <a:ext cx="5829300" cy="3183467"/>
+            <a:off x="514350" y="4489452"/>
+            <a:ext cx="5829300" cy="9550400"/>
           </a:xfrm>
         </p:spPr>
         <p:txBody>
@@ -802,8 +817,8 @@
         </p:nvSpPr>
         <p:spPr>
           <a:xfrm>
-            <a:off x="857250" y="4802717"/>
-            <a:ext cx="5143500" cy="2207683"/>
+            <a:off x="857250" y="14408152"/>
+            <a:ext cx="5143500" cy="6623048"/>
           </a:xfrm>
         </p:spPr>
         <p:txBody>
@@ -923,7 +938,7 @@
     </p:spTree>
     <p:extLst>
       <p:ext uri="{BB962C8B-B14F-4D97-AF65-F5344CB8AC3E}">
-        <p14:creationId xmlns:p14="http://schemas.microsoft.com/office/powerpoint/2010/main" val="1333181655"/>
+        <p14:creationId xmlns:p14="http://schemas.microsoft.com/office/powerpoint/2010/main" val="3751069615"/>
       </p:ext>
     </p:extLst>
   </p:cSld>
@@ -1093,7 +1108,7 @@
     </p:spTree>
     <p:extLst>
       <p:ext uri="{BB962C8B-B14F-4D97-AF65-F5344CB8AC3E}">
-        <p14:creationId xmlns:p14="http://schemas.microsoft.com/office/powerpoint/2010/main" val="28631285"/>
+        <p14:creationId xmlns:p14="http://schemas.microsoft.com/office/powerpoint/2010/main" val="4095417508"/>
       </p:ext>
     </p:extLst>
   </p:cSld>
@@ -1132,8 +1147,8 @@
         </p:nvSpPr>
         <p:spPr>
           <a:xfrm>
-            <a:off x="4907757" y="486834"/>
-            <a:ext cx="1478756" cy="7749117"/>
+            <a:off x="4907757" y="1460500"/>
+            <a:ext cx="1478756" cy="23247352"/>
           </a:xfrm>
         </p:spPr>
         <p:txBody>
@@ -1160,8 +1175,8 @@
         </p:nvSpPr>
         <p:spPr>
           <a:xfrm>
-            <a:off x="471488" y="486834"/>
-            <a:ext cx="4350544" cy="7749117"/>
+            <a:off x="471488" y="1460500"/>
+            <a:ext cx="4350544" cy="23247352"/>
           </a:xfrm>
         </p:spPr>
         <p:txBody>
@@ -1273,7 +1288,7 @@
     </p:spTree>
     <p:extLst>
       <p:ext uri="{BB962C8B-B14F-4D97-AF65-F5344CB8AC3E}">
-        <p14:creationId xmlns:p14="http://schemas.microsoft.com/office/powerpoint/2010/main" val="2434707537"/>
+        <p14:creationId xmlns:p14="http://schemas.microsoft.com/office/powerpoint/2010/main" val="2782293304"/>
       </p:ext>
     </p:extLst>
   </p:cSld>
@@ -1443,7 +1458,7 @@
     </p:spTree>
     <p:extLst>
       <p:ext uri="{BB962C8B-B14F-4D97-AF65-F5344CB8AC3E}">
-        <p14:creationId xmlns:p14="http://schemas.microsoft.com/office/powerpoint/2010/main" val="3112910897"/>
+        <p14:creationId xmlns:p14="http://schemas.microsoft.com/office/powerpoint/2010/main" val="327852621"/>
       </p:ext>
     </p:extLst>
   </p:cSld>
@@ -1482,8 +1497,8 @@
         </p:nvSpPr>
         <p:spPr>
           <a:xfrm>
-            <a:off x="467916" y="2279653"/>
-            <a:ext cx="5915025" cy="3803649"/>
+            <a:off x="467916" y="6838958"/>
+            <a:ext cx="5915025" cy="11410948"/>
           </a:xfrm>
         </p:spPr>
         <p:txBody>
@@ -1514,8 +1529,8 @@
         </p:nvSpPr>
         <p:spPr>
           <a:xfrm>
-            <a:off x="467916" y="6119286"/>
-            <a:ext cx="5915025" cy="2000249"/>
+            <a:off x="467916" y="18357858"/>
+            <a:ext cx="5915025" cy="6000748"/>
           </a:xfrm>
         </p:spPr>
         <p:txBody>
@@ -1687,7 +1702,7 @@
     </p:spTree>
     <p:extLst>
       <p:ext uri="{BB962C8B-B14F-4D97-AF65-F5344CB8AC3E}">
-        <p14:creationId xmlns:p14="http://schemas.microsoft.com/office/powerpoint/2010/main" val="995723028"/>
+        <p14:creationId xmlns:p14="http://schemas.microsoft.com/office/powerpoint/2010/main" val="1950316717"/>
       </p:ext>
     </p:extLst>
   </p:cSld>
@@ -1749,8 +1764,8 @@
         </p:nvSpPr>
         <p:spPr>
           <a:xfrm>
-            <a:off x="471488" y="2434167"/>
-            <a:ext cx="2914650" cy="5801784"/>
+            <a:off x="471488" y="7302500"/>
+            <a:ext cx="2914650" cy="17405352"/>
           </a:xfrm>
         </p:spPr>
         <p:txBody>
@@ -1806,8 +1821,8 @@
         </p:nvSpPr>
         <p:spPr>
           <a:xfrm>
-            <a:off x="3471863" y="2434167"/>
-            <a:ext cx="2914650" cy="5801784"/>
+            <a:off x="3471863" y="7302500"/>
+            <a:ext cx="2914650" cy="17405352"/>
           </a:xfrm>
         </p:spPr>
         <p:txBody>
@@ -1919,7 +1934,7 @@
     </p:spTree>
     <p:extLst>
       <p:ext uri="{BB962C8B-B14F-4D97-AF65-F5344CB8AC3E}">
-        <p14:creationId xmlns:p14="http://schemas.microsoft.com/office/powerpoint/2010/main" val="838649222"/>
+        <p14:creationId xmlns:p14="http://schemas.microsoft.com/office/powerpoint/2010/main" val="1811324903"/>
       </p:ext>
     </p:extLst>
   </p:cSld>
@@ -1958,8 +1973,8 @@
         </p:nvSpPr>
         <p:spPr>
           <a:xfrm>
-            <a:off x="472381" y="486836"/>
-            <a:ext cx="5915025" cy="1767417"/>
+            <a:off x="472381" y="1460506"/>
+            <a:ext cx="5915025" cy="5302252"/>
           </a:xfrm>
         </p:spPr>
         <p:txBody>
@@ -1986,8 +2001,8 @@
         </p:nvSpPr>
         <p:spPr>
           <a:xfrm>
-            <a:off x="472381" y="2241551"/>
-            <a:ext cx="2901255" cy="1098549"/>
+            <a:off x="472381" y="6724652"/>
+            <a:ext cx="2901255" cy="3295648"/>
           </a:xfrm>
         </p:spPr>
         <p:txBody>
@@ -2051,8 +2066,8 @@
         </p:nvSpPr>
         <p:spPr>
           <a:xfrm>
-            <a:off x="472381" y="3340100"/>
-            <a:ext cx="2901255" cy="4912784"/>
+            <a:off x="472381" y="10020300"/>
+            <a:ext cx="2901255" cy="14738352"/>
           </a:xfrm>
         </p:spPr>
         <p:txBody>
@@ -2108,8 +2123,8 @@
         </p:nvSpPr>
         <p:spPr>
           <a:xfrm>
-            <a:off x="3471863" y="2241551"/>
-            <a:ext cx="2915543" cy="1098549"/>
+            <a:off x="3471863" y="6724652"/>
+            <a:ext cx="2915543" cy="3295648"/>
           </a:xfrm>
         </p:spPr>
         <p:txBody>
@@ -2173,8 +2188,8 @@
         </p:nvSpPr>
         <p:spPr>
           <a:xfrm>
-            <a:off x="3471863" y="3340100"/>
-            <a:ext cx="2915543" cy="4912784"/>
+            <a:off x="3471863" y="10020300"/>
+            <a:ext cx="2915543" cy="14738352"/>
           </a:xfrm>
         </p:spPr>
         <p:txBody>
@@ -2286,7 +2301,7 @@
     </p:spTree>
     <p:extLst>
       <p:ext uri="{BB962C8B-B14F-4D97-AF65-F5344CB8AC3E}">
-        <p14:creationId xmlns:p14="http://schemas.microsoft.com/office/powerpoint/2010/main" val="1145710111"/>
+        <p14:creationId xmlns:p14="http://schemas.microsoft.com/office/powerpoint/2010/main" val="2834175816"/>
       </p:ext>
     </p:extLst>
   </p:cSld>
@@ -2404,7 +2419,7 @@
     </p:spTree>
     <p:extLst>
       <p:ext uri="{BB962C8B-B14F-4D97-AF65-F5344CB8AC3E}">
-        <p14:creationId xmlns:p14="http://schemas.microsoft.com/office/powerpoint/2010/main" val="3228725754"/>
+        <p14:creationId xmlns:p14="http://schemas.microsoft.com/office/powerpoint/2010/main" val="3397115731"/>
       </p:ext>
     </p:extLst>
   </p:cSld>
@@ -2499,7 +2514,7 @@
     </p:spTree>
     <p:extLst>
       <p:ext uri="{BB962C8B-B14F-4D97-AF65-F5344CB8AC3E}">
-        <p14:creationId xmlns:p14="http://schemas.microsoft.com/office/powerpoint/2010/main" val="4233002417"/>
+        <p14:creationId xmlns:p14="http://schemas.microsoft.com/office/powerpoint/2010/main" val="3292188352"/>
       </p:ext>
     </p:extLst>
   </p:cSld>
@@ -2538,8 +2553,8 @@
         </p:nvSpPr>
         <p:spPr>
           <a:xfrm>
-            <a:off x="472381" y="609600"/>
-            <a:ext cx="2211884" cy="2133600"/>
+            <a:off x="472381" y="1828800"/>
+            <a:ext cx="2211884" cy="6400800"/>
           </a:xfrm>
         </p:spPr>
         <p:txBody>
@@ -2570,8 +2585,8 @@
         </p:nvSpPr>
         <p:spPr>
           <a:xfrm>
-            <a:off x="2915543" y="1316569"/>
-            <a:ext cx="3471863" cy="6498167"/>
+            <a:off x="2915543" y="3949706"/>
+            <a:ext cx="3471863" cy="19494500"/>
           </a:xfrm>
         </p:spPr>
         <p:txBody>
@@ -2655,8 +2670,8 @@
         </p:nvSpPr>
         <p:spPr>
           <a:xfrm>
-            <a:off x="472381" y="2743200"/>
-            <a:ext cx="2211884" cy="5082117"/>
+            <a:off x="472381" y="8229600"/>
+            <a:ext cx="2211884" cy="15246352"/>
           </a:xfrm>
         </p:spPr>
         <p:txBody>
@@ -2776,7 +2791,7 @@
     </p:spTree>
     <p:extLst>
       <p:ext uri="{BB962C8B-B14F-4D97-AF65-F5344CB8AC3E}">
-        <p14:creationId xmlns:p14="http://schemas.microsoft.com/office/powerpoint/2010/main" val="346100094"/>
+        <p14:creationId xmlns:p14="http://schemas.microsoft.com/office/powerpoint/2010/main" val="2649632816"/>
       </p:ext>
     </p:extLst>
   </p:cSld>
@@ -2815,8 +2830,8 @@
         </p:nvSpPr>
         <p:spPr>
           <a:xfrm>
-            <a:off x="472381" y="609600"/>
-            <a:ext cx="2211884" cy="2133600"/>
+            <a:off x="472381" y="1828800"/>
+            <a:ext cx="2211884" cy="6400800"/>
           </a:xfrm>
         </p:spPr>
         <p:txBody>
@@ -2847,8 +2862,8 @@
         </p:nvSpPr>
         <p:spPr>
           <a:xfrm>
-            <a:off x="2915543" y="1316569"/>
-            <a:ext cx="3471863" cy="6498167"/>
+            <a:off x="2915543" y="3949706"/>
+            <a:ext cx="3471863" cy="19494500"/>
           </a:xfrm>
         </p:spPr>
         <p:txBody>
@@ -2912,8 +2927,8 @@
         </p:nvSpPr>
         <p:spPr>
           <a:xfrm>
-            <a:off x="472381" y="2743200"/>
-            <a:ext cx="2211884" cy="5082117"/>
+            <a:off x="472381" y="8229600"/>
+            <a:ext cx="2211884" cy="15246352"/>
           </a:xfrm>
         </p:spPr>
         <p:txBody>
@@ -3033,7 +3048,7 @@
     </p:spTree>
     <p:extLst>
       <p:ext uri="{BB962C8B-B14F-4D97-AF65-F5344CB8AC3E}">
-        <p14:creationId xmlns:p14="http://schemas.microsoft.com/office/powerpoint/2010/main" val="2846347633"/>
+        <p14:creationId xmlns:p14="http://schemas.microsoft.com/office/powerpoint/2010/main" val="46806574"/>
       </p:ext>
     </p:extLst>
   </p:cSld>
@@ -3077,8 +3092,8 @@
         </p:nvSpPr>
         <p:spPr>
           <a:xfrm>
-            <a:off x="471488" y="486836"/>
-            <a:ext cx="5915025" cy="1767417"/>
+            <a:off x="471488" y="1460506"/>
+            <a:ext cx="5915025" cy="5302252"/>
           </a:xfrm>
           <a:prstGeom prst="rect">
             <a:avLst/>
@@ -3110,8 +3125,8 @@
         </p:nvSpPr>
         <p:spPr>
           <a:xfrm>
-            <a:off x="471488" y="2434167"/>
-            <a:ext cx="5915025" cy="5801784"/>
+            <a:off x="471488" y="7302500"/>
+            <a:ext cx="5915025" cy="17405352"/>
           </a:xfrm>
           <a:prstGeom prst="rect">
             <a:avLst/>
@@ -3172,8 +3187,8 @@
         </p:nvSpPr>
         <p:spPr>
           <a:xfrm>
-            <a:off x="471488" y="8475136"/>
-            <a:ext cx="1543050" cy="486833"/>
+            <a:off x="471488" y="25425406"/>
+            <a:ext cx="1543050" cy="1460500"/>
           </a:xfrm>
           <a:prstGeom prst="rect">
             <a:avLst/>
@@ -3213,8 +3228,8 @@
         </p:nvSpPr>
         <p:spPr>
           <a:xfrm>
-            <a:off x="2271713" y="8475136"/>
-            <a:ext cx="2314575" cy="486833"/>
+            <a:off x="2271713" y="25425406"/>
+            <a:ext cx="2314575" cy="1460500"/>
           </a:xfrm>
           <a:prstGeom prst="rect">
             <a:avLst/>
@@ -3250,8 +3265,8 @@
         </p:nvSpPr>
         <p:spPr>
           <a:xfrm>
-            <a:off x="4843463" y="8475136"/>
-            <a:ext cx="1543050" cy="486833"/>
+            <a:off x="4843463" y="25425406"/>
+            <a:ext cx="1543050" cy="1460500"/>
           </a:xfrm>
           <a:prstGeom prst="rect">
             <a:avLst/>
@@ -3282,23 +3297,23 @@
     </p:spTree>
     <p:extLst>
       <p:ext uri="{BB962C8B-B14F-4D97-AF65-F5344CB8AC3E}">
-        <p14:creationId xmlns:p14="http://schemas.microsoft.com/office/powerpoint/2010/main" val="2188283203"/>
+        <p14:creationId xmlns:p14="http://schemas.microsoft.com/office/powerpoint/2010/main" val="3888247955"/>
       </p:ext>
     </p:extLst>
   </p:cSld>
   <p:clrMap bg1="lt1" tx1="dk1" bg2="lt2" tx2="dk2" accent1="accent1" accent2="accent2" accent3="accent3" accent4="accent4" accent5="accent5" accent6="accent6" hlink="hlink" folHlink="folHlink"/>
   <p:sldLayoutIdLst>
-    <p:sldLayoutId id="2147483673" r:id="rId1"/>
-    <p:sldLayoutId id="2147483674" r:id="rId2"/>
-    <p:sldLayoutId id="2147483675" r:id="rId3"/>
-    <p:sldLayoutId id="2147483676" r:id="rId4"/>
-    <p:sldLayoutId id="2147483677" r:id="rId5"/>
-    <p:sldLayoutId id="2147483678" r:id="rId6"/>
-    <p:sldLayoutId id="2147483679" r:id="rId7"/>
-    <p:sldLayoutId id="2147483680" r:id="rId8"/>
-    <p:sldLayoutId id="2147483681" r:id="rId9"/>
-    <p:sldLayoutId id="2147483682" r:id="rId10"/>
-    <p:sldLayoutId id="2147483683" r:id="rId11"/>
+    <p:sldLayoutId id="2147483685" r:id="rId1"/>
+    <p:sldLayoutId id="2147483686" r:id="rId2"/>
+    <p:sldLayoutId id="2147483687" r:id="rId3"/>
+    <p:sldLayoutId id="2147483688" r:id="rId4"/>
+    <p:sldLayoutId id="2147483689" r:id="rId5"/>
+    <p:sldLayoutId id="2147483690" r:id="rId6"/>
+    <p:sldLayoutId id="2147483691" r:id="rId7"/>
+    <p:sldLayoutId id="2147483692" r:id="rId8"/>
+    <p:sldLayoutId id="2147483693" r:id="rId9"/>
+    <p:sldLayoutId id="2147483694" r:id="rId10"/>
+    <p:sldLayoutId id="2147483695" r:id="rId11"/>
   </p:sldLayoutIdLst>
   <p:txStyles>
     <p:titleStyle>
@@ -3614,7 +3629,7 @@
         </p:nvSpPr>
         <p:spPr>
           <a:xfrm>
-            <a:off x="383540" y="970090"/>
+            <a:off x="383541" y="10114090"/>
             <a:ext cx="6062927" cy="338554"/>
           </a:xfrm>
           <a:prstGeom prst="rect">
@@ -3656,7 +3671,7 @@
         </p:nvSpPr>
         <p:spPr>
           <a:xfrm>
-            <a:off x="540439" y="2829361"/>
+            <a:off x="540439" y="11973361"/>
             <a:ext cx="1828800" cy="177262"/>
           </a:xfrm>
           <a:prstGeom prst="rect">
@@ -3717,7 +3732,7 @@
         </p:nvGrpSpPr>
         <p:grpSpPr>
           <a:xfrm>
-            <a:off x="535940" y="1567808"/>
+            <a:off x="535941" y="10711809"/>
             <a:ext cx="1833299" cy="551183"/>
             <a:chOff x="863600" y="584828"/>
             <a:chExt cx="1833299" cy="551183"/>
@@ -3921,7 +3936,7 @@
         </p:nvSpPr>
         <p:spPr>
           <a:xfrm>
-            <a:off x="535940" y="3478551"/>
+            <a:off x="535940" y="12622551"/>
             <a:ext cx="1828800" cy="177262"/>
           </a:xfrm>
           <a:prstGeom prst="rect">
@@ -3982,7 +3997,7 @@
         </p:nvSpPr>
         <p:spPr>
           <a:xfrm>
-            <a:off x="3593885" y="3478551"/>
+            <a:off x="3593885" y="12622551"/>
             <a:ext cx="2133600" cy="177262"/>
           </a:xfrm>
           <a:prstGeom prst="rect">
@@ -4043,7 +4058,7 @@
         </p:nvSpPr>
         <p:spPr>
           <a:xfrm>
-            <a:off x="3746285" y="4100366"/>
+            <a:off x="3746285" y="13244366"/>
             <a:ext cx="1828800" cy="177262"/>
           </a:xfrm>
           <a:prstGeom prst="rect">
@@ -4104,7 +4119,7 @@
         </p:nvSpPr>
         <p:spPr>
           <a:xfrm>
-            <a:off x="3593885" y="6086612"/>
+            <a:off x="3593885" y="15230612"/>
             <a:ext cx="2133600" cy="177262"/>
           </a:xfrm>
           <a:prstGeom prst="rect">
@@ -4173,7 +4188,7 @@
         </p:nvSpPr>
         <p:spPr>
           <a:xfrm>
-            <a:off x="5357039" y="4931080"/>
+            <a:off x="5357039" y="14075080"/>
             <a:ext cx="1205234" cy="177262"/>
           </a:xfrm>
           <a:prstGeom prst="rect">
@@ -4234,7 +4249,7 @@
         </p:nvSpPr>
         <p:spPr>
           <a:xfrm>
-            <a:off x="535940" y="6073748"/>
+            <a:off x="535940" y="15217748"/>
             <a:ext cx="1828800" cy="177262"/>
           </a:xfrm>
           <a:prstGeom prst="rect">
@@ -4299,7 +4314,7 @@
         </p:nvCxnSpPr>
         <p:spPr>
           <a:xfrm>
-            <a:off x="1454839" y="2118991"/>
+            <a:off x="1454839" y="11262991"/>
             <a:ext cx="0" cy="440896"/>
           </a:xfrm>
           <a:prstGeom prst="straightConnector1">
@@ -4345,7 +4360,7 @@
         </p:nvCxnSpPr>
         <p:spPr>
           <a:xfrm>
-            <a:off x="2364740" y="3567182"/>
+            <a:off x="2364741" y="12711182"/>
             <a:ext cx="1229145" cy="0"/>
           </a:xfrm>
           <a:prstGeom prst="straightConnector1">
@@ -4391,7 +4406,7 @@
         </p:nvCxnSpPr>
         <p:spPr>
           <a:xfrm>
-            <a:off x="4660685" y="3655813"/>
+            <a:off x="4660685" y="12799814"/>
             <a:ext cx="0" cy="444553"/>
           </a:xfrm>
           <a:prstGeom prst="straightConnector1">
@@ -4436,7 +4451,7 @@
         </p:nvCxnSpPr>
         <p:spPr>
           <a:xfrm>
-            <a:off x="1445841" y="3677818"/>
+            <a:off x="1445842" y="12821818"/>
             <a:ext cx="3216403" cy="2008026"/>
           </a:xfrm>
           <a:prstGeom prst="straightConnector1">
@@ -4482,7 +4497,7 @@
         </p:nvCxnSpPr>
         <p:spPr>
           <a:xfrm flipH="1">
-            <a:off x="4662244" y="5108342"/>
+            <a:off x="4662244" y="14252342"/>
             <a:ext cx="1297412" cy="577502"/>
           </a:xfrm>
           <a:prstGeom prst="straightConnector1">
@@ -4528,7 +4543,7 @@
         </p:nvCxnSpPr>
         <p:spPr>
           <a:xfrm flipH="1" flipV="1">
-            <a:off x="2364740" y="6162379"/>
+            <a:off x="2364741" y="15306379"/>
             <a:ext cx="1229145" cy="12864"/>
           </a:xfrm>
           <a:prstGeom prst="straightConnector1">
@@ -4574,7 +4589,7 @@
         </p:nvCxnSpPr>
         <p:spPr>
           <a:xfrm>
-            <a:off x="4660685" y="4277628"/>
+            <a:off x="4660686" y="13421628"/>
             <a:ext cx="1559" cy="1408216"/>
           </a:xfrm>
           <a:prstGeom prst="straightConnector1">
@@ -4616,7 +4631,7 @@
         </p:nvSpPr>
         <p:spPr>
           <a:xfrm>
-            <a:off x="4046112" y="6990799"/>
+            <a:off x="4046112" y="16134799"/>
             <a:ext cx="1229146" cy="177262"/>
           </a:xfrm>
           <a:prstGeom prst="rect">
@@ -4689,7 +4704,7 @@
         </p:nvCxnSpPr>
         <p:spPr>
           <a:xfrm>
-            <a:off x="4660685" y="6263874"/>
+            <a:off x="4660685" y="15407875"/>
             <a:ext cx="0" cy="726925"/>
           </a:xfrm>
           <a:prstGeom prst="straightConnector1">
@@ -4735,7 +4750,7 @@
         </p:nvCxnSpPr>
         <p:spPr>
           <a:xfrm flipH="1">
-            <a:off x="1450340" y="3006623"/>
+            <a:off x="1450341" y="12150623"/>
             <a:ext cx="4499" cy="471928"/>
           </a:xfrm>
           <a:prstGeom prst="straightConnector1">
@@ -4777,7 +4792,7 @@
         </p:nvSpPr>
         <p:spPr>
           <a:xfrm>
-            <a:off x="3593885" y="8023623"/>
+            <a:off x="3593885" y="17167624"/>
             <a:ext cx="2133600" cy="191643"/>
           </a:xfrm>
           <a:prstGeom prst="rect">
@@ -4842,7 +4857,7 @@
         </p:nvCxnSpPr>
         <p:spPr>
           <a:xfrm>
-            <a:off x="4660685" y="7168061"/>
+            <a:off x="4660685" y="16312061"/>
             <a:ext cx="0" cy="483562"/>
           </a:xfrm>
           <a:prstGeom prst="straightConnector1">
@@ -4884,7 +4899,7 @@
         </p:nvSpPr>
         <p:spPr>
           <a:xfrm>
-            <a:off x="2064914" y="7038831"/>
+            <a:off x="2064914" y="16182831"/>
             <a:ext cx="1229146" cy="177262"/>
           </a:xfrm>
           <a:prstGeom prst="rect">
@@ -4949,7 +4964,7 @@
         </p:nvCxnSpPr>
         <p:spPr>
           <a:xfrm flipH="1">
-            <a:off x="2679487" y="6263874"/>
+            <a:off x="2679487" y="15407875"/>
             <a:ext cx="1981198" cy="774957"/>
           </a:xfrm>
           <a:prstGeom prst="straightConnector1">
@@ -4991,7 +5006,7 @@
         </p:nvSpPr>
         <p:spPr>
           <a:xfrm>
-            <a:off x="383540" y="8003915"/>
+            <a:off x="383541" y="17147915"/>
             <a:ext cx="2133599" cy="191642"/>
           </a:xfrm>
           <a:prstGeom prst="rect">
@@ -5063,7 +5078,7 @@
         </p:nvCxnSpPr>
         <p:spPr>
           <a:xfrm>
-            <a:off x="1450340" y="6251010"/>
+            <a:off x="1450341" y="15395011"/>
             <a:ext cx="4499" cy="1447625"/>
           </a:xfrm>
           <a:prstGeom prst="straightConnector1">
@@ -5108,7 +5123,7 @@
         </p:nvCxnSpPr>
         <p:spPr>
           <a:xfrm flipH="1">
-            <a:off x="1821180" y="7216093"/>
+            <a:off x="1821181" y="16360093"/>
             <a:ext cx="858307" cy="482542"/>
           </a:xfrm>
           <a:prstGeom prst="straightConnector1">
@@ -5150,7 +5165,7 @@
         </p:nvSpPr>
         <p:spPr>
           <a:xfrm>
-            <a:off x="540439" y="2559887"/>
+            <a:off x="540439" y="11703887"/>
             <a:ext cx="1828800" cy="256954"/>
           </a:xfrm>
           <a:prstGeom prst="rect">
@@ -5199,7 +5214,7 @@
         </p:nvSpPr>
         <p:spPr>
           <a:xfrm>
-            <a:off x="3593885" y="2765601"/>
+            <a:off x="3593885" y="11909601"/>
             <a:ext cx="2133600" cy="722836"/>
           </a:xfrm>
           <a:prstGeom prst="rect">
@@ -5248,7 +5263,7 @@
         </p:nvSpPr>
         <p:spPr>
           <a:xfrm>
-            <a:off x="535940" y="5456573"/>
+            <a:off x="535941" y="14600574"/>
             <a:ext cx="1828799" cy="597563"/>
           </a:xfrm>
           <a:prstGeom prst="rect">
@@ -5297,7 +5312,7 @@
         </p:nvSpPr>
         <p:spPr>
           <a:xfrm>
-            <a:off x="5357039" y="4428553"/>
+            <a:off x="5357039" y="13572553"/>
             <a:ext cx="1205234" cy="530366"/>
           </a:xfrm>
           <a:prstGeom prst="rect">
@@ -5346,7 +5361,7 @@
         </p:nvSpPr>
         <p:spPr>
           <a:xfrm>
-            <a:off x="3593885" y="7651623"/>
+            <a:off x="3593885" y="16795623"/>
             <a:ext cx="2133600" cy="353676"/>
           </a:xfrm>
           <a:prstGeom prst="rect">
@@ -5395,7 +5410,7 @@
         </p:nvSpPr>
         <p:spPr>
           <a:xfrm>
-            <a:off x="383540" y="8215267"/>
+            <a:off x="383541" y="17359268"/>
             <a:ext cx="2133599" cy="181973"/>
           </a:xfrm>
           <a:prstGeom prst="rect">
@@ -5456,7 +5471,7 @@
         </p:nvSpPr>
         <p:spPr>
           <a:xfrm>
-            <a:off x="383540" y="7740462"/>
+            <a:off x="383541" y="16884462"/>
             <a:ext cx="2133599" cy="256954"/>
           </a:xfrm>
           <a:prstGeom prst="rect">
@@ -5505,7 +5520,7 @@
         </p:nvSpPr>
         <p:spPr>
           <a:xfrm>
-            <a:off x="3597005" y="5685844"/>
+            <a:off x="3597005" y="14829844"/>
             <a:ext cx="2130478" cy="404186"/>
           </a:xfrm>
           <a:prstGeom prst="rect">
@@ -5584,7 +5599,7 @@
         </p:nvGrpSpPr>
         <p:grpSpPr>
           <a:xfrm>
-            <a:off x="232313" y="4885149"/>
+            <a:off x="232313" y="12497529"/>
             <a:ext cx="6411250" cy="2436942"/>
             <a:chOff x="232313" y="3666678"/>
             <a:chExt cx="6411250" cy="2436942"/>
@@ -5960,11 +5975,7 @@
             <a:p>
               <a:pPr algn="ctr"/>
               <a:r>
-                <a:rPr lang="en-US" sz="1800" i="1" dirty="0">
-                  <a:solidFill>
-                    <a:schemeClr val="tx1"/>
-                  </a:solidFill>
-                </a:rPr>
+                <a:rPr lang="en-US" i="1" dirty="0"/>
                 <a:t>G:/Oyafuso/data/data-raw/</a:t>
               </a:r>
             </a:p>
@@ -6219,11 +6230,7 @@
             <a:p>
               <a:pPr algn="ctr"/>
               <a:r>
-                <a:rPr lang="en-US" sz="1800" i="1" dirty="0">
-                  <a:solidFill>
-                    <a:schemeClr val="tx1"/>
-                  </a:solidFill>
-                </a:rPr>
+                <a:rPr lang="en-US" i="1" dirty="0"/>
                 <a:t>~/data/</a:t>
               </a:r>
             </a:p>
@@ -6304,7 +6311,7 @@
             <a:p>
               <a:pPr algn="ctr"/>
               <a:r>
-                <a:rPr lang="en-US" sz="1800" i="1" dirty="0"/>
+                <a:rPr lang="en-US" i="1" dirty="0"/>
                 <a:t>Synthesize CPUE data</a:t>
               </a:r>
             </a:p>
@@ -6417,10 +6424,10 @@
       </p:grpSpPr>
       <p:grpSp>
         <p:nvGrpSpPr>
-          <p:cNvPr id="31" name="Group 30">
+          <p:cNvPr id="23" name="Group 22">
             <a:extLst>
               <a:ext uri="{FF2B5EF4-FFF2-40B4-BE49-F238E27FC236}">
-                <a16:creationId xmlns:a16="http://schemas.microsoft.com/office/drawing/2014/main" id="{288D37E9-EBC7-4540-90AA-31101E423A05}"/>
+                <a16:creationId xmlns:a16="http://schemas.microsoft.com/office/drawing/2014/main" id="{3F197DA8-B9DC-4E71-B84E-E1FF608F3748}"/>
               </a:ext>
             </a:extLst>
           </p:cNvPr>
@@ -6429,10 +6436,10 @@
         </p:nvGrpSpPr>
         <p:grpSpPr>
           <a:xfrm>
-            <a:off x="1407160" y="2454022"/>
-            <a:ext cx="3947424" cy="4343018"/>
+            <a:off x="1407160" y="11598022"/>
+            <a:ext cx="3947424" cy="5143118"/>
             <a:chOff x="1407160" y="2454022"/>
-            <a:chExt cx="3947424" cy="4343018"/>
+            <a:chExt cx="3947424" cy="5143118"/>
           </a:xfrm>
         </p:grpSpPr>
         <p:sp>
@@ -6450,7 +6457,7 @@
           <p:spPr>
             <a:xfrm>
               <a:off x="1407160" y="2462784"/>
-              <a:ext cx="3947424" cy="4334256"/>
+              <a:ext cx="3947424" cy="5134356"/>
             </a:xfrm>
             <a:prstGeom prst="rect">
               <a:avLst/>
@@ -6503,8 +6510,8 @@
           </p:nvSpPr>
           <p:spPr>
             <a:xfrm>
-              <a:off x="2045439" y="2846832"/>
-              <a:ext cx="3100906" cy="3797808"/>
+              <a:off x="2053059" y="2846832"/>
+              <a:ext cx="3100906" cy="4498848"/>
             </a:xfrm>
             <a:prstGeom prst="rect">
               <a:avLst/>
@@ -6557,8 +6564,8 @@
           </p:nvSpPr>
           <p:spPr>
             <a:xfrm>
-              <a:off x="2772843" y="5044256"/>
-              <a:ext cx="1828800" cy="177262"/>
+              <a:off x="2594610" y="5676716"/>
+              <a:ext cx="2186940" cy="177262"/>
             </a:xfrm>
             <a:prstGeom prst="rect">
               <a:avLst/>
@@ -6599,7 +6606,7 @@
                     <a:schemeClr val="tx1"/>
                   </a:solidFill>
                 </a:rPr>
-                <a:t>data_survey.R</a:t>
+                <a:t>Extrapolation_Grid_Covariates.R</a:t>
               </a:r>
               <a:endParaRPr lang="en-US" sz="1100" i="1" dirty="0">
                 <a:solidFill>
@@ -6627,8 +6634,8 @@
           </p:nvCxnSpPr>
           <p:spPr>
             <a:xfrm>
-              <a:off x="3687243" y="5221518"/>
-              <a:ext cx="837" cy="496234"/>
+              <a:off x="3688080" y="5853978"/>
+              <a:ext cx="7620" cy="496234"/>
             </a:xfrm>
             <a:prstGeom prst="straightConnector1">
               <a:avLst/>
@@ -6928,11 +6935,7 @@
             <a:p>
               <a:pPr algn="ctr"/>
               <a:r>
-                <a:rPr lang="en-US" sz="1800" i="1" dirty="0">
-                  <a:solidFill>
-                    <a:schemeClr val="tx1"/>
-                  </a:solidFill>
-                </a:rPr>
+                <a:rPr lang="en-US" i="1" dirty="0"/>
                 <a:t>~/data/</a:t>
               </a:r>
             </a:p>
@@ -6968,7 +6971,7 @@
             <a:p>
               <a:pPr algn="ctr"/>
               <a:r>
-                <a:rPr lang="en-US" sz="1800" i="1" dirty="0"/>
+                <a:rPr lang="en-US" i="1" dirty="0"/>
                 <a:t>Create Extrapolation Grid</a:t>
               </a:r>
             </a:p>
@@ -7054,13 +7057,15 @@
             </p:cNvPr>
             <p:cNvCxnSpPr>
               <a:cxnSpLocks/>
+              <a:stCxn id="5" idx="2"/>
+              <a:endCxn id="30" idx="0"/>
             </p:cNvCxnSpPr>
             <p:nvPr/>
           </p:nvCxnSpPr>
           <p:spPr>
             <a:xfrm>
-              <a:off x="3686406" y="5221518"/>
-              <a:ext cx="1674" cy="935641"/>
+              <a:off x="3688080" y="5853978"/>
+              <a:ext cx="3810" cy="942148"/>
             </a:xfrm>
             <a:prstGeom prst="straightConnector1">
               <a:avLst/>
@@ -7098,15 +7103,15 @@
             </p:cNvPr>
             <p:cNvCxnSpPr>
               <a:cxnSpLocks/>
-              <a:stCxn id="10" idx="2"/>
+              <a:stCxn id="19" idx="2"/>
               <a:endCxn id="5" idx="0"/>
             </p:cNvCxnSpPr>
             <p:nvPr/>
           </p:nvCxnSpPr>
           <p:spPr>
-            <a:xfrm flipH="1">
-              <a:off x="3687243" y="4538384"/>
-              <a:ext cx="4647" cy="505872"/>
+            <a:xfrm>
+              <a:off x="3688080" y="4791527"/>
+              <a:ext cx="0" cy="885189"/>
             </a:xfrm>
             <a:prstGeom prst="straightConnector1">
               <a:avLst/>
@@ -7221,7 +7226,7 @@
           </p:nvSpPr>
           <p:spPr>
             <a:xfrm>
-              <a:off x="2594610" y="5717752"/>
+              <a:off x="2602230" y="6350212"/>
               <a:ext cx="2186940" cy="177262"/>
             </a:xfrm>
             <a:prstGeom prst="rect">
@@ -7287,7 +7292,7 @@
           </p:nvSpPr>
           <p:spPr>
             <a:xfrm>
-              <a:off x="2351982" y="6163666"/>
+              <a:off x="2397702" y="6796126"/>
               <a:ext cx="2588376" cy="401725"/>
             </a:xfrm>
             <a:prstGeom prst="rect">
@@ -7363,6 +7368,67 @@
             </a:p>
           </p:txBody>
         </p:sp>
+        <p:sp>
+          <p:nvSpPr>
+            <p:cNvPr id="19" name="Rectangle 18">
+              <a:extLst>
+                <a:ext uri="{FF2B5EF4-FFF2-40B4-BE49-F238E27FC236}">
+                  <a16:creationId xmlns:a16="http://schemas.microsoft.com/office/drawing/2014/main" id="{EB68A080-C288-4164-A3ED-51F3BF5D2BAF}"/>
+                </a:ext>
+              </a:extLst>
+            </p:cNvPr>
+            <p:cNvSpPr/>
+            <p:nvPr/>
+          </p:nvSpPr>
+          <p:spPr>
+            <a:xfrm>
+              <a:off x="3032760" y="4531101"/>
+              <a:ext cx="1310640" cy="260426"/>
+            </a:xfrm>
+            <a:prstGeom prst="rect">
+              <a:avLst/>
+            </a:prstGeom>
+            <a:solidFill>
+              <a:schemeClr val="accent6"/>
+            </a:solidFill>
+            <a:ln>
+              <a:solidFill>
+                <a:schemeClr val="tx1"/>
+              </a:solidFill>
+            </a:ln>
+          </p:spPr>
+          <p:style>
+            <a:lnRef idx="2">
+              <a:schemeClr val="accent1">
+                <a:shade val="50000"/>
+              </a:schemeClr>
+            </a:lnRef>
+            <a:fillRef idx="1">
+              <a:schemeClr val="accent1"/>
+            </a:fillRef>
+            <a:effectRef idx="0">
+              <a:schemeClr val="accent1"/>
+            </a:effectRef>
+            <a:fontRef idx="minor">
+              <a:schemeClr val="lt1"/>
+            </a:fontRef>
+          </p:style>
+          <p:txBody>
+            <a:bodyPr rtlCol="0" anchor="ctr"/>
+            <a:lstStyle/>
+            <a:p>
+              <a:pPr algn="ctr"/>
+              <a:r>
+                <a:rPr lang="en-US" sz="1100" i="1" dirty="0">
+                  <a:solidFill>
+                    <a:schemeClr val="tx1"/>
+                  </a:solidFill>
+                </a:rPr>
+                <a:t>GOA_multspp.csv</a:t>
+              </a:r>
+            </a:p>
+          </p:txBody>
+        </p:sp>
       </p:grpSp>
     </p:spTree>
     <p:extLst>
@@ -7408,7 +7474,7 @@
         </p:nvGrpSpPr>
         <p:grpSpPr>
           <a:xfrm>
-            <a:off x="312420" y="341045"/>
+            <a:off x="312420" y="11313845"/>
             <a:ext cx="6002020" cy="8408185"/>
             <a:chOff x="312420" y="341045"/>
             <a:chExt cx="6002020" cy="8408185"/>
@@ -7483,7 +7549,7 @@
           <p:spPr>
             <a:xfrm>
               <a:off x="922511" y="394770"/>
-              <a:ext cx="5012977" cy="646331"/>
+              <a:ext cx="5012977" cy="369332"/>
             </a:xfrm>
             <a:prstGeom prst="rect">
               <a:avLst/>
@@ -7498,7 +7564,7 @@
             <a:p>
               <a:pPr algn="ctr"/>
               <a:r>
-                <a:rPr lang="en-US" sz="1800" i="1" dirty="0"/>
+                <a:rPr lang="en-US" i="1" dirty="0"/>
                 <a:t>Fit Model and conduct 10-fold cross-validation</a:t>
               </a:r>
             </a:p>
@@ -7588,11 +7654,7 @@
             <a:p>
               <a:pPr algn="ctr"/>
               <a:r>
-                <a:rPr lang="en-US" sz="1800" i="1" dirty="0">
-                  <a:solidFill>
-                    <a:schemeClr val="tx1"/>
-                  </a:solidFill>
-                </a:rPr>
+                <a:rPr lang="en-US" i="1" dirty="0"/>
                 <a:t>G:/Oyafuso/VAST_EFH/Single_Species/</a:t>
               </a:r>
             </a:p>
@@ -8133,11 +8195,7 @@
             <a:p>
               <a:pPr algn="ctr"/>
               <a:r>
-                <a:rPr lang="en-US" sz="2800" b="1" i="1" dirty="0">
-                  <a:solidFill>
-                    <a:schemeClr val="tx1"/>
-                  </a:solidFill>
-                </a:rPr>
+                <a:rPr lang="en-US" sz="2800" b="1" i="1" dirty="0"/>
                 <a:t>. . .</a:t>
               </a:r>
             </a:p>
@@ -8219,164 +8277,17 @@
             <a:p>
               <a:pPr algn="ctr"/>
               <a:r>
-                <a:rPr lang="en-US" sz="1800" i="1" dirty="0">
-                  <a:solidFill>
-                    <a:schemeClr val="tx1"/>
-                  </a:solidFill>
-                </a:rPr>
+                <a:rPr lang="en-US" i="1" dirty="0"/>
                 <a:t>~/</a:t>
               </a:r>
               <a:r>
-                <a:rPr lang="en-US" sz="1800" i="1" dirty="0" err="1">
-                  <a:solidFill>
-                    <a:schemeClr val="tx1"/>
-                  </a:solidFill>
-                </a:rPr>
+                <a:rPr lang="en-US" i="1" dirty="0" err="1"/>
                 <a:t>ForMadison</a:t>
               </a:r>
               <a:r>
-                <a:rPr lang="en-US" sz="1800" i="1" dirty="0">
-                  <a:solidFill>
-                    <a:schemeClr val="tx1"/>
-                  </a:solidFill>
-                </a:rPr>
+                <a:rPr lang="en-US" i="1" dirty="0"/>
                 <a:t>/</a:t>
               </a:r>
-            </a:p>
-          </p:txBody>
-        </p:sp>
-        <p:sp>
-          <p:nvSpPr>
-            <p:cNvPr id="52" name="Rectangle 51">
-              <a:extLst>
-                <a:ext uri="{FF2B5EF4-FFF2-40B4-BE49-F238E27FC236}">
-                  <a16:creationId xmlns:a16="http://schemas.microsoft.com/office/drawing/2014/main" id="{1E5358A4-C2AE-4A0F-9D9B-B32A9A241C89}"/>
-                </a:ext>
-              </a:extLst>
-            </p:cNvPr>
-            <p:cNvSpPr/>
-            <p:nvPr/>
-          </p:nvSpPr>
-          <p:spPr>
-            <a:xfrm>
-              <a:off x="1249820" y="1196635"/>
-              <a:ext cx="2199873" cy="228583"/>
-            </a:xfrm>
-            <a:prstGeom prst="rect">
-              <a:avLst/>
-            </a:prstGeom>
-            <a:solidFill>
-              <a:schemeClr val="accent6"/>
-            </a:solidFill>
-            <a:ln>
-              <a:solidFill>
-                <a:schemeClr val="tx1"/>
-              </a:solidFill>
-            </a:ln>
-          </p:spPr>
-          <p:style>
-            <a:lnRef idx="2">
-              <a:schemeClr val="accent1">
-                <a:shade val="50000"/>
-              </a:schemeClr>
-            </a:lnRef>
-            <a:fillRef idx="1">
-              <a:schemeClr val="accent1"/>
-            </a:fillRef>
-            <a:effectRef idx="0">
-              <a:schemeClr val="accent1"/>
-            </a:effectRef>
-            <a:fontRef idx="minor">
-              <a:schemeClr val="lt1"/>
-            </a:fontRef>
-          </p:style>
-          <p:txBody>
-            <a:bodyPr rtlCol="0" anchor="ctr"/>
-            <a:lstStyle/>
-            <a:p>
-              <a:pPr algn="ctr"/>
-              <a:r>
-                <a:rPr lang="en-US" sz="1100" i="1" dirty="0">
-                  <a:solidFill>
-                    <a:schemeClr val="tx1"/>
-                  </a:solidFill>
-                </a:rPr>
-                <a:t>data/GOA_multspp.csv</a:t>
-              </a:r>
-            </a:p>
-          </p:txBody>
-        </p:sp>
-        <p:sp>
-          <p:nvSpPr>
-            <p:cNvPr id="53" name="Rectangle 52">
-              <a:extLst>
-                <a:ext uri="{FF2B5EF4-FFF2-40B4-BE49-F238E27FC236}">
-                  <a16:creationId xmlns:a16="http://schemas.microsoft.com/office/drawing/2014/main" id="{6EF6BC6A-0613-43A9-94DC-E6ECF4429D30}"/>
-                </a:ext>
-              </a:extLst>
-            </p:cNvPr>
-            <p:cNvSpPr/>
-            <p:nvPr/>
-          </p:nvSpPr>
-          <p:spPr>
-            <a:xfrm>
-              <a:off x="1249820" y="1397458"/>
-              <a:ext cx="2199873" cy="228583"/>
-            </a:xfrm>
-            <a:prstGeom prst="rect">
-              <a:avLst/>
-            </a:prstGeom>
-            <a:solidFill>
-              <a:schemeClr val="accent6"/>
-            </a:solidFill>
-            <a:ln>
-              <a:solidFill>
-                <a:schemeClr val="tx1"/>
-              </a:solidFill>
-            </a:ln>
-          </p:spPr>
-          <p:style>
-            <a:lnRef idx="2">
-              <a:schemeClr val="accent1">
-                <a:shade val="50000"/>
-              </a:schemeClr>
-            </a:lnRef>
-            <a:fillRef idx="1">
-              <a:schemeClr val="accent1"/>
-            </a:fillRef>
-            <a:effectRef idx="0">
-              <a:schemeClr val="accent1"/>
-            </a:effectRef>
-            <a:fontRef idx="minor">
-              <a:schemeClr val="lt1"/>
-            </a:fontRef>
-          </p:style>
-          <p:txBody>
-            <a:bodyPr rtlCol="0" anchor="ctr"/>
-            <a:lstStyle/>
-            <a:p>
-              <a:pPr algn="ctr"/>
-              <a:r>
-                <a:rPr lang="en-US" sz="1100" i="1" dirty="0">
-                  <a:solidFill>
-                    <a:schemeClr val="tx1"/>
-                  </a:solidFill>
-                </a:rPr>
-                <a:t>data/</a:t>
-              </a:r>
-              <a:r>
-                <a:rPr lang="en-US" sz="1100" i="1" dirty="0" err="1">
-                  <a:solidFill>
-                    <a:schemeClr val="tx1"/>
-                  </a:solidFill>
-                </a:rPr>
-                <a:t>Extrapolation_depths.RData</a:t>
-              </a:r>
-              <a:endParaRPr lang="en-US" sz="1100" i="1" dirty="0">
-                <a:solidFill>
-                  <a:schemeClr val="tx1"/>
-                </a:solidFill>
-              </a:endParaRPr>
             </a:p>
           </p:txBody>
         </p:sp>
@@ -8557,7 +8468,7 @@
             <a:p>
               <a:pPr algn="ctr"/>
               <a:r>
-                <a:rPr lang="en-US" sz="1800" i="1" dirty="0"/>
+                <a:rPr lang="en-US" i="1" dirty="0"/>
                 <a:t>Diagnostics and Output Plots</a:t>
               </a:r>
             </a:p>
@@ -8869,11 +8780,7 @@
             <a:p>
               <a:pPr algn="ctr"/>
               <a:r>
-                <a:rPr lang="en-US" sz="2800" b="1" i="1" dirty="0">
-                  <a:solidFill>
-                    <a:schemeClr val="tx1"/>
-                  </a:solidFill>
-                </a:rPr>
+                <a:rPr lang="en-US" sz="2800" b="1" i="1" dirty="0"/>
                 <a:t>. . .</a:t>
               </a:r>
             </a:p>
@@ -9283,27 +9190,15 @@
             <a:p>
               <a:pPr algn="ctr"/>
               <a:r>
-                <a:rPr lang="en-US" sz="1200" i="1" dirty="0">
-                  <a:solidFill>
-                    <a:schemeClr val="tx1"/>
-                  </a:solidFill>
-                </a:rPr>
+                <a:rPr lang="en-US" sz="1200" i="1" dirty="0"/>
                 <a:t>GitHub/</a:t>
               </a:r>
               <a:r>
-                <a:rPr lang="en-US" sz="1200" i="1" dirty="0" err="1">
-                  <a:solidFill>
-                    <a:schemeClr val="tx1"/>
-                  </a:solidFill>
-                </a:rPr>
+                <a:rPr lang="en-US" sz="1200" i="1" dirty="0" err="1"/>
                 <a:t>Optimal_Allocation_GoA</a:t>
               </a:r>
               <a:r>
-                <a:rPr lang="en-US" sz="1200" i="1" dirty="0">
-                  <a:solidFill>
-                    <a:schemeClr val="tx1"/>
-                  </a:solidFill>
-                </a:rPr>
+                <a:rPr lang="en-US" sz="1200" i="1" dirty="0"/>
                 <a:t>/model_11</a:t>
               </a:r>
             </a:p>
@@ -9413,35 +9308,19 @@
             <a:p>
               <a:pPr algn="ctr"/>
               <a:r>
-                <a:rPr lang="en-US" sz="1200" i="1" dirty="0" err="1">
-                  <a:solidFill>
-                    <a:schemeClr val="tx1"/>
-                  </a:solidFill>
-                </a:rPr>
+                <a:rPr lang="en-US" sz="1200" i="1" dirty="0" err="1"/>
                 <a:t>Atheresthes</a:t>
               </a:r>
               <a:r>
-                <a:rPr lang="en-US" sz="1200" i="1" dirty="0">
-                  <a:solidFill>
-                    <a:schemeClr val="tx1"/>
-                  </a:solidFill>
-                </a:rPr>
+                <a:rPr lang="en-US" sz="1200" i="1" dirty="0"/>
                 <a:t> </a:t>
               </a:r>
               <a:r>
-                <a:rPr lang="en-US" sz="1200" i="1" dirty="0" err="1">
-                  <a:solidFill>
-                    <a:schemeClr val="tx1"/>
-                  </a:solidFill>
-                </a:rPr>
+                <a:rPr lang="en-US" sz="1200" i="1" dirty="0" err="1"/>
                 <a:t>stomias_depth</a:t>
               </a:r>
               <a:r>
-                <a:rPr lang="en-US" sz="1200" i="1" dirty="0">
-                  <a:solidFill>
-                    <a:schemeClr val="tx1"/>
-                  </a:solidFill>
-                </a:rPr>
+                <a:rPr lang="en-US" sz="1200" i="1" dirty="0"/>
                 <a:t>/</a:t>
               </a:r>
             </a:p>
@@ -9953,6 +9832,1675 @@
           </p:txBody>
         </p:sp>
       </p:grpSp>
+      <p:grpSp>
+        <p:nvGrpSpPr>
+          <p:cNvPr id="47" name="Group 46">
+            <a:extLst>
+              <a:ext uri="{FF2B5EF4-FFF2-40B4-BE49-F238E27FC236}">
+                <a16:creationId xmlns:a16="http://schemas.microsoft.com/office/drawing/2014/main" id="{3F95E726-825E-43EA-B199-411A0454637A}"/>
+              </a:ext>
+            </a:extLst>
+          </p:cNvPr>
+          <p:cNvGrpSpPr/>
+          <p:nvPr/>
+        </p:nvGrpSpPr>
+        <p:grpSpPr>
+          <a:xfrm>
+            <a:off x="3996741" y="6168030"/>
+            <a:ext cx="3947424" cy="4622239"/>
+            <a:chOff x="1407160" y="2454022"/>
+            <a:chExt cx="3947424" cy="4440410"/>
+          </a:xfrm>
+        </p:grpSpPr>
+        <p:sp>
+          <p:nvSpPr>
+            <p:cNvPr id="48" name="Rectangle 47">
+              <a:extLst>
+                <a:ext uri="{FF2B5EF4-FFF2-40B4-BE49-F238E27FC236}">
+                  <a16:creationId xmlns:a16="http://schemas.microsoft.com/office/drawing/2014/main" id="{7D24AB94-1D40-4CA8-A7DE-646F8CC9F573}"/>
+                </a:ext>
+              </a:extLst>
+            </p:cNvPr>
+            <p:cNvSpPr/>
+            <p:nvPr/>
+          </p:nvSpPr>
+          <p:spPr>
+            <a:xfrm>
+              <a:off x="1407160" y="2462784"/>
+              <a:ext cx="3947424" cy="4431648"/>
+            </a:xfrm>
+            <a:prstGeom prst="rect">
+              <a:avLst/>
+            </a:prstGeom>
+            <a:solidFill>
+              <a:srgbClr val="00B0F0"/>
+            </a:solidFill>
+            <a:ln>
+              <a:solidFill>
+                <a:schemeClr val="tx1"/>
+              </a:solidFill>
+            </a:ln>
+          </p:spPr>
+          <p:style>
+            <a:lnRef idx="2">
+              <a:schemeClr val="accent1">
+                <a:shade val="50000"/>
+              </a:schemeClr>
+            </a:lnRef>
+            <a:fillRef idx="1">
+              <a:schemeClr val="accent1"/>
+            </a:fillRef>
+            <a:effectRef idx="0">
+              <a:schemeClr val="accent1"/>
+            </a:effectRef>
+            <a:fontRef idx="minor">
+              <a:schemeClr val="lt1"/>
+            </a:fontRef>
+          </p:style>
+          <p:txBody>
+            <a:bodyPr rtlCol="0" anchor="ctr"/>
+            <a:lstStyle/>
+            <a:p>
+              <a:pPr algn="ctr"/>
+              <a:endParaRPr lang="en-US" sz="1400" i="1" dirty="0"/>
+            </a:p>
+          </p:txBody>
+        </p:sp>
+        <p:sp>
+          <p:nvSpPr>
+            <p:cNvPr id="49" name="Rectangle 48">
+              <a:extLst>
+                <a:ext uri="{FF2B5EF4-FFF2-40B4-BE49-F238E27FC236}">
+                  <a16:creationId xmlns:a16="http://schemas.microsoft.com/office/drawing/2014/main" id="{D0432DAC-53E2-4EED-9799-058D27D78A80}"/>
+                </a:ext>
+              </a:extLst>
+            </p:cNvPr>
+            <p:cNvSpPr/>
+            <p:nvPr/>
+          </p:nvSpPr>
+          <p:spPr>
+            <a:xfrm>
+              <a:off x="2053059" y="2846832"/>
+              <a:ext cx="3100906" cy="3882226"/>
+            </a:xfrm>
+            <a:prstGeom prst="rect">
+              <a:avLst/>
+            </a:prstGeom>
+            <a:solidFill>
+              <a:schemeClr val="accent2"/>
+            </a:solidFill>
+            <a:ln>
+              <a:solidFill>
+                <a:schemeClr val="tx1"/>
+              </a:solidFill>
+            </a:ln>
+          </p:spPr>
+          <p:style>
+            <a:lnRef idx="2">
+              <a:schemeClr val="accent1">
+                <a:shade val="50000"/>
+              </a:schemeClr>
+            </a:lnRef>
+            <a:fillRef idx="1">
+              <a:schemeClr val="accent1"/>
+            </a:fillRef>
+            <a:effectRef idx="0">
+              <a:schemeClr val="accent1"/>
+            </a:effectRef>
+            <a:fontRef idx="minor">
+              <a:schemeClr val="lt1"/>
+            </a:fontRef>
+          </p:style>
+          <p:txBody>
+            <a:bodyPr rtlCol="0" anchor="ctr"/>
+            <a:lstStyle/>
+            <a:p>
+              <a:pPr algn="ctr"/>
+              <a:endParaRPr lang="en-US" dirty="0"/>
+            </a:p>
+          </p:txBody>
+        </p:sp>
+        <p:sp>
+          <p:nvSpPr>
+            <p:cNvPr id="51" name="Rectangle 50">
+              <a:extLst>
+                <a:ext uri="{FF2B5EF4-FFF2-40B4-BE49-F238E27FC236}">
+                  <a16:creationId xmlns:a16="http://schemas.microsoft.com/office/drawing/2014/main" id="{3B77F9F3-89DD-4759-8F37-F89DEC55C202}"/>
+                </a:ext>
+              </a:extLst>
+            </p:cNvPr>
+            <p:cNvSpPr/>
+            <p:nvPr/>
+          </p:nvSpPr>
+          <p:spPr>
+            <a:xfrm>
+              <a:off x="2594610" y="5676716"/>
+              <a:ext cx="2186940" cy="177262"/>
+            </a:xfrm>
+            <a:prstGeom prst="rect">
+              <a:avLst/>
+            </a:prstGeom>
+            <a:solidFill>
+              <a:schemeClr val="accent4"/>
+            </a:solidFill>
+            <a:ln>
+              <a:solidFill>
+                <a:schemeClr val="tx1"/>
+              </a:solidFill>
+            </a:ln>
+          </p:spPr>
+          <p:style>
+            <a:lnRef idx="2">
+              <a:schemeClr val="accent1">
+                <a:shade val="50000"/>
+              </a:schemeClr>
+            </a:lnRef>
+            <a:fillRef idx="1">
+              <a:schemeClr val="accent1"/>
+            </a:fillRef>
+            <a:effectRef idx="0">
+              <a:schemeClr val="accent1"/>
+            </a:effectRef>
+            <a:fontRef idx="minor">
+              <a:schemeClr val="lt1"/>
+            </a:fontRef>
+          </p:style>
+          <p:txBody>
+            <a:bodyPr rtlCol="0" anchor="ctr"/>
+            <a:lstStyle/>
+            <a:p>
+              <a:pPr algn="ctr"/>
+              <a:r>
+                <a:rPr lang="en-US" sz="1100" i="1" dirty="0" err="1">
+                  <a:solidFill>
+                    <a:schemeClr val="tx1"/>
+                  </a:solidFill>
+                </a:rPr>
+                <a:t>Extrapolation_Grid_Covariates.R</a:t>
+              </a:r>
+              <a:endParaRPr lang="en-US" sz="1100" i="1" dirty="0">
+                <a:solidFill>
+                  <a:schemeClr val="tx1"/>
+                </a:solidFill>
+              </a:endParaRPr>
+            </a:p>
+          </p:txBody>
+        </p:sp>
+        <p:cxnSp>
+          <p:nvCxnSpPr>
+            <p:cNvPr id="54" name="Straight Arrow Connector 53">
+              <a:extLst>
+                <a:ext uri="{FF2B5EF4-FFF2-40B4-BE49-F238E27FC236}">
+                  <a16:creationId xmlns:a16="http://schemas.microsoft.com/office/drawing/2014/main" id="{36374727-A303-47CA-AB73-CED692F0C55A}"/>
+                </a:ext>
+              </a:extLst>
+            </p:cNvPr>
+            <p:cNvCxnSpPr>
+              <a:cxnSpLocks/>
+              <a:stCxn id="51" idx="2"/>
+              <a:endCxn id="63" idx="0"/>
+            </p:cNvCxnSpPr>
+            <p:nvPr/>
+          </p:nvCxnSpPr>
+          <p:spPr>
+            <a:xfrm>
+              <a:off x="3688080" y="5853978"/>
+              <a:ext cx="7620" cy="496234"/>
+            </a:xfrm>
+            <a:prstGeom prst="straightConnector1">
+              <a:avLst/>
+            </a:prstGeom>
+            <a:ln w="38100">
+              <a:solidFill>
+                <a:schemeClr val="tx1"/>
+              </a:solidFill>
+              <a:tailEnd type="triangle"/>
+            </a:ln>
+          </p:spPr>
+          <p:style>
+            <a:lnRef idx="1">
+              <a:schemeClr val="accent1"/>
+            </a:lnRef>
+            <a:fillRef idx="0">
+              <a:schemeClr val="accent1"/>
+            </a:fillRef>
+            <a:effectRef idx="0">
+              <a:schemeClr val="accent1"/>
+            </a:effectRef>
+            <a:fontRef idx="minor">
+              <a:schemeClr val="tx1"/>
+            </a:fontRef>
+          </p:style>
+        </p:cxnSp>
+        <p:grpSp>
+          <p:nvGrpSpPr>
+            <p:cNvPr id="55" name="Group 54">
+              <a:extLst>
+                <a:ext uri="{FF2B5EF4-FFF2-40B4-BE49-F238E27FC236}">
+                  <a16:creationId xmlns:a16="http://schemas.microsoft.com/office/drawing/2014/main" id="{7E461F4F-3ACF-4488-907C-E2DE53A6EF2F}"/>
+                </a:ext>
+              </a:extLst>
+            </p:cNvPr>
+            <p:cNvGrpSpPr/>
+            <p:nvPr/>
+          </p:nvGrpSpPr>
+          <p:grpSpPr>
+            <a:xfrm>
+              <a:off x="2552899" y="3337007"/>
+              <a:ext cx="2277981" cy="684070"/>
+              <a:chOff x="861749" y="596403"/>
+              <a:chExt cx="1830651" cy="543739"/>
+            </a:xfrm>
+          </p:grpSpPr>
+          <p:sp>
+            <p:nvSpPr>
+              <p:cNvPr id="67" name="Rectangle 66">
+                <a:extLst>
+                  <a:ext uri="{FF2B5EF4-FFF2-40B4-BE49-F238E27FC236}">
+                    <a16:creationId xmlns:a16="http://schemas.microsoft.com/office/drawing/2014/main" id="{BD5AF0D3-ED38-44B4-8C36-2D0D9035C757}"/>
+                  </a:ext>
+                </a:extLst>
+              </p:cNvPr>
+              <p:cNvSpPr/>
+              <p:nvPr/>
+            </p:nvSpPr>
+            <p:spPr>
+              <a:xfrm>
+                <a:off x="863600" y="596403"/>
+                <a:ext cx="1828800" cy="177262"/>
+              </a:xfrm>
+              <a:prstGeom prst="rect">
+                <a:avLst/>
+              </a:prstGeom>
+              <a:solidFill>
+                <a:schemeClr val="accent6"/>
+              </a:solidFill>
+              <a:ln>
+                <a:solidFill>
+                  <a:schemeClr val="tx1"/>
+                </a:solidFill>
+              </a:ln>
+            </p:spPr>
+            <p:style>
+              <a:lnRef idx="2">
+                <a:schemeClr val="accent1">
+                  <a:shade val="50000"/>
+                </a:schemeClr>
+              </a:lnRef>
+              <a:fillRef idx="1">
+                <a:schemeClr val="accent1"/>
+              </a:fillRef>
+              <a:effectRef idx="0">
+                <a:schemeClr val="accent1"/>
+              </a:effectRef>
+              <a:fontRef idx="minor">
+                <a:schemeClr val="lt1"/>
+              </a:fontRef>
+            </p:style>
+            <p:txBody>
+              <a:bodyPr rtlCol="0" anchor="ctr"/>
+              <a:lstStyle/>
+              <a:p>
+                <a:pPr algn="ctr"/>
+                <a:r>
+                  <a:rPr lang="en-US" sz="1100" i="1" dirty="0">
+                    <a:solidFill>
+                      <a:schemeClr val="tx1"/>
+                    </a:solidFill>
+                  </a:rPr>
+                  <a:t>shapefiles/</a:t>
+                </a:r>
+                <a:r>
+                  <a:rPr lang="en-US" sz="1100" i="1" dirty="0" err="1">
+                    <a:solidFill>
+                      <a:schemeClr val="tx1"/>
+                    </a:solidFill>
+                  </a:rPr>
+                  <a:t>goa_strata.shp</a:t>
+                </a:r>
+                <a:endParaRPr lang="en-US" sz="1100" i="1" dirty="0">
+                  <a:solidFill>
+                    <a:schemeClr val="tx1"/>
+                  </a:solidFill>
+                </a:endParaRPr>
+              </a:p>
+            </p:txBody>
+          </p:sp>
+          <p:sp>
+            <p:nvSpPr>
+              <p:cNvPr id="68" name="Rectangle 67">
+                <a:extLst>
+                  <a:ext uri="{FF2B5EF4-FFF2-40B4-BE49-F238E27FC236}">
+                    <a16:creationId xmlns:a16="http://schemas.microsoft.com/office/drawing/2014/main" id="{D7580465-8EC4-4FE5-A3D8-C309CE67C36D}"/>
+                  </a:ext>
+                </a:extLst>
+              </p:cNvPr>
+              <p:cNvSpPr/>
+              <p:nvPr/>
+            </p:nvSpPr>
+            <p:spPr>
+              <a:xfrm>
+                <a:off x="863600" y="781487"/>
+                <a:ext cx="1828800" cy="177262"/>
+              </a:xfrm>
+              <a:prstGeom prst="rect">
+                <a:avLst/>
+              </a:prstGeom>
+              <a:solidFill>
+                <a:schemeClr val="accent6"/>
+              </a:solidFill>
+              <a:ln>
+                <a:solidFill>
+                  <a:schemeClr val="tx1"/>
+                </a:solidFill>
+              </a:ln>
+            </p:spPr>
+            <p:style>
+              <a:lnRef idx="2">
+                <a:schemeClr val="accent1">
+                  <a:shade val="50000"/>
+                </a:schemeClr>
+              </a:lnRef>
+              <a:fillRef idx="1">
+                <a:schemeClr val="accent1"/>
+              </a:fillRef>
+              <a:effectRef idx="0">
+                <a:schemeClr val="accent1"/>
+              </a:effectRef>
+              <a:fontRef idx="minor">
+                <a:schemeClr val="lt1"/>
+              </a:fontRef>
+            </p:style>
+            <p:txBody>
+              <a:bodyPr rtlCol="0" anchor="ctr"/>
+              <a:lstStyle/>
+              <a:p>
+                <a:pPr algn="ctr"/>
+                <a:r>
+                  <a:rPr lang="en-US" sz="1100" i="1" dirty="0">
+                    <a:solidFill>
+                      <a:schemeClr val="tx1"/>
+                    </a:solidFill>
+                  </a:rPr>
+                  <a:t>shapefiles/</a:t>
+                </a:r>
+                <a:r>
+                  <a:rPr lang="en-US" sz="1100" i="1" dirty="0" err="1">
+                    <a:solidFill>
+                      <a:schemeClr val="tx1"/>
+                    </a:solidFill>
+                  </a:rPr>
+                  <a:t>goagrid_polygons.shp</a:t>
+                </a:r>
+                <a:endParaRPr lang="en-US" sz="1100" i="1" dirty="0">
+                  <a:solidFill>
+                    <a:schemeClr val="tx1"/>
+                  </a:solidFill>
+                </a:endParaRPr>
+              </a:p>
+            </p:txBody>
+          </p:sp>
+          <p:sp>
+            <p:nvSpPr>
+              <p:cNvPr id="69" name="Rectangle 68">
+                <a:extLst>
+                  <a:ext uri="{FF2B5EF4-FFF2-40B4-BE49-F238E27FC236}">
+                    <a16:creationId xmlns:a16="http://schemas.microsoft.com/office/drawing/2014/main" id="{A5B23850-4D83-44F2-BB04-3F8EB9360E0A}"/>
+                  </a:ext>
+                </a:extLst>
+              </p:cNvPr>
+              <p:cNvSpPr/>
+              <p:nvPr/>
+            </p:nvSpPr>
+            <p:spPr>
+              <a:xfrm>
+                <a:off x="861749" y="962880"/>
+                <a:ext cx="1828800" cy="177262"/>
+              </a:xfrm>
+              <a:prstGeom prst="rect">
+                <a:avLst/>
+              </a:prstGeom>
+              <a:solidFill>
+                <a:schemeClr val="accent6"/>
+              </a:solidFill>
+              <a:ln>
+                <a:solidFill>
+                  <a:schemeClr val="tx1"/>
+                </a:solidFill>
+              </a:ln>
+            </p:spPr>
+            <p:style>
+              <a:lnRef idx="2">
+                <a:schemeClr val="accent1">
+                  <a:shade val="50000"/>
+                </a:schemeClr>
+              </a:lnRef>
+              <a:fillRef idx="1">
+                <a:schemeClr val="accent1"/>
+              </a:fillRef>
+              <a:effectRef idx="0">
+                <a:schemeClr val="accent1"/>
+              </a:effectRef>
+              <a:fontRef idx="minor">
+                <a:schemeClr val="lt1"/>
+              </a:fontRef>
+            </p:style>
+            <p:txBody>
+              <a:bodyPr rtlCol="0" anchor="ctr"/>
+              <a:lstStyle/>
+              <a:p>
+                <a:pPr algn="ctr"/>
+                <a:r>
+                  <a:rPr lang="en-US" sz="1100" i="1" dirty="0">
+                    <a:solidFill>
+                      <a:schemeClr val="tx1"/>
+                    </a:solidFill>
+                  </a:rPr>
+                  <a:t>shapefiles/</a:t>
+                </a:r>
+                <a:r>
+                  <a:rPr lang="en-US" sz="1100" i="1" dirty="0" err="1">
+                    <a:solidFill>
+                      <a:schemeClr val="tx1"/>
+                    </a:solidFill>
+                  </a:rPr>
+                  <a:t>GOA_ALL_nountrawl</a:t>
+                </a:r>
+                <a:endParaRPr lang="en-US" sz="1100" i="1" dirty="0">
+                  <a:solidFill>
+                    <a:schemeClr val="tx1"/>
+                  </a:solidFill>
+                </a:endParaRPr>
+              </a:p>
+            </p:txBody>
+          </p:sp>
+        </p:grpSp>
+        <p:sp>
+          <p:nvSpPr>
+            <p:cNvPr id="57" name="TextBox 56">
+              <a:extLst>
+                <a:ext uri="{FF2B5EF4-FFF2-40B4-BE49-F238E27FC236}">
+                  <a16:creationId xmlns:a16="http://schemas.microsoft.com/office/drawing/2014/main" id="{E9A42A9C-7391-43E4-A771-231FE54694B4}"/>
+                </a:ext>
+              </a:extLst>
+            </p:cNvPr>
+            <p:cNvSpPr txBox="1"/>
+            <p:nvPr/>
+          </p:nvSpPr>
+          <p:spPr>
+            <a:xfrm>
+              <a:off x="1881392" y="2920718"/>
+              <a:ext cx="3429000" cy="369332"/>
+            </a:xfrm>
+            <a:prstGeom prst="rect">
+              <a:avLst/>
+            </a:prstGeom>
+            <a:noFill/>
+          </p:spPr>
+          <p:txBody>
+            <a:bodyPr wrap="square">
+              <a:spAutoFit/>
+            </a:bodyPr>
+            <a:lstStyle/>
+            <a:p>
+              <a:pPr algn="ctr"/>
+              <a:r>
+                <a:rPr lang="en-US" i="1" dirty="0"/>
+                <a:t>~/data/</a:t>
+              </a:r>
+            </a:p>
+          </p:txBody>
+        </p:sp>
+        <p:sp>
+          <p:nvSpPr>
+            <p:cNvPr id="58" name="TextBox 57">
+              <a:extLst>
+                <a:ext uri="{FF2B5EF4-FFF2-40B4-BE49-F238E27FC236}">
+                  <a16:creationId xmlns:a16="http://schemas.microsoft.com/office/drawing/2014/main" id="{23B765CF-7F16-444E-B86A-E78E59EC8AA2}"/>
+                </a:ext>
+              </a:extLst>
+            </p:cNvPr>
+            <p:cNvSpPr txBox="1"/>
+            <p:nvPr/>
+          </p:nvSpPr>
+          <p:spPr>
+            <a:xfrm>
+              <a:off x="1735305" y="2454022"/>
+              <a:ext cx="3429000" cy="369332"/>
+            </a:xfrm>
+            <a:prstGeom prst="rect">
+              <a:avLst/>
+            </a:prstGeom>
+            <a:noFill/>
+          </p:spPr>
+          <p:txBody>
+            <a:bodyPr wrap="square">
+              <a:spAutoFit/>
+            </a:bodyPr>
+            <a:lstStyle/>
+            <a:p>
+              <a:pPr algn="ctr"/>
+              <a:r>
+                <a:rPr lang="en-US" i="1" dirty="0"/>
+                <a:t>Create Extrapolation Grid</a:t>
+              </a:r>
+            </a:p>
+          </p:txBody>
+        </p:sp>
+        <p:sp>
+          <p:nvSpPr>
+            <p:cNvPr id="59" name="Rectangle 58">
+              <a:extLst>
+                <a:ext uri="{FF2B5EF4-FFF2-40B4-BE49-F238E27FC236}">
+                  <a16:creationId xmlns:a16="http://schemas.microsoft.com/office/drawing/2014/main" id="{F6CC2666-AA12-42B9-A599-9CBC6BD62FFB}"/>
+                </a:ext>
+              </a:extLst>
+            </p:cNvPr>
+            <p:cNvSpPr/>
+            <p:nvPr/>
+          </p:nvSpPr>
+          <p:spPr>
+            <a:xfrm>
+              <a:off x="2392680" y="4277958"/>
+              <a:ext cx="2598420" cy="260426"/>
+            </a:xfrm>
+            <a:prstGeom prst="rect">
+              <a:avLst/>
+            </a:prstGeom>
+            <a:solidFill>
+              <a:schemeClr val="accent6"/>
+            </a:solidFill>
+            <a:ln>
+              <a:solidFill>
+                <a:schemeClr val="tx1"/>
+              </a:solidFill>
+            </a:ln>
+          </p:spPr>
+          <p:style>
+            <a:lnRef idx="2">
+              <a:schemeClr val="accent1">
+                <a:shade val="50000"/>
+              </a:schemeClr>
+            </a:lnRef>
+            <a:fillRef idx="1">
+              <a:schemeClr val="accent1"/>
+            </a:fillRef>
+            <a:effectRef idx="0">
+              <a:schemeClr val="accent1"/>
+            </a:effectRef>
+            <a:fontRef idx="minor">
+              <a:schemeClr val="lt1"/>
+            </a:fontRef>
+          </p:style>
+          <p:txBody>
+            <a:bodyPr rtlCol="0" anchor="ctr"/>
+            <a:lstStyle/>
+            <a:p>
+              <a:pPr algn="ctr"/>
+              <a:r>
+                <a:rPr lang="en-US" sz="1100" i="1" dirty="0" err="1">
+                  <a:solidFill>
+                    <a:schemeClr val="tx1"/>
+                  </a:solidFill>
+                </a:rPr>
+                <a:t>extrapolation_grid</a:t>
+              </a:r>
+              <a:r>
+                <a:rPr lang="en-US" sz="1100" i="1" dirty="0">
+                  <a:solidFill>
+                    <a:schemeClr val="tx1"/>
+                  </a:solidFill>
+                </a:rPr>
+                <a:t>/GOAThorsonGrid.csv</a:t>
+              </a:r>
+            </a:p>
+          </p:txBody>
+        </p:sp>
+        <p:cxnSp>
+          <p:nvCxnSpPr>
+            <p:cNvPr id="61" name="Straight Arrow Connector 60">
+              <a:extLst>
+                <a:ext uri="{FF2B5EF4-FFF2-40B4-BE49-F238E27FC236}">
+                  <a16:creationId xmlns:a16="http://schemas.microsoft.com/office/drawing/2014/main" id="{67159470-CABE-4EB1-A380-4E109669F3BC}"/>
+                </a:ext>
+              </a:extLst>
+            </p:cNvPr>
+            <p:cNvCxnSpPr>
+              <a:cxnSpLocks/>
+              <a:stCxn id="66" idx="2"/>
+              <a:endCxn id="51" idx="0"/>
+            </p:cNvCxnSpPr>
+            <p:nvPr/>
+          </p:nvCxnSpPr>
+          <p:spPr>
+            <a:xfrm>
+              <a:off x="3688080" y="4791527"/>
+              <a:ext cx="0" cy="885189"/>
+            </a:xfrm>
+            <a:prstGeom prst="straightConnector1">
+              <a:avLst/>
+            </a:prstGeom>
+            <a:ln w="38100">
+              <a:solidFill>
+                <a:schemeClr val="tx1"/>
+              </a:solidFill>
+              <a:tailEnd type="triangle"/>
+            </a:ln>
+          </p:spPr>
+          <p:style>
+            <a:lnRef idx="1">
+              <a:schemeClr val="accent1"/>
+            </a:lnRef>
+            <a:fillRef idx="0">
+              <a:schemeClr val="accent1"/>
+            </a:fillRef>
+            <a:effectRef idx="0">
+              <a:schemeClr val="accent1"/>
+            </a:effectRef>
+            <a:fontRef idx="minor">
+              <a:schemeClr val="tx1"/>
+            </a:fontRef>
+          </p:style>
+        </p:cxnSp>
+        <p:sp>
+          <p:nvSpPr>
+            <p:cNvPr id="62" name="Rectangle 61">
+              <a:extLst>
+                <a:ext uri="{FF2B5EF4-FFF2-40B4-BE49-F238E27FC236}">
+                  <a16:creationId xmlns:a16="http://schemas.microsoft.com/office/drawing/2014/main" id="{6520E9E5-D557-4EED-A3B8-4FB73F22382D}"/>
+                </a:ext>
+              </a:extLst>
+            </p:cNvPr>
+            <p:cNvSpPr/>
+            <p:nvPr/>
+          </p:nvSpPr>
+          <p:spPr>
+            <a:xfrm>
+              <a:off x="2392680" y="4023265"/>
+              <a:ext cx="2598420" cy="260426"/>
+            </a:xfrm>
+            <a:prstGeom prst="rect">
+              <a:avLst/>
+            </a:prstGeom>
+            <a:solidFill>
+              <a:schemeClr val="accent6"/>
+            </a:solidFill>
+            <a:ln>
+              <a:solidFill>
+                <a:schemeClr val="tx1"/>
+              </a:solidFill>
+            </a:ln>
+          </p:spPr>
+          <p:style>
+            <a:lnRef idx="2">
+              <a:schemeClr val="accent1">
+                <a:shade val="50000"/>
+              </a:schemeClr>
+            </a:lnRef>
+            <a:fillRef idx="1">
+              <a:schemeClr val="accent1"/>
+            </a:fillRef>
+            <a:effectRef idx="0">
+              <a:schemeClr val="accent1"/>
+            </a:effectRef>
+            <a:fontRef idx="minor">
+              <a:schemeClr val="lt1"/>
+            </a:fontRef>
+          </p:style>
+          <p:txBody>
+            <a:bodyPr rtlCol="0" anchor="ctr"/>
+            <a:lstStyle/>
+            <a:p>
+              <a:pPr algn="ctr"/>
+              <a:r>
+                <a:rPr lang="en-US" sz="1100" i="1" dirty="0">
+                  <a:solidFill>
+                    <a:schemeClr val="tx1"/>
+                  </a:solidFill>
+                </a:rPr>
+                <a:t>aigoa_bathyp1c/</a:t>
+              </a:r>
+              <a:r>
+                <a:rPr lang="en-US" sz="1100" i="1" dirty="0" err="1">
+                  <a:solidFill>
+                    <a:schemeClr val="tx1"/>
+                  </a:solidFill>
+                </a:rPr>
+                <a:t>dblbnd.adf</a:t>
+              </a:r>
+              <a:endParaRPr lang="en-US" sz="1100" i="1" dirty="0">
+                <a:solidFill>
+                  <a:schemeClr val="tx1"/>
+                </a:solidFill>
+              </a:endParaRPr>
+            </a:p>
+          </p:txBody>
+        </p:sp>
+        <p:sp>
+          <p:nvSpPr>
+            <p:cNvPr id="63" name="Rectangle 62">
+              <a:extLst>
+                <a:ext uri="{FF2B5EF4-FFF2-40B4-BE49-F238E27FC236}">
+                  <a16:creationId xmlns:a16="http://schemas.microsoft.com/office/drawing/2014/main" id="{16C1F89C-A408-44E5-892A-55CDACAB9DAC}"/>
+                </a:ext>
+              </a:extLst>
+            </p:cNvPr>
+            <p:cNvSpPr/>
+            <p:nvPr/>
+          </p:nvSpPr>
+          <p:spPr>
+            <a:xfrm>
+              <a:off x="2602230" y="6350212"/>
+              <a:ext cx="2186940" cy="177262"/>
+            </a:xfrm>
+            <a:prstGeom prst="rect">
+              <a:avLst/>
+            </a:prstGeom>
+            <a:solidFill>
+              <a:schemeClr val="accent6"/>
+            </a:solidFill>
+            <a:ln>
+              <a:solidFill>
+                <a:schemeClr val="tx1"/>
+              </a:solidFill>
+            </a:ln>
+          </p:spPr>
+          <p:style>
+            <a:lnRef idx="2">
+              <a:schemeClr val="accent1">
+                <a:shade val="50000"/>
+              </a:schemeClr>
+            </a:lnRef>
+            <a:fillRef idx="1">
+              <a:schemeClr val="accent1"/>
+            </a:fillRef>
+            <a:effectRef idx="0">
+              <a:schemeClr val="accent1"/>
+            </a:effectRef>
+            <a:fontRef idx="minor">
+              <a:schemeClr val="lt1"/>
+            </a:fontRef>
+          </p:style>
+          <p:txBody>
+            <a:bodyPr rtlCol="0" anchor="ctr"/>
+            <a:lstStyle/>
+            <a:p>
+              <a:pPr algn="ctr"/>
+              <a:r>
+                <a:rPr lang="en-US" sz="1100" i="1" dirty="0" err="1">
+                  <a:solidFill>
+                    <a:schemeClr val="tx1"/>
+                  </a:solidFill>
+                </a:rPr>
+                <a:t>Extrapolation_depths.RData</a:t>
+              </a:r>
+              <a:endParaRPr lang="en-US" sz="1100" i="1" dirty="0">
+                <a:solidFill>
+                  <a:schemeClr val="tx1"/>
+                </a:solidFill>
+              </a:endParaRPr>
+            </a:p>
+          </p:txBody>
+        </p:sp>
+        <p:sp>
+          <p:nvSpPr>
+            <p:cNvPr id="66" name="Rectangle 65">
+              <a:extLst>
+                <a:ext uri="{FF2B5EF4-FFF2-40B4-BE49-F238E27FC236}">
+                  <a16:creationId xmlns:a16="http://schemas.microsoft.com/office/drawing/2014/main" id="{89D583E9-DABA-4DE5-A145-6DB96143EC4A}"/>
+                </a:ext>
+              </a:extLst>
+            </p:cNvPr>
+            <p:cNvSpPr/>
+            <p:nvPr/>
+          </p:nvSpPr>
+          <p:spPr>
+            <a:xfrm>
+              <a:off x="3032760" y="4531101"/>
+              <a:ext cx="1310640" cy="260426"/>
+            </a:xfrm>
+            <a:prstGeom prst="rect">
+              <a:avLst/>
+            </a:prstGeom>
+            <a:solidFill>
+              <a:schemeClr val="accent6"/>
+            </a:solidFill>
+            <a:ln>
+              <a:solidFill>
+                <a:schemeClr val="tx1"/>
+              </a:solidFill>
+            </a:ln>
+          </p:spPr>
+          <p:style>
+            <a:lnRef idx="2">
+              <a:schemeClr val="accent1">
+                <a:shade val="50000"/>
+              </a:schemeClr>
+            </a:lnRef>
+            <a:fillRef idx="1">
+              <a:schemeClr val="accent1"/>
+            </a:fillRef>
+            <a:effectRef idx="0">
+              <a:schemeClr val="accent1"/>
+            </a:effectRef>
+            <a:fontRef idx="minor">
+              <a:schemeClr val="lt1"/>
+            </a:fontRef>
+          </p:style>
+          <p:txBody>
+            <a:bodyPr rtlCol="0" anchor="ctr"/>
+            <a:lstStyle/>
+            <a:p>
+              <a:pPr algn="ctr"/>
+              <a:r>
+                <a:rPr lang="en-US" sz="1100" i="1" dirty="0">
+                  <a:solidFill>
+                    <a:schemeClr val="tx1"/>
+                  </a:solidFill>
+                </a:rPr>
+                <a:t>GOA_multspp.csv</a:t>
+              </a:r>
+            </a:p>
+          </p:txBody>
+        </p:sp>
+      </p:grpSp>
+      <p:sp>
+        <p:nvSpPr>
+          <p:cNvPr id="72" name="Rectangle 71">
+            <a:extLst>
+              <a:ext uri="{FF2B5EF4-FFF2-40B4-BE49-F238E27FC236}">
+                <a16:creationId xmlns:a16="http://schemas.microsoft.com/office/drawing/2014/main" id="{F68C58B1-2F25-46DF-AFAF-39B45DB2FED9}"/>
+              </a:ext>
+            </a:extLst>
+          </p:cNvPr>
+          <p:cNvSpPr/>
+          <p:nvPr/>
+        </p:nvSpPr>
+        <p:spPr>
+          <a:xfrm>
+            <a:off x="196464" y="6168030"/>
+            <a:ext cx="3429000" cy="4622239"/>
+          </a:xfrm>
+          <a:prstGeom prst="rect">
+            <a:avLst/>
+          </a:prstGeom>
+          <a:solidFill>
+            <a:srgbClr val="00B0F0"/>
+          </a:solidFill>
+          <a:ln>
+            <a:solidFill>
+              <a:schemeClr val="tx1"/>
+            </a:solidFill>
+          </a:ln>
+        </p:spPr>
+        <p:style>
+          <a:lnRef idx="2">
+            <a:schemeClr val="accent1">
+              <a:shade val="50000"/>
+            </a:schemeClr>
+          </a:lnRef>
+          <a:fillRef idx="1">
+            <a:schemeClr val="accent1"/>
+          </a:fillRef>
+          <a:effectRef idx="0">
+            <a:schemeClr val="accent1"/>
+          </a:effectRef>
+          <a:fontRef idx="minor">
+            <a:schemeClr val="lt1"/>
+          </a:fontRef>
+        </p:style>
+        <p:txBody>
+          <a:bodyPr rtlCol="0" anchor="ctr"/>
+          <a:lstStyle/>
+          <a:p>
+            <a:pPr algn="ctr"/>
+            <a:endParaRPr lang="en-US" sz="1400" i="1" dirty="0"/>
+          </a:p>
+        </p:txBody>
+      </p:sp>
+      <p:sp>
+        <p:nvSpPr>
+          <p:cNvPr id="74" name="Rectangle 73">
+            <a:extLst>
+              <a:ext uri="{FF2B5EF4-FFF2-40B4-BE49-F238E27FC236}">
+                <a16:creationId xmlns:a16="http://schemas.microsoft.com/office/drawing/2014/main" id="{B37FCD06-CD50-41B5-B1B2-DE99AF88243B}"/>
+              </a:ext>
+            </a:extLst>
+          </p:cNvPr>
+          <p:cNvSpPr/>
+          <p:nvPr/>
+        </p:nvSpPr>
+        <p:spPr>
+          <a:xfrm>
+            <a:off x="370259" y="8841884"/>
+            <a:ext cx="4272382" cy="1770419"/>
+          </a:xfrm>
+          <a:prstGeom prst="rect">
+            <a:avLst/>
+          </a:prstGeom>
+          <a:solidFill>
+            <a:schemeClr val="accent2"/>
+          </a:solidFill>
+          <a:ln>
+            <a:solidFill>
+              <a:schemeClr val="tx1"/>
+            </a:solidFill>
+          </a:ln>
+        </p:spPr>
+        <p:style>
+          <a:lnRef idx="2">
+            <a:schemeClr val="accent1">
+              <a:shade val="50000"/>
+            </a:schemeClr>
+          </a:lnRef>
+          <a:fillRef idx="1">
+            <a:schemeClr val="accent1"/>
+          </a:fillRef>
+          <a:effectRef idx="0">
+            <a:schemeClr val="accent1"/>
+          </a:effectRef>
+          <a:fontRef idx="minor">
+            <a:schemeClr val="lt1"/>
+          </a:fontRef>
+        </p:style>
+        <p:txBody>
+          <a:bodyPr rtlCol="0" anchor="ctr"/>
+          <a:lstStyle/>
+          <a:p>
+            <a:pPr algn="ctr"/>
+            <a:endParaRPr lang="en-US"/>
+          </a:p>
+        </p:txBody>
+      </p:sp>
+      <p:sp>
+        <p:nvSpPr>
+          <p:cNvPr id="76" name="Rectangle 75">
+            <a:extLst>
+              <a:ext uri="{FF2B5EF4-FFF2-40B4-BE49-F238E27FC236}">
+                <a16:creationId xmlns:a16="http://schemas.microsoft.com/office/drawing/2014/main" id="{09FDC387-D42D-41E6-9D58-5F5FF5EA01CC}"/>
+              </a:ext>
+            </a:extLst>
+          </p:cNvPr>
+          <p:cNvSpPr/>
+          <p:nvPr/>
+        </p:nvSpPr>
+        <p:spPr>
+          <a:xfrm>
+            <a:off x="854918" y="9041047"/>
+            <a:ext cx="1828800" cy="177262"/>
+          </a:xfrm>
+          <a:prstGeom prst="rect">
+            <a:avLst/>
+          </a:prstGeom>
+          <a:solidFill>
+            <a:schemeClr val="accent4"/>
+          </a:solidFill>
+          <a:ln>
+            <a:solidFill>
+              <a:schemeClr val="tx1"/>
+            </a:solidFill>
+          </a:ln>
+        </p:spPr>
+        <p:style>
+          <a:lnRef idx="2">
+            <a:schemeClr val="accent1">
+              <a:shade val="50000"/>
+            </a:schemeClr>
+          </a:lnRef>
+          <a:fillRef idx="1">
+            <a:schemeClr val="accent1"/>
+          </a:fillRef>
+          <a:effectRef idx="0">
+            <a:schemeClr val="accent1"/>
+          </a:effectRef>
+          <a:fontRef idx="minor">
+            <a:schemeClr val="lt1"/>
+          </a:fontRef>
+        </p:style>
+        <p:txBody>
+          <a:bodyPr rtlCol="0" anchor="ctr"/>
+          <a:lstStyle/>
+          <a:p>
+            <a:pPr algn="ctr"/>
+            <a:r>
+              <a:rPr lang="en-US" sz="1100" i="1" dirty="0" err="1">
+                <a:solidFill>
+                  <a:schemeClr val="tx1"/>
+                </a:solidFill>
+              </a:rPr>
+              <a:t>data_survey.R</a:t>
+            </a:r>
+            <a:endParaRPr lang="en-US" sz="1100" i="1" dirty="0">
+              <a:solidFill>
+                <a:schemeClr val="tx1"/>
+              </a:solidFill>
+            </a:endParaRPr>
+          </a:p>
+        </p:txBody>
+      </p:sp>
+      <p:sp>
+        <p:nvSpPr>
+          <p:cNvPr id="78" name="Rectangle 77">
+            <a:extLst>
+              <a:ext uri="{FF2B5EF4-FFF2-40B4-BE49-F238E27FC236}">
+                <a16:creationId xmlns:a16="http://schemas.microsoft.com/office/drawing/2014/main" id="{AB668467-898C-4932-BE98-CB129B241EAF}"/>
+              </a:ext>
+            </a:extLst>
+          </p:cNvPr>
+          <p:cNvSpPr/>
+          <p:nvPr/>
+        </p:nvSpPr>
+        <p:spPr>
+          <a:xfrm>
+            <a:off x="854918" y="9701071"/>
+            <a:ext cx="1828800" cy="177262"/>
+          </a:xfrm>
+          <a:prstGeom prst="rect">
+            <a:avLst/>
+          </a:prstGeom>
+          <a:solidFill>
+            <a:schemeClr val="accent6"/>
+          </a:solidFill>
+          <a:ln>
+            <a:solidFill>
+              <a:schemeClr val="tx1"/>
+            </a:solidFill>
+          </a:ln>
+        </p:spPr>
+        <p:style>
+          <a:lnRef idx="2">
+            <a:schemeClr val="accent1">
+              <a:shade val="50000"/>
+            </a:schemeClr>
+          </a:lnRef>
+          <a:fillRef idx="1">
+            <a:schemeClr val="accent1"/>
+          </a:fillRef>
+          <a:effectRef idx="0">
+            <a:schemeClr val="accent1"/>
+          </a:effectRef>
+          <a:fontRef idx="minor">
+            <a:schemeClr val="lt1"/>
+          </a:fontRef>
+        </p:style>
+        <p:txBody>
+          <a:bodyPr rtlCol="0" anchor="ctr"/>
+          <a:lstStyle/>
+          <a:p>
+            <a:pPr algn="ctr"/>
+            <a:r>
+              <a:rPr lang="en-US" sz="1100" i="1" dirty="0" err="1">
+                <a:solidFill>
+                  <a:schemeClr val="tx1"/>
+                </a:solidFill>
+              </a:rPr>
+              <a:t>GOA_multspp.csv</a:t>
+            </a:r>
+            <a:endParaRPr lang="en-US" sz="1100" i="1" dirty="0">
+              <a:solidFill>
+                <a:schemeClr val="tx1"/>
+              </a:solidFill>
+            </a:endParaRPr>
+          </a:p>
+        </p:txBody>
+      </p:sp>
+      <p:cxnSp>
+        <p:nvCxnSpPr>
+          <p:cNvPr id="79" name="Straight Arrow Connector 78">
+            <a:extLst>
+              <a:ext uri="{FF2B5EF4-FFF2-40B4-BE49-F238E27FC236}">
+                <a16:creationId xmlns:a16="http://schemas.microsoft.com/office/drawing/2014/main" id="{77665D64-2C03-43B5-8F2B-468798E7C314}"/>
+              </a:ext>
+            </a:extLst>
+          </p:cNvPr>
+          <p:cNvCxnSpPr>
+            <a:cxnSpLocks/>
+            <a:stCxn id="76" idx="2"/>
+            <a:endCxn id="78" idx="0"/>
+          </p:cNvCxnSpPr>
+          <p:nvPr/>
+        </p:nvCxnSpPr>
+        <p:spPr>
+          <a:xfrm>
+            <a:off x="1769318" y="9218309"/>
+            <a:ext cx="0" cy="482762"/>
+          </a:xfrm>
+          <a:prstGeom prst="straightConnector1">
+            <a:avLst/>
+          </a:prstGeom>
+          <a:ln w="38100">
+            <a:solidFill>
+              <a:schemeClr val="tx1"/>
+            </a:solidFill>
+            <a:tailEnd type="triangle"/>
+          </a:ln>
+        </p:spPr>
+        <p:style>
+          <a:lnRef idx="1">
+            <a:schemeClr val="accent1"/>
+          </a:lnRef>
+          <a:fillRef idx="0">
+            <a:schemeClr val="accent1"/>
+          </a:fillRef>
+          <a:effectRef idx="0">
+            <a:schemeClr val="accent1"/>
+          </a:effectRef>
+          <a:fontRef idx="minor">
+            <a:schemeClr val="tx1"/>
+          </a:fontRef>
+        </p:style>
+      </p:cxnSp>
+      <p:sp>
+        <p:nvSpPr>
+          <p:cNvPr id="80" name="Rectangle 79">
+            <a:extLst>
+              <a:ext uri="{FF2B5EF4-FFF2-40B4-BE49-F238E27FC236}">
+                <a16:creationId xmlns:a16="http://schemas.microsoft.com/office/drawing/2014/main" id="{8E4CBDD1-0266-4D14-BFA9-ACF9BF344875}"/>
+              </a:ext>
+            </a:extLst>
+          </p:cNvPr>
+          <p:cNvSpPr/>
+          <p:nvPr/>
+        </p:nvSpPr>
+        <p:spPr>
+          <a:xfrm>
+            <a:off x="371143" y="6838988"/>
+            <a:ext cx="2769920" cy="1530380"/>
+          </a:xfrm>
+          <a:prstGeom prst="rect">
+            <a:avLst/>
+          </a:prstGeom>
+          <a:solidFill>
+            <a:schemeClr val="accent2"/>
+          </a:solidFill>
+          <a:ln>
+            <a:solidFill>
+              <a:schemeClr val="tx1"/>
+            </a:solidFill>
+          </a:ln>
+        </p:spPr>
+        <p:style>
+          <a:lnRef idx="2">
+            <a:schemeClr val="accent1">
+              <a:shade val="50000"/>
+            </a:schemeClr>
+          </a:lnRef>
+          <a:fillRef idx="1">
+            <a:schemeClr val="accent1"/>
+          </a:fillRef>
+          <a:effectRef idx="0">
+            <a:schemeClr val="accent1"/>
+          </a:effectRef>
+          <a:fontRef idx="minor">
+            <a:schemeClr val="lt1"/>
+          </a:fontRef>
+        </p:style>
+        <p:txBody>
+          <a:bodyPr rtlCol="0" anchor="ctr"/>
+          <a:lstStyle/>
+          <a:p>
+            <a:pPr algn="ctr"/>
+            <a:endParaRPr lang="en-US"/>
+          </a:p>
+        </p:txBody>
+      </p:sp>
+      <p:sp>
+        <p:nvSpPr>
+          <p:cNvPr id="82" name="TextBox 81">
+            <a:extLst>
+              <a:ext uri="{FF2B5EF4-FFF2-40B4-BE49-F238E27FC236}">
+                <a16:creationId xmlns:a16="http://schemas.microsoft.com/office/drawing/2014/main" id="{993181E4-6BAA-4464-926C-A4F1F13E6EBE}"/>
+              </a:ext>
+            </a:extLst>
+          </p:cNvPr>
+          <p:cNvSpPr txBox="1"/>
+          <p:nvPr/>
+        </p:nvSpPr>
+        <p:spPr>
+          <a:xfrm>
+            <a:off x="40157" y="6958188"/>
+            <a:ext cx="3431892" cy="369332"/>
+          </a:xfrm>
+          <a:prstGeom prst="rect">
+            <a:avLst/>
+          </a:prstGeom>
+          <a:noFill/>
+        </p:spPr>
+        <p:txBody>
+          <a:bodyPr wrap="square">
+            <a:spAutoFit/>
+          </a:bodyPr>
+          <a:lstStyle/>
+          <a:p>
+            <a:pPr algn="ctr"/>
+            <a:r>
+              <a:rPr lang="en-US" i="1" dirty="0"/>
+              <a:t>G:/Oyafuso/data/data-raw/</a:t>
+            </a:r>
+          </a:p>
+        </p:txBody>
+      </p:sp>
+      <p:grpSp>
+        <p:nvGrpSpPr>
+          <p:cNvPr id="84" name="Group 83">
+            <a:extLst>
+              <a:ext uri="{FF2B5EF4-FFF2-40B4-BE49-F238E27FC236}">
+                <a16:creationId xmlns:a16="http://schemas.microsoft.com/office/drawing/2014/main" id="{68B4C7FC-9B16-48A5-9D9E-7A7E2A23CFE9}"/>
+              </a:ext>
+            </a:extLst>
+          </p:cNvPr>
+          <p:cNvGrpSpPr/>
+          <p:nvPr/>
+        </p:nvGrpSpPr>
+        <p:grpSpPr>
+          <a:xfrm>
+            <a:off x="843390" y="7440843"/>
+            <a:ext cx="1830651" cy="543739"/>
+            <a:chOff x="861749" y="596403"/>
+            <a:chExt cx="1830651" cy="543739"/>
+          </a:xfrm>
+        </p:grpSpPr>
+        <p:sp>
+          <p:nvSpPr>
+            <p:cNvPr id="92" name="Rectangle 91">
+              <a:extLst>
+                <a:ext uri="{FF2B5EF4-FFF2-40B4-BE49-F238E27FC236}">
+                  <a16:creationId xmlns:a16="http://schemas.microsoft.com/office/drawing/2014/main" id="{B7F97D08-8036-4053-A14C-FEC128094782}"/>
+                </a:ext>
+              </a:extLst>
+            </p:cNvPr>
+            <p:cNvSpPr/>
+            <p:nvPr/>
+          </p:nvSpPr>
+          <p:spPr>
+            <a:xfrm>
+              <a:off x="863600" y="596403"/>
+              <a:ext cx="1828800" cy="177262"/>
+            </a:xfrm>
+            <a:prstGeom prst="rect">
+              <a:avLst/>
+            </a:prstGeom>
+            <a:solidFill>
+              <a:schemeClr val="accent6"/>
+            </a:solidFill>
+            <a:ln>
+              <a:solidFill>
+                <a:schemeClr val="tx1"/>
+              </a:solidFill>
+            </a:ln>
+          </p:spPr>
+          <p:style>
+            <a:lnRef idx="2">
+              <a:schemeClr val="accent1">
+                <a:shade val="50000"/>
+              </a:schemeClr>
+            </a:lnRef>
+            <a:fillRef idx="1">
+              <a:schemeClr val="accent1"/>
+            </a:fillRef>
+            <a:effectRef idx="0">
+              <a:schemeClr val="accent1"/>
+            </a:effectRef>
+            <a:fontRef idx="minor">
+              <a:schemeClr val="lt1"/>
+            </a:fontRef>
+          </p:style>
+          <p:txBody>
+            <a:bodyPr rtlCol="0" anchor="ctr"/>
+            <a:lstStyle/>
+            <a:p>
+              <a:pPr algn="ctr"/>
+              <a:r>
+                <a:rPr lang="en-US" sz="1100" i="1" dirty="0" err="1">
+                  <a:solidFill>
+                    <a:schemeClr val="tx1"/>
+                  </a:solidFill>
+                </a:rPr>
+                <a:t>cpue_GOA_selected_spp.csv</a:t>
+              </a:r>
+              <a:endParaRPr lang="en-US" sz="1100" i="1" dirty="0">
+                <a:solidFill>
+                  <a:schemeClr val="tx1"/>
+                </a:solidFill>
+              </a:endParaRPr>
+            </a:p>
+          </p:txBody>
+        </p:sp>
+        <p:sp>
+          <p:nvSpPr>
+            <p:cNvPr id="93" name="Rectangle 92">
+              <a:extLst>
+                <a:ext uri="{FF2B5EF4-FFF2-40B4-BE49-F238E27FC236}">
+                  <a16:creationId xmlns:a16="http://schemas.microsoft.com/office/drawing/2014/main" id="{60E3E17B-830F-4B44-BAF2-F1BD9F115C29}"/>
+                </a:ext>
+              </a:extLst>
+            </p:cNvPr>
+            <p:cNvSpPr/>
+            <p:nvPr/>
+          </p:nvSpPr>
+          <p:spPr>
+            <a:xfrm>
+              <a:off x="863600" y="781487"/>
+              <a:ext cx="1828800" cy="177262"/>
+            </a:xfrm>
+            <a:prstGeom prst="rect">
+              <a:avLst/>
+            </a:prstGeom>
+            <a:solidFill>
+              <a:schemeClr val="accent6"/>
+            </a:solidFill>
+            <a:ln>
+              <a:solidFill>
+                <a:schemeClr val="tx1"/>
+              </a:solidFill>
+            </a:ln>
+          </p:spPr>
+          <p:style>
+            <a:lnRef idx="2">
+              <a:schemeClr val="accent1">
+                <a:shade val="50000"/>
+              </a:schemeClr>
+            </a:lnRef>
+            <a:fillRef idx="1">
+              <a:schemeClr val="accent1"/>
+            </a:fillRef>
+            <a:effectRef idx="0">
+              <a:schemeClr val="accent1"/>
+            </a:effectRef>
+            <a:fontRef idx="minor">
+              <a:schemeClr val="lt1"/>
+            </a:fontRef>
+          </p:style>
+          <p:txBody>
+            <a:bodyPr rtlCol="0" anchor="ctr"/>
+            <a:lstStyle/>
+            <a:p>
+              <a:pPr algn="ctr"/>
+              <a:r>
+                <a:rPr lang="en-US" sz="1100" i="1" dirty="0" err="1">
+                  <a:solidFill>
+                    <a:schemeClr val="tx1"/>
+                  </a:solidFill>
+                </a:rPr>
+                <a:t>haul.csv</a:t>
+              </a:r>
+              <a:endParaRPr lang="en-US" sz="1100" i="1" dirty="0">
+                <a:solidFill>
+                  <a:schemeClr val="tx1"/>
+                </a:solidFill>
+              </a:endParaRPr>
+            </a:p>
+          </p:txBody>
+        </p:sp>
+        <p:sp>
+          <p:nvSpPr>
+            <p:cNvPr id="94" name="Rectangle 93">
+              <a:extLst>
+                <a:ext uri="{FF2B5EF4-FFF2-40B4-BE49-F238E27FC236}">
+                  <a16:creationId xmlns:a16="http://schemas.microsoft.com/office/drawing/2014/main" id="{61438BD5-F79A-43DC-B9D7-D698204CDF34}"/>
+                </a:ext>
+              </a:extLst>
+            </p:cNvPr>
+            <p:cNvSpPr/>
+            <p:nvPr/>
+          </p:nvSpPr>
+          <p:spPr>
+            <a:xfrm>
+              <a:off x="861749" y="962880"/>
+              <a:ext cx="1828800" cy="177262"/>
+            </a:xfrm>
+            <a:prstGeom prst="rect">
+              <a:avLst/>
+            </a:prstGeom>
+            <a:solidFill>
+              <a:schemeClr val="accent6"/>
+            </a:solidFill>
+            <a:ln>
+              <a:solidFill>
+                <a:schemeClr val="tx1"/>
+              </a:solidFill>
+            </a:ln>
+          </p:spPr>
+          <p:style>
+            <a:lnRef idx="2">
+              <a:schemeClr val="accent1">
+                <a:shade val="50000"/>
+              </a:schemeClr>
+            </a:lnRef>
+            <a:fillRef idx="1">
+              <a:schemeClr val="accent1"/>
+            </a:fillRef>
+            <a:effectRef idx="0">
+              <a:schemeClr val="accent1"/>
+            </a:effectRef>
+            <a:fontRef idx="minor">
+              <a:schemeClr val="lt1"/>
+            </a:fontRef>
+          </p:style>
+          <p:txBody>
+            <a:bodyPr rtlCol="0" anchor="ctr"/>
+            <a:lstStyle/>
+            <a:p>
+              <a:pPr algn="ctr"/>
+              <a:r>
+                <a:rPr lang="en-US" sz="1100" i="1" dirty="0" err="1">
+                  <a:solidFill>
+                    <a:schemeClr val="tx1"/>
+                  </a:solidFill>
+                </a:rPr>
+                <a:t>species.csv</a:t>
+              </a:r>
+              <a:endParaRPr lang="en-US" sz="1100" i="1" dirty="0">
+                <a:solidFill>
+                  <a:schemeClr val="tx1"/>
+                </a:solidFill>
+              </a:endParaRPr>
+            </a:p>
+          </p:txBody>
+        </p:sp>
+      </p:grpSp>
+      <p:cxnSp>
+        <p:nvCxnSpPr>
+          <p:cNvPr id="86" name="Straight Arrow Connector 85">
+            <a:extLst>
+              <a:ext uri="{FF2B5EF4-FFF2-40B4-BE49-F238E27FC236}">
+                <a16:creationId xmlns:a16="http://schemas.microsoft.com/office/drawing/2014/main" id="{8AA861DA-0461-4A54-A8BB-2273934CD864}"/>
+              </a:ext>
+            </a:extLst>
+          </p:cNvPr>
+          <p:cNvCxnSpPr>
+            <a:cxnSpLocks/>
+            <a:stCxn id="91" idx="2"/>
+            <a:endCxn id="76" idx="0"/>
+          </p:cNvCxnSpPr>
+          <p:nvPr/>
+        </p:nvCxnSpPr>
+        <p:spPr>
+          <a:xfrm>
+            <a:off x="1756103" y="8211297"/>
+            <a:ext cx="13215" cy="829750"/>
+          </a:xfrm>
+          <a:prstGeom prst="straightConnector1">
+            <a:avLst/>
+          </a:prstGeom>
+          <a:ln w="38100">
+            <a:solidFill>
+              <a:schemeClr val="tx1"/>
+            </a:solidFill>
+            <a:tailEnd type="triangle"/>
+          </a:ln>
+        </p:spPr>
+        <p:style>
+          <a:lnRef idx="1">
+            <a:schemeClr val="accent1"/>
+          </a:lnRef>
+          <a:fillRef idx="0">
+            <a:schemeClr val="accent1"/>
+          </a:fillRef>
+          <a:effectRef idx="0">
+            <a:schemeClr val="accent1"/>
+          </a:effectRef>
+          <a:fontRef idx="minor">
+            <a:schemeClr val="tx1"/>
+          </a:fontRef>
+        </p:style>
+      </p:cxnSp>
+      <p:sp>
+        <p:nvSpPr>
+          <p:cNvPr id="88" name="TextBox 87">
+            <a:extLst>
+              <a:ext uri="{FF2B5EF4-FFF2-40B4-BE49-F238E27FC236}">
+                <a16:creationId xmlns:a16="http://schemas.microsoft.com/office/drawing/2014/main" id="{CB7EC851-BD3D-44C2-976E-D709A11B41EF}"/>
+              </a:ext>
+            </a:extLst>
+          </p:cNvPr>
+          <p:cNvSpPr txBox="1"/>
+          <p:nvPr/>
+        </p:nvSpPr>
+        <p:spPr>
+          <a:xfrm>
+            <a:off x="218560" y="6307552"/>
+            <a:ext cx="3429000" cy="369332"/>
+          </a:xfrm>
+          <a:prstGeom prst="rect">
+            <a:avLst/>
+          </a:prstGeom>
+          <a:noFill/>
+        </p:spPr>
+        <p:txBody>
+          <a:bodyPr wrap="square">
+            <a:spAutoFit/>
+          </a:bodyPr>
+          <a:lstStyle/>
+          <a:p>
+            <a:pPr algn="ctr"/>
+            <a:r>
+              <a:rPr lang="en-US" i="1" dirty="0"/>
+              <a:t>Synthesize CPUE data</a:t>
+            </a:r>
+          </a:p>
+        </p:txBody>
+      </p:sp>
+      <p:sp>
+        <p:nvSpPr>
+          <p:cNvPr id="91" name="Rectangle 90">
+            <a:extLst>
+              <a:ext uri="{FF2B5EF4-FFF2-40B4-BE49-F238E27FC236}">
+                <a16:creationId xmlns:a16="http://schemas.microsoft.com/office/drawing/2014/main" id="{8A44F887-93BF-47E1-9726-8CE4D9E824FC}"/>
+              </a:ext>
+            </a:extLst>
+          </p:cNvPr>
+          <p:cNvSpPr/>
+          <p:nvPr/>
+        </p:nvSpPr>
+        <p:spPr>
+          <a:xfrm>
+            <a:off x="841703" y="7993174"/>
+            <a:ext cx="1828800" cy="218123"/>
+          </a:xfrm>
+          <a:prstGeom prst="rect">
+            <a:avLst/>
+          </a:prstGeom>
+          <a:solidFill>
+            <a:schemeClr val="accent6"/>
+          </a:solidFill>
+          <a:ln>
+            <a:solidFill>
+              <a:schemeClr val="tx1"/>
+            </a:solidFill>
+          </a:ln>
+        </p:spPr>
+        <p:style>
+          <a:lnRef idx="2">
+            <a:schemeClr val="accent1">
+              <a:shade val="50000"/>
+            </a:schemeClr>
+          </a:lnRef>
+          <a:fillRef idx="1">
+            <a:schemeClr val="accent1"/>
+          </a:fillRef>
+          <a:effectRef idx="0">
+            <a:schemeClr val="accent1"/>
+          </a:effectRef>
+          <a:fontRef idx="minor">
+            <a:schemeClr val="lt1"/>
+          </a:fontRef>
+        </p:style>
+        <p:txBody>
+          <a:bodyPr rtlCol="0" anchor="ctr"/>
+          <a:lstStyle/>
+          <a:p>
+            <a:pPr algn="ctr"/>
+            <a:r>
+              <a:rPr lang="en-US" sz="1100" i="1" dirty="0">
+                <a:solidFill>
+                  <a:schemeClr val="tx1"/>
+                </a:solidFill>
+              </a:rPr>
+              <a:t>aigoa_bathp1c/</a:t>
+            </a:r>
+            <a:r>
+              <a:rPr lang="en-US" sz="1100" i="1" dirty="0" err="1">
+                <a:solidFill>
+                  <a:schemeClr val="tx1"/>
+                </a:solidFill>
+              </a:rPr>
+              <a:t>dblbnd.adf</a:t>
+            </a:r>
+            <a:endParaRPr lang="en-US" sz="1100" i="1" dirty="0">
+              <a:solidFill>
+                <a:schemeClr val="tx1"/>
+              </a:solidFill>
+            </a:endParaRPr>
+          </a:p>
+        </p:txBody>
+      </p:sp>
+      <p:cxnSp>
+        <p:nvCxnSpPr>
+          <p:cNvPr id="96" name="Straight Arrow Connector 95">
+            <a:extLst>
+              <a:ext uri="{FF2B5EF4-FFF2-40B4-BE49-F238E27FC236}">
+                <a16:creationId xmlns:a16="http://schemas.microsoft.com/office/drawing/2014/main" id="{CD2D6ABD-06B5-42C7-ADE7-AD601E21183A}"/>
+              </a:ext>
+            </a:extLst>
+          </p:cNvPr>
+          <p:cNvCxnSpPr>
+            <a:cxnSpLocks/>
+            <a:stCxn id="78" idx="2"/>
+            <a:endCxn id="15" idx="0"/>
+          </p:cNvCxnSpPr>
+          <p:nvPr/>
+        </p:nvCxnSpPr>
+        <p:spPr>
+          <a:xfrm>
+            <a:off x="1769318" y="9878333"/>
+            <a:ext cx="580438" cy="3186230"/>
+          </a:xfrm>
+          <a:prstGeom prst="straightConnector1">
+            <a:avLst/>
+          </a:prstGeom>
+          <a:ln w="38100">
+            <a:solidFill>
+              <a:schemeClr val="tx1"/>
+            </a:solidFill>
+            <a:tailEnd type="triangle"/>
+          </a:ln>
+        </p:spPr>
+        <p:style>
+          <a:lnRef idx="1">
+            <a:schemeClr val="accent1"/>
+          </a:lnRef>
+          <a:fillRef idx="0">
+            <a:schemeClr val="accent1"/>
+          </a:fillRef>
+          <a:effectRef idx="0">
+            <a:schemeClr val="accent1"/>
+          </a:effectRef>
+          <a:fontRef idx="minor">
+            <a:schemeClr val="tx1"/>
+          </a:fontRef>
+        </p:style>
+      </p:cxnSp>
     </p:spTree>
     <p:extLst>
       <p:ext uri="{BB962C8B-B14F-4D97-AF65-F5344CB8AC3E}">

--- a/graphics/WorkFlow.pptx
+++ b/graphics/WorkFlow.pptx
@@ -3615,10 +3615,10 @@
       </p:grpSpPr>
       <p:grpSp>
         <p:nvGrpSpPr>
-          <p:cNvPr id="17" name="Group 16">
+          <p:cNvPr id="16" name="Group 15">
             <a:extLst>
               <a:ext uri="{FF2B5EF4-FFF2-40B4-BE49-F238E27FC236}">
-                <a16:creationId xmlns:a16="http://schemas.microsoft.com/office/drawing/2014/main" id="{2CD667BC-5745-4F9E-9B49-F802E2E71B79}"/>
+                <a16:creationId xmlns:a16="http://schemas.microsoft.com/office/drawing/2014/main" id="{3707C3CF-A3BE-41B0-A843-6D03D52DF7A4}"/>
               </a:ext>
             </a:extLst>
           </p:cNvPr>
@@ -3627,18 +3627,18 @@
         </p:nvGrpSpPr>
         <p:grpSpPr>
           <a:xfrm>
-            <a:off x="1983678" y="6045687"/>
-            <a:ext cx="4274167" cy="1624628"/>
-            <a:chOff x="232313" y="3666678"/>
-            <a:chExt cx="6411250" cy="2436942"/>
+            <a:off x="1959776" y="1990310"/>
+            <a:ext cx="2155024" cy="2363250"/>
+            <a:chOff x="1959776" y="1990310"/>
+            <a:chExt cx="2155024" cy="2363250"/>
           </a:xfrm>
         </p:grpSpPr>
         <p:sp>
           <p:nvSpPr>
-            <p:cNvPr id="33" name="Rectangle 32">
+            <p:cNvPr id="18" name="Rectangle 17">
               <a:extLst>
                 <a:ext uri="{FF2B5EF4-FFF2-40B4-BE49-F238E27FC236}">
-                  <a16:creationId xmlns:a16="http://schemas.microsoft.com/office/drawing/2014/main" id="{198088A9-C32B-4911-86E0-AF2F589BAC86}"/>
+                  <a16:creationId xmlns:a16="http://schemas.microsoft.com/office/drawing/2014/main" id="{0E315D55-EF4F-475C-9BBC-93A348274470}"/>
                 </a:ext>
               </a:extLst>
             </p:cNvPr>
@@ -3647,8 +3647,8 @@
           </p:nvSpPr>
           <p:spPr>
             <a:xfrm>
-              <a:off x="388620" y="3666678"/>
-              <a:ext cx="6042660" cy="2436942"/>
+              <a:off x="1959776" y="1990310"/>
+              <a:ext cx="2155024" cy="2363250"/>
             </a:xfrm>
             <a:prstGeom prst="rect">
               <a:avLst/>
@@ -3689,10 +3689,10 @@
         </p:sp>
         <p:sp>
           <p:nvSpPr>
-            <p:cNvPr id="21" name="Rectangle 20">
+            <p:cNvPr id="19" name="Rectangle 18">
               <a:extLst>
                 <a:ext uri="{FF2B5EF4-FFF2-40B4-BE49-F238E27FC236}">
-                  <a16:creationId xmlns:a16="http://schemas.microsoft.com/office/drawing/2014/main" id="{8F8CE24F-FBDE-4AD2-94EA-8895ACBBAAEC}"/>
+                  <a16:creationId xmlns:a16="http://schemas.microsoft.com/office/drawing/2014/main" id="{9EB61F42-7373-4084-8FEA-FFDCF205E5E3}"/>
                 </a:ext>
               </a:extLst>
             </p:cNvPr>
@@ -3701,8 +3701,181 @@
           </p:nvSpPr>
           <p:spPr>
             <a:xfrm>
-              <a:off x="1405762" y="4103974"/>
-              <a:ext cx="4815406" cy="1877726"/>
+              <a:off x="2405349" y="3641219"/>
+              <a:ext cx="1219200" cy="118175"/>
+            </a:xfrm>
+            <a:prstGeom prst="rect">
+              <a:avLst/>
+            </a:prstGeom>
+            <a:solidFill>
+              <a:schemeClr val="accent4"/>
+            </a:solidFill>
+            <a:ln>
+              <a:solidFill>
+                <a:schemeClr val="tx1"/>
+              </a:solidFill>
+            </a:ln>
+          </p:spPr>
+          <p:style>
+            <a:lnRef idx="2">
+              <a:schemeClr val="accent1">
+                <a:shade val="50000"/>
+              </a:schemeClr>
+            </a:lnRef>
+            <a:fillRef idx="1">
+              <a:schemeClr val="accent1"/>
+            </a:fillRef>
+            <a:effectRef idx="0">
+              <a:schemeClr val="accent1"/>
+            </a:effectRef>
+            <a:fontRef idx="minor">
+              <a:schemeClr val="lt1"/>
+            </a:fontRef>
+          </p:style>
+          <p:txBody>
+            <a:bodyPr rtlCol="0" anchor="ctr"/>
+            <a:lstStyle/>
+            <a:p>
+              <a:pPr algn="ctr"/>
+              <a:r>
+                <a:rPr lang="en-US" sz="800" i="1" dirty="0" err="1">
+                  <a:solidFill>
+                    <a:schemeClr val="tx1"/>
+                  </a:solidFill>
+                </a:rPr>
+                <a:t>data_survey.R</a:t>
+              </a:r>
+              <a:endParaRPr lang="en-US" sz="800" i="1" dirty="0">
+                <a:solidFill>
+                  <a:schemeClr val="tx1"/>
+                </a:solidFill>
+              </a:endParaRPr>
+            </a:p>
+          </p:txBody>
+        </p:sp>
+        <p:sp>
+          <p:nvSpPr>
+            <p:cNvPr id="20" name="Rectangle 19">
+              <a:extLst>
+                <a:ext uri="{FF2B5EF4-FFF2-40B4-BE49-F238E27FC236}">
+                  <a16:creationId xmlns:a16="http://schemas.microsoft.com/office/drawing/2014/main" id="{BB4F0306-AFA9-4C26-8359-EE13371B8B73}"/>
+                </a:ext>
+              </a:extLst>
+            </p:cNvPr>
+            <p:cNvSpPr/>
+            <p:nvPr/>
+          </p:nvSpPr>
+          <p:spPr>
+            <a:xfrm>
+              <a:off x="2331720" y="4081235"/>
+              <a:ext cx="1370095" cy="118175"/>
+            </a:xfrm>
+            <a:prstGeom prst="rect">
+              <a:avLst/>
+            </a:prstGeom>
+            <a:solidFill>
+              <a:schemeClr val="accent6"/>
+            </a:solidFill>
+            <a:ln>
+              <a:solidFill>
+                <a:schemeClr val="tx1"/>
+              </a:solidFill>
+            </a:ln>
+          </p:spPr>
+          <p:style>
+            <a:lnRef idx="2">
+              <a:schemeClr val="accent1">
+                <a:shade val="50000"/>
+              </a:schemeClr>
+            </a:lnRef>
+            <a:fillRef idx="1">
+              <a:schemeClr val="accent1"/>
+            </a:fillRef>
+            <a:effectRef idx="0">
+              <a:schemeClr val="accent1"/>
+            </a:effectRef>
+            <a:fontRef idx="minor">
+              <a:schemeClr val="lt1"/>
+            </a:fontRef>
+          </p:style>
+          <p:txBody>
+            <a:bodyPr rtlCol="0" anchor="ctr"/>
+            <a:lstStyle/>
+            <a:p>
+              <a:pPr algn="ctr"/>
+              <a:r>
+                <a:rPr lang="en-US" sz="800" i="1" dirty="0">
+                  <a:solidFill>
+                    <a:schemeClr val="tx1"/>
+                  </a:solidFill>
+                </a:rPr>
+                <a:t>~/data/GOA_multspp.csv</a:t>
+              </a:r>
+            </a:p>
+          </p:txBody>
+        </p:sp>
+        <p:cxnSp>
+          <p:nvCxnSpPr>
+            <p:cNvPr id="22" name="Straight Arrow Connector 21">
+              <a:extLst>
+                <a:ext uri="{FF2B5EF4-FFF2-40B4-BE49-F238E27FC236}">
+                  <a16:creationId xmlns:a16="http://schemas.microsoft.com/office/drawing/2014/main" id="{EB3FE93D-017B-4D2B-B1DB-73050A90D510}"/>
+                </a:ext>
+              </a:extLst>
+            </p:cNvPr>
+            <p:cNvCxnSpPr>
+              <a:cxnSpLocks/>
+              <a:stCxn id="19" idx="2"/>
+              <a:endCxn id="20" idx="0"/>
+            </p:cNvCxnSpPr>
+            <p:nvPr/>
+          </p:nvCxnSpPr>
+          <p:spPr>
+            <a:xfrm>
+              <a:off x="3014949" y="3759394"/>
+              <a:ext cx="1819" cy="321841"/>
+            </a:xfrm>
+            <a:prstGeom prst="straightConnector1">
+              <a:avLst/>
+            </a:prstGeom>
+            <a:ln w="38100">
+              <a:solidFill>
+                <a:schemeClr val="tx1"/>
+              </a:solidFill>
+              <a:tailEnd type="triangle"/>
+            </a:ln>
+          </p:spPr>
+          <p:style>
+            <a:lnRef idx="1">
+              <a:schemeClr val="accent1"/>
+            </a:lnRef>
+            <a:fillRef idx="0">
+              <a:schemeClr val="accent1"/>
+            </a:fillRef>
+            <a:effectRef idx="0">
+              <a:schemeClr val="accent1"/>
+            </a:effectRef>
+            <a:fontRef idx="minor">
+              <a:schemeClr val="tx1"/>
+            </a:fontRef>
+          </p:style>
+        </p:cxnSp>
+        <p:sp>
+          <p:nvSpPr>
+            <p:cNvPr id="23" name="Rectangle 22">
+              <a:extLst>
+                <a:ext uri="{FF2B5EF4-FFF2-40B4-BE49-F238E27FC236}">
+                  <a16:creationId xmlns:a16="http://schemas.microsoft.com/office/drawing/2014/main" id="{83FF5C01-FA7B-4C05-9743-9F6050B4EC0E}"/>
+                </a:ext>
+              </a:extLst>
+            </p:cNvPr>
+            <p:cNvSpPr/>
+            <p:nvPr/>
+          </p:nvSpPr>
+          <p:spPr>
+            <a:xfrm>
+              <a:off x="2076231" y="2273328"/>
+              <a:ext cx="1846613" cy="1020253"/>
             </a:xfrm>
             <a:prstGeom prst="rect">
               <a:avLst/>
@@ -3743,242 +3916,10 @@
         </p:sp>
         <p:sp>
           <p:nvSpPr>
-            <p:cNvPr id="5" name="Rectangle 4">
+            <p:cNvPr id="24" name="TextBox 23">
               <a:extLst>
                 <a:ext uri="{FF2B5EF4-FFF2-40B4-BE49-F238E27FC236}">
-                  <a16:creationId xmlns:a16="http://schemas.microsoft.com/office/drawing/2014/main" id="{CE8E31BA-D43E-734C-8887-19317F20352A}"/>
-                </a:ext>
-              </a:extLst>
-            </p:cNvPr>
-            <p:cNvSpPr/>
-            <p:nvPr/>
-          </p:nvSpPr>
-          <p:spPr>
-            <a:xfrm>
-              <a:off x="4037763" y="4751035"/>
-              <a:ext cx="1828800" cy="177262"/>
-            </a:xfrm>
-            <a:prstGeom prst="rect">
-              <a:avLst/>
-            </a:prstGeom>
-            <a:solidFill>
-              <a:schemeClr val="accent4"/>
-            </a:solidFill>
-            <a:ln>
-              <a:solidFill>
-                <a:schemeClr val="tx1"/>
-              </a:solidFill>
-            </a:ln>
-          </p:spPr>
-          <p:style>
-            <a:lnRef idx="2">
-              <a:schemeClr val="accent1">
-                <a:shade val="50000"/>
-              </a:schemeClr>
-            </a:lnRef>
-            <a:fillRef idx="1">
-              <a:schemeClr val="accent1"/>
-            </a:fillRef>
-            <a:effectRef idx="0">
-              <a:schemeClr val="accent1"/>
-            </a:effectRef>
-            <a:fontRef idx="minor">
-              <a:schemeClr val="lt1"/>
-            </a:fontRef>
-          </p:style>
-          <p:txBody>
-            <a:bodyPr rtlCol="0" anchor="ctr"/>
-            <a:lstStyle/>
-            <a:p>
-              <a:pPr algn="ctr"/>
-              <a:r>
-                <a:rPr lang="en-US" sz="733" i="1" dirty="0" err="1">
-                  <a:solidFill>
-                    <a:schemeClr val="tx1"/>
-                  </a:solidFill>
-                </a:rPr>
-                <a:t>data_survey.R</a:t>
-              </a:r>
-              <a:endParaRPr lang="en-US" sz="733" i="1" dirty="0">
-                <a:solidFill>
-                  <a:schemeClr val="tx1"/>
-                </a:solidFill>
-              </a:endParaRPr>
-            </a:p>
-          </p:txBody>
-        </p:sp>
-        <p:sp>
-          <p:nvSpPr>
-            <p:cNvPr id="9" name="Rectangle 8">
-              <a:extLst>
-                <a:ext uri="{FF2B5EF4-FFF2-40B4-BE49-F238E27FC236}">
-                  <a16:creationId xmlns:a16="http://schemas.microsoft.com/office/drawing/2014/main" id="{1B2A98F1-9358-4448-960D-30EF85C129BB}"/>
-                </a:ext>
-              </a:extLst>
-            </p:cNvPr>
-            <p:cNvSpPr/>
-            <p:nvPr/>
-          </p:nvSpPr>
-          <p:spPr>
-            <a:xfrm>
-              <a:off x="4039239" y="5317373"/>
-              <a:ext cx="1828800" cy="177262"/>
-            </a:xfrm>
-            <a:prstGeom prst="rect">
-              <a:avLst/>
-            </a:prstGeom>
-            <a:solidFill>
-              <a:schemeClr val="accent6"/>
-            </a:solidFill>
-            <a:ln>
-              <a:solidFill>
-                <a:schemeClr val="tx1"/>
-              </a:solidFill>
-            </a:ln>
-          </p:spPr>
-          <p:style>
-            <a:lnRef idx="2">
-              <a:schemeClr val="accent1">
-                <a:shade val="50000"/>
-              </a:schemeClr>
-            </a:lnRef>
-            <a:fillRef idx="1">
-              <a:schemeClr val="accent1"/>
-            </a:fillRef>
-            <a:effectRef idx="0">
-              <a:schemeClr val="accent1"/>
-            </a:effectRef>
-            <a:fontRef idx="minor">
-              <a:schemeClr val="lt1"/>
-            </a:fontRef>
-          </p:style>
-          <p:txBody>
-            <a:bodyPr rtlCol="0" anchor="ctr"/>
-            <a:lstStyle/>
-            <a:p>
-              <a:pPr algn="ctr"/>
-              <a:r>
-                <a:rPr lang="en-US" sz="733" i="1" dirty="0" err="1">
-                  <a:solidFill>
-                    <a:schemeClr val="tx1"/>
-                  </a:solidFill>
-                </a:rPr>
-                <a:t>GOA_multspp.csv</a:t>
-              </a:r>
-              <a:endParaRPr lang="en-US" sz="733" i="1" dirty="0">
-                <a:solidFill>
-                  <a:schemeClr val="tx1"/>
-                </a:solidFill>
-              </a:endParaRPr>
-            </a:p>
-          </p:txBody>
-        </p:sp>
-        <p:cxnSp>
-          <p:nvCxnSpPr>
-            <p:cNvPr id="64" name="Straight Arrow Connector 63">
-              <a:extLst>
-                <a:ext uri="{FF2B5EF4-FFF2-40B4-BE49-F238E27FC236}">
-                  <a16:creationId xmlns:a16="http://schemas.microsoft.com/office/drawing/2014/main" id="{4FAD419A-5042-DC49-80AC-80BD2B9AD31C}"/>
-                </a:ext>
-              </a:extLst>
-            </p:cNvPr>
-            <p:cNvCxnSpPr>
-              <a:cxnSpLocks/>
-              <a:stCxn id="5" idx="2"/>
-              <a:endCxn id="9" idx="0"/>
-            </p:cNvCxnSpPr>
-            <p:nvPr/>
-          </p:nvCxnSpPr>
-          <p:spPr>
-            <a:xfrm>
-              <a:off x="4952163" y="4928297"/>
-              <a:ext cx="1476" cy="389076"/>
-            </a:xfrm>
-            <a:prstGeom prst="straightConnector1">
-              <a:avLst/>
-            </a:prstGeom>
-            <a:ln w="38100">
-              <a:solidFill>
-                <a:schemeClr val="tx1"/>
-              </a:solidFill>
-              <a:tailEnd type="triangle"/>
-            </a:ln>
-          </p:spPr>
-          <p:style>
-            <a:lnRef idx="1">
-              <a:schemeClr val="accent1"/>
-            </a:lnRef>
-            <a:fillRef idx="0">
-              <a:schemeClr val="accent1"/>
-            </a:fillRef>
-            <a:effectRef idx="0">
-              <a:schemeClr val="accent1"/>
-            </a:effectRef>
-            <a:fontRef idx="minor">
-              <a:schemeClr val="tx1"/>
-            </a:fontRef>
-          </p:style>
-        </p:cxnSp>
-        <p:sp>
-          <p:nvSpPr>
-            <p:cNvPr id="2" name="Rectangle 1">
-              <a:extLst>
-                <a:ext uri="{FF2B5EF4-FFF2-40B4-BE49-F238E27FC236}">
-                  <a16:creationId xmlns:a16="http://schemas.microsoft.com/office/drawing/2014/main" id="{7C42FA3F-F7E8-426D-A9C8-EEF6099B99A6}"/>
-                </a:ext>
-              </a:extLst>
-            </p:cNvPr>
-            <p:cNvSpPr/>
-            <p:nvPr/>
-          </p:nvSpPr>
-          <p:spPr>
-            <a:xfrm>
-              <a:off x="563299" y="4337635"/>
-              <a:ext cx="2769920" cy="1530380"/>
-            </a:xfrm>
-            <a:prstGeom prst="rect">
-              <a:avLst/>
-            </a:prstGeom>
-            <a:solidFill>
-              <a:schemeClr val="accent2"/>
-            </a:solidFill>
-            <a:ln>
-              <a:solidFill>
-                <a:schemeClr val="tx1"/>
-              </a:solidFill>
-            </a:ln>
-          </p:spPr>
-          <p:style>
-            <a:lnRef idx="2">
-              <a:schemeClr val="accent1">
-                <a:shade val="50000"/>
-              </a:schemeClr>
-            </a:lnRef>
-            <a:fillRef idx="1">
-              <a:schemeClr val="accent1"/>
-            </a:fillRef>
-            <a:effectRef idx="0">
-              <a:schemeClr val="accent1"/>
-            </a:effectRef>
-            <a:fontRef idx="minor">
-              <a:schemeClr val="lt1"/>
-            </a:fontRef>
-          </p:style>
-          <p:txBody>
-            <a:bodyPr rtlCol="0" anchor="ctr"/>
-            <a:lstStyle/>
-            <a:p>
-              <a:pPr algn="ctr"/>
-              <a:endParaRPr lang="en-US" sz="1200"/>
-            </a:p>
-          </p:txBody>
-        </p:sp>
-        <p:sp>
-          <p:nvSpPr>
-            <p:cNvPr id="41" name="TextBox 40">
-              <a:extLst>
-                <a:ext uri="{FF2B5EF4-FFF2-40B4-BE49-F238E27FC236}">
-                  <a16:creationId xmlns:a16="http://schemas.microsoft.com/office/drawing/2014/main" id="{4CEAED42-86E6-4C03-A941-6B8E72AE9D5C}"/>
+                  <a16:creationId xmlns:a16="http://schemas.microsoft.com/office/drawing/2014/main" id="{633CABD5-5B68-43FE-BCB5-B026ACDEF675}"/>
                 </a:ext>
               </a:extLst>
             </p:cNvPr>
@@ -3987,8 +3928,8 @@
           </p:nvSpPr>
           <p:spPr>
             <a:xfrm>
-              <a:off x="232313" y="4456836"/>
-              <a:ext cx="3431892" cy="415499"/>
+              <a:off x="1974507" y="2291834"/>
+              <a:ext cx="2053933" cy="276999"/>
             </a:xfrm>
             <a:prstGeom prst="rect">
               <a:avLst/>
@@ -4011,10 +3952,10 @@
         </p:sp>
         <p:grpSp>
           <p:nvGrpSpPr>
-            <p:cNvPr id="4" name="Group 3">
+            <p:cNvPr id="25" name="Group 24">
               <a:extLst>
                 <a:ext uri="{FF2B5EF4-FFF2-40B4-BE49-F238E27FC236}">
-                  <a16:creationId xmlns:a16="http://schemas.microsoft.com/office/drawing/2014/main" id="{54EF757D-81FC-164D-A875-E88FD72A1DB7}"/>
+                  <a16:creationId xmlns:a16="http://schemas.microsoft.com/office/drawing/2014/main" id="{3E76BE9B-46B9-44F1-B160-822E55782D3A}"/>
                 </a:ext>
               </a:extLst>
             </p:cNvPr>
@@ -4023,18 +3964,18 @@
           </p:nvGrpSpPr>
           <p:grpSpPr>
             <a:xfrm>
-              <a:off x="1035546" y="4939490"/>
-              <a:ext cx="1830651" cy="543739"/>
+              <a:off x="2296161" y="2674564"/>
+              <a:ext cx="1427418" cy="362493"/>
               <a:chOff x="861749" y="596403"/>
               <a:chExt cx="1830651" cy="543739"/>
             </a:xfrm>
           </p:grpSpPr>
           <p:sp>
             <p:nvSpPr>
-              <p:cNvPr id="6" name="Rectangle 5">
+              <p:cNvPr id="26" name="Rectangle 25">
                 <a:extLst>
                   <a:ext uri="{FF2B5EF4-FFF2-40B4-BE49-F238E27FC236}">
-                    <a16:creationId xmlns:a16="http://schemas.microsoft.com/office/drawing/2014/main" id="{2AF76E29-9551-2241-854F-BA9AAF22EEA8}"/>
+                    <a16:creationId xmlns:a16="http://schemas.microsoft.com/office/drawing/2014/main" id="{0B888A30-B3F8-40D0-AEB8-CB9796DFCDD5}"/>
                   </a:ext>
                 </a:extLst>
               </p:cNvPr>
@@ -4080,14 +4021,14 @@
               <a:p>
                 <a:pPr algn="ctr"/>
                 <a:r>
-                  <a:rPr lang="en-US" sz="733" i="1" dirty="0" err="1">
+                  <a:rPr lang="en-US" sz="800" i="1" dirty="0" err="1">
                     <a:solidFill>
                       <a:schemeClr val="tx1"/>
                     </a:solidFill>
                   </a:rPr>
                   <a:t>cpue_GOA_selected_spp.csv</a:t>
                 </a:r>
-                <a:endParaRPr lang="en-US" sz="733" i="1" dirty="0">
+                <a:endParaRPr lang="en-US" sz="800" i="1" dirty="0">
                   <a:solidFill>
                     <a:schemeClr val="tx1"/>
                   </a:solidFill>
@@ -4097,10 +4038,10 @@
           </p:sp>
           <p:sp>
             <p:nvSpPr>
-              <p:cNvPr id="7" name="Rectangle 6">
+              <p:cNvPr id="27" name="Rectangle 26">
                 <a:extLst>
                   <a:ext uri="{FF2B5EF4-FFF2-40B4-BE49-F238E27FC236}">
-                    <a16:creationId xmlns:a16="http://schemas.microsoft.com/office/drawing/2014/main" id="{344161B4-62FB-F04C-8B1E-68CC4D6B0FAF}"/>
+                    <a16:creationId xmlns:a16="http://schemas.microsoft.com/office/drawing/2014/main" id="{A7380F73-7EEF-473B-9047-A15EA3804726}"/>
                   </a:ext>
                 </a:extLst>
               </p:cNvPr>
@@ -4146,14 +4087,14 @@
               <a:p>
                 <a:pPr algn="ctr"/>
                 <a:r>
-                  <a:rPr lang="en-US" sz="733" i="1" dirty="0" err="1">
+                  <a:rPr lang="en-US" sz="800" i="1" dirty="0" err="1">
                     <a:solidFill>
                       <a:schemeClr val="tx1"/>
                     </a:solidFill>
                   </a:rPr>
                   <a:t>haul.csv</a:t>
                 </a:r>
-                <a:endParaRPr lang="en-US" sz="733" i="1" dirty="0">
+                <a:endParaRPr lang="en-US" sz="800" i="1" dirty="0">
                   <a:solidFill>
                     <a:schemeClr val="tx1"/>
                   </a:solidFill>
@@ -4163,10 +4104,10 @@
           </p:sp>
           <p:sp>
             <p:nvSpPr>
-              <p:cNvPr id="8" name="Rectangle 7">
+              <p:cNvPr id="28" name="Rectangle 27">
                 <a:extLst>
                   <a:ext uri="{FF2B5EF4-FFF2-40B4-BE49-F238E27FC236}">
-                    <a16:creationId xmlns:a16="http://schemas.microsoft.com/office/drawing/2014/main" id="{90373074-47C2-1B41-B14C-4D6C770ED2F5}"/>
+                    <a16:creationId xmlns:a16="http://schemas.microsoft.com/office/drawing/2014/main" id="{1E49E7CE-F306-411D-9302-CA69813A5989}"/>
                   </a:ext>
                 </a:extLst>
               </p:cNvPr>
@@ -4212,14 +4153,14 @@
               <a:p>
                 <a:pPr algn="ctr"/>
                 <a:r>
-                  <a:rPr lang="en-US" sz="733" i="1" dirty="0" err="1">
+                  <a:rPr lang="en-US" sz="800" i="1" dirty="0" err="1">
                     <a:solidFill>
                       <a:schemeClr val="tx1"/>
                     </a:solidFill>
                   </a:rPr>
                   <a:t>species.csv</a:t>
                 </a:r>
-                <a:endParaRPr lang="en-US" sz="733" i="1" dirty="0">
+                <a:endParaRPr lang="en-US" sz="800" i="1" dirty="0">
                   <a:solidFill>
                     <a:schemeClr val="tx1"/>
                   </a:solidFill>
@@ -4228,61 +4169,26 @@
             </p:txBody>
           </p:sp>
         </p:grpSp>
-        <p:sp>
-          <p:nvSpPr>
-            <p:cNvPr id="48" name="TextBox 47">
+        <p:cxnSp>
+          <p:nvCxnSpPr>
+            <p:cNvPr id="29" name="Straight Arrow Connector 28">
               <a:extLst>
                 <a:ext uri="{FF2B5EF4-FFF2-40B4-BE49-F238E27FC236}">
-                  <a16:creationId xmlns:a16="http://schemas.microsoft.com/office/drawing/2014/main" id="{26F179CE-6CEA-4866-950F-FD4520512A26}"/>
-                </a:ext>
-              </a:extLst>
-            </p:cNvPr>
-            <p:cNvSpPr txBox="1"/>
-            <p:nvPr/>
-          </p:nvSpPr>
-          <p:spPr>
-            <a:xfrm>
-              <a:off x="3214563" y="4124078"/>
-              <a:ext cx="3429000" cy="415499"/>
-            </a:xfrm>
-            <a:prstGeom prst="rect">
-              <a:avLst/>
-            </a:prstGeom>
-            <a:noFill/>
-          </p:spPr>
-          <p:txBody>
-            <a:bodyPr wrap="square">
-              <a:spAutoFit/>
-            </a:bodyPr>
-            <a:lstStyle/>
-            <a:p>
-              <a:pPr algn="ctr"/>
-              <a:r>
-                <a:rPr lang="en-US" sz="1200" i="1" dirty="0"/>
-                <a:t>~/data/</a:t>
-              </a:r>
-            </a:p>
-          </p:txBody>
-        </p:sp>
-        <p:cxnSp>
-          <p:nvCxnSpPr>
-            <p:cNvPr id="51" name="Straight Arrow Connector 50">
-              <a:extLst>
-                <a:ext uri="{FF2B5EF4-FFF2-40B4-BE49-F238E27FC236}">
-                  <a16:creationId xmlns:a16="http://schemas.microsoft.com/office/drawing/2014/main" id="{00C0FB77-DA73-4099-857E-FCF30E171F6D}"/>
+                  <a16:creationId xmlns:a16="http://schemas.microsoft.com/office/drawing/2014/main" id="{0D85D3AC-4DF6-4B95-93AC-1D68EC91C2E1}"/>
                 </a:ext>
               </a:extLst>
             </p:cNvPr>
             <p:cNvCxnSpPr>
               <a:cxnSpLocks/>
-              <a:endCxn id="5" idx="1"/>
+              <a:stCxn id="31" idx="2"/>
+              <a:endCxn id="19" idx="0"/>
             </p:cNvCxnSpPr>
             <p:nvPr/>
           </p:nvCxnSpPr>
           <p:spPr>
-            <a:xfrm flipV="1">
-              <a:off x="2889212" y="4839666"/>
-              <a:ext cx="1148551" cy="408109"/>
+            <a:xfrm>
+              <a:off x="3009869" y="3178969"/>
+              <a:ext cx="5080" cy="462250"/>
             </a:xfrm>
             <a:prstGeom prst="straightConnector1">
               <a:avLst/>
@@ -4311,10 +4217,10 @@
         </p:cxnSp>
         <p:sp>
           <p:nvSpPr>
-            <p:cNvPr id="56" name="TextBox 55">
+            <p:cNvPr id="30" name="TextBox 29">
               <a:extLst>
                 <a:ext uri="{FF2B5EF4-FFF2-40B4-BE49-F238E27FC236}">
-                  <a16:creationId xmlns:a16="http://schemas.microsoft.com/office/drawing/2014/main" id="{FFB0236C-4656-4E63-B8E6-DBF1AE6E188A}"/>
+                  <a16:creationId xmlns:a16="http://schemas.microsoft.com/office/drawing/2014/main" id="{E5F24E61-FEBC-498F-BD32-A42E0CB27B13}"/>
                 </a:ext>
               </a:extLst>
             </p:cNvPr>
@@ -4323,8 +4229,8 @@
           </p:nvSpPr>
           <p:spPr>
             <a:xfrm>
-              <a:off x="1595859" y="3683586"/>
-              <a:ext cx="3429000" cy="415499"/>
+              <a:off x="1974507" y="1990310"/>
+              <a:ext cx="2140293" cy="276999"/>
             </a:xfrm>
             <a:prstGeom prst="rect">
               <a:avLst/>
@@ -4347,10 +4253,10 @@
         </p:sp>
         <p:sp>
           <p:nvSpPr>
-            <p:cNvPr id="11" name="Rectangle 10">
+            <p:cNvPr id="31" name="Rectangle 30">
               <a:extLst>
                 <a:ext uri="{FF2B5EF4-FFF2-40B4-BE49-F238E27FC236}">
-                  <a16:creationId xmlns:a16="http://schemas.microsoft.com/office/drawing/2014/main" id="{9DD24E4C-A9A2-43F0-B3F6-81C8D3E07986}"/>
+                  <a16:creationId xmlns:a16="http://schemas.microsoft.com/office/drawing/2014/main" id="{11DB7BC1-B033-49EA-887C-62DF08A4A780}"/>
                 </a:ext>
               </a:extLst>
             </p:cNvPr>
@@ -4359,8 +4265,8 @@
           </p:nvSpPr>
           <p:spPr>
             <a:xfrm>
-              <a:off x="1033859" y="5491821"/>
-              <a:ext cx="1828800" cy="218123"/>
+              <a:off x="2296160" y="3042787"/>
+              <a:ext cx="1427417" cy="136182"/>
             </a:xfrm>
             <a:prstGeom prst="rect">
               <a:avLst/>
@@ -4396,7 +4302,7 @@
             <a:p>
               <a:pPr algn="ctr"/>
               <a:r>
-                <a:rPr lang="en-US" sz="733" i="1" dirty="0">
+                <a:rPr lang="en-US" sz="800" i="1" dirty="0">
                   <a:solidFill>
                     <a:schemeClr val="tx1"/>
                   </a:solidFill>
@@ -4404,14 +4310,14 @@
                 <a:t>aigoa_bathp1c/</a:t>
               </a:r>
               <a:r>
-                <a:rPr lang="en-US" sz="733" i="1" dirty="0" err="1">
+                <a:rPr lang="en-US" sz="800" i="1" dirty="0" err="1">
                   <a:solidFill>
                     <a:schemeClr val="tx1"/>
                   </a:solidFill>
                 </a:rPr>
                 <a:t>dblbnd.adf</a:t>
               </a:r>
-              <a:endParaRPr lang="en-US" sz="733" i="1" dirty="0">
+              <a:endParaRPr lang="en-US" sz="800" i="1" dirty="0">
                 <a:solidFill>
                   <a:schemeClr val="tx1"/>
                 </a:solidFill>
@@ -5490,10 +5396,10 @@
       </p:grpSpPr>
       <p:grpSp>
         <p:nvGrpSpPr>
-          <p:cNvPr id="65" name="Group 64">
+          <p:cNvPr id="4" name="Group 3">
             <a:extLst>
               <a:ext uri="{FF2B5EF4-FFF2-40B4-BE49-F238E27FC236}">
-                <a16:creationId xmlns:a16="http://schemas.microsoft.com/office/drawing/2014/main" id="{44ECAABA-9A51-4CB6-8D9B-20D6FDEB2FFB}"/>
+                <a16:creationId xmlns:a16="http://schemas.microsoft.com/office/drawing/2014/main" id="{5053CC17-C3C2-4111-B69B-3E88155FD529}"/>
               </a:ext>
             </a:extLst>
           </p:cNvPr>
@@ -5502,18 +5408,2565 @@
         </p:nvGrpSpPr>
         <p:grpSpPr>
           <a:xfrm>
-            <a:off x="1845411" y="1826021"/>
-            <a:ext cx="6125848" cy="9036002"/>
-            <a:chOff x="1845411" y="1826021"/>
-            <a:chExt cx="6125848" cy="9036002"/>
+            <a:off x="1964519" y="5256566"/>
+            <a:ext cx="6006740" cy="5605457"/>
+            <a:chOff x="543560" y="341045"/>
+            <a:chExt cx="6405782" cy="8408185"/>
           </a:xfrm>
         </p:grpSpPr>
+        <p:sp>
+          <p:nvSpPr>
+            <p:cNvPr id="33" name="Rectangle 32">
+              <a:extLst>
+                <a:ext uri="{FF2B5EF4-FFF2-40B4-BE49-F238E27FC236}">
+                  <a16:creationId xmlns:a16="http://schemas.microsoft.com/office/drawing/2014/main" id="{198088A9-C32B-4911-86E0-AF2F589BAC86}"/>
+                </a:ext>
+              </a:extLst>
+            </p:cNvPr>
+            <p:cNvSpPr/>
+            <p:nvPr/>
+          </p:nvSpPr>
+          <p:spPr>
+            <a:xfrm>
+              <a:off x="543560" y="341045"/>
+              <a:ext cx="5770880" cy="4334256"/>
+            </a:xfrm>
+            <a:prstGeom prst="rect">
+              <a:avLst/>
+            </a:prstGeom>
+            <a:solidFill>
+              <a:srgbClr val="00B0F0"/>
+            </a:solidFill>
+            <a:ln>
+              <a:solidFill>
+                <a:schemeClr val="tx1"/>
+              </a:solidFill>
+            </a:ln>
+          </p:spPr>
+          <p:style>
+            <a:lnRef idx="2">
+              <a:schemeClr val="accent1">
+                <a:shade val="50000"/>
+              </a:schemeClr>
+            </a:lnRef>
+            <a:fillRef idx="1">
+              <a:schemeClr val="accent1"/>
+            </a:fillRef>
+            <a:effectRef idx="0">
+              <a:schemeClr val="accent1"/>
+            </a:effectRef>
+            <a:fontRef idx="minor">
+              <a:schemeClr val="lt1"/>
+            </a:fontRef>
+          </p:style>
+          <p:txBody>
+            <a:bodyPr rtlCol="0" anchor="ctr"/>
+            <a:lstStyle/>
+            <a:p>
+              <a:pPr algn="ctr"/>
+              <a:endParaRPr lang="en-US" sz="933" i="1" dirty="0"/>
+            </a:p>
+          </p:txBody>
+        </p:sp>
+        <p:sp>
+          <p:nvSpPr>
+            <p:cNvPr id="56" name="TextBox 55">
+              <a:extLst>
+                <a:ext uri="{FF2B5EF4-FFF2-40B4-BE49-F238E27FC236}">
+                  <a16:creationId xmlns:a16="http://schemas.microsoft.com/office/drawing/2014/main" id="{FFB0236C-4656-4E63-B8E6-DBF1AE6E188A}"/>
+                </a:ext>
+              </a:extLst>
+            </p:cNvPr>
+            <p:cNvSpPr txBox="1"/>
+            <p:nvPr/>
+          </p:nvSpPr>
+          <p:spPr>
+            <a:xfrm>
+              <a:off x="4066712" y="517280"/>
+              <a:ext cx="2180164" cy="692497"/>
+            </a:xfrm>
+            <a:prstGeom prst="rect">
+              <a:avLst/>
+            </a:prstGeom>
+            <a:noFill/>
+          </p:spPr>
+          <p:txBody>
+            <a:bodyPr wrap="square">
+              <a:spAutoFit/>
+            </a:bodyPr>
+            <a:lstStyle/>
+            <a:p>
+              <a:pPr algn="ctr"/>
+              <a:r>
+                <a:rPr lang="en-US" sz="1200" i="1" dirty="0"/>
+                <a:t>Fit Model and conduct 10-fold cross-validation</a:t>
+              </a:r>
+            </a:p>
+          </p:txBody>
+        </p:sp>
+        <p:sp>
+          <p:nvSpPr>
+            <p:cNvPr id="2" name="Rectangle 1">
+              <a:extLst>
+                <a:ext uri="{FF2B5EF4-FFF2-40B4-BE49-F238E27FC236}">
+                  <a16:creationId xmlns:a16="http://schemas.microsoft.com/office/drawing/2014/main" id="{0EEB33DE-3E8F-4AC4-AED7-AD4BCBF03E35}"/>
+                </a:ext>
+              </a:extLst>
+            </p:cNvPr>
+            <p:cNvSpPr/>
+            <p:nvPr/>
+          </p:nvSpPr>
+          <p:spPr>
+            <a:xfrm>
+              <a:off x="1117583" y="3224998"/>
+              <a:ext cx="5088145" cy="1255445"/>
+            </a:xfrm>
+            <a:prstGeom prst="rect">
+              <a:avLst/>
+            </a:prstGeom>
+            <a:solidFill>
+              <a:schemeClr val="accent2"/>
+            </a:solidFill>
+            <a:ln>
+              <a:solidFill>
+                <a:schemeClr val="tx1"/>
+              </a:solidFill>
+            </a:ln>
+          </p:spPr>
+          <p:style>
+            <a:lnRef idx="2">
+              <a:schemeClr val="accent1">
+                <a:shade val="50000"/>
+              </a:schemeClr>
+            </a:lnRef>
+            <a:fillRef idx="1">
+              <a:schemeClr val="accent1"/>
+            </a:fillRef>
+            <a:effectRef idx="0">
+              <a:schemeClr val="accent1"/>
+            </a:effectRef>
+            <a:fontRef idx="minor">
+              <a:schemeClr val="lt1"/>
+            </a:fontRef>
+          </p:style>
+          <p:txBody>
+            <a:bodyPr rtlCol="0" anchor="ctr"/>
+            <a:lstStyle/>
+            <a:p>
+              <a:pPr algn="ctr"/>
+              <a:endParaRPr lang="en-US" sz="1200"/>
+            </a:p>
+          </p:txBody>
+        </p:sp>
+        <p:sp>
+          <p:nvSpPr>
+            <p:cNvPr id="3" name="TextBox 2">
+              <a:extLst>
+                <a:ext uri="{FF2B5EF4-FFF2-40B4-BE49-F238E27FC236}">
+                  <a16:creationId xmlns:a16="http://schemas.microsoft.com/office/drawing/2014/main" id="{2047FDDB-D9FF-4A31-8DCC-DF26E80395AF}"/>
+                </a:ext>
+              </a:extLst>
+            </p:cNvPr>
+            <p:cNvSpPr txBox="1"/>
+            <p:nvPr/>
+          </p:nvSpPr>
+          <p:spPr>
+            <a:xfrm>
+              <a:off x="2301238" y="4111110"/>
+              <a:ext cx="3922779" cy="415498"/>
+            </a:xfrm>
+            <a:prstGeom prst="rect">
+              <a:avLst/>
+            </a:prstGeom>
+            <a:noFill/>
+          </p:spPr>
+          <p:txBody>
+            <a:bodyPr wrap="square">
+              <a:spAutoFit/>
+            </a:bodyPr>
+            <a:lstStyle/>
+            <a:p>
+              <a:pPr algn="ctr"/>
+              <a:r>
+                <a:rPr lang="en-US" sz="1200" i="1" dirty="0"/>
+                <a:t>G:/Oyafuso/VAST_EFH/Single_Species/</a:t>
+              </a:r>
+            </a:p>
+          </p:txBody>
+        </p:sp>
+        <p:sp>
+          <p:nvSpPr>
+            <p:cNvPr id="11" name="Rectangle 10">
+              <a:extLst>
+                <a:ext uri="{FF2B5EF4-FFF2-40B4-BE49-F238E27FC236}">
+                  <a16:creationId xmlns:a16="http://schemas.microsoft.com/office/drawing/2014/main" id="{5073C85F-53E9-4287-AD0C-38BAB3EF9E5B}"/>
+                </a:ext>
+              </a:extLst>
+            </p:cNvPr>
+            <p:cNvSpPr/>
+            <p:nvPr/>
+          </p:nvSpPr>
+          <p:spPr>
+            <a:xfrm>
+              <a:off x="722550" y="984854"/>
+              <a:ext cx="3194612" cy="1989999"/>
+            </a:xfrm>
+            <a:prstGeom prst="rect">
+              <a:avLst/>
+            </a:prstGeom>
+            <a:solidFill>
+              <a:schemeClr val="accent2"/>
+            </a:solidFill>
+            <a:ln>
+              <a:solidFill>
+                <a:schemeClr val="tx1"/>
+              </a:solidFill>
+            </a:ln>
+          </p:spPr>
+          <p:style>
+            <a:lnRef idx="2">
+              <a:schemeClr val="accent1">
+                <a:shade val="50000"/>
+              </a:schemeClr>
+            </a:lnRef>
+            <a:fillRef idx="1">
+              <a:schemeClr val="accent1"/>
+            </a:fillRef>
+            <a:effectRef idx="0">
+              <a:schemeClr val="accent1"/>
+            </a:effectRef>
+            <a:fontRef idx="minor">
+              <a:schemeClr val="lt1"/>
+            </a:fontRef>
+          </p:style>
+          <p:txBody>
+            <a:bodyPr rtlCol="0" anchor="ctr"/>
+            <a:lstStyle/>
+            <a:p>
+              <a:pPr algn="ctr"/>
+              <a:endParaRPr lang="en-US" sz="1200"/>
+            </a:p>
+          </p:txBody>
+        </p:sp>
+        <p:sp>
+          <p:nvSpPr>
+            <p:cNvPr id="15" name="Rectangle 14">
+              <a:extLst>
+                <a:ext uri="{FF2B5EF4-FFF2-40B4-BE49-F238E27FC236}">
+                  <a16:creationId xmlns:a16="http://schemas.microsoft.com/office/drawing/2014/main" id="{6A6CDF41-97D7-4B1A-9577-DD943478E0F9}"/>
+                </a:ext>
+              </a:extLst>
+            </p:cNvPr>
+            <p:cNvSpPr/>
+            <p:nvPr/>
+          </p:nvSpPr>
+          <p:spPr>
+            <a:xfrm>
+              <a:off x="1435356" y="1660542"/>
+              <a:ext cx="1828800" cy="608484"/>
+            </a:xfrm>
+            <a:prstGeom prst="rect">
+              <a:avLst/>
+            </a:prstGeom>
+            <a:solidFill>
+              <a:schemeClr val="accent4"/>
+            </a:solidFill>
+            <a:ln>
+              <a:solidFill>
+                <a:schemeClr val="tx1"/>
+              </a:solidFill>
+            </a:ln>
+          </p:spPr>
+          <p:style>
+            <a:lnRef idx="2">
+              <a:schemeClr val="accent1">
+                <a:shade val="50000"/>
+              </a:schemeClr>
+            </a:lnRef>
+            <a:fillRef idx="1">
+              <a:schemeClr val="accent1"/>
+            </a:fillRef>
+            <a:effectRef idx="0">
+              <a:schemeClr val="accent1"/>
+            </a:effectRef>
+            <a:fontRef idx="minor">
+              <a:schemeClr val="lt1"/>
+            </a:fontRef>
+          </p:style>
+          <p:txBody>
+            <a:bodyPr rtlCol="0" anchor="ctr"/>
+            <a:lstStyle/>
+            <a:p>
+              <a:pPr algn="ctr"/>
+              <a:r>
+                <a:rPr lang="en-US" sz="800" i="1" dirty="0" err="1">
+                  <a:solidFill>
+                    <a:schemeClr val="tx1"/>
+                  </a:solidFill>
+                </a:rPr>
+                <a:t>fit_models.R</a:t>
+              </a:r>
+              <a:endParaRPr lang="en-US" sz="800" i="1" dirty="0">
+                <a:solidFill>
+                  <a:schemeClr val="tx1"/>
+                </a:solidFill>
+              </a:endParaRPr>
+            </a:p>
+          </p:txBody>
+        </p:sp>
+        <p:sp>
+          <p:nvSpPr>
+            <p:cNvPr id="24" name="Rectangle 23">
+              <a:extLst>
+                <a:ext uri="{FF2B5EF4-FFF2-40B4-BE49-F238E27FC236}">
+                  <a16:creationId xmlns:a16="http://schemas.microsoft.com/office/drawing/2014/main" id="{1A0B9B70-DF76-438A-9CEB-1A073E39F65C}"/>
+                </a:ext>
+              </a:extLst>
+            </p:cNvPr>
+            <p:cNvSpPr/>
+            <p:nvPr/>
+          </p:nvSpPr>
+          <p:spPr>
+            <a:xfrm>
+              <a:off x="1229622" y="3439471"/>
+              <a:ext cx="1800092" cy="228583"/>
+            </a:xfrm>
+            <a:prstGeom prst="rect">
+              <a:avLst/>
+            </a:prstGeom>
+            <a:solidFill>
+              <a:schemeClr val="accent6"/>
+            </a:solidFill>
+            <a:ln>
+              <a:solidFill>
+                <a:schemeClr val="tx1"/>
+              </a:solidFill>
+            </a:ln>
+          </p:spPr>
+          <p:style>
+            <a:lnRef idx="2">
+              <a:schemeClr val="accent1">
+                <a:shade val="50000"/>
+              </a:schemeClr>
+            </a:lnRef>
+            <a:fillRef idx="1">
+              <a:schemeClr val="accent1"/>
+            </a:fillRef>
+            <a:effectRef idx="0">
+              <a:schemeClr val="accent1"/>
+            </a:effectRef>
+            <a:fontRef idx="minor">
+              <a:schemeClr val="lt1"/>
+            </a:fontRef>
+          </p:style>
+          <p:txBody>
+            <a:bodyPr rtlCol="0" anchor="ctr"/>
+            <a:lstStyle/>
+            <a:p>
+              <a:pPr algn="ctr"/>
+              <a:r>
+                <a:rPr lang="en-US" sz="800" i="1" dirty="0" err="1">
+                  <a:solidFill>
+                    <a:schemeClr val="tx1"/>
+                  </a:solidFill>
+                </a:rPr>
+                <a:t>Atheresthes</a:t>
+              </a:r>
+              <a:r>
+                <a:rPr lang="en-US" sz="800" i="1" dirty="0">
+                  <a:solidFill>
+                    <a:schemeClr val="tx1"/>
+                  </a:solidFill>
+                </a:rPr>
+                <a:t> </a:t>
+              </a:r>
+              <a:r>
+                <a:rPr lang="en-US" sz="800" i="1" dirty="0" err="1">
+                  <a:solidFill>
+                    <a:schemeClr val="tx1"/>
+                  </a:solidFill>
+                </a:rPr>
+                <a:t>stomias</a:t>
+              </a:r>
+              <a:r>
+                <a:rPr lang="en-US" sz="800" i="1" dirty="0">
+                  <a:solidFill>
+                    <a:schemeClr val="tx1"/>
+                  </a:solidFill>
+                </a:rPr>
+                <a:t>/</a:t>
+              </a:r>
+            </a:p>
+          </p:txBody>
+        </p:sp>
+        <p:sp>
+          <p:nvSpPr>
+            <p:cNvPr id="26" name="Rectangle 25">
+              <a:extLst>
+                <a:ext uri="{FF2B5EF4-FFF2-40B4-BE49-F238E27FC236}">
+                  <a16:creationId xmlns:a16="http://schemas.microsoft.com/office/drawing/2014/main" id="{FAA32086-4119-4E51-842D-B130EEDC5A7A}"/>
+                </a:ext>
+              </a:extLst>
+            </p:cNvPr>
+            <p:cNvSpPr/>
+            <p:nvPr/>
+          </p:nvSpPr>
+          <p:spPr>
+            <a:xfrm>
+              <a:off x="1229621" y="3660999"/>
+              <a:ext cx="1800092" cy="228583"/>
+            </a:xfrm>
+            <a:prstGeom prst="rect">
+              <a:avLst/>
+            </a:prstGeom>
+            <a:solidFill>
+              <a:schemeClr val="accent6"/>
+            </a:solidFill>
+            <a:ln>
+              <a:solidFill>
+                <a:schemeClr val="tx1"/>
+              </a:solidFill>
+            </a:ln>
+          </p:spPr>
+          <p:style>
+            <a:lnRef idx="2">
+              <a:schemeClr val="accent1">
+                <a:shade val="50000"/>
+              </a:schemeClr>
+            </a:lnRef>
+            <a:fillRef idx="1">
+              <a:schemeClr val="accent1"/>
+            </a:fillRef>
+            <a:effectRef idx="0">
+              <a:schemeClr val="accent1"/>
+            </a:effectRef>
+            <a:fontRef idx="minor">
+              <a:schemeClr val="lt1"/>
+            </a:fontRef>
+          </p:style>
+          <p:txBody>
+            <a:bodyPr rtlCol="0" anchor="ctr"/>
+            <a:lstStyle/>
+            <a:p>
+              <a:pPr algn="ctr"/>
+              <a:r>
+                <a:rPr lang="en-US" sz="800" i="1" dirty="0" err="1">
+                  <a:solidFill>
+                    <a:schemeClr val="tx1"/>
+                  </a:solidFill>
+                </a:rPr>
+                <a:t>Atheresthes</a:t>
+              </a:r>
+              <a:r>
+                <a:rPr lang="en-US" sz="800" i="1" dirty="0">
+                  <a:solidFill>
+                    <a:schemeClr val="tx1"/>
+                  </a:solidFill>
+                </a:rPr>
+                <a:t> </a:t>
+              </a:r>
+              <a:r>
+                <a:rPr lang="en-US" sz="800" i="1" dirty="0" err="1">
+                  <a:solidFill>
+                    <a:schemeClr val="tx1"/>
+                  </a:solidFill>
+                </a:rPr>
+                <a:t>stomias_depth</a:t>
+              </a:r>
+              <a:r>
+                <a:rPr lang="en-US" sz="800" i="1" dirty="0">
+                  <a:solidFill>
+                    <a:schemeClr val="tx1"/>
+                  </a:solidFill>
+                </a:rPr>
+                <a:t>/</a:t>
+              </a:r>
+            </a:p>
+          </p:txBody>
+        </p:sp>
+        <p:sp>
+          <p:nvSpPr>
+            <p:cNvPr id="28" name="Rectangle 27">
+              <a:extLst>
+                <a:ext uri="{FF2B5EF4-FFF2-40B4-BE49-F238E27FC236}">
+                  <a16:creationId xmlns:a16="http://schemas.microsoft.com/office/drawing/2014/main" id="{65618794-361B-4D38-87A2-E55111136987}"/>
+                </a:ext>
+              </a:extLst>
+            </p:cNvPr>
+            <p:cNvSpPr/>
+            <p:nvPr/>
+          </p:nvSpPr>
+          <p:spPr>
+            <a:xfrm>
+              <a:off x="4017264" y="3439471"/>
+              <a:ext cx="2072642" cy="228583"/>
+            </a:xfrm>
+            <a:prstGeom prst="rect">
+              <a:avLst/>
+            </a:prstGeom>
+            <a:solidFill>
+              <a:schemeClr val="accent6"/>
+            </a:solidFill>
+            <a:ln>
+              <a:solidFill>
+                <a:schemeClr val="tx1"/>
+              </a:solidFill>
+            </a:ln>
+          </p:spPr>
+          <p:style>
+            <a:lnRef idx="2">
+              <a:schemeClr val="accent1">
+                <a:shade val="50000"/>
+              </a:schemeClr>
+            </a:lnRef>
+            <a:fillRef idx="1">
+              <a:schemeClr val="accent1"/>
+            </a:fillRef>
+            <a:effectRef idx="0">
+              <a:schemeClr val="accent1"/>
+            </a:effectRef>
+            <a:fontRef idx="minor">
+              <a:schemeClr val="lt1"/>
+            </a:fontRef>
+          </p:style>
+          <p:txBody>
+            <a:bodyPr rtlCol="0" anchor="ctr"/>
+            <a:lstStyle/>
+            <a:p>
+              <a:pPr algn="ctr"/>
+              <a:r>
+                <a:rPr lang="en-US" sz="800" i="1" dirty="0" err="1">
+                  <a:solidFill>
+                    <a:schemeClr val="tx1"/>
+                  </a:solidFill>
+                </a:rPr>
+                <a:t>Sebastolobus</a:t>
+              </a:r>
+              <a:r>
+                <a:rPr lang="en-US" sz="800" i="1" dirty="0">
+                  <a:solidFill>
+                    <a:schemeClr val="tx1"/>
+                  </a:solidFill>
+                </a:rPr>
+                <a:t> </a:t>
+              </a:r>
+              <a:r>
+                <a:rPr lang="en-US" sz="800" i="1" dirty="0" err="1">
+                  <a:solidFill>
+                    <a:schemeClr val="tx1"/>
+                  </a:solidFill>
+                </a:rPr>
+                <a:t>aluscanus</a:t>
+              </a:r>
+              <a:r>
+                <a:rPr lang="en-US" sz="800" i="1" dirty="0">
+                  <a:solidFill>
+                    <a:schemeClr val="tx1"/>
+                  </a:solidFill>
+                </a:rPr>
+                <a:t>/</a:t>
+              </a:r>
+            </a:p>
+          </p:txBody>
+        </p:sp>
+        <p:sp>
+          <p:nvSpPr>
+            <p:cNvPr id="37" name="Rectangle 36">
+              <a:extLst>
+                <a:ext uri="{FF2B5EF4-FFF2-40B4-BE49-F238E27FC236}">
+                  <a16:creationId xmlns:a16="http://schemas.microsoft.com/office/drawing/2014/main" id="{E34E2075-2C44-4BBE-8ED8-3876C9605685}"/>
+                </a:ext>
+              </a:extLst>
+            </p:cNvPr>
+            <p:cNvSpPr/>
+            <p:nvPr/>
+          </p:nvSpPr>
+          <p:spPr>
+            <a:xfrm>
+              <a:off x="4017263" y="3660999"/>
+              <a:ext cx="2072642" cy="228583"/>
+            </a:xfrm>
+            <a:prstGeom prst="rect">
+              <a:avLst/>
+            </a:prstGeom>
+            <a:solidFill>
+              <a:schemeClr val="accent6"/>
+            </a:solidFill>
+            <a:ln>
+              <a:solidFill>
+                <a:schemeClr val="tx1"/>
+              </a:solidFill>
+            </a:ln>
+          </p:spPr>
+          <p:style>
+            <a:lnRef idx="2">
+              <a:schemeClr val="accent1">
+                <a:shade val="50000"/>
+              </a:schemeClr>
+            </a:lnRef>
+            <a:fillRef idx="1">
+              <a:schemeClr val="accent1"/>
+            </a:fillRef>
+            <a:effectRef idx="0">
+              <a:schemeClr val="accent1"/>
+            </a:effectRef>
+            <a:fontRef idx="minor">
+              <a:schemeClr val="lt1"/>
+            </a:fontRef>
+          </p:style>
+          <p:txBody>
+            <a:bodyPr rtlCol="0" anchor="ctr"/>
+            <a:lstStyle/>
+            <a:p>
+              <a:pPr algn="ctr"/>
+              <a:r>
+                <a:rPr lang="en-US" sz="800" i="1" dirty="0" err="1">
+                  <a:solidFill>
+                    <a:schemeClr val="tx1"/>
+                  </a:solidFill>
+                </a:rPr>
+                <a:t>Sebastolobus</a:t>
+              </a:r>
+              <a:r>
+                <a:rPr lang="en-US" sz="800" i="1" dirty="0">
+                  <a:solidFill>
+                    <a:schemeClr val="tx1"/>
+                  </a:solidFill>
+                </a:rPr>
+                <a:t> </a:t>
+              </a:r>
+              <a:r>
+                <a:rPr lang="en-US" sz="800" i="1" dirty="0" err="1">
+                  <a:solidFill>
+                    <a:schemeClr val="tx1"/>
+                  </a:solidFill>
+                </a:rPr>
+                <a:t>aluscanus</a:t>
+              </a:r>
+              <a:r>
+                <a:rPr lang="en-US" sz="800" i="1" dirty="0">
+                  <a:solidFill>
+                    <a:schemeClr val="tx1"/>
+                  </a:solidFill>
+                </a:rPr>
+                <a:t> _depth/</a:t>
+              </a:r>
+            </a:p>
+          </p:txBody>
+        </p:sp>
+        <p:sp>
+          <p:nvSpPr>
+            <p:cNvPr id="45" name="TextBox 44">
+              <a:extLst>
+                <a:ext uri="{FF2B5EF4-FFF2-40B4-BE49-F238E27FC236}">
+                  <a16:creationId xmlns:a16="http://schemas.microsoft.com/office/drawing/2014/main" id="{ECD3A2EE-12AA-4AC2-9FDD-341B274E85F2}"/>
+                </a:ext>
+              </a:extLst>
+            </p:cNvPr>
+            <p:cNvSpPr txBox="1"/>
+            <p:nvPr/>
+          </p:nvSpPr>
+          <p:spPr>
+            <a:xfrm>
+              <a:off x="3141751" y="3337746"/>
+              <a:ext cx="729996" cy="569484"/>
+            </a:xfrm>
+            <a:prstGeom prst="rect">
+              <a:avLst/>
+            </a:prstGeom>
+            <a:noFill/>
+          </p:spPr>
+          <p:txBody>
+            <a:bodyPr wrap="square">
+              <a:spAutoFit/>
+            </a:bodyPr>
+            <a:lstStyle/>
+            <a:p>
+              <a:pPr algn="ctr"/>
+              <a:r>
+                <a:rPr lang="en-US" sz="1867" b="1" i="1" dirty="0"/>
+                <a:t>. . .</a:t>
+              </a:r>
+            </a:p>
+          </p:txBody>
+        </p:sp>
+        <p:cxnSp>
+          <p:nvCxnSpPr>
+            <p:cNvPr id="46" name="Straight Arrow Connector 45">
+              <a:extLst>
+                <a:ext uri="{FF2B5EF4-FFF2-40B4-BE49-F238E27FC236}">
+                  <a16:creationId xmlns:a16="http://schemas.microsoft.com/office/drawing/2014/main" id="{4DD05D9A-3DF0-4A5B-B7AF-501F3CE6723A}"/>
+                </a:ext>
+              </a:extLst>
+            </p:cNvPr>
+            <p:cNvCxnSpPr>
+              <a:cxnSpLocks/>
+              <a:stCxn id="15" idx="2"/>
+              <a:endCxn id="2" idx="0"/>
+            </p:cNvCxnSpPr>
+            <p:nvPr/>
+          </p:nvCxnSpPr>
+          <p:spPr>
+            <a:xfrm>
+              <a:off x="2349756" y="2269026"/>
+              <a:ext cx="1311900" cy="955971"/>
+            </a:xfrm>
+            <a:prstGeom prst="straightConnector1">
+              <a:avLst/>
+            </a:prstGeom>
+            <a:ln w="38100">
+              <a:solidFill>
+                <a:schemeClr val="tx1"/>
+              </a:solidFill>
+              <a:tailEnd type="triangle"/>
+            </a:ln>
+          </p:spPr>
+          <p:style>
+            <a:lnRef idx="1">
+              <a:schemeClr val="accent1"/>
+            </a:lnRef>
+            <a:fillRef idx="0">
+              <a:schemeClr val="accent1"/>
+            </a:fillRef>
+            <a:effectRef idx="0">
+              <a:schemeClr val="accent1"/>
+            </a:effectRef>
+            <a:fontRef idx="minor">
+              <a:schemeClr val="tx1"/>
+            </a:fontRef>
+          </p:style>
+        </p:cxnSp>
+        <p:sp>
+          <p:nvSpPr>
+            <p:cNvPr id="50" name="TextBox 49">
+              <a:extLst>
+                <a:ext uri="{FF2B5EF4-FFF2-40B4-BE49-F238E27FC236}">
+                  <a16:creationId xmlns:a16="http://schemas.microsoft.com/office/drawing/2014/main" id="{34749183-3199-4DCD-B353-70EA1AE117DD}"/>
+                </a:ext>
+              </a:extLst>
+            </p:cNvPr>
+            <p:cNvSpPr txBox="1"/>
+            <p:nvPr/>
+          </p:nvSpPr>
+          <p:spPr>
+            <a:xfrm>
+              <a:off x="722548" y="2627082"/>
+              <a:ext cx="2058751" cy="415498"/>
+            </a:xfrm>
+            <a:prstGeom prst="rect">
+              <a:avLst/>
+            </a:prstGeom>
+            <a:noFill/>
+          </p:spPr>
+          <p:txBody>
+            <a:bodyPr wrap="square">
+              <a:spAutoFit/>
+            </a:bodyPr>
+            <a:lstStyle/>
+            <a:p>
+              <a:pPr algn="ctr"/>
+              <a:r>
+                <a:rPr lang="en-US" sz="1200" i="1" dirty="0"/>
+                <a:t>~/</a:t>
+              </a:r>
+              <a:r>
+                <a:rPr lang="en-US" sz="1200" i="1" dirty="0" err="1"/>
+                <a:t>ForMadison</a:t>
+              </a:r>
+              <a:r>
+                <a:rPr lang="en-US" sz="1200" i="1" dirty="0"/>
+                <a:t>/</a:t>
+              </a:r>
+            </a:p>
+          </p:txBody>
+        </p:sp>
+        <p:sp>
+          <p:nvSpPr>
+            <p:cNvPr id="21" name="TextBox 20">
+              <a:extLst>
+                <a:ext uri="{FF2B5EF4-FFF2-40B4-BE49-F238E27FC236}">
+                  <a16:creationId xmlns:a16="http://schemas.microsoft.com/office/drawing/2014/main" id="{E1701A2B-81E6-4C3A-A6DE-A1989B393065}"/>
+                </a:ext>
+              </a:extLst>
+            </p:cNvPr>
+            <p:cNvSpPr txBox="1"/>
+            <p:nvPr/>
+          </p:nvSpPr>
+          <p:spPr>
+            <a:xfrm>
+              <a:off x="4214825" y="1792821"/>
+              <a:ext cx="1223917" cy="323166"/>
+            </a:xfrm>
+            <a:prstGeom prst="rect">
+              <a:avLst/>
+            </a:prstGeom>
+            <a:solidFill>
+              <a:schemeClr val="accent4"/>
+            </a:solidFill>
+            <a:ln>
+              <a:solidFill>
+                <a:schemeClr val="tx1"/>
+              </a:solidFill>
+            </a:ln>
+          </p:spPr>
+          <p:txBody>
+            <a:bodyPr wrap="square">
+              <a:spAutoFit/>
+            </a:bodyPr>
+            <a:lstStyle/>
+            <a:p>
+              <a:r>
+                <a:rPr lang="en-US" sz="800" i="1" dirty="0"/>
+                <a:t>~/</a:t>
+              </a:r>
+              <a:r>
+                <a:rPr lang="en-US" sz="800" i="1" dirty="0" err="1"/>
+                <a:t>fit_model_X_GTP.R</a:t>
+              </a:r>
+              <a:endParaRPr lang="en-US" sz="800" i="1" dirty="0"/>
+            </a:p>
+          </p:txBody>
+        </p:sp>
+        <p:cxnSp>
+          <p:nvCxnSpPr>
+            <p:cNvPr id="22" name="Straight Arrow Connector 21">
+              <a:extLst>
+                <a:ext uri="{FF2B5EF4-FFF2-40B4-BE49-F238E27FC236}">
+                  <a16:creationId xmlns:a16="http://schemas.microsoft.com/office/drawing/2014/main" id="{227F247E-504C-482B-BC85-0EDDD7F57F98}"/>
+                </a:ext>
+              </a:extLst>
+            </p:cNvPr>
+            <p:cNvCxnSpPr>
+              <a:cxnSpLocks/>
+              <a:stCxn id="21" idx="1"/>
+              <a:endCxn id="15" idx="3"/>
+            </p:cNvCxnSpPr>
+            <p:nvPr/>
+          </p:nvCxnSpPr>
+          <p:spPr>
+            <a:xfrm flipH="1">
+              <a:off x="3264156" y="1954404"/>
+              <a:ext cx="950669" cy="10380"/>
+            </a:xfrm>
+            <a:prstGeom prst="straightConnector1">
+              <a:avLst/>
+            </a:prstGeom>
+            <a:ln w="38100">
+              <a:solidFill>
+                <a:schemeClr val="tx1"/>
+              </a:solidFill>
+              <a:tailEnd type="triangle"/>
+            </a:ln>
+          </p:spPr>
+          <p:style>
+            <a:lnRef idx="1">
+              <a:schemeClr val="accent1"/>
+            </a:lnRef>
+            <a:fillRef idx="0">
+              <a:schemeClr val="accent1"/>
+            </a:fillRef>
+            <a:effectRef idx="0">
+              <a:schemeClr val="accent1"/>
+            </a:effectRef>
+            <a:fontRef idx="minor">
+              <a:schemeClr val="tx1"/>
+            </a:fontRef>
+          </p:style>
+        </p:cxnSp>
+        <p:sp>
+          <p:nvSpPr>
+            <p:cNvPr id="20" name="Rectangle 19">
+              <a:extLst>
+                <a:ext uri="{FF2B5EF4-FFF2-40B4-BE49-F238E27FC236}">
+                  <a16:creationId xmlns:a16="http://schemas.microsoft.com/office/drawing/2014/main" id="{9CA753AB-ACB7-4168-8454-23FE73446575}"/>
+                </a:ext>
+              </a:extLst>
+            </p:cNvPr>
+            <p:cNvSpPr/>
+            <p:nvPr/>
+          </p:nvSpPr>
+          <p:spPr>
+            <a:xfrm>
+              <a:off x="543560" y="5346694"/>
+              <a:ext cx="5770880" cy="3402536"/>
+            </a:xfrm>
+            <a:prstGeom prst="rect">
+              <a:avLst/>
+            </a:prstGeom>
+            <a:solidFill>
+              <a:srgbClr val="00B0F0"/>
+            </a:solidFill>
+            <a:ln>
+              <a:solidFill>
+                <a:schemeClr val="tx1"/>
+              </a:solidFill>
+            </a:ln>
+          </p:spPr>
+          <p:style>
+            <a:lnRef idx="2">
+              <a:schemeClr val="accent1">
+                <a:shade val="50000"/>
+              </a:schemeClr>
+            </a:lnRef>
+            <a:fillRef idx="1">
+              <a:schemeClr val="accent1"/>
+            </a:fillRef>
+            <a:effectRef idx="0">
+              <a:schemeClr val="accent1"/>
+            </a:effectRef>
+            <a:fontRef idx="minor">
+              <a:schemeClr val="lt1"/>
+            </a:fontRef>
+          </p:style>
+          <p:txBody>
+            <a:bodyPr rtlCol="0" anchor="ctr"/>
+            <a:lstStyle/>
+            <a:p>
+              <a:pPr algn="ctr"/>
+              <a:endParaRPr lang="en-US" sz="933" i="1" dirty="0"/>
+            </a:p>
+          </p:txBody>
+        </p:sp>
+        <p:sp>
+          <p:nvSpPr>
+            <p:cNvPr id="64" name="TextBox 63">
+              <a:extLst>
+                <a:ext uri="{FF2B5EF4-FFF2-40B4-BE49-F238E27FC236}">
+                  <a16:creationId xmlns:a16="http://schemas.microsoft.com/office/drawing/2014/main" id="{2945C78F-AC58-4F4E-B93A-9731FEDF40F2}"/>
+                </a:ext>
+              </a:extLst>
+            </p:cNvPr>
+            <p:cNvSpPr txBox="1"/>
+            <p:nvPr/>
+          </p:nvSpPr>
+          <p:spPr>
+            <a:xfrm>
+              <a:off x="3520342" y="8242164"/>
+              <a:ext cx="3429000" cy="415498"/>
+            </a:xfrm>
+            <a:prstGeom prst="rect">
+              <a:avLst/>
+            </a:prstGeom>
+            <a:noFill/>
+          </p:spPr>
+          <p:txBody>
+            <a:bodyPr wrap="square">
+              <a:spAutoFit/>
+            </a:bodyPr>
+            <a:lstStyle/>
+            <a:p>
+              <a:pPr algn="ctr"/>
+              <a:r>
+                <a:rPr lang="en-US" sz="1200" i="1" dirty="0"/>
+                <a:t>Diagnostics and Output Plots</a:t>
+              </a:r>
+            </a:p>
+          </p:txBody>
+        </p:sp>
+        <p:sp>
+          <p:nvSpPr>
+            <p:cNvPr id="77" name="Rectangle 76">
+              <a:extLst>
+                <a:ext uri="{FF2B5EF4-FFF2-40B4-BE49-F238E27FC236}">
+                  <a16:creationId xmlns:a16="http://schemas.microsoft.com/office/drawing/2014/main" id="{EB915041-CA4C-40B8-8018-F818F980208A}"/>
+                </a:ext>
+              </a:extLst>
+            </p:cNvPr>
+            <p:cNvSpPr/>
+            <p:nvPr/>
+          </p:nvSpPr>
+          <p:spPr>
+            <a:xfrm>
+              <a:off x="576984" y="5729530"/>
+              <a:ext cx="3084672" cy="2865830"/>
+            </a:xfrm>
+            <a:prstGeom prst="rect">
+              <a:avLst/>
+            </a:prstGeom>
+            <a:solidFill>
+              <a:schemeClr val="accent2"/>
+            </a:solidFill>
+            <a:ln>
+              <a:solidFill>
+                <a:schemeClr val="tx1"/>
+              </a:solidFill>
+            </a:ln>
+          </p:spPr>
+          <p:style>
+            <a:lnRef idx="2">
+              <a:schemeClr val="accent1">
+                <a:shade val="50000"/>
+              </a:schemeClr>
+            </a:lnRef>
+            <a:fillRef idx="1">
+              <a:schemeClr val="accent1"/>
+            </a:fillRef>
+            <a:effectRef idx="0">
+              <a:schemeClr val="accent1"/>
+            </a:effectRef>
+            <a:fontRef idx="minor">
+              <a:schemeClr val="lt1"/>
+            </a:fontRef>
+          </p:style>
+          <p:txBody>
+            <a:bodyPr rtlCol="0" anchor="ctr"/>
+            <a:lstStyle/>
+            <a:p>
+              <a:pPr algn="ctr"/>
+              <a:endParaRPr lang="en-US" sz="1200"/>
+            </a:p>
+          </p:txBody>
+        </p:sp>
+        <p:sp>
+          <p:nvSpPr>
+            <p:cNvPr id="29" name="Rectangle 28">
+              <a:extLst>
+                <a:ext uri="{FF2B5EF4-FFF2-40B4-BE49-F238E27FC236}">
+                  <a16:creationId xmlns:a16="http://schemas.microsoft.com/office/drawing/2014/main" id="{19843376-3EF3-4740-8380-F520BDE46CE5}"/>
+                </a:ext>
+              </a:extLst>
+            </p:cNvPr>
+            <p:cNvSpPr/>
+            <p:nvPr/>
+          </p:nvSpPr>
+          <p:spPr>
+            <a:xfrm>
+              <a:off x="665741" y="5807585"/>
+              <a:ext cx="843020" cy="215384"/>
+            </a:xfrm>
+            <a:prstGeom prst="rect">
+              <a:avLst/>
+            </a:prstGeom>
+            <a:solidFill>
+              <a:schemeClr val="accent6"/>
+            </a:solidFill>
+            <a:ln>
+              <a:solidFill>
+                <a:schemeClr val="tx1"/>
+              </a:solidFill>
+            </a:ln>
+          </p:spPr>
+          <p:style>
+            <a:lnRef idx="2">
+              <a:schemeClr val="accent1">
+                <a:shade val="50000"/>
+              </a:schemeClr>
+            </a:lnRef>
+            <a:fillRef idx="1">
+              <a:schemeClr val="accent1"/>
+            </a:fillRef>
+            <a:effectRef idx="0">
+              <a:schemeClr val="accent1"/>
+            </a:effectRef>
+            <a:fontRef idx="minor">
+              <a:schemeClr val="lt1"/>
+            </a:fontRef>
+          </p:style>
+          <p:txBody>
+            <a:bodyPr rtlCol="0" anchor="ctr"/>
+            <a:lstStyle/>
+            <a:p>
+              <a:pPr algn="ctr"/>
+              <a:r>
+                <a:rPr lang="en-US" sz="733" i="1" dirty="0">
+                  <a:solidFill>
+                    <a:schemeClr val="tx1"/>
+                  </a:solidFill>
+                </a:rPr>
+                <a:t>CV_1/</a:t>
+              </a:r>
+              <a:r>
+                <a:rPr lang="en-US" sz="733" i="1" dirty="0" err="1">
+                  <a:solidFill>
+                    <a:schemeClr val="tx1"/>
+                  </a:solidFill>
+                </a:rPr>
+                <a:t>fit.R</a:t>
+              </a:r>
+              <a:endParaRPr lang="en-US" sz="733" i="1" dirty="0">
+                <a:solidFill>
+                  <a:schemeClr val="tx1"/>
+                </a:solidFill>
+              </a:endParaRPr>
+            </a:p>
+          </p:txBody>
+        </p:sp>
+        <p:sp>
+          <p:nvSpPr>
+            <p:cNvPr id="30" name="Rectangle 29">
+              <a:extLst>
+                <a:ext uri="{FF2B5EF4-FFF2-40B4-BE49-F238E27FC236}">
+                  <a16:creationId xmlns:a16="http://schemas.microsoft.com/office/drawing/2014/main" id="{78AF263E-B202-4A50-A325-BD83C84D1E75}"/>
+                </a:ext>
+              </a:extLst>
+            </p:cNvPr>
+            <p:cNvSpPr/>
+            <p:nvPr/>
+          </p:nvSpPr>
+          <p:spPr>
+            <a:xfrm>
+              <a:off x="665740" y="6022968"/>
+              <a:ext cx="843020" cy="215384"/>
+            </a:xfrm>
+            <a:prstGeom prst="rect">
+              <a:avLst/>
+            </a:prstGeom>
+            <a:solidFill>
+              <a:schemeClr val="accent6"/>
+            </a:solidFill>
+            <a:ln>
+              <a:solidFill>
+                <a:schemeClr val="tx1"/>
+              </a:solidFill>
+            </a:ln>
+          </p:spPr>
+          <p:style>
+            <a:lnRef idx="2">
+              <a:schemeClr val="accent1">
+                <a:shade val="50000"/>
+              </a:schemeClr>
+            </a:lnRef>
+            <a:fillRef idx="1">
+              <a:schemeClr val="accent1"/>
+            </a:fillRef>
+            <a:effectRef idx="0">
+              <a:schemeClr val="accent1"/>
+            </a:effectRef>
+            <a:fontRef idx="minor">
+              <a:schemeClr val="lt1"/>
+            </a:fontRef>
+          </p:style>
+          <p:txBody>
+            <a:bodyPr rtlCol="0" anchor="ctr"/>
+            <a:lstStyle/>
+            <a:p>
+              <a:pPr algn="ctr"/>
+              <a:r>
+                <a:rPr lang="en-US" sz="800" i="1" dirty="0">
+                  <a:solidFill>
+                    <a:schemeClr val="tx1"/>
+                  </a:solidFill>
+                </a:rPr>
+                <a:t>CV_2/</a:t>
+              </a:r>
+              <a:r>
+                <a:rPr lang="en-US" sz="800" i="1" dirty="0" err="1">
+                  <a:solidFill>
+                    <a:schemeClr val="tx1"/>
+                  </a:solidFill>
+                </a:rPr>
+                <a:t>fit.R</a:t>
+              </a:r>
+              <a:endParaRPr lang="en-US" sz="800" i="1" dirty="0">
+                <a:solidFill>
+                  <a:schemeClr val="tx1"/>
+                </a:solidFill>
+              </a:endParaRPr>
+            </a:p>
+          </p:txBody>
+        </p:sp>
+        <p:sp>
+          <p:nvSpPr>
+            <p:cNvPr id="31" name="Rectangle 30">
+              <a:extLst>
+                <a:ext uri="{FF2B5EF4-FFF2-40B4-BE49-F238E27FC236}">
+                  <a16:creationId xmlns:a16="http://schemas.microsoft.com/office/drawing/2014/main" id="{7FE19B3B-7D21-4483-86D5-1B225824BC7E}"/>
+                </a:ext>
+              </a:extLst>
+            </p:cNvPr>
+            <p:cNvSpPr/>
+            <p:nvPr/>
+          </p:nvSpPr>
+          <p:spPr>
+            <a:xfrm>
+              <a:off x="665739" y="6417228"/>
+              <a:ext cx="843020" cy="215384"/>
+            </a:xfrm>
+            <a:prstGeom prst="rect">
+              <a:avLst/>
+            </a:prstGeom>
+            <a:solidFill>
+              <a:schemeClr val="accent6"/>
+            </a:solidFill>
+            <a:ln>
+              <a:solidFill>
+                <a:schemeClr val="tx1"/>
+              </a:solidFill>
+            </a:ln>
+          </p:spPr>
+          <p:style>
+            <a:lnRef idx="2">
+              <a:schemeClr val="accent1">
+                <a:shade val="50000"/>
+              </a:schemeClr>
+            </a:lnRef>
+            <a:fillRef idx="1">
+              <a:schemeClr val="accent1"/>
+            </a:fillRef>
+            <a:effectRef idx="0">
+              <a:schemeClr val="accent1"/>
+            </a:effectRef>
+            <a:fontRef idx="minor">
+              <a:schemeClr val="lt1"/>
+            </a:fontRef>
+          </p:style>
+          <p:txBody>
+            <a:bodyPr rtlCol="0" anchor="ctr"/>
+            <a:lstStyle/>
+            <a:p>
+              <a:pPr algn="ctr"/>
+              <a:r>
+                <a:rPr lang="en-US" sz="800" i="1" dirty="0">
+                  <a:solidFill>
+                    <a:schemeClr val="tx1"/>
+                  </a:solidFill>
+                </a:rPr>
+                <a:t>CV_10/</a:t>
+              </a:r>
+              <a:r>
+                <a:rPr lang="en-US" sz="800" i="1" dirty="0" err="1">
+                  <a:solidFill>
+                    <a:schemeClr val="tx1"/>
+                  </a:solidFill>
+                </a:rPr>
+                <a:t>fit.R</a:t>
+              </a:r>
+              <a:endParaRPr lang="en-US" sz="800" i="1" dirty="0">
+                <a:solidFill>
+                  <a:schemeClr val="tx1"/>
+                </a:solidFill>
+              </a:endParaRPr>
+            </a:p>
+          </p:txBody>
+        </p:sp>
+        <p:sp>
+          <p:nvSpPr>
+            <p:cNvPr id="35" name="TextBox 34">
+              <a:extLst>
+                <a:ext uri="{FF2B5EF4-FFF2-40B4-BE49-F238E27FC236}">
+                  <a16:creationId xmlns:a16="http://schemas.microsoft.com/office/drawing/2014/main" id="{D8D7A93F-6D7B-4802-B9CA-0710FB3CFCD3}"/>
+                </a:ext>
+              </a:extLst>
+            </p:cNvPr>
+            <p:cNvSpPr txBox="1"/>
+            <p:nvPr/>
+          </p:nvSpPr>
+          <p:spPr>
+            <a:xfrm>
+              <a:off x="720600" y="5982494"/>
+              <a:ext cx="729996" cy="553998"/>
+            </a:xfrm>
+            <a:prstGeom prst="rect">
+              <a:avLst/>
+            </a:prstGeom>
+            <a:noFill/>
+          </p:spPr>
+          <p:txBody>
+            <a:bodyPr wrap="square">
+              <a:spAutoFit/>
+            </a:bodyPr>
+            <a:lstStyle/>
+            <a:p>
+              <a:pPr algn="ctr"/>
+              <a:r>
+                <a:rPr lang="en-US" b="1" i="1" dirty="0"/>
+                <a:t>. . .</a:t>
+              </a:r>
+            </a:p>
+          </p:txBody>
+        </p:sp>
+        <p:sp>
+          <p:nvSpPr>
+            <p:cNvPr id="70" name="Rectangle 69">
+              <a:extLst>
+                <a:ext uri="{FF2B5EF4-FFF2-40B4-BE49-F238E27FC236}">
+                  <a16:creationId xmlns:a16="http://schemas.microsoft.com/office/drawing/2014/main" id="{B0891604-5249-40A0-B9E8-D0775228A371}"/>
+                </a:ext>
+              </a:extLst>
+            </p:cNvPr>
+            <p:cNvSpPr/>
+            <p:nvPr/>
+          </p:nvSpPr>
+          <p:spPr>
+            <a:xfrm>
+              <a:off x="2029875" y="6019595"/>
+              <a:ext cx="1321056" cy="441579"/>
+            </a:xfrm>
+            <a:prstGeom prst="rect">
+              <a:avLst/>
+            </a:prstGeom>
+            <a:solidFill>
+              <a:schemeClr val="accent4"/>
+            </a:solidFill>
+            <a:ln>
+              <a:solidFill>
+                <a:schemeClr val="tx1"/>
+              </a:solidFill>
+            </a:ln>
+          </p:spPr>
+          <p:style>
+            <a:lnRef idx="2">
+              <a:schemeClr val="accent1">
+                <a:shade val="50000"/>
+              </a:schemeClr>
+            </a:lnRef>
+            <a:fillRef idx="1">
+              <a:schemeClr val="accent1"/>
+            </a:fillRef>
+            <a:effectRef idx="0">
+              <a:schemeClr val="accent1"/>
+            </a:effectRef>
+            <a:fontRef idx="minor">
+              <a:schemeClr val="lt1"/>
+            </a:fontRef>
+          </p:style>
+          <p:txBody>
+            <a:bodyPr rtlCol="0" anchor="ctr"/>
+            <a:lstStyle/>
+            <a:p>
+              <a:pPr algn="ctr"/>
+              <a:r>
+                <a:rPr lang="en-US" sz="800" i="1" dirty="0">
+                  <a:solidFill>
+                    <a:schemeClr val="tx1"/>
+                  </a:solidFill>
+                </a:rPr>
+                <a:t>/</a:t>
+              </a:r>
+              <a:r>
+                <a:rPr lang="en-US" sz="800" i="1" dirty="0" err="1">
+                  <a:solidFill>
+                    <a:schemeClr val="tx1"/>
+                  </a:solidFill>
+                </a:rPr>
+                <a:t>ForMadison</a:t>
+              </a:r>
+              <a:r>
+                <a:rPr lang="en-US" sz="800" i="1" dirty="0">
+                  <a:solidFill>
+                    <a:schemeClr val="tx1"/>
+                  </a:solidFill>
+                </a:rPr>
+                <a:t>/</a:t>
+              </a:r>
+              <a:r>
+                <a:rPr lang="en-US" sz="800" i="1" dirty="0" err="1">
+                  <a:solidFill>
+                    <a:schemeClr val="tx1"/>
+                  </a:solidFill>
+                </a:rPr>
+                <a:t>cross_validation_results.R</a:t>
+              </a:r>
+              <a:endParaRPr lang="en-US" sz="800" i="1" dirty="0">
+                <a:solidFill>
+                  <a:schemeClr val="tx1"/>
+                </a:solidFill>
+              </a:endParaRPr>
+            </a:p>
+          </p:txBody>
+        </p:sp>
+        <p:cxnSp>
+          <p:nvCxnSpPr>
+            <p:cNvPr id="13" name="Straight Connector 12">
+              <a:extLst>
+                <a:ext uri="{FF2B5EF4-FFF2-40B4-BE49-F238E27FC236}">
+                  <a16:creationId xmlns:a16="http://schemas.microsoft.com/office/drawing/2014/main" id="{1D26B2C9-A902-414B-B18C-BE09BD964AE0}"/>
+                </a:ext>
+              </a:extLst>
+            </p:cNvPr>
+            <p:cNvCxnSpPr>
+              <a:cxnSpLocks/>
+            </p:cNvCxnSpPr>
+            <p:nvPr/>
+          </p:nvCxnSpPr>
+          <p:spPr>
+            <a:xfrm flipH="1">
+              <a:off x="597678" y="3929157"/>
+              <a:ext cx="667865" cy="1800374"/>
+            </a:xfrm>
+            <a:prstGeom prst="line">
+              <a:avLst/>
+            </a:prstGeom>
+            <a:ln w="19050">
+              <a:prstDash val="dash"/>
+            </a:ln>
+          </p:spPr>
+          <p:style>
+            <a:lnRef idx="1">
+              <a:schemeClr val="dk1"/>
+            </a:lnRef>
+            <a:fillRef idx="0">
+              <a:schemeClr val="dk1"/>
+            </a:fillRef>
+            <a:effectRef idx="0">
+              <a:schemeClr val="dk1"/>
+            </a:effectRef>
+            <a:fontRef idx="minor">
+              <a:schemeClr val="tx1"/>
+            </a:fontRef>
+          </p:style>
+        </p:cxnSp>
+        <p:cxnSp>
+          <p:nvCxnSpPr>
+            <p:cNvPr id="32" name="Straight Connector 31">
+              <a:extLst>
+                <a:ext uri="{FF2B5EF4-FFF2-40B4-BE49-F238E27FC236}">
+                  <a16:creationId xmlns:a16="http://schemas.microsoft.com/office/drawing/2014/main" id="{1BB1301E-A4F6-426A-B6EF-140D41825691}"/>
+                </a:ext>
+              </a:extLst>
+            </p:cNvPr>
+            <p:cNvCxnSpPr>
+              <a:cxnSpLocks/>
+            </p:cNvCxnSpPr>
+            <p:nvPr/>
+          </p:nvCxnSpPr>
+          <p:spPr>
+            <a:xfrm>
+              <a:off x="3029714" y="3889582"/>
+              <a:ext cx="399286" cy="1839949"/>
+            </a:xfrm>
+            <a:prstGeom prst="line">
+              <a:avLst/>
+            </a:prstGeom>
+            <a:ln w="19050">
+              <a:prstDash val="dash"/>
+            </a:ln>
+          </p:spPr>
+          <p:style>
+            <a:lnRef idx="1">
+              <a:schemeClr val="dk1"/>
+            </a:lnRef>
+            <a:fillRef idx="0">
+              <a:schemeClr val="dk1"/>
+            </a:fillRef>
+            <a:effectRef idx="0">
+              <a:schemeClr val="dk1"/>
+            </a:effectRef>
+            <a:fontRef idx="minor">
+              <a:schemeClr val="tx1"/>
+            </a:fontRef>
+          </p:style>
+        </p:cxnSp>
+        <p:sp>
+          <p:nvSpPr>
+            <p:cNvPr id="81" name="Rectangle 80">
+              <a:extLst>
+                <a:ext uri="{FF2B5EF4-FFF2-40B4-BE49-F238E27FC236}">
+                  <a16:creationId xmlns:a16="http://schemas.microsoft.com/office/drawing/2014/main" id="{DC00D54A-8851-4447-AEA1-200F4BA5F5B5}"/>
+                </a:ext>
+              </a:extLst>
+            </p:cNvPr>
+            <p:cNvSpPr/>
+            <p:nvPr/>
+          </p:nvSpPr>
+          <p:spPr>
+            <a:xfrm>
+              <a:off x="4007239" y="5753486"/>
+              <a:ext cx="2198490" cy="1264852"/>
+            </a:xfrm>
+            <a:prstGeom prst="rect">
+              <a:avLst/>
+            </a:prstGeom>
+            <a:solidFill>
+              <a:schemeClr val="accent2"/>
+            </a:solidFill>
+            <a:ln>
+              <a:solidFill>
+                <a:schemeClr val="tx1"/>
+              </a:solidFill>
+            </a:ln>
+          </p:spPr>
+          <p:style>
+            <a:lnRef idx="2">
+              <a:schemeClr val="accent1">
+                <a:shade val="50000"/>
+              </a:schemeClr>
+            </a:lnRef>
+            <a:fillRef idx="1">
+              <a:schemeClr val="accent1"/>
+            </a:fillRef>
+            <a:effectRef idx="0">
+              <a:schemeClr val="accent1"/>
+            </a:effectRef>
+            <a:fontRef idx="minor">
+              <a:schemeClr val="lt1"/>
+            </a:fontRef>
+          </p:style>
+          <p:txBody>
+            <a:bodyPr rtlCol="0" anchor="ctr"/>
+            <a:lstStyle/>
+            <a:p>
+              <a:pPr algn="ctr"/>
+              <a:endParaRPr lang="en-US" sz="1200"/>
+            </a:p>
+          </p:txBody>
+        </p:sp>
+        <p:sp>
+          <p:nvSpPr>
+            <p:cNvPr id="73" name="Rectangle 72">
+              <a:extLst>
+                <a:ext uri="{FF2B5EF4-FFF2-40B4-BE49-F238E27FC236}">
+                  <a16:creationId xmlns:a16="http://schemas.microsoft.com/office/drawing/2014/main" id="{7B92FD25-4A30-4616-89F1-7CB414BF0299}"/>
+                </a:ext>
+              </a:extLst>
+            </p:cNvPr>
+            <p:cNvSpPr/>
+            <p:nvPr/>
+          </p:nvSpPr>
+          <p:spPr>
+            <a:xfrm>
+              <a:off x="4140779" y="5924355"/>
+              <a:ext cx="1949126" cy="204756"/>
+            </a:xfrm>
+            <a:prstGeom prst="rect">
+              <a:avLst/>
+            </a:prstGeom>
+            <a:solidFill>
+              <a:schemeClr val="accent6"/>
+            </a:solidFill>
+            <a:ln>
+              <a:solidFill>
+                <a:schemeClr val="tx1"/>
+              </a:solidFill>
+            </a:ln>
+          </p:spPr>
+          <p:style>
+            <a:lnRef idx="2">
+              <a:schemeClr val="accent1">
+                <a:shade val="50000"/>
+              </a:schemeClr>
+            </a:lnRef>
+            <a:fillRef idx="1">
+              <a:schemeClr val="accent1"/>
+            </a:fillRef>
+            <a:effectRef idx="0">
+              <a:schemeClr val="accent1"/>
+            </a:effectRef>
+            <a:fontRef idx="minor">
+              <a:schemeClr val="lt1"/>
+            </a:fontRef>
+          </p:style>
+          <p:txBody>
+            <a:bodyPr rtlCol="0" anchor="ctr"/>
+            <a:lstStyle/>
+            <a:p>
+              <a:pPr algn="ctr"/>
+              <a:r>
+                <a:rPr lang="en-US" sz="800" i="1" dirty="0">
+                  <a:solidFill>
+                    <a:schemeClr val="tx1"/>
+                  </a:solidFill>
+                </a:rPr>
+                <a:t>/</a:t>
+              </a:r>
+              <a:r>
+                <a:rPr lang="en-US" sz="800" i="1" dirty="0" err="1">
+                  <a:solidFill>
+                    <a:schemeClr val="tx1"/>
+                  </a:solidFill>
+                </a:rPr>
+                <a:t>fit_density.RData</a:t>
+              </a:r>
+              <a:endParaRPr lang="en-US" sz="800" i="1" dirty="0">
+                <a:solidFill>
+                  <a:schemeClr val="tx1"/>
+                </a:solidFill>
+              </a:endParaRPr>
+            </a:p>
+          </p:txBody>
+        </p:sp>
+        <p:sp>
+          <p:nvSpPr>
+            <p:cNvPr id="75" name="Rectangle 74">
+              <a:extLst>
+                <a:ext uri="{FF2B5EF4-FFF2-40B4-BE49-F238E27FC236}">
+                  <a16:creationId xmlns:a16="http://schemas.microsoft.com/office/drawing/2014/main" id="{3A21E09A-69EB-46DE-A60C-7EAA53D86D15}"/>
+                </a:ext>
+              </a:extLst>
+            </p:cNvPr>
+            <p:cNvSpPr/>
+            <p:nvPr/>
+          </p:nvSpPr>
+          <p:spPr>
+            <a:xfrm>
+              <a:off x="4140778" y="6129111"/>
+              <a:ext cx="1949126" cy="204756"/>
+            </a:xfrm>
+            <a:prstGeom prst="rect">
+              <a:avLst/>
+            </a:prstGeom>
+            <a:solidFill>
+              <a:schemeClr val="accent6"/>
+            </a:solidFill>
+            <a:ln>
+              <a:solidFill>
+                <a:schemeClr val="tx1"/>
+              </a:solidFill>
+            </a:ln>
+          </p:spPr>
+          <p:style>
+            <a:lnRef idx="2">
+              <a:schemeClr val="accent1">
+                <a:shade val="50000"/>
+              </a:schemeClr>
+            </a:lnRef>
+            <a:fillRef idx="1">
+              <a:schemeClr val="accent1"/>
+            </a:fillRef>
+            <a:effectRef idx="0">
+              <a:schemeClr val="accent1"/>
+            </a:effectRef>
+            <a:fontRef idx="minor">
+              <a:schemeClr val="lt1"/>
+            </a:fontRef>
+          </p:style>
+          <p:txBody>
+            <a:bodyPr rtlCol="0" anchor="ctr"/>
+            <a:lstStyle/>
+            <a:p>
+              <a:pPr algn="ctr"/>
+              <a:r>
+                <a:rPr lang="en-US" sz="800" i="1" dirty="0">
+                  <a:solidFill>
+                    <a:schemeClr val="tx1"/>
+                  </a:solidFill>
+                </a:rPr>
+                <a:t>/</a:t>
+              </a:r>
+              <a:r>
+                <a:rPr lang="en-US" sz="800" i="1" dirty="0" err="1">
+                  <a:solidFill>
+                    <a:schemeClr val="tx1"/>
+                  </a:solidFill>
+                </a:rPr>
+                <a:t>fit_index.RData</a:t>
+              </a:r>
+              <a:endParaRPr lang="en-US" sz="800" i="1" dirty="0">
+                <a:solidFill>
+                  <a:schemeClr val="tx1"/>
+                </a:solidFill>
+              </a:endParaRPr>
+            </a:p>
+          </p:txBody>
+        </p:sp>
+        <p:sp>
+          <p:nvSpPr>
+            <p:cNvPr id="83" name="TextBox 82">
+              <a:extLst>
+                <a:ext uri="{FF2B5EF4-FFF2-40B4-BE49-F238E27FC236}">
+                  <a16:creationId xmlns:a16="http://schemas.microsoft.com/office/drawing/2014/main" id="{E97DADE7-36D9-4FE0-BA3C-6D052600A66E}"/>
+                </a:ext>
+              </a:extLst>
+            </p:cNvPr>
+            <p:cNvSpPr txBox="1"/>
+            <p:nvPr/>
+          </p:nvSpPr>
+          <p:spPr>
+            <a:xfrm>
+              <a:off x="3973101" y="6585881"/>
+              <a:ext cx="2273776" cy="323166"/>
+            </a:xfrm>
+            <a:prstGeom prst="rect">
+              <a:avLst/>
+            </a:prstGeom>
+            <a:noFill/>
+          </p:spPr>
+          <p:txBody>
+            <a:bodyPr wrap="square">
+              <a:spAutoFit/>
+            </a:bodyPr>
+            <a:lstStyle/>
+            <a:p>
+              <a:pPr algn="ctr"/>
+              <a:r>
+                <a:rPr lang="en-US" sz="800" i="1" dirty="0"/>
+                <a:t>GitHub/</a:t>
+              </a:r>
+              <a:r>
+                <a:rPr lang="en-US" sz="800" i="1" dirty="0" err="1"/>
+                <a:t>Optimal_Allocation_GoA</a:t>
+              </a:r>
+              <a:r>
+                <a:rPr lang="en-US" sz="800" i="1" dirty="0"/>
+                <a:t>/data</a:t>
+              </a:r>
+            </a:p>
+          </p:txBody>
+        </p:sp>
+        <p:sp>
+          <p:nvSpPr>
+            <p:cNvPr id="87" name="Rectangle 86">
+              <a:extLst>
+                <a:ext uri="{FF2B5EF4-FFF2-40B4-BE49-F238E27FC236}">
+                  <a16:creationId xmlns:a16="http://schemas.microsoft.com/office/drawing/2014/main" id="{6E4997C1-85D5-47F8-AE43-C5E6CE116723}"/>
+                </a:ext>
+              </a:extLst>
+            </p:cNvPr>
+            <p:cNvSpPr/>
+            <p:nvPr/>
+          </p:nvSpPr>
+          <p:spPr>
+            <a:xfrm>
+              <a:off x="4140779" y="6338037"/>
+              <a:ext cx="1949126" cy="204756"/>
+            </a:xfrm>
+            <a:prstGeom prst="rect">
+              <a:avLst/>
+            </a:prstGeom>
+            <a:solidFill>
+              <a:schemeClr val="accent6"/>
+            </a:solidFill>
+            <a:ln>
+              <a:solidFill>
+                <a:schemeClr val="tx1"/>
+              </a:solidFill>
+            </a:ln>
+          </p:spPr>
+          <p:style>
+            <a:lnRef idx="2">
+              <a:schemeClr val="accent1">
+                <a:shade val="50000"/>
+              </a:schemeClr>
+            </a:lnRef>
+            <a:fillRef idx="1">
+              <a:schemeClr val="accent1"/>
+            </a:fillRef>
+            <a:effectRef idx="0">
+              <a:schemeClr val="accent1"/>
+            </a:effectRef>
+            <a:fontRef idx="minor">
+              <a:schemeClr val="lt1"/>
+            </a:fontRef>
+          </p:style>
+          <p:txBody>
+            <a:bodyPr rtlCol="0" anchor="ctr"/>
+            <a:lstStyle/>
+            <a:p>
+              <a:pPr algn="ctr"/>
+              <a:r>
+                <a:rPr lang="en-US" sz="800" i="1" dirty="0">
+                  <a:solidFill>
+                    <a:schemeClr val="tx1"/>
+                  </a:solidFill>
+                </a:rPr>
+                <a:t>/</a:t>
+              </a:r>
+              <a:r>
+                <a:rPr lang="en-US" sz="800" i="1" dirty="0" err="1">
+                  <a:solidFill>
+                    <a:schemeClr val="tx1"/>
+                  </a:solidFill>
+                </a:rPr>
+                <a:t>RMSE_VAST_models.RData</a:t>
+              </a:r>
+              <a:endParaRPr lang="en-US" sz="800" i="1" dirty="0">
+                <a:solidFill>
+                  <a:schemeClr val="tx1"/>
+                </a:solidFill>
+              </a:endParaRPr>
+            </a:p>
+          </p:txBody>
+        </p:sp>
+        <p:sp>
+          <p:nvSpPr>
+            <p:cNvPr id="89" name="TextBox 88">
+              <a:extLst>
+                <a:ext uri="{FF2B5EF4-FFF2-40B4-BE49-F238E27FC236}">
+                  <a16:creationId xmlns:a16="http://schemas.microsoft.com/office/drawing/2014/main" id="{E8CCEBB4-0A68-4802-B18A-91FCE4E5DFB1}"/>
+                </a:ext>
+              </a:extLst>
+            </p:cNvPr>
+            <p:cNvSpPr txBox="1"/>
+            <p:nvPr/>
+          </p:nvSpPr>
+          <p:spPr>
+            <a:xfrm>
+              <a:off x="576984" y="8262963"/>
+              <a:ext cx="3084673" cy="323166"/>
+            </a:xfrm>
+            <a:prstGeom prst="rect">
+              <a:avLst/>
+            </a:prstGeom>
+            <a:noFill/>
+          </p:spPr>
+          <p:txBody>
+            <a:bodyPr wrap="square">
+              <a:spAutoFit/>
+            </a:bodyPr>
+            <a:lstStyle/>
+            <a:p>
+              <a:pPr algn="ctr"/>
+              <a:r>
+                <a:rPr lang="en-US" sz="800" i="1" dirty="0" err="1"/>
+                <a:t>Atheresthes</a:t>
+              </a:r>
+              <a:r>
+                <a:rPr lang="en-US" sz="800" i="1" dirty="0"/>
+                <a:t> </a:t>
+              </a:r>
+              <a:r>
+                <a:rPr lang="en-US" sz="800" i="1" dirty="0" err="1"/>
+                <a:t>stomias_depth</a:t>
+              </a:r>
+              <a:r>
+                <a:rPr lang="en-US" sz="800" i="1" dirty="0"/>
+                <a:t>/</a:t>
+              </a:r>
+            </a:p>
+          </p:txBody>
+        </p:sp>
+        <p:cxnSp>
+          <p:nvCxnSpPr>
+            <p:cNvPr id="90" name="Straight Arrow Connector 89">
+              <a:extLst>
+                <a:ext uri="{FF2B5EF4-FFF2-40B4-BE49-F238E27FC236}">
+                  <a16:creationId xmlns:a16="http://schemas.microsoft.com/office/drawing/2014/main" id="{F8E9A625-9A0F-4BD1-8335-A16EB8E53142}"/>
+                </a:ext>
+              </a:extLst>
+            </p:cNvPr>
+            <p:cNvCxnSpPr>
+              <a:cxnSpLocks/>
+              <a:endCxn id="70" idx="1"/>
+            </p:cNvCxnSpPr>
+            <p:nvPr/>
+          </p:nvCxnSpPr>
+          <p:spPr>
+            <a:xfrm>
+              <a:off x="1508761" y="6240385"/>
+              <a:ext cx="521114" cy="0"/>
+            </a:xfrm>
+            <a:prstGeom prst="straightConnector1">
+              <a:avLst/>
+            </a:prstGeom>
+            <a:ln w="38100">
+              <a:solidFill>
+                <a:schemeClr val="tx1"/>
+              </a:solidFill>
+              <a:tailEnd type="triangle"/>
+            </a:ln>
+          </p:spPr>
+          <p:style>
+            <a:lnRef idx="1">
+              <a:schemeClr val="accent1"/>
+            </a:lnRef>
+            <a:fillRef idx="0">
+              <a:schemeClr val="accent1"/>
+            </a:fillRef>
+            <a:effectRef idx="0">
+              <a:schemeClr val="accent1"/>
+            </a:effectRef>
+            <a:fontRef idx="minor">
+              <a:schemeClr val="tx1"/>
+            </a:fontRef>
+          </p:style>
+        </p:cxnSp>
+        <p:cxnSp>
+          <p:nvCxnSpPr>
+            <p:cNvPr id="95" name="Straight Arrow Connector 94">
+              <a:extLst>
+                <a:ext uri="{FF2B5EF4-FFF2-40B4-BE49-F238E27FC236}">
+                  <a16:creationId xmlns:a16="http://schemas.microsoft.com/office/drawing/2014/main" id="{68AA6C91-E8BC-40F4-8866-E92B70B45477}"/>
+                </a:ext>
+              </a:extLst>
+            </p:cNvPr>
+            <p:cNvCxnSpPr>
+              <a:cxnSpLocks/>
+              <a:stCxn id="70" idx="3"/>
+              <a:endCxn id="75" idx="1"/>
+            </p:cNvCxnSpPr>
+            <p:nvPr/>
+          </p:nvCxnSpPr>
+          <p:spPr>
+            <a:xfrm flipV="1">
+              <a:off x="3350931" y="6231489"/>
+              <a:ext cx="789847" cy="8896"/>
+            </a:xfrm>
+            <a:prstGeom prst="straightConnector1">
+              <a:avLst/>
+            </a:prstGeom>
+            <a:ln w="38100">
+              <a:solidFill>
+                <a:schemeClr val="tx1"/>
+              </a:solidFill>
+              <a:tailEnd type="triangle"/>
+            </a:ln>
+          </p:spPr>
+          <p:style>
+            <a:lnRef idx="1">
+              <a:schemeClr val="accent1"/>
+            </a:lnRef>
+            <a:fillRef idx="0">
+              <a:schemeClr val="accent1"/>
+            </a:fillRef>
+            <a:effectRef idx="0">
+              <a:schemeClr val="accent1"/>
+            </a:effectRef>
+            <a:fontRef idx="minor">
+              <a:schemeClr val="tx1"/>
+            </a:fontRef>
+          </p:style>
+        </p:cxnSp>
+        <p:sp>
+          <p:nvSpPr>
+            <p:cNvPr id="99" name="Rectangle 98">
+              <a:extLst>
+                <a:ext uri="{FF2B5EF4-FFF2-40B4-BE49-F238E27FC236}">
+                  <a16:creationId xmlns:a16="http://schemas.microsoft.com/office/drawing/2014/main" id="{15699E5C-B4CC-45A1-B256-ED9B840C235B}"/>
+                </a:ext>
+              </a:extLst>
+            </p:cNvPr>
+            <p:cNvSpPr/>
+            <p:nvPr/>
+          </p:nvSpPr>
+          <p:spPr>
+            <a:xfrm>
+              <a:off x="665739" y="6853645"/>
+              <a:ext cx="843020" cy="215384"/>
+            </a:xfrm>
+            <a:prstGeom prst="rect">
+              <a:avLst/>
+            </a:prstGeom>
+            <a:solidFill>
+              <a:schemeClr val="accent6"/>
+            </a:solidFill>
+            <a:ln>
+              <a:solidFill>
+                <a:schemeClr val="tx1"/>
+              </a:solidFill>
+            </a:ln>
+          </p:spPr>
+          <p:style>
+            <a:lnRef idx="2">
+              <a:schemeClr val="accent1">
+                <a:shade val="50000"/>
+              </a:schemeClr>
+            </a:lnRef>
+            <a:fillRef idx="1">
+              <a:schemeClr val="accent1"/>
+            </a:fillRef>
+            <a:effectRef idx="0">
+              <a:schemeClr val="accent1"/>
+            </a:effectRef>
+            <a:fontRef idx="minor">
+              <a:schemeClr val="lt1"/>
+            </a:fontRef>
+          </p:style>
+          <p:txBody>
+            <a:bodyPr rtlCol="0" anchor="ctr"/>
+            <a:lstStyle/>
+            <a:p>
+              <a:pPr algn="ctr"/>
+              <a:r>
+                <a:rPr lang="en-US" sz="800" i="1" dirty="0">
+                  <a:solidFill>
+                    <a:schemeClr val="tx1"/>
+                  </a:solidFill>
+                </a:rPr>
+                <a:t>/</a:t>
+              </a:r>
+              <a:r>
+                <a:rPr lang="en-US" sz="800" i="1" dirty="0" err="1">
+                  <a:solidFill>
+                    <a:schemeClr val="tx1"/>
+                  </a:solidFill>
+                </a:rPr>
+                <a:t>fit.R</a:t>
+              </a:r>
+              <a:endParaRPr lang="en-US" sz="800" i="1" dirty="0">
+                <a:solidFill>
+                  <a:schemeClr val="tx1"/>
+                </a:solidFill>
+              </a:endParaRPr>
+            </a:p>
+          </p:txBody>
+        </p:sp>
+        <p:sp>
+          <p:nvSpPr>
+            <p:cNvPr id="101" name="Rectangle 100">
+              <a:extLst>
+                <a:ext uri="{FF2B5EF4-FFF2-40B4-BE49-F238E27FC236}">
+                  <a16:creationId xmlns:a16="http://schemas.microsoft.com/office/drawing/2014/main" id="{5D8F17D8-67FF-40B5-9DD0-69056C3404F8}"/>
+                </a:ext>
+              </a:extLst>
+            </p:cNvPr>
+            <p:cNvSpPr/>
+            <p:nvPr/>
+          </p:nvSpPr>
+          <p:spPr>
+            <a:xfrm>
+              <a:off x="2034445" y="6825717"/>
+              <a:ext cx="1321056" cy="261130"/>
+            </a:xfrm>
+            <a:prstGeom prst="rect">
+              <a:avLst/>
+            </a:prstGeom>
+            <a:solidFill>
+              <a:schemeClr val="accent4"/>
+            </a:solidFill>
+            <a:ln>
+              <a:solidFill>
+                <a:schemeClr val="tx1"/>
+              </a:solidFill>
+            </a:ln>
+          </p:spPr>
+          <p:style>
+            <a:lnRef idx="2">
+              <a:schemeClr val="accent1">
+                <a:shade val="50000"/>
+              </a:schemeClr>
+            </a:lnRef>
+            <a:fillRef idx="1">
+              <a:schemeClr val="accent1"/>
+            </a:fillRef>
+            <a:effectRef idx="0">
+              <a:schemeClr val="accent1"/>
+            </a:effectRef>
+            <a:fontRef idx="minor">
+              <a:schemeClr val="lt1"/>
+            </a:fontRef>
+          </p:style>
+          <p:txBody>
+            <a:bodyPr rtlCol="0" anchor="ctr"/>
+            <a:lstStyle/>
+            <a:p>
+              <a:pPr algn="ctr"/>
+              <a:r>
+                <a:rPr lang="en-US" sz="800" i="1" dirty="0" err="1">
+                  <a:solidFill>
+                    <a:schemeClr val="tx1"/>
+                  </a:solidFill>
+                </a:rPr>
+                <a:t>Diagnostics.R</a:t>
+              </a:r>
+              <a:endParaRPr lang="en-US" sz="800" i="1" dirty="0">
+                <a:solidFill>
+                  <a:schemeClr val="tx1"/>
+                </a:solidFill>
+              </a:endParaRPr>
+            </a:p>
+          </p:txBody>
+        </p:sp>
+        <p:cxnSp>
+          <p:nvCxnSpPr>
+            <p:cNvPr id="102" name="Straight Arrow Connector 101">
+              <a:extLst>
+                <a:ext uri="{FF2B5EF4-FFF2-40B4-BE49-F238E27FC236}">
+                  <a16:creationId xmlns:a16="http://schemas.microsoft.com/office/drawing/2014/main" id="{01F19062-A4A9-4A9F-BD13-B185A186D80D}"/>
+                </a:ext>
+              </a:extLst>
+            </p:cNvPr>
+            <p:cNvCxnSpPr>
+              <a:cxnSpLocks/>
+              <a:stCxn id="99" idx="3"/>
+              <a:endCxn id="101" idx="1"/>
+            </p:cNvCxnSpPr>
+            <p:nvPr/>
+          </p:nvCxnSpPr>
+          <p:spPr>
+            <a:xfrm flipV="1">
+              <a:off x="1508759" y="6956282"/>
+              <a:ext cx="525686" cy="5055"/>
+            </a:xfrm>
+            <a:prstGeom prst="straightConnector1">
+              <a:avLst/>
+            </a:prstGeom>
+            <a:ln w="38100">
+              <a:solidFill>
+                <a:schemeClr val="tx1"/>
+              </a:solidFill>
+              <a:tailEnd type="triangle"/>
+            </a:ln>
+          </p:spPr>
+          <p:style>
+            <a:lnRef idx="1">
+              <a:schemeClr val="accent1"/>
+            </a:lnRef>
+            <a:fillRef idx="0">
+              <a:schemeClr val="accent1"/>
+            </a:fillRef>
+            <a:effectRef idx="0">
+              <a:schemeClr val="accent1"/>
+            </a:effectRef>
+            <a:fontRef idx="minor">
+              <a:schemeClr val="tx1"/>
+            </a:fontRef>
+          </p:style>
+        </p:cxnSp>
+        <p:cxnSp>
+          <p:nvCxnSpPr>
+            <p:cNvPr id="109" name="Straight Arrow Connector 108">
+              <a:extLst>
+                <a:ext uri="{FF2B5EF4-FFF2-40B4-BE49-F238E27FC236}">
+                  <a16:creationId xmlns:a16="http://schemas.microsoft.com/office/drawing/2014/main" id="{160D85BD-367F-47DA-977E-619AF783C91E}"/>
+                </a:ext>
+              </a:extLst>
+            </p:cNvPr>
+            <p:cNvCxnSpPr>
+              <a:cxnSpLocks/>
+              <a:stCxn id="101" idx="2"/>
+            </p:cNvCxnSpPr>
+            <p:nvPr/>
+          </p:nvCxnSpPr>
+          <p:spPr>
+            <a:xfrm flipH="1">
+              <a:off x="2690402" y="7086848"/>
+              <a:ext cx="4571" cy="404391"/>
+            </a:xfrm>
+            <a:prstGeom prst="straightConnector1">
+              <a:avLst/>
+            </a:prstGeom>
+            <a:ln w="38100">
+              <a:solidFill>
+                <a:schemeClr val="tx1"/>
+              </a:solidFill>
+              <a:tailEnd type="triangle"/>
+            </a:ln>
+          </p:spPr>
+          <p:style>
+            <a:lnRef idx="1">
+              <a:schemeClr val="accent1"/>
+            </a:lnRef>
+            <a:fillRef idx="0">
+              <a:schemeClr val="accent1"/>
+            </a:fillRef>
+            <a:effectRef idx="0">
+              <a:schemeClr val="accent1"/>
+            </a:effectRef>
+            <a:fontRef idx="minor">
+              <a:schemeClr val="tx1"/>
+            </a:fontRef>
+          </p:style>
+        </p:cxnSp>
+        <p:sp>
+          <p:nvSpPr>
+            <p:cNvPr id="117" name="Rectangle 116">
+              <a:extLst>
+                <a:ext uri="{FF2B5EF4-FFF2-40B4-BE49-F238E27FC236}">
+                  <a16:creationId xmlns:a16="http://schemas.microsoft.com/office/drawing/2014/main" id="{2BF51F68-7329-43D4-A473-2C1C7953E1C1}"/>
+                </a:ext>
+              </a:extLst>
+            </p:cNvPr>
+            <p:cNvSpPr/>
+            <p:nvPr/>
+          </p:nvSpPr>
+          <p:spPr>
+            <a:xfrm>
+              <a:off x="1488848" y="7491239"/>
+              <a:ext cx="1960845" cy="227029"/>
+            </a:xfrm>
+            <a:prstGeom prst="rect">
+              <a:avLst/>
+            </a:prstGeom>
+            <a:solidFill>
+              <a:schemeClr val="accent6"/>
+            </a:solidFill>
+            <a:ln>
+              <a:solidFill>
+                <a:schemeClr val="tx1"/>
+              </a:solidFill>
+            </a:ln>
+          </p:spPr>
+          <p:style>
+            <a:lnRef idx="2">
+              <a:schemeClr val="accent1">
+                <a:shade val="50000"/>
+              </a:schemeClr>
+            </a:lnRef>
+            <a:fillRef idx="1">
+              <a:schemeClr val="accent1"/>
+            </a:fillRef>
+            <a:effectRef idx="0">
+              <a:schemeClr val="accent1"/>
+            </a:effectRef>
+            <a:fontRef idx="minor">
+              <a:schemeClr val="lt1"/>
+            </a:fontRef>
+          </p:style>
+          <p:txBody>
+            <a:bodyPr rtlCol="0" anchor="ctr"/>
+            <a:lstStyle/>
+            <a:p>
+              <a:pPr algn="ctr"/>
+              <a:r>
+                <a:rPr lang="en-US" sz="800" i="1" dirty="0">
+                  <a:solidFill>
+                    <a:schemeClr val="tx1"/>
+                  </a:solidFill>
+                </a:rPr>
+                <a:t>/diagnostics/density.pdf</a:t>
+              </a:r>
+            </a:p>
+          </p:txBody>
+        </p:sp>
+        <p:sp>
+          <p:nvSpPr>
+            <p:cNvPr id="119" name="Rectangle 118">
+              <a:extLst>
+                <a:ext uri="{FF2B5EF4-FFF2-40B4-BE49-F238E27FC236}">
+                  <a16:creationId xmlns:a16="http://schemas.microsoft.com/office/drawing/2014/main" id="{2E5D0044-35E2-43BC-8A9F-BAC44CE2A9F6}"/>
+                </a:ext>
+              </a:extLst>
+            </p:cNvPr>
+            <p:cNvSpPr/>
+            <p:nvPr/>
+          </p:nvSpPr>
+          <p:spPr>
+            <a:xfrm>
+              <a:off x="1488848" y="7724757"/>
+              <a:ext cx="1960845" cy="227029"/>
+            </a:xfrm>
+            <a:prstGeom prst="rect">
+              <a:avLst/>
+            </a:prstGeom>
+            <a:solidFill>
+              <a:schemeClr val="accent6"/>
+            </a:solidFill>
+            <a:ln>
+              <a:solidFill>
+                <a:schemeClr val="tx1"/>
+              </a:solidFill>
+            </a:ln>
+          </p:spPr>
+          <p:style>
+            <a:lnRef idx="2">
+              <a:schemeClr val="accent1">
+                <a:shade val="50000"/>
+              </a:schemeClr>
+            </a:lnRef>
+            <a:fillRef idx="1">
+              <a:schemeClr val="accent1"/>
+            </a:fillRef>
+            <a:effectRef idx="0">
+              <a:schemeClr val="accent1"/>
+            </a:effectRef>
+            <a:fontRef idx="minor">
+              <a:schemeClr val="lt1"/>
+            </a:fontRef>
+          </p:style>
+          <p:txBody>
+            <a:bodyPr rtlCol="0" anchor="ctr"/>
+            <a:lstStyle/>
+            <a:p>
+              <a:pPr algn="ctr"/>
+              <a:r>
+                <a:rPr lang="en-US" sz="800" i="1" dirty="0">
+                  <a:solidFill>
+                    <a:schemeClr val="tx1"/>
+                  </a:solidFill>
+                </a:rPr>
+                <a:t>/diagnostics/omega.png</a:t>
+              </a:r>
+            </a:p>
+          </p:txBody>
+        </p:sp>
+        <p:sp>
+          <p:nvSpPr>
+            <p:cNvPr id="121" name="Rectangle 120">
+              <a:extLst>
+                <a:ext uri="{FF2B5EF4-FFF2-40B4-BE49-F238E27FC236}">
+                  <a16:creationId xmlns:a16="http://schemas.microsoft.com/office/drawing/2014/main" id="{CF707CB5-EC6B-494A-9072-9DCD3B1EC099}"/>
+                </a:ext>
+              </a:extLst>
+            </p:cNvPr>
+            <p:cNvSpPr/>
+            <p:nvPr/>
+          </p:nvSpPr>
+          <p:spPr>
+            <a:xfrm>
+              <a:off x="1488847" y="7965408"/>
+              <a:ext cx="1960845" cy="227029"/>
+            </a:xfrm>
+            <a:prstGeom prst="rect">
+              <a:avLst/>
+            </a:prstGeom>
+            <a:solidFill>
+              <a:schemeClr val="accent6"/>
+            </a:solidFill>
+            <a:ln>
+              <a:solidFill>
+                <a:schemeClr val="tx1"/>
+              </a:solidFill>
+            </a:ln>
+          </p:spPr>
+          <p:style>
+            <a:lnRef idx="2">
+              <a:schemeClr val="accent1">
+                <a:shade val="50000"/>
+              </a:schemeClr>
+            </a:lnRef>
+            <a:fillRef idx="1">
+              <a:schemeClr val="accent1"/>
+            </a:fillRef>
+            <a:effectRef idx="0">
+              <a:schemeClr val="accent1"/>
+            </a:effectRef>
+            <a:fontRef idx="minor">
+              <a:schemeClr val="lt1"/>
+            </a:fontRef>
+          </p:style>
+          <p:txBody>
+            <a:bodyPr rtlCol="0" anchor="ctr"/>
+            <a:lstStyle/>
+            <a:p>
+              <a:pPr algn="ctr"/>
+              <a:r>
+                <a:rPr lang="en-US" sz="800" i="1" dirty="0">
+                  <a:solidFill>
+                    <a:schemeClr val="tx1"/>
+                  </a:solidFill>
+                </a:rPr>
+                <a:t>/diagnostics/Epsilon.png</a:t>
+              </a:r>
+            </a:p>
+          </p:txBody>
+        </p:sp>
+      </p:grpSp>
+      <p:grpSp>
+        <p:nvGrpSpPr>
+          <p:cNvPr id="47" name="Group 46">
+            <a:extLst>
+              <a:ext uri="{FF2B5EF4-FFF2-40B4-BE49-F238E27FC236}">
+                <a16:creationId xmlns:a16="http://schemas.microsoft.com/office/drawing/2014/main" id="{3F95E726-825E-43EA-B199-411A0454637A}"/>
+              </a:ext>
+            </a:extLst>
+          </p:cNvPr>
+          <p:cNvGrpSpPr/>
+          <p:nvPr/>
+        </p:nvGrpSpPr>
+        <p:grpSpPr>
+          <a:xfrm>
+            <a:off x="4744291" y="1826021"/>
+            <a:ext cx="2631616" cy="3081493"/>
+            <a:chOff x="1407160" y="2454022"/>
+            <a:chExt cx="3947424" cy="4440410"/>
+          </a:xfrm>
+        </p:grpSpPr>
+        <p:sp>
+          <p:nvSpPr>
+            <p:cNvPr id="48" name="Rectangle 47">
+              <a:extLst>
+                <a:ext uri="{FF2B5EF4-FFF2-40B4-BE49-F238E27FC236}">
+                  <a16:creationId xmlns:a16="http://schemas.microsoft.com/office/drawing/2014/main" id="{7D24AB94-1D40-4CA8-A7DE-646F8CC9F573}"/>
+                </a:ext>
+              </a:extLst>
+            </p:cNvPr>
+            <p:cNvSpPr/>
+            <p:nvPr/>
+          </p:nvSpPr>
+          <p:spPr>
+            <a:xfrm>
+              <a:off x="1407160" y="2462784"/>
+              <a:ext cx="3947424" cy="4431648"/>
+            </a:xfrm>
+            <a:prstGeom prst="rect">
+              <a:avLst/>
+            </a:prstGeom>
+            <a:solidFill>
+              <a:srgbClr val="00B0F0"/>
+            </a:solidFill>
+            <a:ln>
+              <a:solidFill>
+                <a:schemeClr val="tx1"/>
+              </a:solidFill>
+            </a:ln>
+          </p:spPr>
+          <p:style>
+            <a:lnRef idx="2">
+              <a:schemeClr val="accent1">
+                <a:shade val="50000"/>
+              </a:schemeClr>
+            </a:lnRef>
+            <a:fillRef idx="1">
+              <a:schemeClr val="accent1"/>
+            </a:fillRef>
+            <a:effectRef idx="0">
+              <a:schemeClr val="accent1"/>
+            </a:effectRef>
+            <a:fontRef idx="minor">
+              <a:schemeClr val="lt1"/>
+            </a:fontRef>
+          </p:style>
+          <p:txBody>
+            <a:bodyPr rtlCol="0" anchor="ctr"/>
+            <a:lstStyle/>
+            <a:p>
+              <a:pPr algn="ctr"/>
+              <a:endParaRPr lang="en-US" sz="933" i="1" dirty="0"/>
+            </a:p>
+          </p:txBody>
+        </p:sp>
+        <p:sp>
+          <p:nvSpPr>
+            <p:cNvPr id="49" name="Rectangle 48">
+              <a:extLst>
+                <a:ext uri="{FF2B5EF4-FFF2-40B4-BE49-F238E27FC236}">
+                  <a16:creationId xmlns:a16="http://schemas.microsoft.com/office/drawing/2014/main" id="{D0432DAC-53E2-4EED-9799-058D27D78A80}"/>
+                </a:ext>
+              </a:extLst>
+            </p:cNvPr>
+            <p:cNvSpPr/>
+            <p:nvPr/>
+          </p:nvSpPr>
+          <p:spPr>
+            <a:xfrm>
+              <a:off x="2053059" y="2846832"/>
+              <a:ext cx="3100906" cy="3882226"/>
+            </a:xfrm>
+            <a:prstGeom prst="rect">
+              <a:avLst/>
+            </a:prstGeom>
+            <a:solidFill>
+              <a:schemeClr val="accent2"/>
+            </a:solidFill>
+            <a:ln>
+              <a:solidFill>
+                <a:schemeClr val="tx1"/>
+              </a:solidFill>
+            </a:ln>
+          </p:spPr>
+          <p:style>
+            <a:lnRef idx="2">
+              <a:schemeClr val="accent1">
+                <a:shade val="50000"/>
+              </a:schemeClr>
+            </a:lnRef>
+            <a:fillRef idx="1">
+              <a:schemeClr val="accent1"/>
+            </a:fillRef>
+            <a:effectRef idx="0">
+              <a:schemeClr val="accent1"/>
+            </a:effectRef>
+            <a:fontRef idx="minor">
+              <a:schemeClr val="lt1"/>
+            </a:fontRef>
+          </p:style>
+          <p:txBody>
+            <a:bodyPr rtlCol="0" anchor="ctr"/>
+            <a:lstStyle/>
+            <a:p>
+              <a:pPr algn="ctr"/>
+              <a:endParaRPr lang="en-US" sz="1200" dirty="0"/>
+            </a:p>
+          </p:txBody>
+        </p:sp>
+        <p:sp>
+          <p:nvSpPr>
+            <p:cNvPr id="51" name="Rectangle 50">
+              <a:extLst>
+                <a:ext uri="{FF2B5EF4-FFF2-40B4-BE49-F238E27FC236}">
+                  <a16:creationId xmlns:a16="http://schemas.microsoft.com/office/drawing/2014/main" id="{3B77F9F3-89DD-4759-8F37-F89DEC55C202}"/>
+                </a:ext>
+              </a:extLst>
+            </p:cNvPr>
+            <p:cNvSpPr/>
+            <p:nvPr/>
+          </p:nvSpPr>
+          <p:spPr>
+            <a:xfrm>
+              <a:off x="2511751" y="5676716"/>
+              <a:ext cx="2363153" cy="177262"/>
+            </a:xfrm>
+            <a:prstGeom prst="rect">
+              <a:avLst/>
+            </a:prstGeom>
+            <a:solidFill>
+              <a:schemeClr val="accent4"/>
+            </a:solidFill>
+            <a:ln>
+              <a:solidFill>
+                <a:schemeClr val="tx1"/>
+              </a:solidFill>
+            </a:ln>
+          </p:spPr>
+          <p:style>
+            <a:lnRef idx="2">
+              <a:schemeClr val="accent1">
+                <a:shade val="50000"/>
+              </a:schemeClr>
+            </a:lnRef>
+            <a:fillRef idx="1">
+              <a:schemeClr val="accent1"/>
+            </a:fillRef>
+            <a:effectRef idx="0">
+              <a:schemeClr val="accent1"/>
+            </a:effectRef>
+            <a:fontRef idx="minor">
+              <a:schemeClr val="lt1"/>
+            </a:fontRef>
+          </p:style>
+          <p:txBody>
+            <a:bodyPr rtlCol="0" anchor="ctr"/>
+            <a:lstStyle/>
+            <a:p>
+              <a:pPr algn="ctr"/>
+              <a:r>
+                <a:rPr lang="en-US" sz="800" i="1" dirty="0" err="1">
+                  <a:solidFill>
+                    <a:schemeClr val="tx1"/>
+                  </a:solidFill>
+                </a:rPr>
+                <a:t>Extrapolation_Grid_Covariates.R</a:t>
+              </a:r>
+              <a:endParaRPr lang="en-US" sz="800" i="1" dirty="0">
+                <a:solidFill>
+                  <a:schemeClr val="tx1"/>
+                </a:solidFill>
+              </a:endParaRPr>
+            </a:p>
+          </p:txBody>
+        </p:sp>
+        <p:cxnSp>
+          <p:nvCxnSpPr>
+            <p:cNvPr id="54" name="Straight Arrow Connector 53">
+              <a:extLst>
+                <a:ext uri="{FF2B5EF4-FFF2-40B4-BE49-F238E27FC236}">
+                  <a16:creationId xmlns:a16="http://schemas.microsoft.com/office/drawing/2014/main" id="{36374727-A303-47CA-AB73-CED692F0C55A}"/>
+                </a:ext>
+              </a:extLst>
+            </p:cNvPr>
+            <p:cNvCxnSpPr>
+              <a:cxnSpLocks/>
+              <a:stCxn id="51" idx="2"/>
+              <a:endCxn id="63" idx="0"/>
+            </p:cNvCxnSpPr>
+            <p:nvPr/>
+          </p:nvCxnSpPr>
+          <p:spPr>
+            <a:xfrm>
+              <a:off x="3693328" y="5853979"/>
+              <a:ext cx="7620" cy="496233"/>
+            </a:xfrm>
+            <a:prstGeom prst="straightConnector1">
+              <a:avLst/>
+            </a:prstGeom>
+            <a:ln w="38100">
+              <a:solidFill>
+                <a:schemeClr val="tx1"/>
+              </a:solidFill>
+              <a:tailEnd type="triangle"/>
+            </a:ln>
+          </p:spPr>
+          <p:style>
+            <a:lnRef idx="1">
+              <a:schemeClr val="accent1"/>
+            </a:lnRef>
+            <a:fillRef idx="0">
+              <a:schemeClr val="accent1"/>
+            </a:fillRef>
+            <a:effectRef idx="0">
+              <a:schemeClr val="accent1"/>
+            </a:effectRef>
+            <a:fontRef idx="minor">
+              <a:schemeClr val="tx1"/>
+            </a:fontRef>
+          </p:style>
+        </p:cxnSp>
         <p:grpSp>
           <p:nvGrpSpPr>
-            <p:cNvPr id="4" name="Group 3">
+            <p:cNvPr id="55" name="Group 54">
               <a:extLst>
                 <a:ext uri="{FF2B5EF4-FFF2-40B4-BE49-F238E27FC236}">
-                  <a16:creationId xmlns:a16="http://schemas.microsoft.com/office/drawing/2014/main" id="{5053CC17-C3C2-4111-B69B-3E88155FD529}"/>
+                  <a16:creationId xmlns:a16="http://schemas.microsoft.com/office/drawing/2014/main" id="{7E461F4F-3ACF-4488-907C-E2DE53A6EF2F}"/>
                 </a:ext>
               </a:extLst>
             </p:cNvPr>
@@ -5522,18 +7975,18 @@
           </p:nvGrpSpPr>
           <p:grpSpPr>
             <a:xfrm>
-              <a:off x="1964519" y="5256566"/>
-              <a:ext cx="6006740" cy="5605457"/>
-              <a:chOff x="543560" y="341045"/>
-              <a:chExt cx="6405782" cy="8408185"/>
+              <a:off x="2471880" y="3337007"/>
+              <a:ext cx="2433439" cy="684070"/>
+              <a:chOff x="796639" y="596403"/>
+              <a:chExt cx="1955582" cy="543739"/>
             </a:xfrm>
           </p:grpSpPr>
           <p:sp>
             <p:nvSpPr>
-              <p:cNvPr id="33" name="Rectangle 32">
+              <p:cNvPr id="67" name="Rectangle 66">
                 <a:extLst>
                   <a:ext uri="{FF2B5EF4-FFF2-40B4-BE49-F238E27FC236}">
-                    <a16:creationId xmlns:a16="http://schemas.microsoft.com/office/drawing/2014/main" id="{198088A9-C32B-4911-86E0-AF2F589BAC86}"/>
+                    <a16:creationId xmlns:a16="http://schemas.microsoft.com/office/drawing/2014/main" id="{BD5AF0D3-ED38-44B4-8C36-2D0D9035C757}"/>
                   </a:ext>
                 </a:extLst>
               </p:cNvPr>
@@ -5542,1085 +7995,8 @@
             </p:nvSpPr>
             <p:spPr>
               <a:xfrm>
-                <a:off x="543560" y="341045"/>
-                <a:ext cx="5770880" cy="4334256"/>
-              </a:xfrm>
-              <a:prstGeom prst="rect">
-                <a:avLst/>
-              </a:prstGeom>
-              <a:solidFill>
-                <a:srgbClr val="00B0F0"/>
-              </a:solidFill>
-              <a:ln>
-                <a:solidFill>
-                  <a:schemeClr val="tx1"/>
-                </a:solidFill>
-              </a:ln>
-            </p:spPr>
-            <p:style>
-              <a:lnRef idx="2">
-                <a:schemeClr val="accent1">
-                  <a:shade val="50000"/>
-                </a:schemeClr>
-              </a:lnRef>
-              <a:fillRef idx="1">
-                <a:schemeClr val="accent1"/>
-              </a:fillRef>
-              <a:effectRef idx="0">
-                <a:schemeClr val="accent1"/>
-              </a:effectRef>
-              <a:fontRef idx="minor">
-                <a:schemeClr val="lt1"/>
-              </a:fontRef>
-            </p:style>
-            <p:txBody>
-              <a:bodyPr rtlCol="0" anchor="ctr"/>
-              <a:lstStyle/>
-              <a:p>
-                <a:pPr algn="ctr"/>
-                <a:endParaRPr lang="en-US" sz="933" i="1" dirty="0"/>
-              </a:p>
-            </p:txBody>
-          </p:sp>
-          <p:sp>
-            <p:nvSpPr>
-              <p:cNvPr id="56" name="TextBox 55">
-                <a:extLst>
-                  <a:ext uri="{FF2B5EF4-FFF2-40B4-BE49-F238E27FC236}">
-                    <a16:creationId xmlns:a16="http://schemas.microsoft.com/office/drawing/2014/main" id="{FFB0236C-4656-4E63-B8E6-DBF1AE6E188A}"/>
-                  </a:ext>
-                </a:extLst>
-              </p:cNvPr>
-              <p:cNvSpPr txBox="1"/>
-              <p:nvPr/>
-            </p:nvSpPr>
-            <p:spPr>
-              <a:xfrm>
-                <a:off x="4066712" y="517280"/>
-                <a:ext cx="2180164" cy="692497"/>
-              </a:xfrm>
-              <a:prstGeom prst="rect">
-                <a:avLst/>
-              </a:prstGeom>
-              <a:noFill/>
-            </p:spPr>
-            <p:txBody>
-              <a:bodyPr wrap="square">
-                <a:spAutoFit/>
-              </a:bodyPr>
-              <a:lstStyle/>
-              <a:p>
-                <a:pPr algn="ctr"/>
-                <a:r>
-                  <a:rPr lang="en-US" sz="1200" i="1" dirty="0"/>
-                  <a:t>Fit Model and conduct 10-fold cross-validation</a:t>
-                </a:r>
-              </a:p>
-            </p:txBody>
-          </p:sp>
-          <p:sp>
-            <p:nvSpPr>
-              <p:cNvPr id="2" name="Rectangle 1">
-                <a:extLst>
-                  <a:ext uri="{FF2B5EF4-FFF2-40B4-BE49-F238E27FC236}">
-                    <a16:creationId xmlns:a16="http://schemas.microsoft.com/office/drawing/2014/main" id="{0EEB33DE-3E8F-4AC4-AED7-AD4BCBF03E35}"/>
-                  </a:ext>
-                </a:extLst>
-              </p:cNvPr>
-              <p:cNvSpPr/>
-              <p:nvPr/>
-            </p:nvSpPr>
-            <p:spPr>
-              <a:xfrm>
-                <a:off x="1117583" y="3224998"/>
-                <a:ext cx="5088145" cy="1255445"/>
-              </a:xfrm>
-              <a:prstGeom prst="rect">
-                <a:avLst/>
-              </a:prstGeom>
-              <a:solidFill>
-                <a:schemeClr val="accent2"/>
-              </a:solidFill>
-              <a:ln>
-                <a:solidFill>
-                  <a:schemeClr val="tx1"/>
-                </a:solidFill>
-              </a:ln>
-            </p:spPr>
-            <p:style>
-              <a:lnRef idx="2">
-                <a:schemeClr val="accent1">
-                  <a:shade val="50000"/>
-                </a:schemeClr>
-              </a:lnRef>
-              <a:fillRef idx="1">
-                <a:schemeClr val="accent1"/>
-              </a:fillRef>
-              <a:effectRef idx="0">
-                <a:schemeClr val="accent1"/>
-              </a:effectRef>
-              <a:fontRef idx="minor">
-                <a:schemeClr val="lt1"/>
-              </a:fontRef>
-            </p:style>
-            <p:txBody>
-              <a:bodyPr rtlCol="0" anchor="ctr"/>
-              <a:lstStyle/>
-              <a:p>
-                <a:pPr algn="ctr"/>
-                <a:endParaRPr lang="en-US" sz="1200"/>
-              </a:p>
-            </p:txBody>
-          </p:sp>
-          <p:sp>
-            <p:nvSpPr>
-              <p:cNvPr id="3" name="TextBox 2">
-                <a:extLst>
-                  <a:ext uri="{FF2B5EF4-FFF2-40B4-BE49-F238E27FC236}">
-                    <a16:creationId xmlns:a16="http://schemas.microsoft.com/office/drawing/2014/main" id="{2047FDDB-D9FF-4A31-8DCC-DF26E80395AF}"/>
-                  </a:ext>
-                </a:extLst>
-              </p:cNvPr>
-              <p:cNvSpPr txBox="1"/>
-              <p:nvPr/>
-            </p:nvSpPr>
-            <p:spPr>
-              <a:xfrm>
-                <a:off x="2301238" y="4111110"/>
-                <a:ext cx="3922779" cy="415498"/>
-              </a:xfrm>
-              <a:prstGeom prst="rect">
-                <a:avLst/>
-              </a:prstGeom>
-              <a:noFill/>
-            </p:spPr>
-            <p:txBody>
-              <a:bodyPr wrap="square">
-                <a:spAutoFit/>
-              </a:bodyPr>
-              <a:lstStyle/>
-              <a:p>
-                <a:pPr algn="ctr"/>
-                <a:r>
-                  <a:rPr lang="en-US" sz="1200" i="1" dirty="0"/>
-                  <a:t>G:/Oyafuso/VAST_EFH/Single_Species/</a:t>
-                </a:r>
-              </a:p>
-            </p:txBody>
-          </p:sp>
-          <p:sp>
-            <p:nvSpPr>
-              <p:cNvPr id="11" name="Rectangle 10">
-                <a:extLst>
-                  <a:ext uri="{FF2B5EF4-FFF2-40B4-BE49-F238E27FC236}">
-                    <a16:creationId xmlns:a16="http://schemas.microsoft.com/office/drawing/2014/main" id="{5073C85F-53E9-4287-AD0C-38BAB3EF9E5B}"/>
-                  </a:ext>
-                </a:extLst>
-              </p:cNvPr>
-              <p:cNvSpPr/>
-              <p:nvPr/>
-            </p:nvSpPr>
-            <p:spPr>
-              <a:xfrm>
-                <a:off x="722550" y="984854"/>
-                <a:ext cx="3194612" cy="1989999"/>
-              </a:xfrm>
-              <a:prstGeom prst="rect">
-                <a:avLst/>
-              </a:prstGeom>
-              <a:solidFill>
-                <a:schemeClr val="accent2"/>
-              </a:solidFill>
-              <a:ln>
-                <a:solidFill>
-                  <a:schemeClr val="tx1"/>
-                </a:solidFill>
-              </a:ln>
-            </p:spPr>
-            <p:style>
-              <a:lnRef idx="2">
-                <a:schemeClr val="accent1">
-                  <a:shade val="50000"/>
-                </a:schemeClr>
-              </a:lnRef>
-              <a:fillRef idx="1">
-                <a:schemeClr val="accent1"/>
-              </a:fillRef>
-              <a:effectRef idx="0">
-                <a:schemeClr val="accent1"/>
-              </a:effectRef>
-              <a:fontRef idx="minor">
-                <a:schemeClr val="lt1"/>
-              </a:fontRef>
-            </p:style>
-            <p:txBody>
-              <a:bodyPr rtlCol="0" anchor="ctr"/>
-              <a:lstStyle/>
-              <a:p>
-                <a:pPr algn="ctr"/>
-                <a:endParaRPr lang="en-US" sz="1200"/>
-              </a:p>
-            </p:txBody>
-          </p:sp>
-          <p:sp>
-            <p:nvSpPr>
-              <p:cNvPr id="15" name="Rectangle 14">
-                <a:extLst>
-                  <a:ext uri="{FF2B5EF4-FFF2-40B4-BE49-F238E27FC236}">
-                    <a16:creationId xmlns:a16="http://schemas.microsoft.com/office/drawing/2014/main" id="{6A6CDF41-97D7-4B1A-9577-DD943478E0F9}"/>
-                  </a:ext>
-                </a:extLst>
-              </p:cNvPr>
-              <p:cNvSpPr/>
-              <p:nvPr/>
-            </p:nvSpPr>
-            <p:spPr>
-              <a:xfrm>
-                <a:off x="1435356" y="1660542"/>
-                <a:ext cx="1828800" cy="608484"/>
-              </a:xfrm>
-              <a:prstGeom prst="rect">
-                <a:avLst/>
-              </a:prstGeom>
-              <a:solidFill>
-                <a:schemeClr val="accent4"/>
-              </a:solidFill>
-              <a:ln>
-                <a:solidFill>
-                  <a:schemeClr val="tx1"/>
-                </a:solidFill>
-              </a:ln>
-            </p:spPr>
-            <p:style>
-              <a:lnRef idx="2">
-                <a:schemeClr val="accent1">
-                  <a:shade val="50000"/>
-                </a:schemeClr>
-              </a:lnRef>
-              <a:fillRef idx="1">
-                <a:schemeClr val="accent1"/>
-              </a:fillRef>
-              <a:effectRef idx="0">
-                <a:schemeClr val="accent1"/>
-              </a:effectRef>
-              <a:fontRef idx="minor">
-                <a:schemeClr val="lt1"/>
-              </a:fontRef>
-            </p:style>
-            <p:txBody>
-              <a:bodyPr rtlCol="0" anchor="ctr"/>
-              <a:lstStyle/>
-              <a:p>
-                <a:pPr algn="ctr"/>
-                <a:r>
-                  <a:rPr lang="en-US" sz="800" i="1" dirty="0" err="1">
-                    <a:solidFill>
-                      <a:schemeClr val="tx1"/>
-                    </a:solidFill>
-                  </a:rPr>
-                  <a:t>fit_models.R</a:t>
-                </a:r>
-                <a:endParaRPr lang="en-US" sz="800" i="1" dirty="0">
-                  <a:solidFill>
-                    <a:schemeClr val="tx1"/>
-                  </a:solidFill>
-                </a:endParaRPr>
-              </a:p>
-            </p:txBody>
-          </p:sp>
-          <p:sp>
-            <p:nvSpPr>
-              <p:cNvPr id="24" name="Rectangle 23">
-                <a:extLst>
-                  <a:ext uri="{FF2B5EF4-FFF2-40B4-BE49-F238E27FC236}">
-                    <a16:creationId xmlns:a16="http://schemas.microsoft.com/office/drawing/2014/main" id="{1A0B9B70-DF76-438A-9CEB-1A073E39F65C}"/>
-                  </a:ext>
-                </a:extLst>
-              </p:cNvPr>
-              <p:cNvSpPr/>
-              <p:nvPr/>
-            </p:nvSpPr>
-            <p:spPr>
-              <a:xfrm>
-                <a:off x="1229622" y="3439471"/>
-                <a:ext cx="1800092" cy="228583"/>
-              </a:xfrm>
-              <a:prstGeom prst="rect">
-                <a:avLst/>
-              </a:prstGeom>
-              <a:solidFill>
-                <a:schemeClr val="accent6"/>
-              </a:solidFill>
-              <a:ln>
-                <a:solidFill>
-                  <a:schemeClr val="tx1"/>
-                </a:solidFill>
-              </a:ln>
-            </p:spPr>
-            <p:style>
-              <a:lnRef idx="2">
-                <a:schemeClr val="accent1">
-                  <a:shade val="50000"/>
-                </a:schemeClr>
-              </a:lnRef>
-              <a:fillRef idx="1">
-                <a:schemeClr val="accent1"/>
-              </a:fillRef>
-              <a:effectRef idx="0">
-                <a:schemeClr val="accent1"/>
-              </a:effectRef>
-              <a:fontRef idx="minor">
-                <a:schemeClr val="lt1"/>
-              </a:fontRef>
-            </p:style>
-            <p:txBody>
-              <a:bodyPr rtlCol="0" anchor="ctr"/>
-              <a:lstStyle/>
-              <a:p>
-                <a:pPr algn="ctr"/>
-                <a:r>
-                  <a:rPr lang="en-US" sz="800" i="1" dirty="0" err="1">
-                    <a:solidFill>
-                      <a:schemeClr val="tx1"/>
-                    </a:solidFill>
-                  </a:rPr>
-                  <a:t>Atheresthes</a:t>
-                </a:r>
-                <a:r>
-                  <a:rPr lang="en-US" sz="800" i="1" dirty="0">
-                    <a:solidFill>
-                      <a:schemeClr val="tx1"/>
-                    </a:solidFill>
-                  </a:rPr>
-                  <a:t> </a:t>
-                </a:r>
-                <a:r>
-                  <a:rPr lang="en-US" sz="800" i="1" dirty="0" err="1">
-                    <a:solidFill>
-                      <a:schemeClr val="tx1"/>
-                    </a:solidFill>
-                  </a:rPr>
-                  <a:t>stomias</a:t>
-                </a:r>
-                <a:r>
-                  <a:rPr lang="en-US" sz="800" i="1" dirty="0">
-                    <a:solidFill>
-                      <a:schemeClr val="tx1"/>
-                    </a:solidFill>
-                  </a:rPr>
-                  <a:t>/</a:t>
-                </a:r>
-              </a:p>
-            </p:txBody>
-          </p:sp>
-          <p:sp>
-            <p:nvSpPr>
-              <p:cNvPr id="26" name="Rectangle 25">
-                <a:extLst>
-                  <a:ext uri="{FF2B5EF4-FFF2-40B4-BE49-F238E27FC236}">
-                    <a16:creationId xmlns:a16="http://schemas.microsoft.com/office/drawing/2014/main" id="{FAA32086-4119-4E51-842D-B130EEDC5A7A}"/>
-                  </a:ext>
-                </a:extLst>
-              </p:cNvPr>
-              <p:cNvSpPr/>
-              <p:nvPr/>
-            </p:nvSpPr>
-            <p:spPr>
-              <a:xfrm>
-                <a:off x="1229621" y="3660999"/>
-                <a:ext cx="1800092" cy="228583"/>
-              </a:xfrm>
-              <a:prstGeom prst="rect">
-                <a:avLst/>
-              </a:prstGeom>
-              <a:solidFill>
-                <a:schemeClr val="accent6"/>
-              </a:solidFill>
-              <a:ln>
-                <a:solidFill>
-                  <a:schemeClr val="tx1"/>
-                </a:solidFill>
-              </a:ln>
-            </p:spPr>
-            <p:style>
-              <a:lnRef idx="2">
-                <a:schemeClr val="accent1">
-                  <a:shade val="50000"/>
-                </a:schemeClr>
-              </a:lnRef>
-              <a:fillRef idx="1">
-                <a:schemeClr val="accent1"/>
-              </a:fillRef>
-              <a:effectRef idx="0">
-                <a:schemeClr val="accent1"/>
-              </a:effectRef>
-              <a:fontRef idx="minor">
-                <a:schemeClr val="lt1"/>
-              </a:fontRef>
-            </p:style>
-            <p:txBody>
-              <a:bodyPr rtlCol="0" anchor="ctr"/>
-              <a:lstStyle/>
-              <a:p>
-                <a:pPr algn="ctr"/>
-                <a:r>
-                  <a:rPr lang="en-US" sz="800" i="1" dirty="0" err="1">
-                    <a:solidFill>
-                      <a:schemeClr val="tx1"/>
-                    </a:solidFill>
-                  </a:rPr>
-                  <a:t>Atheresthes</a:t>
-                </a:r>
-                <a:r>
-                  <a:rPr lang="en-US" sz="800" i="1" dirty="0">
-                    <a:solidFill>
-                      <a:schemeClr val="tx1"/>
-                    </a:solidFill>
-                  </a:rPr>
-                  <a:t> </a:t>
-                </a:r>
-                <a:r>
-                  <a:rPr lang="en-US" sz="800" i="1" dirty="0" err="1">
-                    <a:solidFill>
-                      <a:schemeClr val="tx1"/>
-                    </a:solidFill>
-                  </a:rPr>
-                  <a:t>stomias_depth</a:t>
-                </a:r>
-                <a:r>
-                  <a:rPr lang="en-US" sz="800" i="1" dirty="0">
-                    <a:solidFill>
-                      <a:schemeClr val="tx1"/>
-                    </a:solidFill>
-                  </a:rPr>
-                  <a:t>/</a:t>
-                </a:r>
-              </a:p>
-            </p:txBody>
-          </p:sp>
-          <p:sp>
-            <p:nvSpPr>
-              <p:cNvPr id="28" name="Rectangle 27">
-                <a:extLst>
-                  <a:ext uri="{FF2B5EF4-FFF2-40B4-BE49-F238E27FC236}">
-                    <a16:creationId xmlns:a16="http://schemas.microsoft.com/office/drawing/2014/main" id="{65618794-361B-4D38-87A2-E55111136987}"/>
-                  </a:ext>
-                </a:extLst>
-              </p:cNvPr>
-              <p:cNvSpPr/>
-              <p:nvPr/>
-            </p:nvSpPr>
-            <p:spPr>
-              <a:xfrm>
-                <a:off x="4017264" y="3439471"/>
-                <a:ext cx="2072642" cy="228583"/>
-              </a:xfrm>
-              <a:prstGeom prst="rect">
-                <a:avLst/>
-              </a:prstGeom>
-              <a:solidFill>
-                <a:schemeClr val="accent6"/>
-              </a:solidFill>
-              <a:ln>
-                <a:solidFill>
-                  <a:schemeClr val="tx1"/>
-                </a:solidFill>
-              </a:ln>
-            </p:spPr>
-            <p:style>
-              <a:lnRef idx="2">
-                <a:schemeClr val="accent1">
-                  <a:shade val="50000"/>
-                </a:schemeClr>
-              </a:lnRef>
-              <a:fillRef idx="1">
-                <a:schemeClr val="accent1"/>
-              </a:fillRef>
-              <a:effectRef idx="0">
-                <a:schemeClr val="accent1"/>
-              </a:effectRef>
-              <a:fontRef idx="minor">
-                <a:schemeClr val="lt1"/>
-              </a:fontRef>
-            </p:style>
-            <p:txBody>
-              <a:bodyPr rtlCol="0" anchor="ctr"/>
-              <a:lstStyle/>
-              <a:p>
-                <a:pPr algn="ctr"/>
-                <a:r>
-                  <a:rPr lang="en-US" sz="800" i="1" dirty="0" err="1">
-                    <a:solidFill>
-                      <a:schemeClr val="tx1"/>
-                    </a:solidFill>
-                  </a:rPr>
-                  <a:t>Sebastolobus</a:t>
-                </a:r>
-                <a:r>
-                  <a:rPr lang="en-US" sz="800" i="1" dirty="0">
-                    <a:solidFill>
-                      <a:schemeClr val="tx1"/>
-                    </a:solidFill>
-                  </a:rPr>
-                  <a:t> </a:t>
-                </a:r>
-                <a:r>
-                  <a:rPr lang="en-US" sz="800" i="1" dirty="0" err="1">
-                    <a:solidFill>
-                      <a:schemeClr val="tx1"/>
-                    </a:solidFill>
-                  </a:rPr>
-                  <a:t>aluscanus</a:t>
-                </a:r>
-                <a:r>
-                  <a:rPr lang="en-US" sz="800" i="1" dirty="0">
-                    <a:solidFill>
-                      <a:schemeClr val="tx1"/>
-                    </a:solidFill>
-                  </a:rPr>
-                  <a:t>/</a:t>
-                </a:r>
-              </a:p>
-            </p:txBody>
-          </p:sp>
-          <p:sp>
-            <p:nvSpPr>
-              <p:cNvPr id="37" name="Rectangle 36">
-                <a:extLst>
-                  <a:ext uri="{FF2B5EF4-FFF2-40B4-BE49-F238E27FC236}">
-                    <a16:creationId xmlns:a16="http://schemas.microsoft.com/office/drawing/2014/main" id="{E34E2075-2C44-4BBE-8ED8-3876C9605685}"/>
-                  </a:ext>
-                </a:extLst>
-              </p:cNvPr>
-              <p:cNvSpPr/>
-              <p:nvPr/>
-            </p:nvSpPr>
-            <p:spPr>
-              <a:xfrm>
-                <a:off x="4017263" y="3660999"/>
-                <a:ext cx="2072642" cy="228583"/>
-              </a:xfrm>
-              <a:prstGeom prst="rect">
-                <a:avLst/>
-              </a:prstGeom>
-              <a:solidFill>
-                <a:schemeClr val="accent6"/>
-              </a:solidFill>
-              <a:ln>
-                <a:solidFill>
-                  <a:schemeClr val="tx1"/>
-                </a:solidFill>
-              </a:ln>
-            </p:spPr>
-            <p:style>
-              <a:lnRef idx="2">
-                <a:schemeClr val="accent1">
-                  <a:shade val="50000"/>
-                </a:schemeClr>
-              </a:lnRef>
-              <a:fillRef idx="1">
-                <a:schemeClr val="accent1"/>
-              </a:fillRef>
-              <a:effectRef idx="0">
-                <a:schemeClr val="accent1"/>
-              </a:effectRef>
-              <a:fontRef idx="minor">
-                <a:schemeClr val="lt1"/>
-              </a:fontRef>
-            </p:style>
-            <p:txBody>
-              <a:bodyPr rtlCol="0" anchor="ctr"/>
-              <a:lstStyle/>
-              <a:p>
-                <a:pPr algn="ctr"/>
-                <a:r>
-                  <a:rPr lang="en-US" sz="800" i="1" dirty="0" err="1">
-                    <a:solidFill>
-                      <a:schemeClr val="tx1"/>
-                    </a:solidFill>
-                  </a:rPr>
-                  <a:t>Sebastolobus</a:t>
-                </a:r>
-                <a:r>
-                  <a:rPr lang="en-US" sz="800" i="1" dirty="0">
-                    <a:solidFill>
-                      <a:schemeClr val="tx1"/>
-                    </a:solidFill>
-                  </a:rPr>
-                  <a:t> </a:t>
-                </a:r>
-                <a:r>
-                  <a:rPr lang="en-US" sz="800" i="1" dirty="0" err="1">
-                    <a:solidFill>
-                      <a:schemeClr val="tx1"/>
-                    </a:solidFill>
-                  </a:rPr>
-                  <a:t>aluscanus</a:t>
-                </a:r>
-                <a:r>
-                  <a:rPr lang="en-US" sz="800" i="1" dirty="0">
-                    <a:solidFill>
-                      <a:schemeClr val="tx1"/>
-                    </a:solidFill>
-                  </a:rPr>
-                  <a:t> _depth/</a:t>
-                </a:r>
-              </a:p>
-            </p:txBody>
-          </p:sp>
-          <p:sp>
-            <p:nvSpPr>
-              <p:cNvPr id="45" name="TextBox 44">
-                <a:extLst>
-                  <a:ext uri="{FF2B5EF4-FFF2-40B4-BE49-F238E27FC236}">
-                    <a16:creationId xmlns:a16="http://schemas.microsoft.com/office/drawing/2014/main" id="{ECD3A2EE-12AA-4AC2-9FDD-341B274E85F2}"/>
-                  </a:ext>
-                </a:extLst>
-              </p:cNvPr>
-              <p:cNvSpPr txBox="1"/>
-              <p:nvPr/>
-            </p:nvSpPr>
-            <p:spPr>
-              <a:xfrm>
-                <a:off x="3141751" y="3337746"/>
-                <a:ext cx="729996" cy="569484"/>
-              </a:xfrm>
-              <a:prstGeom prst="rect">
-                <a:avLst/>
-              </a:prstGeom>
-              <a:noFill/>
-            </p:spPr>
-            <p:txBody>
-              <a:bodyPr wrap="square">
-                <a:spAutoFit/>
-              </a:bodyPr>
-              <a:lstStyle/>
-              <a:p>
-                <a:pPr algn="ctr"/>
-                <a:r>
-                  <a:rPr lang="en-US" sz="1867" b="1" i="1" dirty="0"/>
-                  <a:t>. . .</a:t>
-                </a:r>
-              </a:p>
-            </p:txBody>
-          </p:sp>
-          <p:cxnSp>
-            <p:nvCxnSpPr>
-              <p:cNvPr id="46" name="Straight Arrow Connector 45">
-                <a:extLst>
-                  <a:ext uri="{FF2B5EF4-FFF2-40B4-BE49-F238E27FC236}">
-                    <a16:creationId xmlns:a16="http://schemas.microsoft.com/office/drawing/2014/main" id="{4DD05D9A-3DF0-4A5B-B7AF-501F3CE6723A}"/>
-                  </a:ext>
-                </a:extLst>
-              </p:cNvPr>
-              <p:cNvCxnSpPr>
-                <a:cxnSpLocks/>
-                <a:stCxn id="15" idx="2"/>
-                <a:endCxn id="2" idx="0"/>
-              </p:cNvCxnSpPr>
-              <p:nvPr/>
-            </p:nvCxnSpPr>
-            <p:spPr>
-              <a:xfrm>
-                <a:off x="2349756" y="2269026"/>
-                <a:ext cx="1311900" cy="955971"/>
-              </a:xfrm>
-              <a:prstGeom prst="straightConnector1">
-                <a:avLst/>
-              </a:prstGeom>
-              <a:ln w="38100">
-                <a:solidFill>
-                  <a:schemeClr val="tx1"/>
-                </a:solidFill>
-                <a:tailEnd type="triangle"/>
-              </a:ln>
-            </p:spPr>
-            <p:style>
-              <a:lnRef idx="1">
-                <a:schemeClr val="accent1"/>
-              </a:lnRef>
-              <a:fillRef idx="0">
-                <a:schemeClr val="accent1"/>
-              </a:fillRef>
-              <a:effectRef idx="0">
-                <a:schemeClr val="accent1"/>
-              </a:effectRef>
-              <a:fontRef idx="minor">
-                <a:schemeClr val="tx1"/>
-              </a:fontRef>
-            </p:style>
-          </p:cxnSp>
-          <p:sp>
-            <p:nvSpPr>
-              <p:cNvPr id="50" name="TextBox 49">
-                <a:extLst>
-                  <a:ext uri="{FF2B5EF4-FFF2-40B4-BE49-F238E27FC236}">
-                    <a16:creationId xmlns:a16="http://schemas.microsoft.com/office/drawing/2014/main" id="{34749183-3199-4DCD-B353-70EA1AE117DD}"/>
-                  </a:ext>
-                </a:extLst>
-              </p:cNvPr>
-              <p:cNvSpPr txBox="1"/>
-              <p:nvPr/>
-            </p:nvSpPr>
-            <p:spPr>
-              <a:xfrm>
-                <a:off x="722548" y="2627082"/>
-                <a:ext cx="2058751" cy="415498"/>
-              </a:xfrm>
-              <a:prstGeom prst="rect">
-                <a:avLst/>
-              </a:prstGeom>
-              <a:noFill/>
-            </p:spPr>
-            <p:txBody>
-              <a:bodyPr wrap="square">
-                <a:spAutoFit/>
-              </a:bodyPr>
-              <a:lstStyle/>
-              <a:p>
-                <a:pPr algn="ctr"/>
-                <a:r>
-                  <a:rPr lang="en-US" sz="1200" i="1" dirty="0"/>
-                  <a:t>~/</a:t>
-                </a:r>
-                <a:r>
-                  <a:rPr lang="en-US" sz="1200" i="1" dirty="0" err="1"/>
-                  <a:t>ForMadison</a:t>
-                </a:r>
-                <a:r>
-                  <a:rPr lang="en-US" sz="1200" i="1" dirty="0"/>
-                  <a:t>/</a:t>
-                </a:r>
-              </a:p>
-            </p:txBody>
-          </p:sp>
-          <p:sp>
-            <p:nvSpPr>
-              <p:cNvPr id="21" name="TextBox 20">
-                <a:extLst>
-                  <a:ext uri="{FF2B5EF4-FFF2-40B4-BE49-F238E27FC236}">
-                    <a16:creationId xmlns:a16="http://schemas.microsoft.com/office/drawing/2014/main" id="{E1701A2B-81E6-4C3A-A6DE-A1989B393065}"/>
-                  </a:ext>
-                </a:extLst>
-              </p:cNvPr>
-              <p:cNvSpPr txBox="1"/>
-              <p:nvPr/>
-            </p:nvSpPr>
-            <p:spPr>
-              <a:xfrm>
-                <a:off x="4214825" y="1792821"/>
-                <a:ext cx="1223917" cy="323166"/>
-              </a:xfrm>
-              <a:prstGeom prst="rect">
-                <a:avLst/>
-              </a:prstGeom>
-              <a:solidFill>
-                <a:schemeClr val="accent4"/>
-              </a:solidFill>
-              <a:ln>
-                <a:solidFill>
-                  <a:schemeClr val="tx1"/>
-                </a:solidFill>
-              </a:ln>
-            </p:spPr>
-            <p:txBody>
-              <a:bodyPr wrap="square">
-                <a:spAutoFit/>
-              </a:bodyPr>
-              <a:lstStyle/>
-              <a:p>
-                <a:r>
-                  <a:rPr lang="en-US" sz="800" i="1" dirty="0"/>
-                  <a:t>~/</a:t>
-                </a:r>
-                <a:r>
-                  <a:rPr lang="en-US" sz="800" i="1" dirty="0" err="1"/>
-                  <a:t>fit_model_X_GTP.R</a:t>
-                </a:r>
-                <a:endParaRPr lang="en-US" sz="800" i="1" dirty="0"/>
-              </a:p>
-            </p:txBody>
-          </p:sp>
-          <p:cxnSp>
-            <p:nvCxnSpPr>
-              <p:cNvPr id="22" name="Straight Arrow Connector 21">
-                <a:extLst>
-                  <a:ext uri="{FF2B5EF4-FFF2-40B4-BE49-F238E27FC236}">
-                    <a16:creationId xmlns:a16="http://schemas.microsoft.com/office/drawing/2014/main" id="{227F247E-504C-482B-BC85-0EDDD7F57F98}"/>
-                  </a:ext>
-                </a:extLst>
-              </p:cNvPr>
-              <p:cNvCxnSpPr>
-                <a:cxnSpLocks/>
-                <a:stCxn id="21" idx="1"/>
-                <a:endCxn id="15" idx="3"/>
-              </p:cNvCxnSpPr>
-              <p:nvPr/>
-            </p:nvCxnSpPr>
-            <p:spPr>
-              <a:xfrm flipH="1">
-                <a:off x="3264156" y="1954404"/>
-                <a:ext cx="950669" cy="10380"/>
-              </a:xfrm>
-              <a:prstGeom prst="straightConnector1">
-                <a:avLst/>
-              </a:prstGeom>
-              <a:ln w="38100">
-                <a:solidFill>
-                  <a:schemeClr val="tx1"/>
-                </a:solidFill>
-                <a:tailEnd type="triangle"/>
-              </a:ln>
-            </p:spPr>
-            <p:style>
-              <a:lnRef idx="1">
-                <a:schemeClr val="accent1"/>
-              </a:lnRef>
-              <a:fillRef idx="0">
-                <a:schemeClr val="accent1"/>
-              </a:fillRef>
-              <a:effectRef idx="0">
-                <a:schemeClr val="accent1"/>
-              </a:effectRef>
-              <a:fontRef idx="minor">
-                <a:schemeClr val="tx1"/>
-              </a:fontRef>
-            </p:style>
-          </p:cxnSp>
-          <p:sp>
-            <p:nvSpPr>
-              <p:cNvPr id="20" name="Rectangle 19">
-                <a:extLst>
-                  <a:ext uri="{FF2B5EF4-FFF2-40B4-BE49-F238E27FC236}">
-                    <a16:creationId xmlns:a16="http://schemas.microsoft.com/office/drawing/2014/main" id="{9CA753AB-ACB7-4168-8454-23FE73446575}"/>
-                  </a:ext>
-                </a:extLst>
-              </p:cNvPr>
-              <p:cNvSpPr/>
-              <p:nvPr/>
-            </p:nvSpPr>
-            <p:spPr>
-              <a:xfrm>
-                <a:off x="543560" y="5346694"/>
-                <a:ext cx="5770880" cy="3402536"/>
-              </a:xfrm>
-              <a:prstGeom prst="rect">
-                <a:avLst/>
-              </a:prstGeom>
-              <a:solidFill>
-                <a:srgbClr val="00B0F0"/>
-              </a:solidFill>
-              <a:ln>
-                <a:solidFill>
-                  <a:schemeClr val="tx1"/>
-                </a:solidFill>
-              </a:ln>
-            </p:spPr>
-            <p:style>
-              <a:lnRef idx="2">
-                <a:schemeClr val="accent1">
-                  <a:shade val="50000"/>
-                </a:schemeClr>
-              </a:lnRef>
-              <a:fillRef idx="1">
-                <a:schemeClr val="accent1"/>
-              </a:fillRef>
-              <a:effectRef idx="0">
-                <a:schemeClr val="accent1"/>
-              </a:effectRef>
-              <a:fontRef idx="minor">
-                <a:schemeClr val="lt1"/>
-              </a:fontRef>
-            </p:style>
-            <p:txBody>
-              <a:bodyPr rtlCol="0" anchor="ctr"/>
-              <a:lstStyle/>
-              <a:p>
-                <a:pPr algn="ctr"/>
-                <a:endParaRPr lang="en-US" sz="933" i="1" dirty="0"/>
-              </a:p>
-            </p:txBody>
-          </p:sp>
-          <p:sp>
-            <p:nvSpPr>
-              <p:cNvPr id="64" name="TextBox 63">
-                <a:extLst>
-                  <a:ext uri="{FF2B5EF4-FFF2-40B4-BE49-F238E27FC236}">
-                    <a16:creationId xmlns:a16="http://schemas.microsoft.com/office/drawing/2014/main" id="{2945C78F-AC58-4F4E-B93A-9731FEDF40F2}"/>
-                  </a:ext>
-                </a:extLst>
-              </p:cNvPr>
-              <p:cNvSpPr txBox="1"/>
-              <p:nvPr/>
-            </p:nvSpPr>
-            <p:spPr>
-              <a:xfrm>
-                <a:off x="3520342" y="8242164"/>
-                <a:ext cx="3429000" cy="415498"/>
-              </a:xfrm>
-              <a:prstGeom prst="rect">
-                <a:avLst/>
-              </a:prstGeom>
-              <a:noFill/>
-            </p:spPr>
-            <p:txBody>
-              <a:bodyPr wrap="square">
-                <a:spAutoFit/>
-              </a:bodyPr>
-              <a:lstStyle/>
-              <a:p>
-                <a:pPr algn="ctr"/>
-                <a:r>
-                  <a:rPr lang="en-US" sz="1200" i="1" dirty="0"/>
-                  <a:t>Diagnostics and Output Plots</a:t>
-                </a:r>
-              </a:p>
-            </p:txBody>
-          </p:sp>
-          <p:sp>
-            <p:nvSpPr>
-              <p:cNvPr id="77" name="Rectangle 76">
-                <a:extLst>
-                  <a:ext uri="{FF2B5EF4-FFF2-40B4-BE49-F238E27FC236}">
-                    <a16:creationId xmlns:a16="http://schemas.microsoft.com/office/drawing/2014/main" id="{EB915041-CA4C-40B8-8018-F818F980208A}"/>
-                  </a:ext>
-                </a:extLst>
-              </p:cNvPr>
-              <p:cNvSpPr/>
-              <p:nvPr/>
-            </p:nvSpPr>
-            <p:spPr>
-              <a:xfrm>
-                <a:off x="576984" y="5729530"/>
-                <a:ext cx="3084672" cy="2865830"/>
-              </a:xfrm>
-              <a:prstGeom prst="rect">
-                <a:avLst/>
-              </a:prstGeom>
-              <a:solidFill>
-                <a:schemeClr val="accent2"/>
-              </a:solidFill>
-              <a:ln>
-                <a:solidFill>
-                  <a:schemeClr val="tx1"/>
-                </a:solidFill>
-              </a:ln>
-            </p:spPr>
-            <p:style>
-              <a:lnRef idx="2">
-                <a:schemeClr val="accent1">
-                  <a:shade val="50000"/>
-                </a:schemeClr>
-              </a:lnRef>
-              <a:fillRef idx="1">
-                <a:schemeClr val="accent1"/>
-              </a:fillRef>
-              <a:effectRef idx="0">
-                <a:schemeClr val="accent1"/>
-              </a:effectRef>
-              <a:fontRef idx="minor">
-                <a:schemeClr val="lt1"/>
-              </a:fontRef>
-            </p:style>
-            <p:txBody>
-              <a:bodyPr rtlCol="0" anchor="ctr"/>
-              <a:lstStyle/>
-              <a:p>
-                <a:pPr algn="ctr"/>
-                <a:endParaRPr lang="en-US" sz="1200"/>
-              </a:p>
-            </p:txBody>
-          </p:sp>
-          <p:sp>
-            <p:nvSpPr>
-              <p:cNvPr id="29" name="Rectangle 28">
-                <a:extLst>
-                  <a:ext uri="{FF2B5EF4-FFF2-40B4-BE49-F238E27FC236}">
-                    <a16:creationId xmlns:a16="http://schemas.microsoft.com/office/drawing/2014/main" id="{19843376-3EF3-4740-8380-F520BDE46CE5}"/>
-                  </a:ext>
-                </a:extLst>
-              </p:cNvPr>
-              <p:cNvSpPr/>
-              <p:nvPr/>
-            </p:nvSpPr>
-            <p:spPr>
-              <a:xfrm>
-                <a:off x="665741" y="5807585"/>
-                <a:ext cx="843020" cy="215384"/>
-              </a:xfrm>
-              <a:prstGeom prst="rect">
-                <a:avLst/>
-              </a:prstGeom>
-              <a:solidFill>
-                <a:schemeClr val="accent6"/>
-              </a:solidFill>
-              <a:ln>
-                <a:solidFill>
-                  <a:schemeClr val="tx1"/>
-                </a:solidFill>
-              </a:ln>
-            </p:spPr>
-            <p:style>
-              <a:lnRef idx="2">
-                <a:schemeClr val="accent1">
-                  <a:shade val="50000"/>
-                </a:schemeClr>
-              </a:lnRef>
-              <a:fillRef idx="1">
-                <a:schemeClr val="accent1"/>
-              </a:fillRef>
-              <a:effectRef idx="0">
-                <a:schemeClr val="accent1"/>
-              </a:effectRef>
-              <a:fontRef idx="minor">
-                <a:schemeClr val="lt1"/>
-              </a:fontRef>
-            </p:style>
-            <p:txBody>
-              <a:bodyPr rtlCol="0" anchor="ctr"/>
-              <a:lstStyle/>
-              <a:p>
-                <a:pPr algn="ctr"/>
-                <a:r>
-                  <a:rPr lang="en-US" sz="733" i="1" dirty="0">
-                    <a:solidFill>
-                      <a:schemeClr val="tx1"/>
-                    </a:solidFill>
-                  </a:rPr>
-                  <a:t>CV_1/</a:t>
-                </a:r>
-                <a:r>
-                  <a:rPr lang="en-US" sz="733" i="1" dirty="0" err="1">
-                    <a:solidFill>
-                      <a:schemeClr val="tx1"/>
-                    </a:solidFill>
-                  </a:rPr>
-                  <a:t>fit.R</a:t>
-                </a:r>
-                <a:endParaRPr lang="en-US" sz="733" i="1" dirty="0">
-                  <a:solidFill>
-                    <a:schemeClr val="tx1"/>
-                  </a:solidFill>
-                </a:endParaRPr>
-              </a:p>
-            </p:txBody>
-          </p:sp>
-          <p:sp>
-            <p:nvSpPr>
-              <p:cNvPr id="30" name="Rectangle 29">
-                <a:extLst>
-                  <a:ext uri="{FF2B5EF4-FFF2-40B4-BE49-F238E27FC236}">
-                    <a16:creationId xmlns:a16="http://schemas.microsoft.com/office/drawing/2014/main" id="{78AF263E-B202-4A50-A325-BD83C84D1E75}"/>
-                  </a:ext>
-                </a:extLst>
-              </p:cNvPr>
-              <p:cNvSpPr/>
-              <p:nvPr/>
-            </p:nvSpPr>
-            <p:spPr>
-              <a:xfrm>
-                <a:off x="665740" y="6022968"/>
-                <a:ext cx="843020" cy="215384"/>
+                <a:off x="798491" y="596403"/>
+                <a:ext cx="1953729" cy="177262"/>
               </a:xfrm>
               <a:prstGeom prst="rect">
                 <a:avLst/>
@@ -6661,7 +8037,7 @@
                       <a:schemeClr val="tx1"/>
                     </a:solidFill>
                   </a:rPr>
-                  <a:t>CV_2/</a:t>
+                  <a:t>shapefiles/</a:t>
                 </a:r>
                 <a:r>
                   <a:rPr lang="en-US" sz="800" i="1" dirty="0" err="1">
@@ -6669,7 +8045,7 @@
                       <a:schemeClr val="tx1"/>
                     </a:solidFill>
                   </a:rPr>
-                  <a:t>fit.R</a:t>
+                  <a:t>goa_strata.shp</a:t>
                 </a:r>
                 <a:endParaRPr lang="en-US" sz="800" i="1" dirty="0">
                   <a:solidFill>
@@ -6681,10 +8057,10 @@
           </p:sp>
           <p:sp>
             <p:nvSpPr>
-              <p:cNvPr id="31" name="Rectangle 30">
+              <p:cNvPr id="68" name="Rectangle 67">
                 <a:extLst>
                   <a:ext uri="{FF2B5EF4-FFF2-40B4-BE49-F238E27FC236}">
-                    <a16:creationId xmlns:a16="http://schemas.microsoft.com/office/drawing/2014/main" id="{7FE19B3B-7D21-4483-86D5-1B225824BC7E}"/>
+                    <a16:creationId xmlns:a16="http://schemas.microsoft.com/office/drawing/2014/main" id="{D7580465-8EC4-4FE5-A3D8-C309CE67C36D}"/>
                   </a:ext>
                 </a:extLst>
               </p:cNvPr>
@@ -6693,8 +8069,8 @@
             </p:nvSpPr>
             <p:spPr>
               <a:xfrm>
-                <a:off x="665739" y="6417228"/>
-                <a:ext cx="843020" cy="215384"/>
+                <a:off x="798491" y="781487"/>
+                <a:ext cx="1953730" cy="177262"/>
               </a:xfrm>
               <a:prstGeom prst="rect">
                 <a:avLst/>
@@ -6735,7 +8111,7 @@
                       <a:schemeClr val="tx1"/>
                     </a:solidFill>
                   </a:rPr>
-                  <a:t>CV_10/</a:t>
+                  <a:t>shapefiles/</a:t>
                 </a:r>
                 <a:r>
                   <a:rPr lang="en-US" sz="800" i="1" dirty="0" err="1">
@@ -6743,7 +8119,7 @@
                       <a:schemeClr val="tx1"/>
                     </a:solidFill>
                   </a:rPr>
-                  <a:t>fit.R</a:t>
+                  <a:t>goagrid_polygons.shp</a:t>
                 </a:r>
                 <a:endParaRPr lang="en-US" sz="800" i="1" dirty="0">
                   <a:solidFill>
@@ -6755,46 +8131,10 @@
           </p:sp>
           <p:sp>
             <p:nvSpPr>
-              <p:cNvPr id="35" name="TextBox 34">
+              <p:cNvPr id="69" name="Rectangle 68">
                 <a:extLst>
                   <a:ext uri="{FF2B5EF4-FFF2-40B4-BE49-F238E27FC236}">
-                    <a16:creationId xmlns:a16="http://schemas.microsoft.com/office/drawing/2014/main" id="{D8D7A93F-6D7B-4802-B9CA-0710FB3CFCD3}"/>
-                  </a:ext>
-                </a:extLst>
-              </p:cNvPr>
-              <p:cNvSpPr txBox="1"/>
-              <p:nvPr/>
-            </p:nvSpPr>
-            <p:spPr>
-              <a:xfrm>
-                <a:off x="720600" y="5982494"/>
-                <a:ext cx="729996" cy="553998"/>
-              </a:xfrm>
-              <a:prstGeom prst="rect">
-                <a:avLst/>
-              </a:prstGeom>
-              <a:noFill/>
-            </p:spPr>
-            <p:txBody>
-              <a:bodyPr wrap="square">
-                <a:spAutoFit/>
-              </a:bodyPr>
-              <a:lstStyle/>
-              <a:p>
-                <a:pPr algn="ctr"/>
-                <a:r>
-                  <a:rPr lang="en-US" b="1" i="1" dirty="0"/>
-                  <a:t>. . .</a:t>
-                </a:r>
-              </a:p>
-            </p:txBody>
-          </p:sp>
-          <p:sp>
-            <p:nvSpPr>
-              <p:cNvPr id="70" name="Rectangle 69">
-                <a:extLst>
-                  <a:ext uri="{FF2B5EF4-FFF2-40B4-BE49-F238E27FC236}">
-                    <a16:creationId xmlns:a16="http://schemas.microsoft.com/office/drawing/2014/main" id="{B0891604-5249-40A0-B9E8-D0775228A371}"/>
+                    <a16:creationId xmlns:a16="http://schemas.microsoft.com/office/drawing/2014/main" id="{A5B23850-4D83-44F2-BB04-3F8EB9360E0A}"/>
                   </a:ext>
                 </a:extLst>
               </p:cNvPr>
@@ -6803,234 +8143,8 @@
             </p:nvSpPr>
             <p:spPr>
               <a:xfrm>
-                <a:off x="2029875" y="6019595"/>
-                <a:ext cx="1321056" cy="441579"/>
-              </a:xfrm>
-              <a:prstGeom prst="rect">
-                <a:avLst/>
-              </a:prstGeom>
-              <a:solidFill>
-                <a:schemeClr val="accent4"/>
-              </a:solidFill>
-              <a:ln>
-                <a:solidFill>
-                  <a:schemeClr val="tx1"/>
-                </a:solidFill>
-              </a:ln>
-            </p:spPr>
-            <p:style>
-              <a:lnRef idx="2">
-                <a:schemeClr val="accent1">
-                  <a:shade val="50000"/>
-                </a:schemeClr>
-              </a:lnRef>
-              <a:fillRef idx="1">
-                <a:schemeClr val="accent1"/>
-              </a:fillRef>
-              <a:effectRef idx="0">
-                <a:schemeClr val="accent1"/>
-              </a:effectRef>
-              <a:fontRef idx="minor">
-                <a:schemeClr val="lt1"/>
-              </a:fontRef>
-            </p:style>
-            <p:txBody>
-              <a:bodyPr rtlCol="0" anchor="ctr"/>
-              <a:lstStyle/>
-              <a:p>
-                <a:pPr algn="ctr"/>
-                <a:r>
-                  <a:rPr lang="en-US" sz="800" i="1" dirty="0">
-                    <a:solidFill>
-                      <a:schemeClr val="tx1"/>
-                    </a:solidFill>
-                  </a:rPr>
-                  <a:t>/</a:t>
-                </a:r>
-                <a:r>
-                  <a:rPr lang="en-US" sz="800" i="1" dirty="0" err="1">
-                    <a:solidFill>
-                      <a:schemeClr val="tx1"/>
-                    </a:solidFill>
-                  </a:rPr>
-                  <a:t>ForMadison</a:t>
-                </a:r>
-                <a:r>
-                  <a:rPr lang="en-US" sz="800" i="1" dirty="0">
-                    <a:solidFill>
-                      <a:schemeClr val="tx1"/>
-                    </a:solidFill>
-                  </a:rPr>
-                  <a:t>/</a:t>
-                </a:r>
-                <a:r>
-                  <a:rPr lang="en-US" sz="800" i="1" dirty="0" err="1">
-                    <a:solidFill>
-                      <a:schemeClr val="tx1"/>
-                    </a:solidFill>
-                  </a:rPr>
-                  <a:t>cross_validation_results.R</a:t>
-                </a:r>
-                <a:endParaRPr lang="en-US" sz="800" i="1" dirty="0">
-                  <a:solidFill>
-                    <a:schemeClr val="tx1"/>
-                  </a:solidFill>
-                </a:endParaRPr>
-              </a:p>
-            </p:txBody>
-          </p:sp>
-          <p:cxnSp>
-            <p:nvCxnSpPr>
-              <p:cNvPr id="13" name="Straight Connector 12">
-                <a:extLst>
-                  <a:ext uri="{FF2B5EF4-FFF2-40B4-BE49-F238E27FC236}">
-                    <a16:creationId xmlns:a16="http://schemas.microsoft.com/office/drawing/2014/main" id="{1D26B2C9-A902-414B-B18C-BE09BD964AE0}"/>
-                  </a:ext>
-                </a:extLst>
-              </p:cNvPr>
-              <p:cNvCxnSpPr>
-                <a:cxnSpLocks/>
-              </p:cNvCxnSpPr>
-              <p:nvPr/>
-            </p:nvCxnSpPr>
-            <p:spPr>
-              <a:xfrm flipH="1">
-                <a:off x="597678" y="3929157"/>
-                <a:ext cx="667865" cy="1800374"/>
-              </a:xfrm>
-              <a:prstGeom prst="line">
-                <a:avLst/>
-              </a:prstGeom>
-              <a:ln w="19050">
-                <a:prstDash val="dash"/>
-              </a:ln>
-            </p:spPr>
-            <p:style>
-              <a:lnRef idx="1">
-                <a:schemeClr val="dk1"/>
-              </a:lnRef>
-              <a:fillRef idx="0">
-                <a:schemeClr val="dk1"/>
-              </a:fillRef>
-              <a:effectRef idx="0">
-                <a:schemeClr val="dk1"/>
-              </a:effectRef>
-              <a:fontRef idx="minor">
-                <a:schemeClr val="tx1"/>
-              </a:fontRef>
-            </p:style>
-          </p:cxnSp>
-          <p:cxnSp>
-            <p:nvCxnSpPr>
-              <p:cNvPr id="32" name="Straight Connector 31">
-                <a:extLst>
-                  <a:ext uri="{FF2B5EF4-FFF2-40B4-BE49-F238E27FC236}">
-                    <a16:creationId xmlns:a16="http://schemas.microsoft.com/office/drawing/2014/main" id="{1BB1301E-A4F6-426A-B6EF-140D41825691}"/>
-                  </a:ext>
-                </a:extLst>
-              </p:cNvPr>
-              <p:cNvCxnSpPr>
-                <a:cxnSpLocks/>
-              </p:cNvCxnSpPr>
-              <p:nvPr/>
-            </p:nvCxnSpPr>
-            <p:spPr>
-              <a:xfrm>
-                <a:off x="3029714" y="3889582"/>
-                <a:ext cx="399286" cy="1839949"/>
-              </a:xfrm>
-              <a:prstGeom prst="line">
-                <a:avLst/>
-              </a:prstGeom>
-              <a:ln w="19050">
-                <a:prstDash val="dash"/>
-              </a:ln>
-            </p:spPr>
-            <p:style>
-              <a:lnRef idx="1">
-                <a:schemeClr val="dk1"/>
-              </a:lnRef>
-              <a:fillRef idx="0">
-                <a:schemeClr val="dk1"/>
-              </a:fillRef>
-              <a:effectRef idx="0">
-                <a:schemeClr val="dk1"/>
-              </a:effectRef>
-              <a:fontRef idx="minor">
-                <a:schemeClr val="tx1"/>
-              </a:fontRef>
-            </p:style>
-          </p:cxnSp>
-          <p:sp>
-            <p:nvSpPr>
-              <p:cNvPr id="81" name="Rectangle 80">
-                <a:extLst>
-                  <a:ext uri="{FF2B5EF4-FFF2-40B4-BE49-F238E27FC236}">
-                    <a16:creationId xmlns:a16="http://schemas.microsoft.com/office/drawing/2014/main" id="{DC00D54A-8851-4447-AEA1-200F4BA5F5B5}"/>
-                  </a:ext>
-                </a:extLst>
-              </p:cNvPr>
-              <p:cNvSpPr/>
-              <p:nvPr/>
-            </p:nvSpPr>
-            <p:spPr>
-              <a:xfrm>
-                <a:off x="4007239" y="5753486"/>
-                <a:ext cx="2198490" cy="1264852"/>
-              </a:xfrm>
-              <a:prstGeom prst="rect">
-                <a:avLst/>
-              </a:prstGeom>
-              <a:solidFill>
-                <a:schemeClr val="accent2"/>
-              </a:solidFill>
-              <a:ln>
-                <a:solidFill>
-                  <a:schemeClr val="tx1"/>
-                </a:solidFill>
-              </a:ln>
-            </p:spPr>
-            <p:style>
-              <a:lnRef idx="2">
-                <a:schemeClr val="accent1">
-                  <a:shade val="50000"/>
-                </a:schemeClr>
-              </a:lnRef>
-              <a:fillRef idx="1">
-                <a:schemeClr val="accent1"/>
-              </a:fillRef>
-              <a:effectRef idx="0">
-                <a:schemeClr val="accent1"/>
-              </a:effectRef>
-              <a:fontRef idx="minor">
-                <a:schemeClr val="lt1"/>
-              </a:fontRef>
-            </p:style>
-            <p:txBody>
-              <a:bodyPr rtlCol="0" anchor="ctr"/>
-              <a:lstStyle/>
-              <a:p>
-                <a:pPr algn="ctr"/>
-                <a:endParaRPr lang="en-US" sz="1200"/>
-              </a:p>
-            </p:txBody>
-          </p:sp>
-          <p:sp>
-            <p:nvSpPr>
-              <p:cNvPr id="73" name="Rectangle 72">
-                <a:extLst>
-                  <a:ext uri="{FF2B5EF4-FFF2-40B4-BE49-F238E27FC236}">
-                    <a16:creationId xmlns:a16="http://schemas.microsoft.com/office/drawing/2014/main" id="{7B92FD25-4A30-4616-89F1-7CB414BF0299}"/>
-                  </a:ext>
-                </a:extLst>
-              </p:cNvPr>
-              <p:cNvSpPr/>
-              <p:nvPr/>
-            </p:nvSpPr>
-            <p:spPr>
-              <a:xfrm>
-                <a:off x="4140779" y="5924355"/>
-                <a:ext cx="1949126" cy="204756"/>
+                <a:off x="796639" y="962880"/>
+                <a:ext cx="1953730" cy="177262"/>
               </a:xfrm>
               <a:prstGeom prst="rect">
                 <a:avLst/>
@@ -7071,7 +8185,7 @@
                       <a:schemeClr val="tx1"/>
                     </a:solidFill>
                   </a:rPr>
-                  <a:t>/</a:t>
+                  <a:t>shapefiles/</a:t>
                 </a:r>
                 <a:r>
                   <a:rPr lang="en-US" sz="800" i="1" dirty="0" err="1">
@@ -7079,7 +8193,7 @@
                       <a:schemeClr val="tx1"/>
                     </a:solidFill>
                   </a:rPr>
-                  <a:t>fit_density.RData</a:t>
+                  <a:t>GOA_ALL_nountrawl</a:t>
                 </a:r>
                 <a:endParaRPr lang="en-US" sz="800" i="1" dirty="0">
                   <a:solidFill>
@@ -7089,1630 +8203,85 @@
               </a:p>
             </p:txBody>
           </p:sp>
-          <p:sp>
-            <p:nvSpPr>
-              <p:cNvPr id="75" name="Rectangle 74">
-                <a:extLst>
-                  <a:ext uri="{FF2B5EF4-FFF2-40B4-BE49-F238E27FC236}">
-                    <a16:creationId xmlns:a16="http://schemas.microsoft.com/office/drawing/2014/main" id="{3A21E09A-69EB-46DE-A60C-7EAA53D86D15}"/>
-                  </a:ext>
-                </a:extLst>
-              </p:cNvPr>
-              <p:cNvSpPr/>
-              <p:nvPr/>
-            </p:nvSpPr>
-            <p:spPr>
-              <a:xfrm>
-                <a:off x="4140778" y="6129111"/>
-                <a:ext cx="1949126" cy="204756"/>
-              </a:xfrm>
-              <a:prstGeom prst="rect">
-                <a:avLst/>
-              </a:prstGeom>
-              <a:solidFill>
-                <a:schemeClr val="accent6"/>
-              </a:solidFill>
-              <a:ln>
-                <a:solidFill>
-                  <a:schemeClr val="tx1"/>
-                </a:solidFill>
-              </a:ln>
-            </p:spPr>
-            <p:style>
-              <a:lnRef idx="2">
-                <a:schemeClr val="accent1">
-                  <a:shade val="50000"/>
-                </a:schemeClr>
-              </a:lnRef>
-              <a:fillRef idx="1">
-                <a:schemeClr val="accent1"/>
-              </a:fillRef>
-              <a:effectRef idx="0">
-                <a:schemeClr val="accent1"/>
-              </a:effectRef>
-              <a:fontRef idx="minor">
-                <a:schemeClr val="lt1"/>
-              </a:fontRef>
-            </p:style>
-            <p:txBody>
-              <a:bodyPr rtlCol="0" anchor="ctr"/>
-              <a:lstStyle/>
-              <a:p>
-                <a:pPr algn="ctr"/>
-                <a:r>
-                  <a:rPr lang="en-US" sz="800" i="1" dirty="0">
-                    <a:solidFill>
-                      <a:schemeClr val="tx1"/>
-                    </a:solidFill>
-                  </a:rPr>
-                  <a:t>/</a:t>
-                </a:r>
-                <a:r>
-                  <a:rPr lang="en-US" sz="800" i="1" dirty="0" err="1">
-                    <a:solidFill>
-                      <a:schemeClr val="tx1"/>
-                    </a:solidFill>
-                  </a:rPr>
-                  <a:t>fit_index.RData</a:t>
-                </a:r>
-                <a:endParaRPr lang="en-US" sz="800" i="1" dirty="0">
-                  <a:solidFill>
-                    <a:schemeClr val="tx1"/>
-                  </a:solidFill>
-                </a:endParaRPr>
-              </a:p>
-            </p:txBody>
-          </p:sp>
-          <p:sp>
-            <p:nvSpPr>
-              <p:cNvPr id="83" name="TextBox 82">
-                <a:extLst>
-                  <a:ext uri="{FF2B5EF4-FFF2-40B4-BE49-F238E27FC236}">
-                    <a16:creationId xmlns:a16="http://schemas.microsoft.com/office/drawing/2014/main" id="{E97DADE7-36D9-4FE0-BA3C-6D052600A66E}"/>
-                  </a:ext>
-                </a:extLst>
-              </p:cNvPr>
-              <p:cNvSpPr txBox="1"/>
-              <p:nvPr/>
-            </p:nvSpPr>
-            <p:spPr>
-              <a:xfrm>
-                <a:off x="3973101" y="6585881"/>
-                <a:ext cx="2273776" cy="507831"/>
-              </a:xfrm>
-              <a:prstGeom prst="rect">
-                <a:avLst/>
-              </a:prstGeom>
-              <a:noFill/>
-            </p:spPr>
-            <p:txBody>
-              <a:bodyPr wrap="square">
-                <a:spAutoFit/>
-              </a:bodyPr>
-              <a:lstStyle/>
-              <a:p>
-                <a:pPr algn="ctr"/>
-                <a:r>
-                  <a:rPr lang="en-US" sz="800" i="1" dirty="0"/>
-                  <a:t>GitHub/</a:t>
-                </a:r>
-                <a:r>
-                  <a:rPr lang="en-US" sz="800" i="1" dirty="0" err="1"/>
-                  <a:t>Optimal_Allocation_GoA</a:t>
-                </a:r>
-                <a:r>
-                  <a:rPr lang="en-US" sz="800" i="1" dirty="0"/>
-                  <a:t>/model_11</a:t>
-                </a:r>
-              </a:p>
-            </p:txBody>
-          </p:sp>
-          <p:sp>
-            <p:nvSpPr>
-              <p:cNvPr id="87" name="Rectangle 86">
-                <a:extLst>
-                  <a:ext uri="{FF2B5EF4-FFF2-40B4-BE49-F238E27FC236}">
-                    <a16:creationId xmlns:a16="http://schemas.microsoft.com/office/drawing/2014/main" id="{6E4997C1-85D5-47F8-AE43-C5E6CE116723}"/>
-                  </a:ext>
-                </a:extLst>
-              </p:cNvPr>
-              <p:cNvSpPr/>
-              <p:nvPr/>
-            </p:nvSpPr>
-            <p:spPr>
-              <a:xfrm>
-                <a:off x="4140779" y="6338037"/>
-                <a:ext cx="1949126" cy="204756"/>
-              </a:xfrm>
-              <a:prstGeom prst="rect">
-                <a:avLst/>
-              </a:prstGeom>
-              <a:solidFill>
-                <a:schemeClr val="accent6"/>
-              </a:solidFill>
-              <a:ln>
-                <a:solidFill>
-                  <a:schemeClr val="tx1"/>
-                </a:solidFill>
-              </a:ln>
-            </p:spPr>
-            <p:style>
-              <a:lnRef idx="2">
-                <a:schemeClr val="accent1">
-                  <a:shade val="50000"/>
-                </a:schemeClr>
-              </a:lnRef>
-              <a:fillRef idx="1">
-                <a:schemeClr val="accent1"/>
-              </a:fillRef>
-              <a:effectRef idx="0">
-                <a:schemeClr val="accent1"/>
-              </a:effectRef>
-              <a:fontRef idx="minor">
-                <a:schemeClr val="lt1"/>
-              </a:fontRef>
-            </p:style>
-            <p:txBody>
-              <a:bodyPr rtlCol="0" anchor="ctr"/>
-              <a:lstStyle/>
-              <a:p>
-                <a:pPr algn="ctr"/>
-                <a:r>
-                  <a:rPr lang="en-US" sz="800" i="1" dirty="0">
-                    <a:solidFill>
-                      <a:schemeClr val="tx1"/>
-                    </a:solidFill>
-                  </a:rPr>
-                  <a:t>/</a:t>
-                </a:r>
-                <a:r>
-                  <a:rPr lang="en-US" sz="800" i="1" dirty="0" err="1">
-                    <a:solidFill>
-                      <a:schemeClr val="tx1"/>
-                    </a:solidFill>
-                  </a:rPr>
-                  <a:t>RMSE_VAST_models.RData</a:t>
-                </a:r>
-                <a:endParaRPr lang="en-US" sz="800" i="1" dirty="0">
-                  <a:solidFill>
-                    <a:schemeClr val="tx1"/>
-                  </a:solidFill>
-                </a:endParaRPr>
-              </a:p>
-            </p:txBody>
-          </p:sp>
-          <p:sp>
-            <p:nvSpPr>
-              <p:cNvPr id="89" name="TextBox 88">
-                <a:extLst>
-                  <a:ext uri="{FF2B5EF4-FFF2-40B4-BE49-F238E27FC236}">
-                    <a16:creationId xmlns:a16="http://schemas.microsoft.com/office/drawing/2014/main" id="{E8CCEBB4-0A68-4802-B18A-91FCE4E5DFB1}"/>
-                  </a:ext>
-                </a:extLst>
-              </p:cNvPr>
-              <p:cNvSpPr txBox="1"/>
-              <p:nvPr/>
-            </p:nvSpPr>
-            <p:spPr>
-              <a:xfrm>
-                <a:off x="576984" y="8262963"/>
-                <a:ext cx="3084673" cy="323166"/>
-              </a:xfrm>
-              <a:prstGeom prst="rect">
-                <a:avLst/>
-              </a:prstGeom>
-              <a:noFill/>
-            </p:spPr>
-            <p:txBody>
-              <a:bodyPr wrap="square">
-                <a:spAutoFit/>
-              </a:bodyPr>
-              <a:lstStyle/>
-              <a:p>
-                <a:pPr algn="ctr"/>
-                <a:r>
-                  <a:rPr lang="en-US" sz="800" i="1" dirty="0" err="1"/>
-                  <a:t>Atheresthes</a:t>
-                </a:r>
-                <a:r>
-                  <a:rPr lang="en-US" sz="800" i="1" dirty="0"/>
-                  <a:t> </a:t>
-                </a:r>
-                <a:r>
-                  <a:rPr lang="en-US" sz="800" i="1" dirty="0" err="1"/>
-                  <a:t>stomias_depth</a:t>
-                </a:r>
-                <a:r>
-                  <a:rPr lang="en-US" sz="800" i="1" dirty="0"/>
-                  <a:t>/</a:t>
-                </a:r>
-              </a:p>
-            </p:txBody>
-          </p:sp>
-          <p:cxnSp>
-            <p:nvCxnSpPr>
-              <p:cNvPr id="90" name="Straight Arrow Connector 89">
-                <a:extLst>
-                  <a:ext uri="{FF2B5EF4-FFF2-40B4-BE49-F238E27FC236}">
-                    <a16:creationId xmlns:a16="http://schemas.microsoft.com/office/drawing/2014/main" id="{F8E9A625-9A0F-4BD1-8335-A16EB8E53142}"/>
-                  </a:ext>
-                </a:extLst>
-              </p:cNvPr>
-              <p:cNvCxnSpPr>
-                <a:cxnSpLocks/>
-                <a:endCxn id="70" idx="1"/>
-              </p:cNvCxnSpPr>
-              <p:nvPr/>
-            </p:nvCxnSpPr>
-            <p:spPr>
-              <a:xfrm>
-                <a:off x="1508761" y="6240385"/>
-                <a:ext cx="521114" cy="0"/>
-              </a:xfrm>
-              <a:prstGeom prst="straightConnector1">
-                <a:avLst/>
-              </a:prstGeom>
-              <a:ln w="38100">
-                <a:solidFill>
-                  <a:schemeClr val="tx1"/>
-                </a:solidFill>
-                <a:tailEnd type="triangle"/>
-              </a:ln>
-            </p:spPr>
-            <p:style>
-              <a:lnRef idx="1">
-                <a:schemeClr val="accent1"/>
-              </a:lnRef>
-              <a:fillRef idx="0">
-                <a:schemeClr val="accent1"/>
-              </a:fillRef>
-              <a:effectRef idx="0">
-                <a:schemeClr val="accent1"/>
-              </a:effectRef>
-              <a:fontRef idx="minor">
-                <a:schemeClr val="tx1"/>
-              </a:fontRef>
-            </p:style>
-          </p:cxnSp>
-          <p:cxnSp>
-            <p:nvCxnSpPr>
-              <p:cNvPr id="95" name="Straight Arrow Connector 94">
-                <a:extLst>
-                  <a:ext uri="{FF2B5EF4-FFF2-40B4-BE49-F238E27FC236}">
-                    <a16:creationId xmlns:a16="http://schemas.microsoft.com/office/drawing/2014/main" id="{68AA6C91-E8BC-40F4-8866-E92B70B45477}"/>
-                  </a:ext>
-                </a:extLst>
-              </p:cNvPr>
-              <p:cNvCxnSpPr>
-                <a:cxnSpLocks/>
-                <a:stCxn id="70" idx="3"/>
-                <a:endCxn id="75" idx="1"/>
-              </p:cNvCxnSpPr>
-              <p:nvPr/>
-            </p:nvCxnSpPr>
-            <p:spPr>
-              <a:xfrm flipV="1">
-                <a:off x="3350931" y="6231489"/>
-                <a:ext cx="789847" cy="8896"/>
-              </a:xfrm>
-              <a:prstGeom prst="straightConnector1">
-                <a:avLst/>
-              </a:prstGeom>
-              <a:ln w="38100">
-                <a:solidFill>
-                  <a:schemeClr val="tx1"/>
-                </a:solidFill>
-                <a:tailEnd type="triangle"/>
-              </a:ln>
-            </p:spPr>
-            <p:style>
-              <a:lnRef idx="1">
-                <a:schemeClr val="accent1"/>
-              </a:lnRef>
-              <a:fillRef idx="0">
-                <a:schemeClr val="accent1"/>
-              </a:fillRef>
-              <a:effectRef idx="0">
-                <a:schemeClr val="accent1"/>
-              </a:effectRef>
-              <a:fontRef idx="minor">
-                <a:schemeClr val="tx1"/>
-              </a:fontRef>
-            </p:style>
-          </p:cxnSp>
-          <p:sp>
-            <p:nvSpPr>
-              <p:cNvPr id="99" name="Rectangle 98">
-                <a:extLst>
-                  <a:ext uri="{FF2B5EF4-FFF2-40B4-BE49-F238E27FC236}">
-                    <a16:creationId xmlns:a16="http://schemas.microsoft.com/office/drawing/2014/main" id="{15699E5C-B4CC-45A1-B256-ED9B840C235B}"/>
-                  </a:ext>
-                </a:extLst>
-              </p:cNvPr>
-              <p:cNvSpPr/>
-              <p:nvPr/>
-            </p:nvSpPr>
-            <p:spPr>
-              <a:xfrm>
-                <a:off x="665739" y="6853645"/>
-                <a:ext cx="843020" cy="215384"/>
-              </a:xfrm>
-              <a:prstGeom prst="rect">
-                <a:avLst/>
-              </a:prstGeom>
-              <a:solidFill>
-                <a:schemeClr val="accent6"/>
-              </a:solidFill>
-              <a:ln>
-                <a:solidFill>
-                  <a:schemeClr val="tx1"/>
-                </a:solidFill>
-              </a:ln>
-            </p:spPr>
-            <p:style>
-              <a:lnRef idx="2">
-                <a:schemeClr val="accent1">
-                  <a:shade val="50000"/>
-                </a:schemeClr>
-              </a:lnRef>
-              <a:fillRef idx="1">
-                <a:schemeClr val="accent1"/>
-              </a:fillRef>
-              <a:effectRef idx="0">
-                <a:schemeClr val="accent1"/>
-              </a:effectRef>
-              <a:fontRef idx="minor">
-                <a:schemeClr val="lt1"/>
-              </a:fontRef>
-            </p:style>
-            <p:txBody>
-              <a:bodyPr rtlCol="0" anchor="ctr"/>
-              <a:lstStyle/>
-              <a:p>
-                <a:pPr algn="ctr"/>
-                <a:r>
-                  <a:rPr lang="en-US" sz="800" i="1" dirty="0">
-                    <a:solidFill>
-                      <a:schemeClr val="tx1"/>
-                    </a:solidFill>
-                  </a:rPr>
-                  <a:t>/</a:t>
-                </a:r>
-                <a:r>
-                  <a:rPr lang="en-US" sz="800" i="1" dirty="0" err="1">
-                    <a:solidFill>
-                      <a:schemeClr val="tx1"/>
-                    </a:solidFill>
-                  </a:rPr>
-                  <a:t>fit.R</a:t>
-                </a:r>
-                <a:endParaRPr lang="en-US" sz="800" i="1" dirty="0">
-                  <a:solidFill>
-                    <a:schemeClr val="tx1"/>
-                  </a:solidFill>
-                </a:endParaRPr>
-              </a:p>
-            </p:txBody>
-          </p:sp>
-          <p:sp>
-            <p:nvSpPr>
-              <p:cNvPr id="101" name="Rectangle 100">
-                <a:extLst>
-                  <a:ext uri="{FF2B5EF4-FFF2-40B4-BE49-F238E27FC236}">
-                    <a16:creationId xmlns:a16="http://schemas.microsoft.com/office/drawing/2014/main" id="{5D8F17D8-67FF-40B5-9DD0-69056C3404F8}"/>
-                  </a:ext>
-                </a:extLst>
-              </p:cNvPr>
-              <p:cNvSpPr/>
-              <p:nvPr/>
-            </p:nvSpPr>
-            <p:spPr>
-              <a:xfrm>
-                <a:off x="2034445" y="6825717"/>
-                <a:ext cx="1321056" cy="261130"/>
-              </a:xfrm>
-              <a:prstGeom prst="rect">
-                <a:avLst/>
-              </a:prstGeom>
-              <a:solidFill>
-                <a:schemeClr val="accent4"/>
-              </a:solidFill>
-              <a:ln>
-                <a:solidFill>
-                  <a:schemeClr val="tx1"/>
-                </a:solidFill>
-              </a:ln>
-            </p:spPr>
-            <p:style>
-              <a:lnRef idx="2">
-                <a:schemeClr val="accent1">
-                  <a:shade val="50000"/>
-                </a:schemeClr>
-              </a:lnRef>
-              <a:fillRef idx="1">
-                <a:schemeClr val="accent1"/>
-              </a:fillRef>
-              <a:effectRef idx="0">
-                <a:schemeClr val="accent1"/>
-              </a:effectRef>
-              <a:fontRef idx="minor">
-                <a:schemeClr val="lt1"/>
-              </a:fontRef>
-            </p:style>
-            <p:txBody>
-              <a:bodyPr rtlCol="0" anchor="ctr"/>
-              <a:lstStyle/>
-              <a:p>
-                <a:pPr algn="ctr"/>
-                <a:r>
-                  <a:rPr lang="en-US" sz="800" i="1" dirty="0" err="1">
-                    <a:solidFill>
-                      <a:schemeClr val="tx1"/>
-                    </a:solidFill>
-                  </a:rPr>
-                  <a:t>Diagnostics.R</a:t>
-                </a:r>
-                <a:endParaRPr lang="en-US" sz="800" i="1" dirty="0">
-                  <a:solidFill>
-                    <a:schemeClr val="tx1"/>
-                  </a:solidFill>
-                </a:endParaRPr>
-              </a:p>
-            </p:txBody>
-          </p:sp>
-          <p:cxnSp>
-            <p:nvCxnSpPr>
-              <p:cNvPr id="102" name="Straight Arrow Connector 101">
-                <a:extLst>
-                  <a:ext uri="{FF2B5EF4-FFF2-40B4-BE49-F238E27FC236}">
-                    <a16:creationId xmlns:a16="http://schemas.microsoft.com/office/drawing/2014/main" id="{01F19062-A4A9-4A9F-BD13-B185A186D80D}"/>
-                  </a:ext>
-                </a:extLst>
-              </p:cNvPr>
-              <p:cNvCxnSpPr>
-                <a:cxnSpLocks/>
-                <a:stCxn id="99" idx="3"/>
-                <a:endCxn id="101" idx="1"/>
-              </p:cNvCxnSpPr>
-              <p:nvPr/>
-            </p:nvCxnSpPr>
-            <p:spPr>
-              <a:xfrm flipV="1">
-                <a:off x="1508759" y="6956282"/>
-                <a:ext cx="525686" cy="5055"/>
-              </a:xfrm>
-              <a:prstGeom prst="straightConnector1">
-                <a:avLst/>
-              </a:prstGeom>
-              <a:ln w="38100">
-                <a:solidFill>
-                  <a:schemeClr val="tx1"/>
-                </a:solidFill>
-                <a:tailEnd type="triangle"/>
-              </a:ln>
-            </p:spPr>
-            <p:style>
-              <a:lnRef idx="1">
-                <a:schemeClr val="accent1"/>
-              </a:lnRef>
-              <a:fillRef idx="0">
-                <a:schemeClr val="accent1"/>
-              </a:fillRef>
-              <a:effectRef idx="0">
-                <a:schemeClr val="accent1"/>
-              </a:effectRef>
-              <a:fontRef idx="minor">
-                <a:schemeClr val="tx1"/>
-              </a:fontRef>
-            </p:style>
-          </p:cxnSp>
-          <p:cxnSp>
-            <p:nvCxnSpPr>
-              <p:cNvPr id="109" name="Straight Arrow Connector 108">
-                <a:extLst>
-                  <a:ext uri="{FF2B5EF4-FFF2-40B4-BE49-F238E27FC236}">
-                    <a16:creationId xmlns:a16="http://schemas.microsoft.com/office/drawing/2014/main" id="{160D85BD-367F-47DA-977E-619AF783C91E}"/>
-                  </a:ext>
-                </a:extLst>
-              </p:cNvPr>
-              <p:cNvCxnSpPr>
-                <a:cxnSpLocks/>
-                <a:stCxn id="101" idx="2"/>
-              </p:cNvCxnSpPr>
-              <p:nvPr/>
-            </p:nvCxnSpPr>
-            <p:spPr>
-              <a:xfrm flipH="1">
-                <a:off x="2690402" y="7086848"/>
-                <a:ext cx="4571" cy="404391"/>
-              </a:xfrm>
-              <a:prstGeom prst="straightConnector1">
-                <a:avLst/>
-              </a:prstGeom>
-              <a:ln w="38100">
-                <a:solidFill>
-                  <a:schemeClr val="tx1"/>
-                </a:solidFill>
-                <a:tailEnd type="triangle"/>
-              </a:ln>
-            </p:spPr>
-            <p:style>
-              <a:lnRef idx="1">
-                <a:schemeClr val="accent1"/>
-              </a:lnRef>
-              <a:fillRef idx="0">
-                <a:schemeClr val="accent1"/>
-              </a:fillRef>
-              <a:effectRef idx="0">
-                <a:schemeClr val="accent1"/>
-              </a:effectRef>
-              <a:fontRef idx="minor">
-                <a:schemeClr val="tx1"/>
-              </a:fontRef>
-            </p:style>
-          </p:cxnSp>
-          <p:sp>
-            <p:nvSpPr>
-              <p:cNvPr id="117" name="Rectangle 116">
-                <a:extLst>
-                  <a:ext uri="{FF2B5EF4-FFF2-40B4-BE49-F238E27FC236}">
-                    <a16:creationId xmlns:a16="http://schemas.microsoft.com/office/drawing/2014/main" id="{2BF51F68-7329-43D4-A473-2C1C7953E1C1}"/>
-                  </a:ext>
-                </a:extLst>
-              </p:cNvPr>
-              <p:cNvSpPr/>
-              <p:nvPr/>
-            </p:nvSpPr>
-            <p:spPr>
-              <a:xfrm>
-                <a:off x="1488848" y="7491239"/>
-                <a:ext cx="1960845" cy="227029"/>
-              </a:xfrm>
-              <a:prstGeom prst="rect">
-                <a:avLst/>
-              </a:prstGeom>
-              <a:solidFill>
-                <a:schemeClr val="accent6"/>
-              </a:solidFill>
-              <a:ln>
-                <a:solidFill>
-                  <a:schemeClr val="tx1"/>
-                </a:solidFill>
-              </a:ln>
-            </p:spPr>
-            <p:style>
-              <a:lnRef idx="2">
-                <a:schemeClr val="accent1">
-                  <a:shade val="50000"/>
-                </a:schemeClr>
-              </a:lnRef>
-              <a:fillRef idx="1">
-                <a:schemeClr val="accent1"/>
-              </a:fillRef>
-              <a:effectRef idx="0">
-                <a:schemeClr val="accent1"/>
-              </a:effectRef>
-              <a:fontRef idx="minor">
-                <a:schemeClr val="lt1"/>
-              </a:fontRef>
-            </p:style>
-            <p:txBody>
-              <a:bodyPr rtlCol="0" anchor="ctr"/>
-              <a:lstStyle/>
-              <a:p>
-                <a:pPr algn="ctr"/>
-                <a:r>
-                  <a:rPr lang="en-US" sz="800" i="1" dirty="0">
-                    <a:solidFill>
-                      <a:schemeClr val="tx1"/>
-                    </a:solidFill>
-                  </a:rPr>
-                  <a:t>/diagnostics/density.pdf</a:t>
-                </a:r>
-              </a:p>
-            </p:txBody>
-          </p:sp>
-          <p:sp>
-            <p:nvSpPr>
-              <p:cNvPr id="119" name="Rectangle 118">
-                <a:extLst>
-                  <a:ext uri="{FF2B5EF4-FFF2-40B4-BE49-F238E27FC236}">
-                    <a16:creationId xmlns:a16="http://schemas.microsoft.com/office/drawing/2014/main" id="{2E5D0044-35E2-43BC-8A9F-BAC44CE2A9F6}"/>
-                  </a:ext>
-                </a:extLst>
-              </p:cNvPr>
-              <p:cNvSpPr/>
-              <p:nvPr/>
-            </p:nvSpPr>
-            <p:spPr>
-              <a:xfrm>
-                <a:off x="1488848" y="7724757"/>
-                <a:ext cx="1960845" cy="227029"/>
-              </a:xfrm>
-              <a:prstGeom prst="rect">
-                <a:avLst/>
-              </a:prstGeom>
-              <a:solidFill>
-                <a:schemeClr val="accent6"/>
-              </a:solidFill>
-              <a:ln>
-                <a:solidFill>
-                  <a:schemeClr val="tx1"/>
-                </a:solidFill>
-              </a:ln>
-            </p:spPr>
-            <p:style>
-              <a:lnRef idx="2">
-                <a:schemeClr val="accent1">
-                  <a:shade val="50000"/>
-                </a:schemeClr>
-              </a:lnRef>
-              <a:fillRef idx="1">
-                <a:schemeClr val="accent1"/>
-              </a:fillRef>
-              <a:effectRef idx="0">
-                <a:schemeClr val="accent1"/>
-              </a:effectRef>
-              <a:fontRef idx="minor">
-                <a:schemeClr val="lt1"/>
-              </a:fontRef>
-            </p:style>
-            <p:txBody>
-              <a:bodyPr rtlCol="0" anchor="ctr"/>
-              <a:lstStyle/>
-              <a:p>
-                <a:pPr algn="ctr"/>
-                <a:r>
-                  <a:rPr lang="en-US" sz="800" i="1" dirty="0">
-                    <a:solidFill>
-                      <a:schemeClr val="tx1"/>
-                    </a:solidFill>
-                  </a:rPr>
-                  <a:t>/diagnostics/omega.png</a:t>
-                </a:r>
-              </a:p>
-            </p:txBody>
-          </p:sp>
-          <p:sp>
-            <p:nvSpPr>
-              <p:cNvPr id="121" name="Rectangle 120">
-                <a:extLst>
-                  <a:ext uri="{FF2B5EF4-FFF2-40B4-BE49-F238E27FC236}">
-                    <a16:creationId xmlns:a16="http://schemas.microsoft.com/office/drawing/2014/main" id="{CF707CB5-EC6B-494A-9072-9DCD3B1EC099}"/>
-                  </a:ext>
-                </a:extLst>
-              </p:cNvPr>
-              <p:cNvSpPr/>
-              <p:nvPr/>
-            </p:nvSpPr>
-            <p:spPr>
-              <a:xfrm>
-                <a:off x="1488847" y="7965408"/>
-                <a:ext cx="1960845" cy="227029"/>
-              </a:xfrm>
-              <a:prstGeom prst="rect">
-                <a:avLst/>
-              </a:prstGeom>
-              <a:solidFill>
-                <a:schemeClr val="accent6"/>
-              </a:solidFill>
-              <a:ln>
-                <a:solidFill>
-                  <a:schemeClr val="tx1"/>
-                </a:solidFill>
-              </a:ln>
-            </p:spPr>
-            <p:style>
-              <a:lnRef idx="2">
-                <a:schemeClr val="accent1">
-                  <a:shade val="50000"/>
-                </a:schemeClr>
-              </a:lnRef>
-              <a:fillRef idx="1">
-                <a:schemeClr val="accent1"/>
-              </a:fillRef>
-              <a:effectRef idx="0">
-                <a:schemeClr val="accent1"/>
-              </a:effectRef>
-              <a:fontRef idx="minor">
-                <a:schemeClr val="lt1"/>
-              </a:fontRef>
-            </p:style>
-            <p:txBody>
-              <a:bodyPr rtlCol="0" anchor="ctr"/>
-              <a:lstStyle/>
-              <a:p>
-                <a:pPr algn="ctr"/>
-                <a:r>
-                  <a:rPr lang="en-US" sz="800" i="1" dirty="0">
-                    <a:solidFill>
-                      <a:schemeClr val="tx1"/>
-                    </a:solidFill>
-                  </a:rPr>
-                  <a:t>/diagnostics/Epsilon.png</a:t>
-                </a:r>
-              </a:p>
-            </p:txBody>
-          </p:sp>
         </p:grpSp>
-        <p:grpSp>
-          <p:nvGrpSpPr>
-            <p:cNvPr id="47" name="Group 46">
+        <p:sp>
+          <p:nvSpPr>
+            <p:cNvPr id="57" name="TextBox 56">
               <a:extLst>
                 <a:ext uri="{FF2B5EF4-FFF2-40B4-BE49-F238E27FC236}">
-                  <a16:creationId xmlns:a16="http://schemas.microsoft.com/office/drawing/2014/main" id="{3F95E726-825E-43EA-B199-411A0454637A}"/>
+                  <a16:creationId xmlns:a16="http://schemas.microsoft.com/office/drawing/2014/main" id="{E9A42A9C-7391-43E4-A771-231FE54694B4}"/>
                 </a:ext>
               </a:extLst>
             </p:cNvPr>
-            <p:cNvGrpSpPr/>
+            <p:cNvSpPr txBox="1"/>
             <p:nvPr/>
-          </p:nvGrpSpPr>
-          <p:grpSpPr>
+          </p:nvSpPr>
+          <p:spPr>
             <a:xfrm>
-              <a:off x="4744291" y="1826021"/>
-              <a:ext cx="2631616" cy="3081493"/>
-              <a:chOff x="1407160" y="2454022"/>
-              <a:chExt cx="3947424" cy="4440410"/>
+              <a:off x="1881394" y="2920716"/>
+              <a:ext cx="3429000" cy="399154"/>
             </a:xfrm>
-          </p:grpSpPr>
-          <p:sp>
-            <p:nvSpPr>
-              <p:cNvPr id="48" name="Rectangle 47">
-                <a:extLst>
-                  <a:ext uri="{FF2B5EF4-FFF2-40B4-BE49-F238E27FC236}">
-                    <a16:creationId xmlns:a16="http://schemas.microsoft.com/office/drawing/2014/main" id="{7D24AB94-1D40-4CA8-A7DE-646F8CC9F573}"/>
-                  </a:ext>
-                </a:extLst>
-              </p:cNvPr>
-              <p:cNvSpPr/>
-              <p:nvPr/>
-            </p:nvSpPr>
-            <p:spPr>
-              <a:xfrm>
-                <a:off x="1407160" y="2462784"/>
-                <a:ext cx="3947424" cy="4431648"/>
-              </a:xfrm>
-              <a:prstGeom prst="rect">
-                <a:avLst/>
-              </a:prstGeom>
-              <a:solidFill>
-                <a:srgbClr val="00B0F0"/>
-              </a:solidFill>
-              <a:ln>
-                <a:solidFill>
-                  <a:schemeClr val="tx1"/>
-                </a:solidFill>
-              </a:ln>
-            </p:spPr>
-            <p:style>
-              <a:lnRef idx="2">
-                <a:schemeClr val="accent1">
-                  <a:shade val="50000"/>
-                </a:schemeClr>
-              </a:lnRef>
-              <a:fillRef idx="1">
-                <a:schemeClr val="accent1"/>
-              </a:fillRef>
-              <a:effectRef idx="0">
-                <a:schemeClr val="accent1"/>
-              </a:effectRef>
-              <a:fontRef idx="minor">
-                <a:schemeClr val="lt1"/>
-              </a:fontRef>
-            </p:style>
-            <p:txBody>
-              <a:bodyPr rtlCol="0" anchor="ctr"/>
-              <a:lstStyle/>
-              <a:p>
-                <a:pPr algn="ctr"/>
-                <a:endParaRPr lang="en-US" sz="933" i="1" dirty="0"/>
-              </a:p>
-            </p:txBody>
-          </p:sp>
-          <p:sp>
-            <p:nvSpPr>
-              <p:cNvPr id="49" name="Rectangle 48">
-                <a:extLst>
-                  <a:ext uri="{FF2B5EF4-FFF2-40B4-BE49-F238E27FC236}">
-                    <a16:creationId xmlns:a16="http://schemas.microsoft.com/office/drawing/2014/main" id="{D0432DAC-53E2-4EED-9799-058D27D78A80}"/>
-                  </a:ext>
-                </a:extLst>
-              </p:cNvPr>
-              <p:cNvSpPr/>
-              <p:nvPr/>
-            </p:nvSpPr>
-            <p:spPr>
-              <a:xfrm>
-                <a:off x="2053059" y="2846832"/>
-                <a:ext cx="3100906" cy="3882226"/>
-              </a:xfrm>
-              <a:prstGeom prst="rect">
-                <a:avLst/>
-              </a:prstGeom>
-              <a:solidFill>
-                <a:schemeClr val="accent2"/>
-              </a:solidFill>
-              <a:ln>
-                <a:solidFill>
-                  <a:schemeClr val="tx1"/>
-                </a:solidFill>
-              </a:ln>
-            </p:spPr>
-            <p:style>
-              <a:lnRef idx="2">
-                <a:schemeClr val="accent1">
-                  <a:shade val="50000"/>
-                </a:schemeClr>
-              </a:lnRef>
-              <a:fillRef idx="1">
-                <a:schemeClr val="accent1"/>
-              </a:fillRef>
-              <a:effectRef idx="0">
-                <a:schemeClr val="accent1"/>
-              </a:effectRef>
-              <a:fontRef idx="minor">
-                <a:schemeClr val="lt1"/>
-              </a:fontRef>
-            </p:style>
-            <p:txBody>
-              <a:bodyPr rtlCol="0" anchor="ctr"/>
-              <a:lstStyle/>
-              <a:p>
-                <a:pPr algn="ctr"/>
-                <a:endParaRPr lang="en-US" sz="1200" dirty="0"/>
-              </a:p>
-            </p:txBody>
-          </p:sp>
-          <p:sp>
-            <p:nvSpPr>
-              <p:cNvPr id="51" name="Rectangle 50">
-                <a:extLst>
-                  <a:ext uri="{FF2B5EF4-FFF2-40B4-BE49-F238E27FC236}">
-                    <a16:creationId xmlns:a16="http://schemas.microsoft.com/office/drawing/2014/main" id="{3B77F9F3-89DD-4759-8F37-F89DEC55C202}"/>
-                  </a:ext>
-                </a:extLst>
-              </p:cNvPr>
-              <p:cNvSpPr/>
-              <p:nvPr/>
-            </p:nvSpPr>
-            <p:spPr>
-              <a:xfrm>
-                <a:off x="2511751" y="5676716"/>
-                <a:ext cx="2363153" cy="177262"/>
-              </a:xfrm>
-              <a:prstGeom prst="rect">
-                <a:avLst/>
-              </a:prstGeom>
-              <a:solidFill>
-                <a:schemeClr val="accent4"/>
-              </a:solidFill>
-              <a:ln>
-                <a:solidFill>
-                  <a:schemeClr val="tx1"/>
-                </a:solidFill>
-              </a:ln>
-            </p:spPr>
-            <p:style>
-              <a:lnRef idx="2">
-                <a:schemeClr val="accent1">
-                  <a:shade val="50000"/>
-                </a:schemeClr>
-              </a:lnRef>
-              <a:fillRef idx="1">
-                <a:schemeClr val="accent1"/>
-              </a:fillRef>
-              <a:effectRef idx="0">
-                <a:schemeClr val="accent1"/>
-              </a:effectRef>
-              <a:fontRef idx="minor">
-                <a:schemeClr val="lt1"/>
-              </a:fontRef>
-            </p:style>
-            <p:txBody>
-              <a:bodyPr rtlCol="0" anchor="ctr"/>
-              <a:lstStyle/>
-              <a:p>
-                <a:pPr algn="ctr"/>
-                <a:r>
-                  <a:rPr lang="en-US" sz="800" i="1" dirty="0" err="1">
-                    <a:solidFill>
-                      <a:schemeClr val="tx1"/>
-                    </a:solidFill>
-                  </a:rPr>
-                  <a:t>Extrapolation_Grid_Covariates.R</a:t>
-                </a:r>
-                <a:endParaRPr lang="en-US" sz="800" i="1" dirty="0">
-                  <a:solidFill>
-                    <a:schemeClr val="tx1"/>
-                  </a:solidFill>
-                </a:endParaRPr>
-              </a:p>
-            </p:txBody>
-          </p:sp>
-          <p:cxnSp>
-            <p:nvCxnSpPr>
-              <p:cNvPr id="54" name="Straight Arrow Connector 53">
-                <a:extLst>
-                  <a:ext uri="{FF2B5EF4-FFF2-40B4-BE49-F238E27FC236}">
-                    <a16:creationId xmlns:a16="http://schemas.microsoft.com/office/drawing/2014/main" id="{36374727-A303-47CA-AB73-CED692F0C55A}"/>
-                  </a:ext>
-                </a:extLst>
-              </p:cNvPr>
-              <p:cNvCxnSpPr>
-                <a:cxnSpLocks/>
-                <a:stCxn id="51" idx="2"/>
-                <a:endCxn id="63" idx="0"/>
-              </p:cNvCxnSpPr>
-              <p:nvPr/>
-            </p:nvCxnSpPr>
-            <p:spPr>
-              <a:xfrm>
-                <a:off x="3693328" y="5853979"/>
-                <a:ext cx="7620" cy="496233"/>
-              </a:xfrm>
-              <a:prstGeom prst="straightConnector1">
-                <a:avLst/>
-              </a:prstGeom>
-              <a:ln w="38100">
-                <a:solidFill>
-                  <a:schemeClr val="tx1"/>
-                </a:solidFill>
-                <a:tailEnd type="triangle"/>
-              </a:ln>
-            </p:spPr>
-            <p:style>
-              <a:lnRef idx="1">
-                <a:schemeClr val="accent1"/>
-              </a:lnRef>
-              <a:fillRef idx="0">
-                <a:schemeClr val="accent1"/>
-              </a:fillRef>
-              <a:effectRef idx="0">
-                <a:schemeClr val="accent1"/>
-              </a:effectRef>
-              <a:fontRef idx="minor">
-                <a:schemeClr val="tx1"/>
-              </a:fontRef>
-            </p:style>
-          </p:cxnSp>
-          <p:grpSp>
-            <p:nvGrpSpPr>
-              <p:cNvPr id="55" name="Group 54">
-                <a:extLst>
-                  <a:ext uri="{FF2B5EF4-FFF2-40B4-BE49-F238E27FC236}">
-                    <a16:creationId xmlns:a16="http://schemas.microsoft.com/office/drawing/2014/main" id="{7E461F4F-3ACF-4488-907C-E2DE53A6EF2F}"/>
-                  </a:ext>
-                </a:extLst>
-              </p:cNvPr>
-              <p:cNvGrpSpPr/>
-              <p:nvPr/>
-            </p:nvGrpSpPr>
-            <p:grpSpPr>
-              <a:xfrm>
-                <a:off x="2471880" y="3337007"/>
-                <a:ext cx="2433439" cy="684070"/>
-                <a:chOff x="796639" y="596403"/>
-                <a:chExt cx="1955582" cy="543739"/>
-              </a:xfrm>
-            </p:grpSpPr>
-            <p:sp>
-              <p:nvSpPr>
-                <p:cNvPr id="67" name="Rectangle 66">
-                  <a:extLst>
-                    <a:ext uri="{FF2B5EF4-FFF2-40B4-BE49-F238E27FC236}">
-                      <a16:creationId xmlns:a16="http://schemas.microsoft.com/office/drawing/2014/main" id="{BD5AF0D3-ED38-44B4-8C36-2D0D9035C757}"/>
-                    </a:ext>
-                  </a:extLst>
-                </p:cNvPr>
-                <p:cNvSpPr/>
-                <p:nvPr/>
-              </p:nvSpPr>
-              <p:spPr>
-                <a:xfrm>
-                  <a:off x="798491" y="596403"/>
-                  <a:ext cx="1953729" cy="177262"/>
-                </a:xfrm>
-                <a:prstGeom prst="rect">
-                  <a:avLst/>
-                </a:prstGeom>
-                <a:solidFill>
-                  <a:schemeClr val="accent6"/>
-                </a:solidFill>
-                <a:ln>
-                  <a:solidFill>
-                    <a:schemeClr val="tx1"/>
-                  </a:solidFill>
-                </a:ln>
-              </p:spPr>
-              <p:style>
-                <a:lnRef idx="2">
-                  <a:schemeClr val="accent1">
-                    <a:shade val="50000"/>
-                  </a:schemeClr>
-                </a:lnRef>
-                <a:fillRef idx="1">
-                  <a:schemeClr val="accent1"/>
-                </a:fillRef>
-                <a:effectRef idx="0">
-                  <a:schemeClr val="accent1"/>
-                </a:effectRef>
-                <a:fontRef idx="minor">
-                  <a:schemeClr val="lt1"/>
-                </a:fontRef>
-              </p:style>
-              <p:txBody>
-                <a:bodyPr rtlCol="0" anchor="ctr"/>
-                <a:lstStyle/>
-                <a:p>
-                  <a:pPr algn="ctr"/>
-                  <a:r>
-                    <a:rPr lang="en-US" sz="800" i="1" dirty="0">
-                      <a:solidFill>
-                        <a:schemeClr val="tx1"/>
-                      </a:solidFill>
-                    </a:rPr>
-                    <a:t>shapefiles/</a:t>
-                  </a:r>
-                  <a:r>
-                    <a:rPr lang="en-US" sz="800" i="1" dirty="0" err="1">
-                      <a:solidFill>
-                        <a:schemeClr val="tx1"/>
-                      </a:solidFill>
-                    </a:rPr>
-                    <a:t>goa_strata.shp</a:t>
-                  </a:r>
-                  <a:endParaRPr lang="en-US" sz="800" i="1" dirty="0">
-                    <a:solidFill>
-                      <a:schemeClr val="tx1"/>
-                    </a:solidFill>
-                  </a:endParaRPr>
-                </a:p>
-              </p:txBody>
-            </p:sp>
-            <p:sp>
-              <p:nvSpPr>
-                <p:cNvPr id="68" name="Rectangle 67">
-                  <a:extLst>
-                    <a:ext uri="{FF2B5EF4-FFF2-40B4-BE49-F238E27FC236}">
-                      <a16:creationId xmlns:a16="http://schemas.microsoft.com/office/drawing/2014/main" id="{D7580465-8EC4-4FE5-A3D8-C309CE67C36D}"/>
-                    </a:ext>
-                  </a:extLst>
-                </p:cNvPr>
-                <p:cNvSpPr/>
-                <p:nvPr/>
-              </p:nvSpPr>
-              <p:spPr>
-                <a:xfrm>
-                  <a:off x="798491" y="781487"/>
-                  <a:ext cx="1953730" cy="177262"/>
-                </a:xfrm>
-                <a:prstGeom prst="rect">
-                  <a:avLst/>
-                </a:prstGeom>
-                <a:solidFill>
-                  <a:schemeClr val="accent6"/>
-                </a:solidFill>
-                <a:ln>
-                  <a:solidFill>
-                    <a:schemeClr val="tx1"/>
-                  </a:solidFill>
-                </a:ln>
-              </p:spPr>
-              <p:style>
-                <a:lnRef idx="2">
-                  <a:schemeClr val="accent1">
-                    <a:shade val="50000"/>
-                  </a:schemeClr>
-                </a:lnRef>
-                <a:fillRef idx="1">
-                  <a:schemeClr val="accent1"/>
-                </a:fillRef>
-                <a:effectRef idx="0">
-                  <a:schemeClr val="accent1"/>
-                </a:effectRef>
-                <a:fontRef idx="minor">
-                  <a:schemeClr val="lt1"/>
-                </a:fontRef>
-              </p:style>
-              <p:txBody>
-                <a:bodyPr rtlCol="0" anchor="ctr"/>
-                <a:lstStyle/>
-                <a:p>
-                  <a:pPr algn="ctr"/>
-                  <a:r>
-                    <a:rPr lang="en-US" sz="800" i="1" dirty="0">
-                      <a:solidFill>
-                        <a:schemeClr val="tx1"/>
-                      </a:solidFill>
-                    </a:rPr>
-                    <a:t>shapefiles/</a:t>
-                  </a:r>
-                  <a:r>
-                    <a:rPr lang="en-US" sz="800" i="1" dirty="0" err="1">
-                      <a:solidFill>
-                        <a:schemeClr val="tx1"/>
-                      </a:solidFill>
-                    </a:rPr>
-                    <a:t>goagrid_polygons.shp</a:t>
-                  </a:r>
-                  <a:endParaRPr lang="en-US" sz="800" i="1" dirty="0">
-                    <a:solidFill>
-                      <a:schemeClr val="tx1"/>
-                    </a:solidFill>
-                  </a:endParaRPr>
-                </a:p>
-              </p:txBody>
-            </p:sp>
-            <p:sp>
-              <p:nvSpPr>
-                <p:cNvPr id="69" name="Rectangle 68">
-                  <a:extLst>
-                    <a:ext uri="{FF2B5EF4-FFF2-40B4-BE49-F238E27FC236}">
-                      <a16:creationId xmlns:a16="http://schemas.microsoft.com/office/drawing/2014/main" id="{A5B23850-4D83-44F2-BB04-3F8EB9360E0A}"/>
-                    </a:ext>
-                  </a:extLst>
-                </p:cNvPr>
-                <p:cNvSpPr/>
-                <p:nvPr/>
-              </p:nvSpPr>
-              <p:spPr>
-                <a:xfrm>
-                  <a:off x="796639" y="962880"/>
-                  <a:ext cx="1953730" cy="177262"/>
-                </a:xfrm>
-                <a:prstGeom prst="rect">
-                  <a:avLst/>
-                </a:prstGeom>
-                <a:solidFill>
-                  <a:schemeClr val="accent6"/>
-                </a:solidFill>
-                <a:ln>
-                  <a:solidFill>
-                    <a:schemeClr val="tx1"/>
-                  </a:solidFill>
-                </a:ln>
-              </p:spPr>
-              <p:style>
-                <a:lnRef idx="2">
-                  <a:schemeClr val="accent1">
-                    <a:shade val="50000"/>
-                  </a:schemeClr>
-                </a:lnRef>
-                <a:fillRef idx="1">
-                  <a:schemeClr val="accent1"/>
-                </a:fillRef>
-                <a:effectRef idx="0">
-                  <a:schemeClr val="accent1"/>
-                </a:effectRef>
-                <a:fontRef idx="minor">
-                  <a:schemeClr val="lt1"/>
-                </a:fontRef>
-              </p:style>
-              <p:txBody>
-                <a:bodyPr rtlCol="0" anchor="ctr"/>
-                <a:lstStyle/>
-                <a:p>
-                  <a:pPr algn="ctr"/>
-                  <a:r>
-                    <a:rPr lang="en-US" sz="800" i="1" dirty="0">
-                      <a:solidFill>
-                        <a:schemeClr val="tx1"/>
-                      </a:solidFill>
-                    </a:rPr>
-                    <a:t>shapefiles/</a:t>
-                  </a:r>
-                  <a:r>
-                    <a:rPr lang="en-US" sz="800" i="1" dirty="0" err="1">
-                      <a:solidFill>
-                        <a:schemeClr val="tx1"/>
-                      </a:solidFill>
-                    </a:rPr>
-                    <a:t>GOA_ALL_nountrawl</a:t>
-                  </a:r>
-                  <a:endParaRPr lang="en-US" sz="800" i="1" dirty="0">
-                    <a:solidFill>
-                      <a:schemeClr val="tx1"/>
-                    </a:solidFill>
-                  </a:endParaRPr>
-                </a:p>
-              </p:txBody>
-            </p:sp>
-          </p:grpSp>
-          <p:sp>
-            <p:nvSpPr>
-              <p:cNvPr id="57" name="TextBox 56">
-                <a:extLst>
-                  <a:ext uri="{FF2B5EF4-FFF2-40B4-BE49-F238E27FC236}">
-                    <a16:creationId xmlns:a16="http://schemas.microsoft.com/office/drawing/2014/main" id="{E9A42A9C-7391-43E4-A771-231FE54694B4}"/>
-                  </a:ext>
-                </a:extLst>
-              </p:cNvPr>
-              <p:cNvSpPr txBox="1"/>
-              <p:nvPr/>
-            </p:nvSpPr>
-            <p:spPr>
-              <a:xfrm>
-                <a:off x="1881394" y="2920716"/>
-                <a:ext cx="3429000" cy="399154"/>
-              </a:xfrm>
-              <a:prstGeom prst="rect">
-                <a:avLst/>
-              </a:prstGeom>
-              <a:noFill/>
-            </p:spPr>
-            <p:txBody>
-              <a:bodyPr wrap="square">
-                <a:spAutoFit/>
-              </a:bodyPr>
-              <a:lstStyle/>
-              <a:p>
-                <a:pPr algn="ctr"/>
-                <a:r>
-                  <a:rPr lang="en-US" sz="1200" i="1" dirty="0"/>
-                  <a:t>~/data/</a:t>
-                </a:r>
-              </a:p>
-            </p:txBody>
-          </p:sp>
-          <p:sp>
-            <p:nvSpPr>
-              <p:cNvPr id="58" name="TextBox 57">
-                <a:extLst>
-                  <a:ext uri="{FF2B5EF4-FFF2-40B4-BE49-F238E27FC236}">
-                    <a16:creationId xmlns:a16="http://schemas.microsoft.com/office/drawing/2014/main" id="{23B765CF-7F16-444E-B86A-E78E59EC8AA2}"/>
-                  </a:ext>
-                </a:extLst>
-              </p:cNvPr>
-              <p:cNvSpPr txBox="1"/>
-              <p:nvPr/>
-            </p:nvSpPr>
-            <p:spPr>
-              <a:xfrm>
-                <a:off x="1735306" y="2454022"/>
-                <a:ext cx="3429000" cy="399154"/>
-              </a:xfrm>
-              <a:prstGeom prst="rect">
-                <a:avLst/>
-              </a:prstGeom>
-              <a:noFill/>
-            </p:spPr>
-            <p:txBody>
-              <a:bodyPr wrap="square">
-                <a:spAutoFit/>
-              </a:bodyPr>
-              <a:lstStyle/>
-              <a:p>
-                <a:pPr algn="ctr"/>
-                <a:r>
-                  <a:rPr lang="en-US" sz="1200" i="1" dirty="0"/>
-                  <a:t>Create Extrapolation Grid</a:t>
-                </a:r>
-              </a:p>
-            </p:txBody>
-          </p:sp>
-          <p:sp>
-            <p:nvSpPr>
-              <p:cNvPr id="59" name="Rectangle 58">
-                <a:extLst>
-                  <a:ext uri="{FF2B5EF4-FFF2-40B4-BE49-F238E27FC236}">
-                    <a16:creationId xmlns:a16="http://schemas.microsoft.com/office/drawing/2014/main" id="{F6CC2666-AA12-42B9-A599-9CBC6BD62FFB}"/>
-                  </a:ext>
-                </a:extLst>
-              </p:cNvPr>
-              <p:cNvSpPr/>
-              <p:nvPr/>
-            </p:nvSpPr>
-            <p:spPr>
-              <a:xfrm>
-                <a:off x="2300170" y="4277958"/>
-                <a:ext cx="2775924" cy="260426"/>
-              </a:xfrm>
-              <a:prstGeom prst="rect">
-                <a:avLst/>
-              </a:prstGeom>
-              <a:solidFill>
-                <a:schemeClr val="accent6"/>
-              </a:solidFill>
-              <a:ln>
-                <a:solidFill>
-                  <a:schemeClr val="tx1"/>
-                </a:solidFill>
-              </a:ln>
-            </p:spPr>
-            <p:style>
-              <a:lnRef idx="2">
-                <a:schemeClr val="accent1">
-                  <a:shade val="50000"/>
-                </a:schemeClr>
-              </a:lnRef>
-              <a:fillRef idx="1">
-                <a:schemeClr val="accent1"/>
-              </a:fillRef>
-              <a:effectRef idx="0">
-                <a:schemeClr val="accent1"/>
-              </a:effectRef>
-              <a:fontRef idx="minor">
-                <a:schemeClr val="lt1"/>
-              </a:fontRef>
-            </p:style>
-            <p:txBody>
-              <a:bodyPr rtlCol="0" anchor="ctr"/>
-              <a:lstStyle/>
-              <a:p>
-                <a:pPr algn="ctr"/>
-                <a:r>
-                  <a:rPr lang="en-US" sz="800" i="1" dirty="0" err="1">
-                    <a:solidFill>
-                      <a:schemeClr val="tx1"/>
-                    </a:solidFill>
-                  </a:rPr>
-                  <a:t>extrapolation_grid</a:t>
-                </a:r>
-                <a:r>
-                  <a:rPr lang="en-US" sz="800" i="1" dirty="0">
-                    <a:solidFill>
-                      <a:schemeClr val="tx1"/>
-                    </a:solidFill>
-                  </a:rPr>
-                  <a:t>/GOAThorsonGrid.csv</a:t>
-                </a:r>
-              </a:p>
-            </p:txBody>
-          </p:sp>
-          <p:cxnSp>
-            <p:nvCxnSpPr>
-              <p:cNvPr id="61" name="Straight Arrow Connector 60">
-                <a:extLst>
-                  <a:ext uri="{FF2B5EF4-FFF2-40B4-BE49-F238E27FC236}">
-                    <a16:creationId xmlns:a16="http://schemas.microsoft.com/office/drawing/2014/main" id="{67159470-CABE-4EB1-A380-4E109669F3BC}"/>
-                  </a:ext>
-                </a:extLst>
-              </p:cNvPr>
-              <p:cNvCxnSpPr>
-                <a:cxnSpLocks/>
-                <a:stCxn id="66" idx="2"/>
-                <a:endCxn id="51" idx="0"/>
-              </p:cNvCxnSpPr>
-              <p:nvPr/>
-            </p:nvCxnSpPr>
-            <p:spPr>
-              <a:xfrm>
-                <a:off x="3686184" y="4791527"/>
-                <a:ext cx="7145" cy="885189"/>
-              </a:xfrm>
-              <a:prstGeom prst="straightConnector1">
-                <a:avLst/>
-              </a:prstGeom>
-              <a:ln w="38100">
-                <a:solidFill>
-                  <a:schemeClr val="tx1"/>
-                </a:solidFill>
-                <a:tailEnd type="triangle"/>
-              </a:ln>
-            </p:spPr>
-            <p:style>
-              <a:lnRef idx="1">
-                <a:schemeClr val="accent1"/>
-              </a:lnRef>
-              <a:fillRef idx="0">
-                <a:schemeClr val="accent1"/>
-              </a:fillRef>
-              <a:effectRef idx="0">
-                <a:schemeClr val="accent1"/>
-              </a:effectRef>
-              <a:fontRef idx="minor">
-                <a:schemeClr val="tx1"/>
-              </a:fontRef>
-            </p:style>
-          </p:cxnSp>
-          <p:sp>
-            <p:nvSpPr>
-              <p:cNvPr id="62" name="Rectangle 61">
-                <a:extLst>
-                  <a:ext uri="{FF2B5EF4-FFF2-40B4-BE49-F238E27FC236}">
-                    <a16:creationId xmlns:a16="http://schemas.microsoft.com/office/drawing/2014/main" id="{6520E9E5-D557-4EED-A3B8-4FB73F22382D}"/>
-                  </a:ext>
-                </a:extLst>
-              </p:cNvPr>
-              <p:cNvSpPr/>
-              <p:nvPr/>
-            </p:nvSpPr>
-            <p:spPr>
-              <a:xfrm>
-                <a:off x="2300170" y="4023265"/>
-                <a:ext cx="2775924" cy="260426"/>
-              </a:xfrm>
-              <a:prstGeom prst="rect">
-                <a:avLst/>
-              </a:prstGeom>
-              <a:solidFill>
-                <a:schemeClr val="accent6"/>
-              </a:solidFill>
-              <a:ln>
-                <a:solidFill>
-                  <a:schemeClr val="tx1"/>
-                </a:solidFill>
-              </a:ln>
-            </p:spPr>
-            <p:style>
-              <a:lnRef idx="2">
-                <a:schemeClr val="accent1">
-                  <a:shade val="50000"/>
-                </a:schemeClr>
-              </a:lnRef>
-              <a:fillRef idx="1">
-                <a:schemeClr val="accent1"/>
-              </a:fillRef>
-              <a:effectRef idx="0">
-                <a:schemeClr val="accent1"/>
-              </a:effectRef>
-              <a:fontRef idx="minor">
-                <a:schemeClr val="lt1"/>
-              </a:fontRef>
-            </p:style>
-            <p:txBody>
-              <a:bodyPr rtlCol="0" anchor="ctr"/>
-              <a:lstStyle/>
-              <a:p>
-                <a:pPr algn="ctr"/>
-                <a:r>
-                  <a:rPr lang="en-US" sz="800" i="1" dirty="0">
-                    <a:solidFill>
-                      <a:schemeClr val="tx1"/>
-                    </a:solidFill>
-                  </a:rPr>
-                  <a:t>aigoa_bathyp1c/</a:t>
-                </a:r>
-                <a:r>
-                  <a:rPr lang="en-US" sz="800" i="1" dirty="0" err="1">
-                    <a:solidFill>
-                      <a:schemeClr val="tx1"/>
-                    </a:solidFill>
-                  </a:rPr>
-                  <a:t>dblbnd.adf</a:t>
-                </a:r>
-                <a:endParaRPr lang="en-US" sz="800" i="1" dirty="0">
-                  <a:solidFill>
-                    <a:schemeClr val="tx1"/>
-                  </a:solidFill>
-                </a:endParaRPr>
-              </a:p>
-            </p:txBody>
-          </p:sp>
-          <p:sp>
-            <p:nvSpPr>
-              <p:cNvPr id="63" name="Rectangle 62">
-                <a:extLst>
-                  <a:ext uri="{FF2B5EF4-FFF2-40B4-BE49-F238E27FC236}">
-                    <a16:creationId xmlns:a16="http://schemas.microsoft.com/office/drawing/2014/main" id="{16C1F89C-A408-44E5-892A-55CDACAB9DAC}"/>
-                  </a:ext>
-                </a:extLst>
-              </p:cNvPr>
-              <p:cNvSpPr/>
-              <p:nvPr/>
-            </p:nvSpPr>
-            <p:spPr>
-              <a:xfrm>
-                <a:off x="2519371" y="6350212"/>
-                <a:ext cx="2363153" cy="177262"/>
-              </a:xfrm>
-              <a:prstGeom prst="rect">
-                <a:avLst/>
-              </a:prstGeom>
-              <a:solidFill>
-                <a:schemeClr val="accent6"/>
-              </a:solidFill>
-              <a:ln>
-                <a:solidFill>
-                  <a:schemeClr val="tx1"/>
-                </a:solidFill>
-              </a:ln>
-            </p:spPr>
-            <p:style>
-              <a:lnRef idx="2">
-                <a:schemeClr val="accent1">
-                  <a:shade val="50000"/>
-                </a:schemeClr>
-              </a:lnRef>
-              <a:fillRef idx="1">
-                <a:schemeClr val="accent1"/>
-              </a:fillRef>
-              <a:effectRef idx="0">
-                <a:schemeClr val="accent1"/>
-              </a:effectRef>
-              <a:fontRef idx="minor">
-                <a:schemeClr val="lt1"/>
-              </a:fontRef>
-            </p:style>
-            <p:txBody>
-              <a:bodyPr rtlCol="0" anchor="ctr"/>
-              <a:lstStyle/>
-              <a:p>
-                <a:pPr algn="ctr"/>
-                <a:r>
-                  <a:rPr lang="en-US" sz="800" i="1" dirty="0" err="1">
-                    <a:solidFill>
-                      <a:schemeClr val="tx1"/>
-                    </a:solidFill>
-                  </a:rPr>
-                  <a:t>Extrapolation_depths.RData</a:t>
-                </a:r>
-                <a:endParaRPr lang="en-US" sz="800" i="1" dirty="0">
-                  <a:solidFill>
-                    <a:schemeClr val="tx1"/>
-                  </a:solidFill>
-                </a:endParaRPr>
-              </a:p>
-            </p:txBody>
-          </p:sp>
-          <p:sp>
-            <p:nvSpPr>
-              <p:cNvPr id="66" name="Rectangle 65">
-                <a:extLst>
-                  <a:ext uri="{FF2B5EF4-FFF2-40B4-BE49-F238E27FC236}">
-                    <a16:creationId xmlns:a16="http://schemas.microsoft.com/office/drawing/2014/main" id="{89D583E9-DABA-4DE5-A145-6DB96143EC4A}"/>
-                  </a:ext>
-                </a:extLst>
-              </p:cNvPr>
-              <p:cNvSpPr/>
-              <p:nvPr/>
-            </p:nvSpPr>
-            <p:spPr>
-              <a:xfrm>
-                <a:off x="2986096" y="4531101"/>
-                <a:ext cx="1400174" cy="260426"/>
-              </a:xfrm>
-              <a:prstGeom prst="rect">
-                <a:avLst/>
-              </a:prstGeom>
-              <a:solidFill>
-                <a:schemeClr val="accent6"/>
-              </a:solidFill>
-              <a:ln>
-                <a:solidFill>
-                  <a:schemeClr val="tx1"/>
-                </a:solidFill>
-              </a:ln>
-            </p:spPr>
-            <p:style>
-              <a:lnRef idx="2">
-                <a:schemeClr val="accent1">
-                  <a:shade val="50000"/>
-                </a:schemeClr>
-              </a:lnRef>
-              <a:fillRef idx="1">
-                <a:schemeClr val="accent1"/>
-              </a:fillRef>
-              <a:effectRef idx="0">
-                <a:schemeClr val="accent1"/>
-              </a:effectRef>
-              <a:fontRef idx="minor">
-                <a:schemeClr val="lt1"/>
-              </a:fontRef>
-            </p:style>
-            <p:txBody>
-              <a:bodyPr rtlCol="0" anchor="ctr"/>
-              <a:lstStyle/>
-              <a:p>
-                <a:pPr algn="ctr"/>
-                <a:r>
-                  <a:rPr lang="en-US" sz="800" i="1" dirty="0">
-                    <a:solidFill>
-                      <a:schemeClr val="tx1"/>
-                    </a:solidFill>
-                  </a:rPr>
-                  <a:t>GOA_multspp.csv</a:t>
-                </a:r>
-              </a:p>
-            </p:txBody>
-          </p:sp>
-        </p:grpSp>
+            <a:prstGeom prst="rect">
+              <a:avLst/>
+            </a:prstGeom>
+            <a:noFill/>
+          </p:spPr>
+          <p:txBody>
+            <a:bodyPr wrap="square">
+              <a:spAutoFit/>
+            </a:bodyPr>
+            <a:lstStyle/>
+            <a:p>
+              <a:pPr algn="ctr"/>
+              <a:r>
+                <a:rPr lang="en-US" sz="1200" i="1" dirty="0"/>
+                <a:t>~/data/</a:t>
+              </a:r>
+            </a:p>
+          </p:txBody>
+        </p:sp>
         <p:sp>
           <p:nvSpPr>
-            <p:cNvPr id="72" name="Rectangle 71">
+            <p:cNvPr id="58" name="TextBox 57">
               <a:extLst>
                 <a:ext uri="{FF2B5EF4-FFF2-40B4-BE49-F238E27FC236}">
-                  <a16:creationId xmlns:a16="http://schemas.microsoft.com/office/drawing/2014/main" id="{F68C58B1-2F25-46DF-AFAF-39B45DB2FED9}"/>
+                  <a16:creationId xmlns:a16="http://schemas.microsoft.com/office/drawing/2014/main" id="{23B765CF-7F16-444E-B86A-E78E59EC8AA2}"/>
+                </a:ext>
+              </a:extLst>
+            </p:cNvPr>
+            <p:cNvSpPr txBox="1"/>
+            <p:nvPr/>
+          </p:nvSpPr>
+          <p:spPr>
+            <a:xfrm>
+              <a:off x="1735306" y="2454022"/>
+              <a:ext cx="3429000" cy="399154"/>
+            </a:xfrm>
+            <a:prstGeom prst="rect">
+              <a:avLst/>
+            </a:prstGeom>
+            <a:noFill/>
+          </p:spPr>
+          <p:txBody>
+            <a:bodyPr wrap="square">
+              <a:spAutoFit/>
+            </a:bodyPr>
+            <a:lstStyle/>
+            <a:p>
+              <a:pPr algn="ctr"/>
+              <a:r>
+                <a:rPr lang="en-US" sz="1200" i="1" dirty="0"/>
+                <a:t>Create Extrapolation Grid</a:t>
+              </a:r>
+            </a:p>
+          </p:txBody>
+        </p:sp>
+        <p:sp>
+          <p:nvSpPr>
+            <p:cNvPr id="59" name="Rectangle 58">
+              <a:extLst>
+                <a:ext uri="{FF2B5EF4-FFF2-40B4-BE49-F238E27FC236}">
+                  <a16:creationId xmlns:a16="http://schemas.microsoft.com/office/drawing/2014/main" id="{F6CC2666-AA12-42B9-A599-9CBC6BD62FFB}"/>
                 </a:ext>
               </a:extLst>
             </p:cNvPr>
@@ -8721,182 +8290,8 @@
           </p:nvSpPr>
           <p:spPr>
             <a:xfrm>
-              <a:off x="1959776" y="1826021"/>
-              <a:ext cx="2286000" cy="3081493"/>
-            </a:xfrm>
-            <a:prstGeom prst="rect">
-              <a:avLst/>
-            </a:prstGeom>
-            <a:solidFill>
-              <a:srgbClr val="00B0F0"/>
-            </a:solidFill>
-            <a:ln>
-              <a:solidFill>
-                <a:schemeClr val="tx1"/>
-              </a:solidFill>
-            </a:ln>
-          </p:spPr>
-          <p:style>
-            <a:lnRef idx="2">
-              <a:schemeClr val="accent1">
-                <a:shade val="50000"/>
-              </a:schemeClr>
-            </a:lnRef>
-            <a:fillRef idx="1">
-              <a:schemeClr val="accent1"/>
-            </a:fillRef>
-            <a:effectRef idx="0">
-              <a:schemeClr val="accent1"/>
-            </a:effectRef>
-            <a:fontRef idx="minor">
-              <a:schemeClr val="lt1"/>
-            </a:fontRef>
-          </p:style>
-          <p:txBody>
-            <a:bodyPr rtlCol="0" anchor="ctr"/>
-            <a:lstStyle/>
-            <a:p>
-              <a:pPr algn="ctr"/>
-              <a:endParaRPr lang="en-US" sz="933" i="1" dirty="0"/>
-            </a:p>
-          </p:txBody>
-        </p:sp>
-        <p:sp>
-          <p:nvSpPr>
-            <p:cNvPr id="74" name="Rectangle 73">
-              <a:extLst>
-                <a:ext uri="{FF2B5EF4-FFF2-40B4-BE49-F238E27FC236}">
-                  <a16:creationId xmlns:a16="http://schemas.microsoft.com/office/drawing/2014/main" id="{B37FCD06-CD50-41B5-B1B2-DE99AF88243B}"/>
-                </a:ext>
-              </a:extLst>
-            </p:cNvPr>
-            <p:cNvSpPr/>
-            <p:nvPr/>
-          </p:nvSpPr>
-          <p:spPr>
-            <a:xfrm>
-              <a:off x="2061182" y="3612471"/>
-              <a:ext cx="3113708" cy="1180279"/>
-            </a:xfrm>
-            <a:prstGeom prst="rect">
-              <a:avLst/>
-            </a:prstGeom>
-            <a:solidFill>
-              <a:schemeClr val="accent2"/>
-            </a:solidFill>
-            <a:ln>
-              <a:solidFill>
-                <a:schemeClr val="tx1"/>
-              </a:solidFill>
-            </a:ln>
-          </p:spPr>
-          <p:style>
-            <a:lnRef idx="2">
-              <a:schemeClr val="accent1">
-                <a:shade val="50000"/>
-              </a:schemeClr>
-            </a:lnRef>
-            <a:fillRef idx="1">
-              <a:schemeClr val="accent1"/>
-            </a:fillRef>
-            <a:effectRef idx="0">
-              <a:schemeClr val="accent1"/>
-            </a:effectRef>
-            <a:fontRef idx="minor">
-              <a:schemeClr val="lt1"/>
-            </a:fontRef>
-          </p:style>
-          <p:txBody>
-            <a:bodyPr rtlCol="0" anchor="ctr"/>
-            <a:lstStyle/>
-            <a:p>
-              <a:pPr algn="ctr"/>
-              <a:endParaRPr lang="en-US" sz="1200"/>
-            </a:p>
-          </p:txBody>
-        </p:sp>
-        <p:sp>
-          <p:nvSpPr>
-            <p:cNvPr id="76" name="Rectangle 75">
-              <a:extLst>
-                <a:ext uri="{FF2B5EF4-FFF2-40B4-BE49-F238E27FC236}">
-                  <a16:creationId xmlns:a16="http://schemas.microsoft.com/office/drawing/2014/main" id="{09FDC387-D42D-41E6-9D58-5F5FF5EA01CC}"/>
-                </a:ext>
-              </a:extLst>
-            </p:cNvPr>
-            <p:cNvSpPr/>
-            <p:nvPr/>
-          </p:nvSpPr>
-          <p:spPr>
-            <a:xfrm>
-              <a:off x="2398745" y="3741367"/>
-              <a:ext cx="1219200" cy="118175"/>
-            </a:xfrm>
-            <a:prstGeom prst="rect">
-              <a:avLst/>
-            </a:prstGeom>
-            <a:solidFill>
-              <a:schemeClr val="accent4"/>
-            </a:solidFill>
-            <a:ln>
-              <a:solidFill>
-                <a:schemeClr val="tx1"/>
-              </a:solidFill>
-            </a:ln>
-          </p:spPr>
-          <p:style>
-            <a:lnRef idx="2">
-              <a:schemeClr val="accent1">
-                <a:shade val="50000"/>
-              </a:schemeClr>
-            </a:lnRef>
-            <a:fillRef idx="1">
-              <a:schemeClr val="accent1"/>
-            </a:fillRef>
-            <a:effectRef idx="0">
-              <a:schemeClr val="accent1"/>
-            </a:effectRef>
-            <a:fontRef idx="minor">
-              <a:schemeClr val="lt1"/>
-            </a:fontRef>
-          </p:style>
-          <p:txBody>
-            <a:bodyPr rtlCol="0" anchor="ctr"/>
-            <a:lstStyle/>
-            <a:p>
-              <a:pPr algn="ctr"/>
-              <a:r>
-                <a:rPr lang="en-US" sz="800" i="1" dirty="0" err="1">
-                  <a:solidFill>
-                    <a:schemeClr val="tx1"/>
-                  </a:solidFill>
-                </a:rPr>
-                <a:t>data_survey.R</a:t>
-              </a:r>
-              <a:endParaRPr lang="en-US" sz="800" i="1" dirty="0">
-                <a:solidFill>
-                  <a:schemeClr val="tx1"/>
-                </a:solidFill>
-              </a:endParaRPr>
-            </a:p>
-          </p:txBody>
-        </p:sp>
-        <p:sp>
-          <p:nvSpPr>
-            <p:cNvPr id="78" name="Rectangle 77">
-              <a:extLst>
-                <a:ext uri="{FF2B5EF4-FFF2-40B4-BE49-F238E27FC236}">
-                  <a16:creationId xmlns:a16="http://schemas.microsoft.com/office/drawing/2014/main" id="{AB668467-898C-4932-BE98-CB129B241EAF}"/>
-                </a:ext>
-              </a:extLst>
-            </p:cNvPr>
-            <p:cNvSpPr/>
-            <p:nvPr/>
-          </p:nvSpPr>
-          <p:spPr>
-            <a:xfrm>
-              <a:off x="2398745" y="4181383"/>
-              <a:ext cx="1219200" cy="118175"/>
+              <a:off x="2300170" y="4277958"/>
+              <a:ext cx="2775924" cy="260426"/>
             </a:xfrm>
             <a:prstGeom prst="rect">
               <a:avLst/>
@@ -8937,36 +8332,39 @@
                     <a:schemeClr val="tx1"/>
                   </a:solidFill>
                 </a:rPr>
-                <a:t>GOA_multspp.csv</a:t>
+                <a:t>extrapolation_grid</a:t>
               </a:r>
-              <a:endParaRPr lang="en-US" sz="800" i="1" dirty="0">
-                <a:solidFill>
-                  <a:schemeClr val="tx1"/>
-                </a:solidFill>
-              </a:endParaRPr>
+              <a:r>
+                <a:rPr lang="en-US" sz="800" i="1" dirty="0">
+                  <a:solidFill>
+                    <a:schemeClr val="tx1"/>
+                  </a:solidFill>
+                </a:rPr>
+                <a:t>/GOAThorsonGrid.csv</a:t>
+              </a:r>
             </a:p>
           </p:txBody>
         </p:sp>
         <p:cxnSp>
           <p:nvCxnSpPr>
-            <p:cNvPr id="79" name="Straight Arrow Connector 78">
+            <p:cNvPr id="61" name="Straight Arrow Connector 60">
               <a:extLst>
                 <a:ext uri="{FF2B5EF4-FFF2-40B4-BE49-F238E27FC236}">
-                  <a16:creationId xmlns:a16="http://schemas.microsoft.com/office/drawing/2014/main" id="{77665D64-2C03-43B5-8F2B-468798E7C314}"/>
+                  <a16:creationId xmlns:a16="http://schemas.microsoft.com/office/drawing/2014/main" id="{67159470-CABE-4EB1-A380-4E109669F3BC}"/>
                 </a:ext>
               </a:extLst>
             </p:cNvPr>
             <p:cNvCxnSpPr>
               <a:cxnSpLocks/>
-              <a:stCxn id="76" idx="2"/>
-              <a:endCxn id="78" idx="0"/>
+              <a:stCxn id="66" idx="2"/>
+              <a:endCxn id="51" idx="0"/>
             </p:cNvCxnSpPr>
             <p:nvPr/>
           </p:nvCxnSpPr>
           <p:spPr>
             <a:xfrm>
-              <a:off x="3008345" y="3859542"/>
-              <a:ext cx="0" cy="321841"/>
+              <a:off x="3686184" y="4791527"/>
+              <a:ext cx="7145" cy="885189"/>
             </a:xfrm>
             <a:prstGeom prst="straightConnector1">
               <a:avLst/>
@@ -8995,10 +8393,10 @@
         </p:cxnSp>
         <p:sp>
           <p:nvSpPr>
-            <p:cNvPr id="80" name="Rectangle 79">
+            <p:cNvPr id="62" name="Rectangle 61">
               <a:extLst>
                 <a:ext uri="{FF2B5EF4-FFF2-40B4-BE49-F238E27FC236}">
-                  <a16:creationId xmlns:a16="http://schemas.microsoft.com/office/drawing/2014/main" id="{8E4CBDD1-0266-4D14-BFA9-ACF9BF344875}"/>
+                  <a16:creationId xmlns:a16="http://schemas.microsoft.com/office/drawing/2014/main" id="{6520E9E5-D557-4EED-A3B8-4FB73F22382D}"/>
                 </a:ext>
               </a:extLst>
             </p:cNvPr>
@@ -9007,399 +8405,8 @@
           </p:nvSpPr>
           <p:spPr>
             <a:xfrm>
-              <a:off x="2076231" y="2273328"/>
-              <a:ext cx="1846613" cy="1020253"/>
-            </a:xfrm>
-            <a:prstGeom prst="rect">
-              <a:avLst/>
-            </a:prstGeom>
-            <a:solidFill>
-              <a:schemeClr val="accent2"/>
-            </a:solidFill>
-            <a:ln>
-              <a:solidFill>
-                <a:schemeClr val="tx1"/>
-              </a:solidFill>
-            </a:ln>
-          </p:spPr>
-          <p:style>
-            <a:lnRef idx="2">
-              <a:schemeClr val="accent1">
-                <a:shade val="50000"/>
-              </a:schemeClr>
-            </a:lnRef>
-            <a:fillRef idx="1">
-              <a:schemeClr val="accent1"/>
-            </a:fillRef>
-            <a:effectRef idx="0">
-              <a:schemeClr val="accent1"/>
-            </a:effectRef>
-            <a:fontRef idx="minor">
-              <a:schemeClr val="lt1"/>
-            </a:fontRef>
-          </p:style>
-          <p:txBody>
-            <a:bodyPr rtlCol="0" anchor="ctr"/>
-            <a:lstStyle/>
-            <a:p>
-              <a:pPr algn="ctr"/>
-              <a:endParaRPr lang="en-US" sz="1200"/>
-            </a:p>
-          </p:txBody>
-        </p:sp>
-        <p:sp>
-          <p:nvSpPr>
-            <p:cNvPr id="82" name="TextBox 81">
-              <a:extLst>
-                <a:ext uri="{FF2B5EF4-FFF2-40B4-BE49-F238E27FC236}">
-                  <a16:creationId xmlns:a16="http://schemas.microsoft.com/office/drawing/2014/main" id="{993181E4-6BAA-4464-926C-A4F1F13E6EBE}"/>
-                </a:ext>
-              </a:extLst>
-            </p:cNvPr>
-            <p:cNvSpPr txBox="1"/>
-            <p:nvPr/>
-          </p:nvSpPr>
-          <p:spPr>
-            <a:xfrm>
-              <a:off x="1845411" y="2291834"/>
-              <a:ext cx="2287928" cy="276999"/>
-            </a:xfrm>
-            <a:prstGeom prst="rect">
-              <a:avLst/>
-            </a:prstGeom>
-            <a:noFill/>
-          </p:spPr>
-          <p:txBody>
-            <a:bodyPr wrap="square">
-              <a:spAutoFit/>
-            </a:bodyPr>
-            <a:lstStyle/>
-            <a:p>
-              <a:pPr algn="ctr"/>
-              <a:r>
-                <a:rPr lang="en-US" sz="1200" i="1" dirty="0"/>
-                <a:t>G:/Oyafuso/data/data-raw/</a:t>
-              </a:r>
-            </a:p>
-          </p:txBody>
-        </p:sp>
-        <p:grpSp>
-          <p:nvGrpSpPr>
-            <p:cNvPr id="84" name="Group 83">
-              <a:extLst>
-                <a:ext uri="{FF2B5EF4-FFF2-40B4-BE49-F238E27FC236}">
-                  <a16:creationId xmlns:a16="http://schemas.microsoft.com/office/drawing/2014/main" id="{68B4C7FC-9B16-48A5-9D9E-7A7E2A23CFE9}"/>
-                </a:ext>
-              </a:extLst>
-            </p:cNvPr>
-            <p:cNvGrpSpPr/>
-            <p:nvPr/>
-          </p:nvGrpSpPr>
-          <p:grpSpPr>
-            <a:xfrm>
-              <a:off x="2296161" y="2674564"/>
-              <a:ext cx="1427418" cy="362493"/>
-              <a:chOff x="861749" y="596403"/>
-              <a:chExt cx="1830651" cy="543739"/>
-            </a:xfrm>
-          </p:grpSpPr>
-          <p:sp>
-            <p:nvSpPr>
-              <p:cNvPr id="92" name="Rectangle 91">
-                <a:extLst>
-                  <a:ext uri="{FF2B5EF4-FFF2-40B4-BE49-F238E27FC236}">
-                    <a16:creationId xmlns:a16="http://schemas.microsoft.com/office/drawing/2014/main" id="{B7F97D08-8036-4053-A14C-FEC128094782}"/>
-                  </a:ext>
-                </a:extLst>
-              </p:cNvPr>
-              <p:cNvSpPr/>
-              <p:nvPr/>
-            </p:nvSpPr>
-            <p:spPr>
-              <a:xfrm>
-                <a:off x="863600" y="596403"/>
-                <a:ext cx="1828800" cy="177262"/>
-              </a:xfrm>
-              <a:prstGeom prst="rect">
-                <a:avLst/>
-              </a:prstGeom>
-              <a:solidFill>
-                <a:schemeClr val="accent6"/>
-              </a:solidFill>
-              <a:ln>
-                <a:solidFill>
-                  <a:schemeClr val="tx1"/>
-                </a:solidFill>
-              </a:ln>
-            </p:spPr>
-            <p:style>
-              <a:lnRef idx="2">
-                <a:schemeClr val="accent1">
-                  <a:shade val="50000"/>
-                </a:schemeClr>
-              </a:lnRef>
-              <a:fillRef idx="1">
-                <a:schemeClr val="accent1"/>
-              </a:fillRef>
-              <a:effectRef idx="0">
-                <a:schemeClr val="accent1"/>
-              </a:effectRef>
-              <a:fontRef idx="minor">
-                <a:schemeClr val="lt1"/>
-              </a:fontRef>
-            </p:style>
-            <p:txBody>
-              <a:bodyPr rtlCol="0" anchor="ctr"/>
-              <a:lstStyle/>
-              <a:p>
-                <a:pPr algn="ctr"/>
-                <a:r>
-                  <a:rPr lang="en-US" sz="800" i="1" dirty="0" err="1">
-                    <a:solidFill>
-                      <a:schemeClr val="tx1"/>
-                    </a:solidFill>
-                  </a:rPr>
-                  <a:t>cpue_GOA_selected_spp.csv</a:t>
-                </a:r>
-                <a:endParaRPr lang="en-US" sz="800" i="1" dirty="0">
-                  <a:solidFill>
-                    <a:schemeClr val="tx1"/>
-                  </a:solidFill>
-                </a:endParaRPr>
-              </a:p>
-            </p:txBody>
-          </p:sp>
-          <p:sp>
-            <p:nvSpPr>
-              <p:cNvPr id="93" name="Rectangle 92">
-                <a:extLst>
-                  <a:ext uri="{FF2B5EF4-FFF2-40B4-BE49-F238E27FC236}">
-                    <a16:creationId xmlns:a16="http://schemas.microsoft.com/office/drawing/2014/main" id="{60E3E17B-830F-4B44-BAF2-F1BD9F115C29}"/>
-                  </a:ext>
-                </a:extLst>
-              </p:cNvPr>
-              <p:cNvSpPr/>
-              <p:nvPr/>
-            </p:nvSpPr>
-            <p:spPr>
-              <a:xfrm>
-                <a:off x="863600" y="781487"/>
-                <a:ext cx="1828800" cy="177262"/>
-              </a:xfrm>
-              <a:prstGeom prst="rect">
-                <a:avLst/>
-              </a:prstGeom>
-              <a:solidFill>
-                <a:schemeClr val="accent6"/>
-              </a:solidFill>
-              <a:ln>
-                <a:solidFill>
-                  <a:schemeClr val="tx1"/>
-                </a:solidFill>
-              </a:ln>
-            </p:spPr>
-            <p:style>
-              <a:lnRef idx="2">
-                <a:schemeClr val="accent1">
-                  <a:shade val="50000"/>
-                </a:schemeClr>
-              </a:lnRef>
-              <a:fillRef idx="1">
-                <a:schemeClr val="accent1"/>
-              </a:fillRef>
-              <a:effectRef idx="0">
-                <a:schemeClr val="accent1"/>
-              </a:effectRef>
-              <a:fontRef idx="minor">
-                <a:schemeClr val="lt1"/>
-              </a:fontRef>
-            </p:style>
-            <p:txBody>
-              <a:bodyPr rtlCol="0" anchor="ctr"/>
-              <a:lstStyle/>
-              <a:p>
-                <a:pPr algn="ctr"/>
-                <a:r>
-                  <a:rPr lang="en-US" sz="800" i="1" dirty="0" err="1">
-                    <a:solidFill>
-                      <a:schemeClr val="tx1"/>
-                    </a:solidFill>
-                  </a:rPr>
-                  <a:t>haul.csv</a:t>
-                </a:r>
-                <a:endParaRPr lang="en-US" sz="800" i="1" dirty="0">
-                  <a:solidFill>
-                    <a:schemeClr val="tx1"/>
-                  </a:solidFill>
-                </a:endParaRPr>
-              </a:p>
-            </p:txBody>
-          </p:sp>
-          <p:sp>
-            <p:nvSpPr>
-              <p:cNvPr id="94" name="Rectangle 93">
-                <a:extLst>
-                  <a:ext uri="{FF2B5EF4-FFF2-40B4-BE49-F238E27FC236}">
-                    <a16:creationId xmlns:a16="http://schemas.microsoft.com/office/drawing/2014/main" id="{61438BD5-F79A-43DC-B9D7-D698204CDF34}"/>
-                  </a:ext>
-                </a:extLst>
-              </p:cNvPr>
-              <p:cNvSpPr/>
-              <p:nvPr/>
-            </p:nvSpPr>
-            <p:spPr>
-              <a:xfrm>
-                <a:off x="861749" y="962880"/>
-                <a:ext cx="1828800" cy="177262"/>
-              </a:xfrm>
-              <a:prstGeom prst="rect">
-                <a:avLst/>
-              </a:prstGeom>
-              <a:solidFill>
-                <a:schemeClr val="accent6"/>
-              </a:solidFill>
-              <a:ln>
-                <a:solidFill>
-                  <a:schemeClr val="tx1"/>
-                </a:solidFill>
-              </a:ln>
-            </p:spPr>
-            <p:style>
-              <a:lnRef idx="2">
-                <a:schemeClr val="accent1">
-                  <a:shade val="50000"/>
-                </a:schemeClr>
-              </a:lnRef>
-              <a:fillRef idx="1">
-                <a:schemeClr val="accent1"/>
-              </a:fillRef>
-              <a:effectRef idx="0">
-                <a:schemeClr val="accent1"/>
-              </a:effectRef>
-              <a:fontRef idx="minor">
-                <a:schemeClr val="lt1"/>
-              </a:fontRef>
-            </p:style>
-            <p:txBody>
-              <a:bodyPr rtlCol="0" anchor="ctr"/>
-              <a:lstStyle/>
-              <a:p>
-                <a:pPr algn="ctr"/>
-                <a:r>
-                  <a:rPr lang="en-US" sz="800" i="1" dirty="0" err="1">
-                    <a:solidFill>
-                      <a:schemeClr val="tx1"/>
-                    </a:solidFill>
-                  </a:rPr>
-                  <a:t>species.csv</a:t>
-                </a:r>
-                <a:endParaRPr lang="en-US" sz="800" i="1" dirty="0">
-                  <a:solidFill>
-                    <a:schemeClr val="tx1"/>
-                  </a:solidFill>
-                </a:endParaRPr>
-              </a:p>
-            </p:txBody>
-          </p:sp>
-        </p:grpSp>
-        <p:cxnSp>
-          <p:nvCxnSpPr>
-            <p:cNvPr id="86" name="Straight Arrow Connector 85">
-              <a:extLst>
-                <a:ext uri="{FF2B5EF4-FFF2-40B4-BE49-F238E27FC236}">
-                  <a16:creationId xmlns:a16="http://schemas.microsoft.com/office/drawing/2014/main" id="{8AA861DA-0461-4A54-A8BB-2273934CD864}"/>
-                </a:ext>
-              </a:extLst>
-            </p:cNvPr>
-            <p:cNvCxnSpPr>
-              <a:cxnSpLocks/>
-              <a:stCxn id="91" idx="2"/>
-              <a:endCxn id="76" idx="0"/>
-            </p:cNvCxnSpPr>
-            <p:nvPr/>
-          </p:nvCxnSpPr>
-          <p:spPr>
-            <a:xfrm flipH="1">
-              <a:off x="3008345" y="3178969"/>
-              <a:ext cx="1524" cy="562398"/>
-            </a:xfrm>
-            <a:prstGeom prst="straightConnector1">
-              <a:avLst/>
-            </a:prstGeom>
-            <a:ln w="38100">
-              <a:solidFill>
-                <a:schemeClr val="tx1"/>
-              </a:solidFill>
-              <a:tailEnd type="triangle"/>
-            </a:ln>
-          </p:spPr>
-          <p:style>
-            <a:lnRef idx="1">
-              <a:schemeClr val="accent1"/>
-            </a:lnRef>
-            <a:fillRef idx="0">
-              <a:schemeClr val="accent1"/>
-            </a:fillRef>
-            <a:effectRef idx="0">
-              <a:schemeClr val="accent1"/>
-            </a:effectRef>
-            <a:fontRef idx="minor">
-              <a:schemeClr val="tx1"/>
-            </a:fontRef>
-          </p:style>
-        </p:cxnSp>
-        <p:sp>
-          <p:nvSpPr>
-            <p:cNvPr id="88" name="TextBox 87">
-              <a:extLst>
-                <a:ext uri="{FF2B5EF4-FFF2-40B4-BE49-F238E27FC236}">
-                  <a16:creationId xmlns:a16="http://schemas.microsoft.com/office/drawing/2014/main" id="{CB7EC851-BD3D-44C2-976E-D709A11B41EF}"/>
-                </a:ext>
-              </a:extLst>
-            </p:cNvPr>
-            <p:cNvSpPr txBox="1"/>
-            <p:nvPr/>
-          </p:nvSpPr>
-          <p:spPr>
-            <a:xfrm>
-              <a:off x="1974507" y="1827750"/>
-              <a:ext cx="2286000" cy="276999"/>
-            </a:xfrm>
-            <a:prstGeom prst="rect">
-              <a:avLst/>
-            </a:prstGeom>
-            <a:noFill/>
-          </p:spPr>
-          <p:txBody>
-            <a:bodyPr wrap="square">
-              <a:spAutoFit/>
-            </a:bodyPr>
-            <a:lstStyle/>
-            <a:p>
-              <a:pPr algn="ctr"/>
-              <a:r>
-                <a:rPr lang="en-US" sz="1200" i="1" dirty="0"/>
-                <a:t>Synthesize CPUE data</a:t>
-              </a:r>
-            </a:p>
-          </p:txBody>
-        </p:sp>
-        <p:sp>
-          <p:nvSpPr>
-            <p:cNvPr id="91" name="Rectangle 90">
-              <a:extLst>
-                <a:ext uri="{FF2B5EF4-FFF2-40B4-BE49-F238E27FC236}">
-                  <a16:creationId xmlns:a16="http://schemas.microsoft.com/office/drawing/2014/main" id="{8A44F887-93BF-47E1-9726-8CE4D9E824FC}"/>
-                </a:ext>
-              </a:extLst>
-            </p:cNvPr>
-            <p:cNvSpPr/>
-            <p:nvPr/>
-          </p:nvSpPr>
-          <p:spPr>
-            <a:xfrm>
-              <a:off x="2296160" y="3042787"/>
-              <a:ext cx="1427417" cy="136182"/>
+              <a:off x="2300170" y="4023265"/>
+              <a:ext cx="2775924" cy="260426"/>
             </a:xfrm>
             <a:prstGeom prst="rect">
               <a:avLst/>
@@ -9440,7 +8447,7 @@
                     <a:schemeClr val="tx1"/>
                   </a:solidFill>
                 </a:rPr>
-                <a:t>aigoa_bathp1c/</a:t>
+                <a:t>aigoa_bathyp1c/</a:t>
               </a:r>
               <a:r>
                 <a:rPr lang="en-US" sz="800" i="1" dirty="0" err="1">
@@ -9458,104 +8465,12 @@
             </a:p>
           </p:txBody>
         </p:sp>
-        <p:cxnSp>
-          <p:nvCxnSpPr>
-            <p:cNvPr id="96" name="Straight Arrow Connector 95">
+        <p:sp>
+          <p:nvSpPr>
+            <p:cNvPr id="63" name="Rectangle 62">
               <a:extLst>
                 <a:ext uri="{FF2B5EF4-FFF2-40B4-BE49-F238E27FC236}">
-                  <a16:creationId xmlns:a16="http://schemas.microsoft.com/office/drawing/2014/main" id="{CD2D6ABD-06B5-42C7-ADE7-AD601E21183A}"/>
-                </a:ext>
-              </a:extLst>
-            </p:cNvPr>
-            <p:cNvCxnSpPr>
-              <a:cxnSpLocks/>
-              <a:stCxn id="78" idx="2"/>
-              <a:endCxn id="15" idx="0"/>
-            </p:cNvCxnSpPr>
-            <p:nvPr/>
-          </p:nvCxnSpPr>
-          <p:spPr>
-            <a:xfrm>
-              <a:off x="3008345" y="4299558"/>
-              <a:ext cx="649855" cy="1836673"/>
-            </a:xfrm>
-            <a:prstGeom prst="straightConnector1">
-              <a:avLst/>
-            </a:prstGeom>
-            <a:ln w="38100">
-              <a:solidFill>
-                <a:schemeClr val="tx1"/>
-              </a:solidFill>
-              <a:tailEnd type="triangle"/>
-            </a:ln>
-          </p:spPr>
-          <p:style>
-            <a:lnRef idx="1">
-              <a:schemeClr val="accent1"/>
-            </a:lnRef>
-            <a:fillRef idx="0">
-              <a:schemeClr val="accent1"/>
-            </a:fillRef>
-            <a:effectRef idx="0">
-              <a:schemeClr val="accent1"/>
-            </a:effectRef>
-            <a:fontRef idx="minor">
-              <a:schemeClr val="tx1"/>
-            </a:fontRef>
-          </p:style>
-        </p:cxnSp>
-        <p:cxnSp>
-          <p:nvCxnSpPr>
-            <p:cNvPr id="85" name="Straight Arrow Connector 84">
-              <a:extLst>
-                <a:ext uri="{FF2B5EF4-FFF2-40B4-BE49-F238E27FC236}">
-                  <a16:creationId xmlns:a16="http://schemas.microsoft.com/office/drawing/2014/main" id="{BC193750-4EB7-49B9-B11B-A89D0143DC4C}"/>
-                </a:ext>
-              </a:extLst>
-            </p:cNvPr>
-            <p:cNvCxnSpPr>
-              <a:cxnSpLocks/>
-              <a:stCxn id="63" idx="2"/>
-              <a:endCxn id="15" idx="0"/>
-            </p:cNvCxnSpPr>
-            <p:nvPr/>
-          </p:nvCxnSpPr>
-          <p:spPr>
-            <a:xfrm flipH="1">
-              <a:off x="3658200" y="4652858"/>
-              <a:ext cx="2615283" cy="1483373"/>
-            </a:xfrm>
-            <a:prstGeom prst="straightConnector1">
-              <a:avLst/>
-            </a:prstGeom>
-            <a:ln w="38100">
-              <a:solidFill>
-                <a:schemeClr val="tx1"/>
-              </a:solidFill>
-              <a:tailEnd type="triangle"/>
-            </a:ln>
-          </p:spPr>
-          <p:style>
-            <a:lnRef idx="1">
-              <a:schemeClr val="accent1"/>
-            </a:lnRef>
-            <a:fillRef idx="0">
-              <a:schemeClr val="accent1"/>
-            </a:fillRef>
-            <a:effectRef idx="0">
-              <a:schemeClr val="accent1"/>
-            </a:effectRef>
-            <a:fontRef idx="minor">
-              <a:schemeClr val="tx1"/>
-            </a:fontRef>
-          </p:style>
-        </p:cxnSp>
-        <p:sp>
-          <p:nvSpPr>
-            <p:cNvPr id="16" name="Rectangle 15">
-              <a:extLst>
-                <a:ext uri="{FF2B5EF4-FFF2-40B4-BE49-F238E27FC236}">
-                  <a16:creationId xmlns:a16="http://schemas.microsoft.com/office/drawing/2014/main" id="{356B8C3E-D1EB-48E4-83D6-B6E7234DF7B9}"/>
+                  <a16:creationId xmlns:a16="http://schemas.microsoft.com/office/drawing/2014/main" id="{16C1F89C-A408-44E5-892A-55CDACAB9DAC}"/>
                 </a:ext>
               </a:extLst>
             </p:cNvPr>
@@ -9564,18 +8479,18 @@
           </p:nvSpPr>
           <p:spPr>
             <a:xfrm>
-              <a:off x="5083340" y="3627120"/>
-              <a:ext cx="138475" cy="1148715"/>
+              <a:off x="2519371" y="6350212"/>
+              <a:ext cx="2363153" cy="177262"/>
             </a:xfrm>
             <a:prstGeom prst="rect">
               <a:avLst/>
             </a:prstGeom>
             <a:solidFill>
-              <a:schemeClr val="accent2"/>
+              <a:schemeClr val="accent6"/>
             </a:solidFill>
             <a:ln>
               <a:solidFill>
-                <a:schemeClr val="accent2"/>
+                <a:schemeClr val="tx1"/>
               </a:solidFill>
             </a:ln>
           </p:spPr>
@@ -9600,11 +8515,981 @@
             <a:lstStyle/>
             <a:p>
               <a:pPr algn="ctr"/>
-              <a:endParaRPr lang="en-US"/>
+              <a:r>
+                <a:rPr lang="en-US" sz="800" i="1" dirty="0" err="1">
+                  <a:solidFill>
+                    <a:schemeClr val="tx1"/>
+                  </a:solidFill>
+                </a:rPr>
+                <a:t>Extrapolation_depths.RData</a:t>
+              </a:r>
+              <a:endParaRPr lang="en-US" sz="800" i="1" dirty="0">
+                <a:solidFill>
+                  <a:schemeClr val="tx1"/>
+                </a:solidFill>
+              </a:endParaRPr>
+            </a:p>
+          </p:txBody>
+        </p:sp>
+        <p:sp>
+          <p:nvSpPr>
+            <p:cNvPr id="66" name="Rectangle 65">
+              <a:extLst>
+                <a:ext uri="{FF2B5EF4-FFF2-40B4-BE49-F238E27FC236}">
+                  <a16:creationId xmlns:a16="http://schemas.microsoft.com/office/drawing/2014/main" id="{89D583E9-DABA-4DE5-A145-6DB96143EC4A}"/>
+                </a:ext>
+              </a:extLst>
+            </p:cNvPr>
+            <p:cNvSpPr/>
+            <p:nvPr/>
+          </p:nvSpPr>
+          <p:spPr>
+            <a:xfrm>
+              <a:off x="2986096" y="4531101"/>
+              <a:ext cx="1400174" cy="260426"/>
+            </a:xfrm>
+            <a:prstGeom prst="rect">
+              <a:avLst/>
+            </a:prstGeom>
+            <a:solidFill>
+              <a:schemeClr val="accent6"/>
+            </a:solidFill>
+            <a:ln>
+              <a:solidFill>
+                <a:schemeClr val="tx1"/>
+              </a:solidFill>
+            </a:ln>
+          </p:spPr>
+          <p:style>
+            <a:lnRef idx="2">
+              <a:schemeClr val="accent1">
+                <a:shade val="50000"/>
+              </a:schemeClr>
+            </a:lnRef>
+            <a:fillRef idx="1">
+              <a:schemeClr val="accent1"/>
+            </a:fillRef>
+            <a:effectRef idx="0">
+              <a:schemeClr val="accent1"/>
+            </a:effectRef>
+            <a:fontRef idx="minor">
+              <a:schemeClr val="lt1"/>
+            </a:fontRef>
+          </p:style>
+          <p:txBody>
+            <a:bodyPr rtlCol="0" anchor="ctr"/>
+            <a:lstStyle/>
+            <a:p>
+              <a:pPr algn="ctr"/>
+              <a:r>
+                <a:rPr lang="en-US" sz="800" i="1" dirty="0">
+                  <a:solidFill>
+                    <a:schemeClr val="tx1"/>
+                  </a:solidFill>
+                </a:rPr>
+                <a:t>GOA_multspp.csv</a:t>
+              </a:r>
             </a:p>
           </p:txBody>
         </p:sp>
       </p:grpSp>
+      <p:sp>
+        <p:nvSpPr>
+          <p:cNvPr id="72" name="Rectangle 71">
+            <a:extLst>
+              <a:ext uri="{FF2B5EF4-FFF2-40B4-BE49-F238E27FC236}">
+                <a16:creationId xmlns:a16="http://schemas.microsoft.com/office/drawing/2014/main" id="{F68C58B1-2F25-46DF-AFAF-39B45DB2FED9}"/>
+              </a:ext>
+            </a:extLst>
+          </p:cNvPr>
+          <p:cNvSpPr/>
+          <p:nvPr/>
+        </p:nvSpPr>
+        <p:spPr>
+          <a:xfrm>
+            <a:off x="1959776" y="1826021"/>
+            <a:ext cx="2286000" cy="3081493"/>
+          </a:xfrm>
+          <a:prstGeom prst="rect">
+            <a:avLst/>
+          </a:prstGeom>
+          <a:solidFill>
+            <a:srgbClr val="00B0F0"/>
+          </a:solidFill>
+          <a:ln>
+            <a:solidFill>
+              <a:schemeClr val="tx1"/>
+            </a:solidFill>
+          </a:ln>
+        </p:spPr>
+        <p:style>
+          <a:lnRef idx="2">
+            <a:schemeClr val="accent1">
+              <a:shade val="50000"/>
+            </a:schemeClr>
+          </a:lnRef>
+          <a:fillRef idx="1">
+            <a:schemeClr val="accent1"/>
+          </a:fillRef>
+          <a:effectRef idx="0">
+            <a:schemeClr val="accent1"/>
+          </a:effectRef>
+          <a:fontRef idx="minor">
+            <a:schemeClr val="lt1"/>
+          </a:fontRef>
+        </p:style>
+        <p:txBody>
+          <a:bodyPr rtlCol="0" anchor="ctr"/>
+          <a:lstStyle/>
+          <a:p>
+            <a:pPr algn="ctr"/>
+            <a:endParaRPr lang="en-US" sz="933" i="1" dirty="0"/>
+          </a:p>
+        </p:txBody>
+      </p:sp>
+      <p:sp>
+        <p:nvSpPr>
+          <p:cNvPr id="74" name="Rectangle 73">
+            <a:extLst>
+              <a:ext uri="{FF2B5EF4-FFF2-40B4-BE49-F238E27FC236}">
+                <a16:creationId xmlns:a16="http://schemas.microsoft.com/office/drawing/2014/main" id="{B37FCD06-CD50-41B5-B1B2-DE99AF88243B}"/>
+              </a:ext>
+            </a:extLst>
+          </p:cNvPr>
+          <p:cNvSpPr/>
+          <p:nvPr/>
+        </p:nvSpPr>
+        <p:spPr>
+          <a:xfrm>
+            <a:off x="2061182" y="3612471"/>
+            <a:ext cx="3113708" cy="1180279"/>
+          </a:xfrm>
+          <a:prstGeom prst="rect">
+            <a:avLst/>
+          </a:prstGeom>
+          <a:solidFill>
+            <a:schemeClr val="accent2"/>
+          </a:solidFill>
+          <a:ln>
+            <a:solidFill>
+              <a:schemeClr val="tx1"/>
+            </a:solidFill>
+          </a:ln>
+        </p:spPr>
+        <p:style>
+          <a:lnRef idx="2">
+            <a:schemeClr val="accent1">
+              <a:shade val="50000"/>
+            </a:schemeClr>
+          </a:lnRef>
+          <a:fillRef idx="1">
+            <a:schemeClr val="accent1"/>
+          </a:fillRef>
+          <a:effectRef idx="0">
+            <a:schemeClr val="accent1"/>
+          </a:effectRef>
+          <a:fontRef idx="minor">
+            <a:schemeClr val="lt1"/>
+          </a:fontRef>
+        </p:style>
+        <p:txBody>
+          <a:bodyPr rtlCol="0" anchor="ctr"/>
+          <a:lstStyle/>
+          <a:p>
+            <a:pPr algn="ctr"/>
+            <a:endParaRPr lang="en-US" sz="1200"/>
+          </a:p>
+        </p:txBody>
+      </p:sp>
+      <p:sp>
+        <p:nvSpPr>
+          <p:cNvPr id="76" name="Rectangle 75">
+            <a:extLst>
+              <a:ext uri="{FF2B5EF4-FFF2-40B4-BE49-F238E27FC236}">
+                <a16:creationId xmlns:a16="http://schemas.microsoft.com/office/drawing/2014/main" id="{09FDC387-D42D-41E6-9D58-5F5FF5EA01CC}"/>
+              </a:ext>
+            </a:extLst>
+          </p:cNvPr>
+          <p:cNvSpPr/>
+          <p:nvPr/>
+        </p:nvSpPr>
+        <p:spPr>
+          <a:xfrm>
+            <a:off x="2398745" y="3949647"/>
+            <a:ext cx="1219200" cy="118175"/>
+          </a:xfrm>
+          <a:prstGeom prst="rect">
+            <a:avLst/>
+          </a:prstGeom>
+          <a:solidFill>
+            <a:schemeClr val="accent4"/>
+          </a:solidFill>
+          <a:ln>
+            <a:solidFill>
+              <a:schemeClr val="tx1"/>
+            </a:solidFill>
+          </a:ln>
+        </p:spPr>
+        <p:style>
+          <a:lnRef idx="2">
+            <a:schemeClr val="accent1">
+              <a:shade val="50000"/>
+            </a:schemeClr>
+          </a:lnRef>
+          <a:fillRef idx="1">
+            <a:schemeClr val="accent1"/>
+          </a:fillRef>
+          <a:effectRef idx="0">
+            <a:schemeClr val="accent1"/>
+          </a:effectRef>
+          <a:fontRef idx="minor">
+            <a:schemeClr val="lt1"/>
+          </a:fontRef>
+        </p:style>
+        <p:txBody>
+          <a:bodyPr rtlCol="0" anchor="ctr"/>
+          <a:lstStyle/>
+          <a:p>
+            <a:pPr algn="ctr"/>
+            <a:r>
+              <a:rPr lang="en-US" sz="800" i="1" dirty="0" err="1">
+                <a:solidFill>
+                  <a:schemeClr val="tx1"/>
+                </a:solidFill>
+              </a:rPr>
+              <a:t>data_survey.R</a:t>
+            </a:r>
+            <a:endParaRPr lang="en-US" sz="800" i="1" dirty="0">
+              <a:solidFill>
+                <a:schemeClr val="tx1"/>
+              </a:solidFill>
+            </a:endParaRPr>
+          </a:p>
+        </p:txBody>
+      </p:sp>
+      <p:sp>
+        <p:nvSpPr>
+          <p:cNvPr id="78" name="Rectangle 77">
+            <a:extLst>
+              <a:ext uri="{FF2B5EF4-FFF2-40B4-BE49-F238E27FC236}">
+                <a16:creationId xmlns:a16="http://schemas.microsoft.com/office/drawing/2014/main" id="{AB668467-898C-4932-BE98-CB129B241EAF}"/>
+              </a:ext>
+            </a:extLst>
+          </p:cNvPr>
+          <p:cNvSpPr/>
+          <p:nvPr/>
+        </p:nvSpPr>
+        <p:spPr>
+          <a:xfrm>
+            <a:off x="2398745" y="4389663"/>
+            <a:ext cx="1219200" cy="118175"/>
+          </a:xfrm>
+          <a:prstGeom prst="rect">
+            <a:avLst/>
+          </a:prstGeom>
+          <a:solidFill>
+            <a:schemeClr val="accent6"/>
+          </a:solidFill>
+          <a:ln>
+            <a:solidFill>
+              <a:schemeClr val="tx1"/>
+            </a:solidFill>
+          </a:ln>
+        </p:spPr>
+        <p:style>
+          <a:lnRef idx="2">
+            <a:schemeClr val="accent1">
+              <a:shade val="50000"/>
+            </a:schemeClr>
+          </a:lnRef>
+          <a:fillRef idx="1">
+            <a:schemeClr val="accent1"/>
+          </a:fillRef>
+          <a:effectRef idx="0">
+            <a:schemeClr val="accent1"/>
+          </a:effectRef>
+          <a:fontRef idx="minor">
+            <a:schemeClr val="lt1"/>
+          </a:fontRef>
+        </p:style>
+        <p:txBody>
+          <a:bodyPr rtlCol="0" anchor="ctr"/>
+          <a:lstStyle/>
+          <a:p>
+            <a:pPr algn="ctr"/>
+            <a:r>
+              <a:rPr lang="en-US" sz="800" i="1" dirty="0" err="1">
+                <a:solidFill>
+                  <a:schemeClr val="tx1"/>
+                </a:solidFill>
+              </a:rPr>
+              <a:t>GOA_multspp.csv</a:t>
+            </a:r>
+            <a:endParaRPr lang="en-US" sz="800" i="1" dirty="0">
+              <a:solidFill>
+                <a:schemeClr val="tx1"/>
+              </a:solidFill>
+            </a:endParaRPr>
+          </a:p>
+        </p:txBody>
+      </p:sp>
+      <p:cxnSp>
+        <p:nvCxnSpPr>
+          <p:cNvPr id="79" name="Straight Arrow Connector 78">
+            <a:extLst>
+              <a:ext uri="{FF2B5EF4-FFF2-40B4-BE49-F238E27FC236}">
+                <a16:creationId xmlns:a16="http://schemas.microsoft.com/office/drawing/2014/main" id="{77665D64-2C03-43B5-8F2B-468798E7C314}"/>
+              </a:ext>
+            </a:extLst>
+          </p:cNvPr>
+          <p:cNvCxnSpPr>
+            <a:cxnSpLocks/>
+            <a:stCxn id="76" idx="2"/>
+            <a:endCxn id="78" idx="0"/>
+          </p:cNvCxnSpPr>
+          <p:nvPr/>
+        </p:nvCxnSpPr>
+        <p:spPr>
+          <a:xfrm>
+            <a:off x="3008345" y="4067822"/>
+            <a:ext cx="0" cy="321841"/>
+          </a:xfrm>
+          <a:prstGeom prst="straightConnector1">
+            <a:avLst/>
+          </a:prstGeom>
+          <a:ln w="38100">
+            <a:solidFill>
+              <a:schemeClr val="tx1"/>
+            </a:solidFill>
+            <a:tailEnd type="triangle"/>
+          </a:ln>
+        </p:spPr>
+        <p:style>
+          <a:lnRef idx="1">
+            <a:schemeClr val="accent1"/>
+          </a:lnRef>
+          <a:fillRef idx="0">
+            <a:schemeClr val="accent1"/>
+          </a:fillRef>
+          <a:effectRef idx="0">
+            <a:schemeClr val="accent1"/>
+          </a:effectRef>
+          <a:fontRef idx="minor">
+            <a:schemeClr val="tx1"/>
+          </a:fontRef>
+        </p:style>
+      </p:cxnSp>
+      <p:sp>
+        <p:nvSpPr>
+          <p:cNvPr id="80" name="Rectangle 79">
+            <a:extLst>
+              <a:ext uri="{FF2B5EF4-FFF2-40B4-BE49-F238E27FC236}">
+                <a16:creationId xmlns:a16="http://schemas.microsoft.com/office/drawing/2014/main" id="{8E4CBDD1-0266-4D14-BFA9-ACF9BF344875}"/>
+              </a:ext>
+            </a:extLst>
+          </p:cNvPr>
+          <p:cNvSpPr/>
+          <p:nvPr/>
+        </p:nvSpPr>
+        <p:spPr>
+          <a:xfrm>
+            <a:off x="2076231" y="2273328"/>
+            <a:ext cx="1846613" cy="1020253"/>
+          </a:xfrm>
+          <a:prstGeom prst="rect">
+            <a:avLst/>
+          </a:prstGeom>
+          <a:solidFill>
+            <a:schemeClr val="accent2"/>
+          </a:solidFill>
+          <a:ln>
+            <a:solidFill>
+              <a:schemeClr val="tx1"/>
+            </a:solidFill>
+          </a:ln>
+        </p:spPr>
+        <p:style>
+          <a:lnRef idx="2">
+            <a:schemeClr val="accent1">
+              <a:shade val="50000"/>
+            </a:schemeClr>
+          </a:lnRef>
+          <a:fillRef idx="1">
+            <a:schemeClr val="accent1"/>
+          </a:fillRef>
+          <a:effectRef idx="0">
+            <a:schemeClr val="accent1"/>
+          </a:effectRef>
+          <a:fontRef idx="minor">
+            <a:schemeClr val="lt1"/>
+          </a:fontRef>
+        </p:style>
+        <p:txBody>
+          <a:bodyPr rtlCol="0" anchor="ctr"/>
+          <a:lstStyle/>
+          <a:p>
+            <a:pPr algn="ctr"/>
+            <a:endParaRPr lang="en-US" sz="1200"/>
+          </a:p>
+        </p:txBody>
+      </p:sp>
+      <p:sp>
+        <p:nvSpPr>
+          <p:cNvPr id="82" name="TextBox 81">
+            <a:extLst>
+              <a:ext uri="{FF2B5EF4-FFF2-40B4-BE49-F238E27FC236}">
+                <a16:creationId xmlns:a16="http://schemas.microsoft.com/office/drawing/2014/main" id="{993181E4-6BAA-4464-926C-A4F1F13E6EBE}"/>
+              </a:ext>
+            </a:extLst>
+          </p:cNvPr>
+          <p:cNvSpPr txBox="1"/>
+          <p:nvPr/>
+        </p:nvSpPr>
+        <p:spPr>
+          <a:xfrm>
+            <a:off x="1845411" y="2291834"/>
+            <a:ext cx="2287928" cy="276999"/>
+          </a:xfrm>
+          <a:prstGeom prst="rect">
+            <a:avLst/>
+          </a:prstGeom>
+          <a:noFill/>
+        </p:spPr>
+        <p:txBody>
+          <a:bodyPr wrap="square">
+            <a:spAutoFit/>
+          </a:bodyPr>
+          <a:lstStyle/>
+          <a:p>
+            <a:pPr algn="ctr"/>
+            <a:r>
+              <a:rPr lang="en-US" sz="1200" i="1" dirty="0"/>
+              <a:t>G:/Oyafuso/data/data-raw/</a:t>
+            </a:r>
+          </a:p>
+        </p:txBody>
+      </p:sp>
+      <p:grpSp>
+        <p:nvGrpSpPr>
+          <p:cNvPr id="84" name="Group 83">
+            <a:extLst>
+              <a:ext uri="{FF2B5EF4-FFF2-40B4-BE49-F238E27FC236}">
+                <a16:creationId xmlns:a16="http://schemas.microsoft.com/office/drawing/2014/main" id="{68B4C7FC-9B16-48A5-9D9E-7A7E2A23CFE9}"/>
+              </a:ext>
+            </a:extLst>
+          </p:cNvPr>
+          <p:cNvGrpSpPr/>
+          <p:nvPr/>
+        </p:nvGrpSpPr>
+        <p:grpSpPr>
+          <a:xfrm>
+            <a:off x="2296161" y="2674564"/>
+            <a:ext cx="1427418" cy="362493"/>
+            <a:chOff x="861749" y="596403"/>
+            <a:chExt cx="1830651" cy="543739"/>
+          </a:xfrm>
+        </p:grpSpPr>
+        <p:sp>
+          <p:nvSpPr>
+            <p:cNvPr id="92" name="Rectangle 91">
+              <a:extLst>
+                <a:ext uri="{FF2B5EF4-FFF2-40B4-BE49-F238E27FC236}">
+                  <a16:creationId xmlns:a16="http://schemas.microsoft.com/office/drawing/2014/main" id="{B7F97D08-8036-4053-A14C-FEC128094782}"/>
+                </a:ext>
+              </a:extLst>
+            </p:cNvPr>
+            <p:cNvSpPr/>
+            <p:nvPr/>
+          </p:nvSpPr>
+          <p:spPr>
+            <a:xfrm>
+              <a:off x="863600" y="596403"/>
+              <a:ext cx="1828800" cy="177262"/>
+            </a:xfrm>
+            <a:prstGeom prst="rect">
+              <a:avLst/>
+            </a:prstGeom>
+            <a:solidFill>
+              <a:schemeClr val="accent6"/>
+            </a:solidFill>
+            <a:ln>
+              <a:solidFill>
+                <a:schemeClr val="tx1"/>
+              </a:solidFill>
+            </a:ln>
+          </p:spPr>
+          <p:style>
+            <a:lnRef idx="2">
+              <a:schemeClr val="accent1">
+                <a:shade val="50000"/>
+              </a:schemeClr>
+            </a:lnRef>
+            <a:fillRef idx="1">
+              <a:schemeClr val="accent1"/>
+            </a:fillRef>
+            <a:effectRef idx="0">
+              <a:schemeClr val="accent1"/>
+            </a:effectRef>
+            <a:fontRef idx="minor">
+              <a:schemeClr val="lt1"/>
+            </a:fontRef>
+          </p:style>
+          <p:txBody>
+            <a:bodyPr rtlCol="0" anchor="ctr"/>
+            <a:lstStyle/>
+            <a:p>
+              <a:pPr algn="ctr"/>
+              <a:r>
+                <a:rPr lang="en-US" sz="800" i="1" dirty="0" err="1">
+                  <a:solidFill>
+                    <a:schemeClr val="tx1"/>
+                  </a:solidFill>
+                </a:rPr>
+                <a:t>cpue_GOA_selected_spp.csv</a:t>
+              </a:r>
+              <a:endParaRPr lang="en-US" sz="800" i="1" dirty="0">
+                <a:solidFill>
+                  <a:schemeClr val="tx1"/>
+                </a:solidFill>
+              </a:endParaRPr>
+            </a:p>
+          </p:txBody>
+        </p:sp>
+        <p:sp>
+          <p:nvSpPr>
+            <p:cNvPr id="93" name="Rectangle 92">
+              <a:extLst>
+                <a:ext uri="{FF2B5EF4-FFF2-40B4-BE49-F238E27FC236}">
+                  <a16:creationId xmlns:a16="http://schemas.microsoft.com/office/drawing/2014/main" id="{60E3E17B-830F-4B44-BAF2-F1BD9F115C29}"/>
+                </a:ext>
+              </a:extLst>
+            </p:cNvPr>
+            <p:cNvSpPr/>
+            <p:nvPr/>
+          </p:nvSpPr>
+          <p:spPr>
+            <a:xfrm>
+              <a:off x="863600" y="781487"/>
+              <a:ext cx="1828800" cy="177262"/>
+            </a:xfrm>
+            <a:prstGeom prst="rect">
+              <a:avLst/>
+            </a:prstGeom>
+            <a:solidFill>
+              <a:schemeClr val="accent6"/>
+            </a:solidFill>
+            <a:ln>
+              <a:solidFill>
+                <a:schemeClr val="tx1"/>
+              </a:solidFill>
+            </a:ln>
+          </p:spPr>
+          <p:style>
+            <a:lnRef idx="2">
+              <a:schemeClr val="accent1">
+                <a:shade val="50000"/>
+              </a:schemeClr>
+            </a:lnRef>
+            <a:fillRef idx="1">
+              <a:schemeClr val="accent1"/>
+            </a:fillRef>
+            <a:effectRef idx="0">
+              <a:schemeClr val="accent1"/>
+            </a:effectRef>
+            <a:fontRef idx="minor">
+              <a:schemeClr val="lt1"/>
+            </a:fontRef>
+          </p:style>
+          <p:txBody>
+            <a:bodyPr rtlCol="0" anchor="ctr"/>
+            <a:lstStyle/>
+            <a:p>
+              <a:pPr algn="ctr"/>
+              <a:r>
+                <a:rPr lang="en-US" sz="800" i="1" dirty="0" err="1">
+                  <a:solidFill>
+                    <a:schemeClr val="tx1"/>
+                  </a:solidFill>
+                </a:rPr>
+                <a:t>haul.csv</a:t>
+              </a:r>
+              <a:endParaRPr lang="en-US" sz="800" i="1" dirty="0">
+                <a:solidFill>
+                  <a:schemeClr val="tx1"/>
+                </a:solidFill>
+              </a:endParaRPr>
+            </a:p>
+          </p:txBody>
+        </p:sp>
+        <p:sp>
+          <p:nvSpPr>
+            <p:cNvPr id="94" name="Rectangle 93">
+              <a:extLst>
+                <a:ext uri="{FF2B5EF4-FFF2-40B4-BE49-F238E27FC236}">
+                  <a16:creationId xmlns:a16="http://schemas.microsoft.com/office/drawing/2014/main" id="{61438BD5-F79A-43DC-B9D7-D698204CDF34}"/>
+                </a:ext>
+              </a:extLst>
+            </p:cNvPr>
+            <p:cNvSpPr/>
+            <p:nvPr/>
+          </p:nvSpPr>
+          <p:spPr>
+            <a:xfrm>
+              <a:off x="861749" y="962880"/>
+              <a:ext cx="1828800" cy="177262"/>
+            </a:xfrm>
+            <a:prstGeom prst="rect">
+              <a:avLst/>
+            </a:prstGeom>
+            <a:solidFill>
+              <a:schemeClr val="accent6"/>
+            </a:solidFill>
+            <a:ln>
+              <a:solidFill>
+                <a:schemeClr val="tx1"/>
+              </a:solidFill>
+            </a:ln>
+          </p:spPr>
+          <p:style>
+            <a:lnRef idx="2">
+              <a:schemeClr val="accent1">
+                <a:shade val="50000"/>
+              </a:schemeClr>
+            </a:lnRef>
+            <a:fillRef idx="1">
+              <a:schemeClr val="accent1"/>
+            </a:fillRef>
+            <a:effectRef idx="0">
+              <a:schemeClr val="accent1"/>
+            </a:effectRef>
+            <a:fontRef idx="minor">
+              <a:schemeClr val="lt1"/>
+            </a:fontRef>
+          </p:style>
+          <p:txBody>
+            <a:bodyPr rtlCol="0" anchor="ctr"/>
+            <a:lstStyle/>
+            <a:p>
+              <a:pPr algn="ctr"/>
+              <a:r>
+                <a:rPr lang="en-US" sz="800" i="1" dirty="0" err="1">
+                  <a:solidFill>
+                    <a:schemeClr val="tx1"/>
+                  </a:solidFill>
+                </a:rPr>
+                <a:t>species.csv</a:t>
+              </a:r>
+              <a:endParaRPr lang="en-US" sz="800" i="1" dirty="0">
+                <a:solidFill>
+                  <a:schemeClr val="tx1"/>
+                </a:solidFill>
+              </a:endParaRPr>
+            </a:p>
+          </p:txBody>
+        </p:sp>
+      </p:grpSp>
+      <p:cxnSp>
+        <p:nvCxnSpPr>
+          <p:cNvPr id="86" name="Straight Arrow Connector 85">
+            <a:extLst>
+              <a:ext uri="{FF2B5EF4-FFF2-40B4-BE49-F238E27FC236}">
+                <a16:creationId xmlns:a16="http://schemas.microsoft.com/office/drawing/2014/main" id="{8AA861DA-0461-4A54-A8BB-2273934CD864}"/>
+              </a:ext>
+            </a:extLst>
+          </p:cNvPr>
+          <p:cNvCxnSpPr>
+            <a:cxnSpLocks/>
+            <a:stCxn id="91" idx="2"/>
+            <a:endCxn id="76" idx="0"/>
+          </p:cNvCxnSpPr>
+          <p:nvPr/>
+        </p:nvCxnSpPr>
+        <p:spPr>
+          <a:xfrm flipH="1">
+            <a:off x="3008345" y="3178969"/>
+            <a:ext cx="1524" cy="770678"/>
+          </a:xfrm>
+          <a:prstGeom prst="straightConnector1">
+            <a:avLst/>
+          </a:prstGeom>
+          <a:ln w="38100">
+            <a:solidFill>
+              <a:schemeClr val="tx1"/>
+            </a:solidFill>
+            <a:tailEnd type="triangle"/>
+          </a:ln>
+        </p:spPr>
+        <p:style>
+          <a:lnRef idx="1">
+            <a:schemeClr val="accent1"/>
+          </a:lnRef>
+          <a:fillRef idx="0">
+            <a:schemeClr val="accent1"/>
+          </a:fillRef>
+          <a:effectRef idx="0">
+            <a:schemeClr val="accent1"/>
+          </a:effectRef>
+          <a:fontRef idx="minor">
+            <a:schemeClr val="tx1"/>
+          </a:fontRef>
+        </p:style>
+      </p:cxnSp>
+      <p:sp>
+        <p:nvSpPr>
+          <p:cNvPr id="88" name="TextBox 87">
+            <a:extLst>
+              <a:ext uri="{FF2B5EF4-FFF2-40B4-BE49-F238E27FC236}">
+                <a16:creationId xmlns:a16="http://schemas.microsoft.com/office/drawing/2014/main" id="{CB7EC851-BD3D-44C2-976E-D709A11B41EF}"/>
+              </a:ext>
+            </a:extLst>
+          </p:cNvPr>
+          <p:cNvSpPr txBox="1"/>
+          <p:nvPr/>
+        </p:nvSpPr>
+        <p:spPr>
+          <a:xfrm>
+            <a:off x="1974507" y="1827750"/>
+            <a:ext cx="2286000" cy="276999"/>
+          </a:xfrm>
+          <a:prstGeom prst="rect">
+            <a:avLst/>
+          </a:prstGeom>
+          <a:noFill/>
+        </p:spPr>
+        <p:txBody>
+          <a:bodyPr wrap="square">
+            <a:spAutoFit/>
+          </a:bodyPr>
+          <a:lstStyle/>
+          <a:p>
+            <a:pPr algn="ctr"/>
+            <a:r>
+              <a:rPr lang="en-US" sz="1200" i="1" dirty="0"/>
+              <a:t>Synthesize CPUE data</a:t>
+            </a:r>
+          </a:p>
+        </p:txBody>
+      </p:sp>
+      <p:sp>
+        <p:nvSpPr>
+          <p:cNvPr id="91" name="Rectangle 90">
+            <a:extLst>
+              <a:ext uri="{FF2B5EF4-FFF2-40B4-BE49-F238E27FC236}">
+                <a16:creationId xmlns:a16="http://schemas.microsoft.com/office/drawing/2014/main" id="{8A44F887-93BF-47E1-9726-8CE4D9E824FC}"/>
+              </a:ext>
+            </a:extLst>
+          </p:cNvPr>
+          <p:cNvSpPr/>
+          <p:nvPr/>
+        </p:nvSpPr>
+        <p:spPr>
+          <a:xfrm>
+            <a:off x="2296160" y="3042787"/>
+            <a:ext cx="1427417" cy="136182"/>
+          </a:xfrm>
+          <a:prstGeom prst="rect">
+            <a:avLst/>
+          </a:prstGeom>
+          <a:solidFill>
+            <a:schemeClr val="accent6"/>
+          </a:solidFill>
+          <a:ln>
+            <a:solidFill>
+              <a:schemeClr val="tx1"/>
+            </a:solidFill>
+          </a:ln>
+        </p:spPr>
+        <p:style>
+          <a:lnRef idx="2">
+            <a:schemeClr val="accent1">
+              <a:shade val="50000"/>
+            </a:schemeClr>
+          </a:lnRef>
+          <a:fillRef idx="1">
+            <a:schemeClr val="accent1"/>
+          </a:fillRef>
+          <a:effectRef idx="0">
+            <a:schemeClr val="accent1"/>
+          </a:effectRef>
+          <a:fontRef idx="minor">
+            <a:schemeClr val="lt1"/>
+          </a:fontRef>
+        </p:style>
+        <p:txBody>
+          <a:bodyPr rtlCol="0" anchor="ctr"/>
+          <a:lstStyle/>
+          <a:p>
+            <a:pPr algn="ctr"/>
+            <a:r>
+              <a:rPr lang="en-US" sz="800" i="1" dirty="0">
+                <a:solidFill>
+                  <a:schemeClr val="tx1"/>
+                </a:solidFill>
+              </a:rPr>
+              <a:t>aigoa_bathp1c/</a:t>
+            </a:r>
+            <a:r>
+              <a:rPr lang="en-US" sz="800" i="1" dirty="0" err="1">
+                <a:solidFill>
+                  <a:schemeClr val="tx1"/>
+                </a:solidFill>
+              </a:rPr>
+              <a:t>dblbnd.adf</a:t>
+            </a:r>
+            <a:endParaRPr lang="en-US" sz="800" i="1" dirty="0">
+              <a:solidFill>
+                <a:schemeClr val="tx1"/>
+              </a:solidFill>
+            </a:endParaRPr>
+          </a:p>
+        </p:txBody>
+      </p:sp>
+      <p:cxnSp>
+        <p:nvCxnSpPr>
+          <p:cNvPr id="96" name="Straight Arrow Connector 95">
+            <a:extLst>
+              <a:ext uri="{FF2B5EF4-FFF2-40B4-BE49-F238E27FC236}">
+                <a16:creationId xmlns:a16="http://schemas.microsoft.com/office/drawing/2014/main" id="{CD2D6ABD-06B5-42C7-ADE7-AD601E21183A}"/>
+              </a:ext>
+            </a:extLst>
+          </p:cNvPr>
+          <p:cNvCxnSpPr>
+            <a:cxnSpLocks/>
+            <a:stCxn id="78" idx="2"/>
+            <a:endCxn id="15" idx="0"/>
+          </p:cNvCxnSpPr>
+          <p:nvPr/>
+        </p:nvCxnSpPr>
+        <p:spPr>
+          <a:xfrm>
+            <a:off x="3008345" y="4507838"/>
+            <a:ext cx="649855" cy="1628393"/>
+          </a:xfrm>
+          <a:prstGeom prst="straightConnector1">
+            <a:avLst/>
+          </a:prstGeom>
+          <a:ln w="38100">
+            <a:solidFill>
+              <a:schemeClr val="tx1"/>
+            </a:solidFill>
+            <a:tailEnd type="triangle"/>
+          </a:ln>
+        </p:spPr>
+        <p:style>
+          <a:lnRef idx="1">
+            <a:schemeClr val="accent1"/>
+          </a:lnRef>
+          <a:fillRef idx="0">
+            <a:schemeClr val="accent1"/>
+          </a:fillRef>
+          <a:effectRef idx="0">
+            <a:schemeClr val="accent1"/>
+          </a:effectRef>
+          <a:fontRef idx="minor">
+            <a:schemeClr val="tx1"/>
+          </a:fontRef>
+        </p:style>
+      </p:cxnSp>
+      <p:cxnSp>
+        <p:nvCxnSpPr>
+          <p:cNvPr id="85" name="Straight Arrow Connector 84">
+            <a:extLst>
+              <a:ext uri="{FF2B5EF4-FFF2-40B4-BE49-F238E27FC236}">
+                <a16:creationId xmlns:a16="http://schemas.microsoft.com/office/drawing/2014/main" id="{BC193750-4EB7-49B9-B11B-A89D0143DC4C}"/>
+              </a:ext>
+            </a:extLst>
+          </p:cNvPr>
+          <p:cNvCxnSpPr>
+            <a:cxnSpLocks/>
+            <a:stCxn id="63" idx="2"/>
+            <a:endCxn id="15" idx="0"/>
+          </p:cNvCxnSpPr>
+          <p:nvPr/>
+        </p:nvCxnSpPr>
+        <p:spPr>
+          <a:xfrm flipH="1">
+            <a:off x="3658200" y="4652858"/>
+            <a:ext cx="2615283" cy="1483373"/>
+          </a:xfrm>
+          <a:prstGeom prst="straightConnector1">
+            <a:avLst/>
+          </a:prstGeom>
+          <a:ln w="38100">
+            <a:solidFill>
+              <a:schemeClr val="tx1"/>
+            </a:solidFill>
+            <a:tailEnd type="triangle"/>
+          </a:ln>
+        </p:spPr>
+        <p:style>
+          <a:lnRef idx="1">
+            <a:schemeClr val="accent1"/>
+          </a:lnRef>
+          <a:fillRef idx="0">
+            <a:schemeClr val="accent1"/>
+          </a:fillRef>
+          <a:effectRef idx="0">
+            <a:schemeClr val="accent1"/>
+          </a:effectRef>
+          <a:fontRef idx="minor">
+            <a:schemeClr val="tx1"/>
+          </a:fontRef>
+        </p:style>
+      </p:cxnSp>
+      <p:sp>
+        <p:nvSpPr>
+          <p:cNvPr id="16" name="Rectangle 15">
+            <a:extLst>
+              <a:ext uri="{FF2B5EF4-FFF2-40B4-BE49-F238E27FC236}">
+                <a16:creationId xmlns:a16="http://schemas.microsoft.com/office/drawing/2014/main" id="{356B8C3E-D1EB-48E4-83D6-B6E7234DF7B9}"/>
+              </a:ext>
+            </a:extLst>
+          </p:cNvPr>
+          <p:cNvSpPr/>
+          <p:nvPr/>
+        </p:nvSpPr>
+        <p:spPr>
+          <a:xfrm>
+            <a:off x="5083340" y="3627120"/>
+            <a:ext cx="138475" cy="1148715"/>
+          </a:xfrm>
+          <a:prstGeom prst="rect">
+            <a:avLst/>
+          </a:prstGeom>
+          <a:solidFill>
+            <a:schemeClr val="accent2"/>
+          </a:solidFill>
+          <a:ln>
+            <a:solidFill>
+              <a:schemeClr val="accent2"/>
+            </a:solidFill>
+          </a:ln>
+        </p:spPr>
+        <p:style>
+          <a:lnRef idx="2">
+            <a:schemeClr val="accent1">
+              <a:shade val="50000"/>
+            </a:schemeClr>
+          </a:lnRef>
+          <a:fillRef idx="1">
+            <a:schemeClr val="accent1"/>
+          </a:fillRef>
+          <a:effectRef idx="0">
+            <a:schemeClr val="accent1"/>
+          </a:effectRef>
+          <a:fontRef idx="minor">
+            <a:schemeClr val="lt1"/>
+          </a:fontRef>
+        </p:style>
+        <p:txBody>
+          <a:bodyPr rtlCol="0" anchor="ctr"/>
+          <a:lstStyle/>
+          <a:p>
+            <a:pPr algn="ctr"/>
+            <a:endParaRPr lang="en-US"/>
+          </a:p>
+        </p:txBody>
+      </p:sp>
     </p:spTree>
     <p:extLst>
       <p:ext uri="{BB962C8B-B14F-4D97-AF65-F5344CB8AC3E}">
